--- a/projeto-site/public/documentacao/Slides para o Projeto Individual.pptx
+++ b/projeto-site/public/documentacao/Slides para o Projeto Individual.pptx
@@ -8,7 +8,8 @@
     <p:sldId id="256" r:id="rId2"/>
     <p:sldId id="261" r:id="rId3"/>
     <p:sldId id="262" r:id="rId4"/>
-    <p:sldId id="265" r:id="rId5"/>
+    <p:sldId id="266" r:id="rId5"/>
+    <p:sldId id="265" r:id="rId6"/>
   </p:sldIdLst>
   <p:sldSz cx="12192000" cy="6858000"/>
   <p:notesSz cx="6858000" cy="9144000"/>
@@ -262,7 +263,7 @@
           <a:p>
             <a:fld id="{A4E102EF-FCCB-4613-B5B2-EF89372FE605}" type="datetimeFigureOut">
               <a:rPr lang="pt-BR" smtClean="0"/>
-              <a:t>18/11/2020</a:t>
+              <a:t>30/11/2020</a:t>
             </a:fld>
             <a:endParaRPr lang="pt-BR"/>
           </a:p>
@@ -460,7 +461,7 @@
           <a:p>
             <a:fld id="{A4E102EF-FCCB-4613-B5B2-EF89372FE605}" type="datetimeFigureOut">
               <a:rPr lang="pt-BR" smtClean="0"/>
-              <a:t>18/11/2020</a:t>
+              <a:t>30/11/2020</a:t>
             </a:fld>
             <a:endParaRPr lang="pt-BR"/>
           </a:p>
@@ -668,7 +669,7 @@
           <a:p>
             <a:fld id="{A4E102EF-FCCB-4613-B5B2-EF89372FE605}" type="datetimeFigureOut">
               <a:rPr lang="pt-BR" smtClean="0"/>
-              <a:t>18/11/2020</a:t>
+              <a:t>30/11/2020</a:t>
             </a:fld>
             <a:endParaRPr lang="pt-BR"/>
           </a:p>
@@ -866,7 +867,7 @@
           <a:p>
             <a:fld id="{A4E102EF-FCCB-4613-B5B2-EF89372FE605}" type="datetimeFigureOut">
               <a:rPr lang="pt-BR" smtClean="0"/>
-              <a:t>18/11/2020</a:t>
+              <a:t>30/11/2020</a:t>
             </a:fld>
             <a:endParaRPr lang="pt-BR"/>
           </a:p>
@@ -1141,7 +1142,7 @@
           <a:p>
             <a:fld id="{A4E102EF-FCCB-4613-B5B2-EF89372FE605}" type="datetimeFigureOut">
               <a:rPr lang="pt-BR" smtClean="0"/>
-              <a:t>18/11/2020</a:t>
+              <a:t>30/11/2020</a:t>
             </a:fld>
             <a:endParaRPr lang="pt-BR"/>
           </a:p>
@@ -1406,7 +1407,7 @@
           <a:p>
             <a:fld id="{A4E102EF-FCCB-4613-B5B2-EF89372FE605}" type="datetimeFigureOut">
               <a:rPr lang="pt-BR" smtClean="0"/>
-              <a:t>18/11/2020</a:t>
+              <a:t>30/11/2020</a:t>
             </a:fld>
             <a:endParaRPr lang="pt-BR"/>
           </a:p>
@@ -1818,7 +1819,7 @@
           <a:p>
             <a:fld id="{A4E102EF-FCCB-4613-B5B2-EF89372FE605}" type="datetimeFigureOut">
               <a:rPr lang="pt-BR" smtClean="0"/>
-              <a:t>18/11/2020</a:t>
+              <a:t>30/11/2020</a:t>
             </a:fld>
             <a:endParaRPr lang="pt-BR"/>
           </a:p>
@@ -1959,7 +1960,7 @@
           <a:p>
             <a:fld id="{A4E102EF-FCCB-4613-B5B2-EF89372FE605}" type="datetimeFigureOut">
               <a:rPr lang="pt-BR" smtClean="0"/>
-              <a:t>18/11/2020</a:t>
+              <a:t>30/11/2020</a:t>
             </a:fld>
             <a:endParaRPr lang="pt-BR"/>
           </a:p>
@@ -2072,7 +2073,7 @@
           <a:p>
             <a:fld id="{A4E102EF-FCCB-4613-B5B2-EF89372FE605}" type="datetimeFigureOut">
               <a:rPr lang="pt-BR" smtClean="0"/>
-              <a:t>18/11/2020</a:t>
+              <a:t>30/11/2020</a:t>
             </a:fld>
             <a:endParaRPr lang="pt-BR"/>
           </a:p>
@@ -2383,7 +2384,7 @@
           <a:p>
             <a:fld id="{A4E102EF-FCCB-4613-B5B2-EF89372FE605}" type="datetimeFigureOut">
               <a:rPr lang="pt-BR" smtClean="0"/>
-              <a:t>18/11/2020</a:t>
+              <a:t>30/11/2020</a:t>
             </a:fld>
             <a:endParaRPr lang="pt-BR"/>
           </a:p>
@@ -2671,7 +2672,7 @@
           <a:p>
             <a:fld id="{A4E102EF-FCCB-4613-B5B2-EF89372FE605}" type="datetimeFigureOut">
               <a:rPr lang="pt-BR" smtClean="0"/>
-              <a:t>18/11/2020</a:t>
+              <a:t>30/11/2020</a:t>
             </a:fld>
             <a:endParaRPr lang="pt-BR"/>
           </a:p>
@@ -2912,7 +2913,7 @@
           <a:p>
             <a:fld id="{A4E102EF-FCCB-4613-B5B2-EF89372FE605}" type="datetimeFigureOut">
               <a:rPr lang="pt-BR" smtClean="0"/>
-              <a:t>18/11/2020</a:t>
+              <a:t>30/11/2020</a:t>
             </a:fld>
             <a:endParaRPr lang="pt-BR"/>
           </a:p>
@@ -4445,6 +4446,996 @@
 </file>
 
 <file path=ppt/slides/slide4.xml><?xml version="1.0" encoding="utf-8"?>
+<p:sld xmlns:a="http://schemas.openxmlformats.org/drawingml/2006/main" xmlns:r="http://schemas.openxmlformats.org/officeDocument/2006/relationships" xmlns:p="http://schemas.openxmlformats.org/presentationml/2006/main">
+  <p:cSld>
+    <p:bg>
+      <p:bgPr>
+        <a:solidFill>
+          <a:schemeClr val="bg1"/>
+        </a:solidFill>
+        <a:effectLst/>
+      </p:bgPr>
+    </p:bg>
+    <p:spTree>
+      <p:nvGrpSpPr>
+        <p:cNvPr id="1" name=""/>
+        <p:cNvGrpSpPr/>
+        <p:nvPr/>
+      </p:nvGrpSpPr>
+      <p:grpSpPr>
+        <a:xfrm>
+          <a:off x="0" y="0"/>
+          <a:ext cx="0" cy="0"/>
+          <a:chOff x="0" y="0"/>
+          <a:chExt cx="0" cy="0"/>
+        </a:xfrm>
+      </p:grpSpPr>
+      <p:sp useBgFill="1">
+        <p:nvSpPr>
+          <p:cNvPr id="9" name="Rectangle 8">
+            <a:extLst>
+              <a:ext uri="{FF2B5EF4-FFF2-40B4-BE49-F238E27FC236}">
+                <a16:creationId xmlns:a16="http://schemas.microsoft.com/office/drawing/2014/main" id="{3B854194-185D-494D-905C-7C7CB2E30F6E}"/>
+              </a:ext>
+              <a:ext uri="{C183D7F6-B498-43B3-948B-1728B52AA6E4}">
+                <adec:decorative xmlns:adec="http://schemas.microsoft.com/office/drawing/2017/decorative" val="1"/>
+              </a:ext>
+            </a:extLst>
+          </p:cNvPr>
+          <p:cNvSpPr>
+            <a:spLocks noGrp="1" noRot="1" noChangeAspect="1" noMove="1" noResize="1" noEditPoints="1" noAdjustHandles="1" noChangeArrowheads="1" noChangeShapeType="1" noTextEdit="1"/>
+          </p:cNvSpPr>
+          <p:nvPr>
+            <p:extLst>
+              <p:ext uri="{386F3935-93C4-4BCD-93E2-E3B085C9AB24}">
+                <p16:designElem xmlns:p16="http://schemas.microsoft.com/office/powerpoint/2015/main" val="1"/>
+              </p:ext>
+            </p:extLst>
+          </p:nvPr>
+        </p:nvSpPr>
+        <p:spPr>
+          <a:xfrm>
+            <a:off x="1" y="0"/>
+            <a:ext cx="6082110" cy="6858000"/>
+          </a:xfrm>
+          <a:prstGeom prst="rect">
+            <a:avLst/>
+          </a:prstGeom>
+          <a:ln>
+            <a:noFill/>
+          </a:ln>
+        </p:spPr>
+        <p:style>
+          <a:lnRef idx="2">
+            <a:schemeClr val="accent1">
+              <a:shade val="50000"/>
+            </a:schemeClr>
+          </a:lnRef>
+          <a:fillRef idx="1">
+            <a:schemeClr val="accent1"/>
+          </a:fillRef>
+          <a:effectRef idx="0">
+            <a:schemeClr val="accent1"/>
+          </a:effectRef>
+          <a:fontRef idx="minor">
+            <a:schemeClr val="lt1"/>
+          </a:fontRef>
+        </p:style>
+        <p:txBody>
+          <a:bodyPr rtlCol="0" anchor="ctr"/>
+          <a:lstStyle/>
+          <a:p>
+            <a:pPr algn="ctr"/>
+            <a:endParaRPr lang="en-US"/>
+          </a:p>
+        </p:txBody>
+      </p:sp>
+      <p:sp>
+        <p:nvSpPr>
+          <p:cNvPr id="11" name="Rectangle 10">
+            <a:extLst>
+              <a:ext uri="{FF2B5EF4-FFF2-40B4-BE49-F238E27FC236}">
+                <a16:creationId xmlns:a16="http://schemas.microsoft.com/office/drawing/2014/main" id="{B4F5FA0D-0104-4987-8241-EFF7C85B88DE}"/>
+              </a:ext>
+              <a:ext uri="{C183D7F6-B498-43B3-948B-1728B52AA6E4}">
+                <adec:decorative xmlns:adec="http://schemas.microsoft.com/office/drawing/2017/decorative" val="1"/>
+              </a:ext>
+            </a:extLst>
+          </p:cNvPr>
+          <p:cNvSpPr>
+            <a:spLocks noGrp="1" noRot="1" noChangeAspect="1" noMove="1" noResize="1" noEditPoints="1" noAdjustHandles="1" noChangeArrowheads="1" noChangeShapeType="1" noTextEdit="1"/>
+          </p:cNvSpPr>
+          <p:nvPr>
+            <p:extLst>
+              <p:ext uri="{386F3935-93C4-4BCD-93E2-E3B085C9AB24}">
+                <p16:designElem xmlns:p16="http://schemas.microsoft.com/office/powerpoint/2015/main" val="1"/>
+              </p:ext>
+            </p:extLst>
+          </p:nvPr>
+        </p:nvSpPr>
+        <p:spPr>
+          <a:xfrm>
+            <a:off x="1" y="0"/>
+            <a:ext cx="12191998" cy="6858000"/>
+          </a:xfrm>
+          <a:prstGeom prst="rect">
+            <a:avLst/>
+          </a:prstGeom>
+          <a:gradFill>
+            <a:gsLst>
+              <a:gs pos="0">
+                <a:schemeClr val="accent1">
+                  <a:lumMod val="90000"/>
+                </a:schemeClr>
+              </a:gs>
+              <a:gs pos="25000">
+                <a:schemeClr val="accent1">
+                  <a:lumMod val="90000"/>
+                </a:schemeClr>
+              </a:gs>
+              <a:gs pos="94000">
+                <a:schemeClr val="bg2">
+                  <a:lumMod val="25000"/>
+                </a:schemeClr>
+              </a:gs>
+              <a:gs pos="100000">
+                <a:schemeClr val="bg2">
+                  <a:lumMod val="25000"/>
+                </a:schemeClr>
+              </a:gs>
+            </a:gsLst>
+            <a:lin ang="4200000" scaled="0"/>
+          </a:gradFill>
+          <a:ln>
+            <a:noFill/>
+          </a:ln>
+        </p:spPr>
+        <p:style>
+          <a:lnRef idx="2">
+            <a:schemeClr val="accent1">
+              <a:shade val="50000"/>
+            </a:schemeClr>
+          </a:lnRef>
+          <a:fillRef idx="1">
+            <a:schemeClr val="accent1"/>
+          </a:fillRef>
+          <a:effectRef idx="0">
+            <a:schemeClr val="accent1"/>
+          </a:effectRef>
+          <a:fontRef idx="minor">
+            <a:schemeClr val="lt1"/>
+          </a:fontRef>
+        </p:style>
+        <p:txBody>
+          <a:bodyPr rtlCol="0" anchor="ctr"/>
+          <a:lstStyle/>
+          <a:p>
+            <a:pPr algn="ctr"/>
+            <a:endParaRPr lang="en-US"/>
+          </a:p>
+        </p:txBody>
+      </p:sp>
+      <p:pic>
+        <p:nvPicPr>
+          <p:cNvPr id="13" name="Picture 12">
+            <a:extLst>
+              <a:ext uri="{FF2B5EF4-FFF2-40B4-BE49-F238E27FC236}">
+                <a16:creationId xmlns:a16="http://schemas.microsoft.com/office/drawing/2014/main" id="{2897127E-6CEF-446C-BE87-93B7C46E49D1}"/>
+              </a:ext>
+              <a:ext uri="{C183D7F6-B498-43B3-948B-1728B52AA6E4}">
+                <adec:decorative xmlns:adec="http://schemas.microsoft.com/office/drawing/2017/decorative" val="1"/>
+              </a:ext>
+            </a:extLst>
+          </p:cNvPr>
+          <p:cNvPicPr>
+            <a:picLocks noGrp="1" noRot="1" noChangeAspect="1" noMove="1" noResize="1" noEditPoints="1" noAdjustHandles="1" noChangeArrowheads="1" noChangeShapeType="1" noCrop="1"/>
+          </p:cNvPicPr>
+          <p:nvPr>
+            <p:extLst>
+              <p:ext uri="{386F3935-93C4-4BCD-93E2-E3B085C9AB24}">
+                <p16:designElem xmlns:p16="http://schemas.microsoft.com/office/powerpoint/2015/main" val="1"/>
+              </p:ext>
+            </p:extLst>
+          </p:nvPr>
+        </p:nvPicPr>
+        <p:blipFill>
+          <a:blip r:embed="rId2">
+            <a:extLst>
+              <a:ext uri="{28A0092B-C50C-407E-A947-70E740481C1C}">
+                <a14:useLocalDpi xmlns:a14="http://schemas.microsoft.com/office/drawing/2010/main" val="0"/>
+              </a:ext>
+            </a:extLst>
+          </a:blip>
+          <a:stretch>
+            <a:fillRect/>
+          </a:stretch>
+        </p:blipFill>
+        <p:spPr>
+          <a:xfrm>
+            <a:off x="0" y="0"/>
+            <a:ext cx="12192000" cy="6858000"/>
+          </a:xfrm>
+          <a:prstGeom prst="rect">
+            <a:avLst/>
+          </a:prstGeom>
+        </p:spPr>
+      </p:pic>
+      <p:sp>
+        <p:nvSpPr>
+          <p:cNvPr id="2" name="Título 1">
+            <a:extLst>
+              <a:ext uri="{FF2B5EF4-FFF2-40B4-BE49-F238E27FC236}">
+                <a16:creationId xmlns:a16="http://schemas.microsoft.com/office/drawing/2014/main" id="{9FE7D163-B215-438D-BF30-5A0CA673C058}"/>
+              </a:ext>
+            </a:extLst>
+          </p:cNvPr>
+          <p:cNvSpPr>
+            <a:spLocks noGrp="1"/>
+          </p:cNvSpPr>
+          <p:nvPr>
+            <p:ph type="title"/>
+          </p:nvPr>
+        </p:nvSpPr>
+        <p:spPr>
+          <a:xfrm>
+            <a:off x="640079" y="2053641"/>
+            <a:ext cx="3669161" cy="2760098"/>
+          </a:xfrm>
+        </p:spPr>
+        <p:txBody>
+          <a:bodyPr vert="horz" lIns="91440" tIns="45720" rIns="91440" bIns="45720" rtlCol="0" anchor="ctr">
+            <a:normAutofit/>
+          </a:bodyPr>
+          <a:lstStyle/>
+          <a:p>
+            <a:r>
+              <a:rPr lang="en-US" kern="1200">
+                <a:solidFill>
+                  <a:srgbClr val="FFFFFF"/>
+                </a:solidFill>
+                <a:latin typeface="+mj-lt"/>
+                <a:ea typeface="+mj-ea"/>
+                <a:cs typeface="+mj-cs"/>
+              </a:rPr>
+              <a:t>Significado das Cores</a:t>
+            </a:r>
+          </a:p>
+        </p:txBody>
+      </p:sp>
+      <p:sp>
+        <p:nvSpPr>
+          <p:cNvPr id="4" name="CaixaDeTexto 3">
+            <a:extLst>
+              <a:ext uri="{FF2B5EF4-FFF2-40B4-BE49-F238E27FC236}">
+                <a16:creationId xmlns:a16="http://schemas.microsoft.com/office/drawing/2014/main" id="{27BF06EF-7E0D-48B9-B29A-CD11691958E3}"/>
+              </a:ext>
+            </a:extLst>
+          </p:cNvPr>
+          <p:cNvSpPr txBox="1"/>
+          <p:nvPr/>
+        </p:nvSpPr>
+        <p:spPr>
+          <a:xfrm>
+            <a:off x="6090574" y="801866"/>
+            <a:ext cx="5306084" cy="5230634"/>
+          </a:xfrm>
+          <a:prstGeom prst="rect">
+            <a:avLst/>
+          </a:prstGeom>
+        </p:spPr>
+        <p:txBody>
+          <a:bodyPr vert="horz" lIns="91440" tIns="45720" rIns="91440" bIns="45720" rtlCol="0" anchor="ctr">
+            <a:normAutofit/>
+          </a:bodyPr>
+          <a:lstStyle/>
+          <a:p>
+            <a:pPr indent="-228600">
+              <a:lnSpc>
+                <a:spcPct val="90000"/>
+              </a:lnSpc>
+              <a:spcAft>
+                <a:spcPts val="600"/>
+              </a:spcAft>
+              <a:buFont typeface="Arial" panose="020B0604020202020204" pitchFamily="34" charset="0"/>
+              <a:buChar char="•"/>
+            </a:pPr>
+            <a:r>
+              <a:rPr lang="en-US" sz="2400" dirty="0">
+                <a:solidFill>
+                  <a:srgbClr val="7030A0"/>
+                </a:solidFill>
+              </a:rPr>
+              <a:t> </a:t>
+            </a:r>
+            <a:r>
+              <a:rPr lang="en-US" sz="2400" b="1" dirty="0" err="1">
+                <a:solidFill>
+                  <a:srgbClr val="7030A0"/>
+                </a:solidFill>
+              </a:rPr>
+              <a:t>Roxo</a:t>
+            </a:r>
+            <a:r>
+              <a:rPr lang="en-US" sz="2400" dirty="0">
+                <a:solidFill>
+                  <a:srgbClr val="7030A0"/>
+                </a:solidFill>
+              </a:rPr>
+              <a:t> </a:t>
+            </a:r>
+            <a:r>
+              <a:rPr lang="en-US" sz="2400" dirty="0">
+                <a:solidFill>
+                  <a:srgbClr val="000000"/>
+                </a:solidFill>
+              </a:rPr>
+              <a:t>= </a:t>
+            </a:r>
+            <a:r>
+              <a:rPr lang="en-US" sz="2400" b="0" i="0" dirty="0" err="1">
+                <a:solidFill>
+                  <a:srgbClr val="000000"/>
+                </a:solidFill>
+                <a:effectLst/>
+              </a:rPr>
+              <a:t>conhecido</a:t>
+            </a:r>
+            <a:r>
+              <a:rPr lang="en-US" sz="2400" b="0" i="0" dirty="0">
+                <a:solidFill>
+                  <a:srgbClr val="000000"/>
+                </a:solidFill>
+                <a:effectLst/>
+              </a:rPr>
+              <a:t> </a:t>
+            </a:r>
+            <a:r>
+              <a:rPr lang="en-US" sz="2400" b="0" i="0" dirty="0" err="1">
+                <a:solidFill>
+                  <a:srgbClr val="000000"/>
+                </a:solidFill>
+                <a:effectLst/>
+              </a:rPr>
+              <a:t>como</a:t>
+            </a:r>
+            <a:r>
+              <a:rPr lang="en-US" sz="2400" b="0" i="0" dirty="0">
+                <a:solidFill>
+                  <a:srgbClr val="000000"/>
+                </a:solidFill>
+                <a:effectLst/>
+              </a:rPr>
+              <a:t> </a:t>
+            </a:r>
+            <a:r>
+              <a:rPr lang="en-US" sz="2400" b="1" dirty="0" err="1">
+                <a:solidFill>
+                  <a:srgbClr val="000000"/>
+                </a:solidFill>
+              </a:rPr>
+              <a:t>cor</a:t>
+            </a:r>
+            <a:r>
+              <a:rPr lang="en-US" sz="2400" b="1" dirty="0">
+                <a:solidFill>
+                  <a:srgbClr val="000000"/>
+                </a:solidFill>
+              </a:rPr>
+              <a:t> </a:t>
+            </a:r>
+            <a:r>
+              <a:rPr lang="en-US" sz="2400" b="0" i="0" dirty="0">
+                <a:solidFill>
+                  <a:srgbClr val="000000"/>
+                </a:solidFill>
+                <a:effectLst/>
+              </a:rPr>
+              <a:t>da </a:t>
+            </a:r>
+            <a:r>
+              <a:rPr lang="en-US" sz="2400" b="0" i="0" dirty="0" err="1">
+                <a:solidFill>
+                  <a:srgbClr val="000000"/>
+                </a:solidFill>
+                <a:effectLst/>
+              </a:rPr>
+              <a:t>realeza</a:t>
+            </a:r>
+            <a:r>
+              <a:rPr lang="en-US" sz="2400" b="0" i="0" dirty="0">
+                <a:solidFill>
+                  <a:srgbClr val="000000"/>
+                </a:solidFill>
+                <a:effectLst/>
+              </a:rPr>
+              <a:t> e </a:t>
+            </a:r>
+            <a:r>
+              <a:rPr lang="en-US" sz="2400" b="0" i="0" dirty="0" err="1">
+                <a:solidFill>
+                  <a:srgbClr val="000000"/>
+                </a:solidFill>
+                <a:effectLst/>
+              </a:rPr>
+              <a:t>nobreza</a:t>
+            </a:r>
+            <a:r>
+              <a:rPr lang="en-US" sz="2400" b="0" i="0" dirty="0">
+                <a:solidFill>
+                  <a:srgbClr val="000000"/>
+                </a:solidFill>
+                <a:effectLst/>
+              </a:rPr>
+              <a:t>, </a:t>
+            </a:r>
+            <a:r>
+              <a:rPr lang="en-US" sz="2400" b="0" i="0" dirty="0" err="1">
+                <a:solidFill>
+                  <a:srgbClr val="000000"/>
+                </a:solidFill>
+                <a:effectLst/>
+              </a:rPr>
+              <a:t>também</a:t>
+            </a:r>
+            <a:r>
+              <a:rPr lang="en-US" sz="2400" b="0" i="0" dirty="0">
+                <a:solidFill>
+                  <a:srgbClr val="000000"/>
+                </a:solidFill>
+                <a:effectLst/>
+              </a:rPr>
+              <a:t> </a:t>
+            </a:r>
+            <a:r>
+              <a:rPr lang="en-US" sz="2400" b="0" i="0" dirty="0" err="1">
+                <a:solidFill>
+                  <a:srgbClr val="000000"/>
+                </a:solidFill>
+                <a:effectLst/>
+              </a:rPr>
+              <a:t>pode</a:t>
+            </a:r>
+            <a:r>
+              <a:rPr lang="en-US" sz="2400" b="0" i="0" dirty="0">
+                <a:solidFill>
+                  <a:srgbClr val="000000"/>
+                </a:solidFill>
+                <a:effectLst/>
+              </a:rPr>
+              <a:t> ser </a:t>
+            </a:r>
+            <a:r>
+              <a:rPr lang="en-US" sz="2400" b="0" i="0" dirty="0" err="1">
+                <a:solidFill>
+                  <a:srgbClr val="000000"/>
+                </a:solidFill>
+                <a:effectLst/>
+              </a:rPr>
+              <a:t>associado</a:t>
+            </a:r>
+            <a:r>
+              <a:rPr lang="en-US" sz="2400" b="0" i="0" dirty="0">
+                <a:solidFill>
+                  <a:srgbClr val="000000"/>
+                </a:solidFill>
+                <a:effectLst/>
+              </a:rPr>
+              <a:t> a  </a:t>
+            </a:r>
+            <a:r>
+              <a:rPr lang="en-US" sz="2400" b="0" i="0" dirty="0" err="1">
+                <a:solidFill>
+                  <a:srgbClr val="000000"/>
+                </a:solidFill>
+                <a:effectLst/>
+              </a:rPr>
+              <a:t>respeito</a:t>
+            </a:r>
+            <a:r>
+              <a:rPr lang="en-US" sz="2400" b="0" i="0" dirty="0">
+                <a:solidFill>
+                  <a:srgbClr val="000000"/>
+                </a:solidFill>
+                <a:effectLst/>
+              </a:rPr>
+              <a:t> e </a:t>
+            </a:r>
+            <a:r>
+              <a:rPr lang="en-US" sz="2400" b="0" i="0" dirty="0" err="1">
+                <a:solidFill>
+                  <a:srgbClr val="000000"/>
+                </a:solidFill>
+                <a:effectLst/>
+              </a:rPr>
+              <a:t>sabedoria</a:t>
+            </a:r>
+            <a:r>
+              <a:rPr lang="en-US" sz="2400" b="0" i="0" dirty="0">
+                <a:solidFill>
+                  <a:srgbClr val="000000"/>
+                </a:solidFill>
+                <a:effectLst/>
+              </a:rPr>
+              <a:t>.</a:t>
+            </a:r>
+          </a:p>
+          <a:p>
+            <a:pPr indent="-228600">
+              <a:lnSpc>
+                <a:spcPct val="90000"/>
+              </a:lnSpc>
+              <a:spcAft>
+                <a:spcPts val="600"/>
+              </a:spcAft>
+              <a:buFont typeface="Arial" panose="020B0604020202020204" pitchFamily="34" charset="0"/>
+              <a:buChar char="•"/>
+            </a:pPr>
+            <a:endParaRPr lang="en-US" sz="2400" dirty="0">
+              <a:solidFill>
+                <a:srgbClr val="000000"/>
+              </a:solidFill>
+            </a:endParaRPr>
+          </a:p>
+          <a:p>
+            <a:pPr indent="-228600">
+              <a:lnSpc>
+                <a:spcPct val="90000"/>
+              </a:lnSpc>
+              <a:spcAft>
+                <a:spcPts val="600"/>
+              </a:spcAft>
+              <a:buFont typeface="Arial" panose="020B0604020202020204" pitchFamily="34" charset="0"/>
+              <a:buChar char="•"/>
+            </a:pPr>
+            <a:r>
+              <a:rPr lang="en-US" sz="2400" b="1" dirty="0" err="1">
+                <a:solidFill>
+                  <a:srgbClr val="FFFF00"/>
+                </a:solidFill>
+              </a:rPr>
+              <a:t>Amarelo</a:t>
+            </a:r>
+            <a:r>
+              <a:rPr lang="en-US" sz="2400" dirty="0">
+                <a:solidFill>
+                  <a:srgbClr val="000000"/>
+                </a:solidFill>
+              </a:rPr>
+              <a:t> = </a:t>
+            </a:r>
+            <a:r>
+              <a:rPr lang="en-US" sz="2400" b="0" i="0" dirty="0">
+                <a:solidFill>
+                  <a:srgbClr val="000000"/>
+                </a:solidFill>
+                <a:effectLst/>
+              </a:rPr>
+              <a:t>O </a:t>
+            </a:r>
+            <a:r>
+              <a:rPr lang="en-US" sz="2400" b="1" i="0" dirty="0" err="1">
+                <a:solidFill>
+                  <a:srgbClr val="000000"/>
+                </a:solidFill>
+                <a:effectLst/>
+              </a:rPr>
+              <a:t>amarelo</a:t>
+            </a:r>
+            <a:r>
+              <a:rPr lang="en-US" sz="2400" b="0" i="0" dirty="0">
+                <a:solidFill>
+                  <a:srgbClr val="000000"/>
+                </a:solidFill>
+                <a:effectLst/>
+              </a:rPr>
+              <a:t> </a:t>
+            </a:r>
+            <a:r>
+              <a:rPr lang="en-US" sz="2400" b="0" i="0" dirty="0" err="1">
+                <a:solidFill>
+                  <a:srgbClr val="000000"/>
+                </a:solidFill>
+                <a:effectLst/>
+              </a:rPr>
+              <a:t>simboliza</a:t>
+            </a:r>
+            <a:r>
+              <a:rPr lang="en-US" sz="2400" b="0" i="0" dirty="0">
+                <a:solidFill>
+                  <a:srgbClr val="000000"/>
+                </a:solidFill>
+                <a:effectLst/>
+              </a:rPr>
+              <a:t> o sol, o </a:t>
+            </a:r>
+            <a:r>
+              <a:rPr lang="en-US" sz="2400" b="0" i="0" dirty="0" err="1">
+                <a:solidFill>
+                  <a:srgbClr val="000000"/>
+                </a:solidFill>
+                <a:effectLst/>
+              </a:rPr>
+              <a:t>verão</a:t>
+            </a:r>
+            <a:r>
+              <a:rPr lang="en-US" sz="2400" b="0" i="0" dirty="0">
+                <a:solidFill>
+                  <a:srgbClr val="000000"/>
+                </a:solidFill>
+                <a:effectLst/>
+              </a:rPr>
+              <a:t>, a </a:t>
+            </a:r>
+            <a:r>
+              <a:rPr lang="en-US" sz="2400" b="0" i="0" dirty="0" err="1">
+                <a:solidFill>
+                  <a:srgbClr val="000000"/>
+                </a:solidFill>
+                <a:effectLst/>
+              </a:rPr>
+              <a:t>prosperidade</a:t>
+            </a:r>
+            <a:r>
+              <a:rPr lang="en-US" sz="2400" b="0" i="0" dirty="0">
+                <a:solidFill>
+                  <a:srgbClr val="000000"/>
+                </a:solidFill>
+                <a:effectLst/>
+              </a:rPr>
+              <a:t> e a </a:t>
+            </a:r>
+            <a:r>
+              <a:rPr lang="en-US" sz="2400" b="0" i="0" dirty="0" err="1">
+                <a:solidFill>
+                  <a:srgbClr val="000000"/>
+                </a:solidFill>
+                <a:effectLst/>
+              </a:rPr>
+              <a:t>felicidade</a:t>
+            </a:r>
+            <a:r>
+              <a:rPr lang="en-US" sz="2400" b="0" i="0" dirty="0">
+                <a:solidFill>
+                  <a:srgbClr val="000000"/>
+                </a:solidFill>
+                <a:effectLst/>
+              </a:rPr>
+              <a:t>, </a:t>
+            </a:r>
+            <a:r>
+              <a:rPr lang="en-US" sz="2400" b="0" i="0" dirty="0" err="1">
+                <a:solidFill>
+                  <a:srgbClr val="000000"/>
+                </a:solidFill>
+                <a:effectLst/>
+              </a:rPr>
+              <a:t>também</a:t>
+            </a:r>
+            <a:r>
+              <a:rPr lang="en-US" sz="2400" b="0" i="0" dirty="0">
+                <a:solidFill>
+                  <a:srgbClr val="000000"/>
+                </a:solidFill>
+                <a:effectLst/>
+              </a:rPr>
+              <a:t> </a:t>
+            </a:r>
+            <a:r>
+              <a:rPr lang="en-US" sz="2400" b="0" i="0" dirty="0" err="1">
+                <a:solidFill>
+                  <a:srgbClr val="000000"/>
+                </a:solidFill>
+                <a:effectLst/>
+              </a:rPr>
+              <a:t>pode</a:t>
+            </a:r>
+            <a:r>
+              <a:rPr lang="en-US" sz="2400" b="0" i="0" dirty="0">
+                <a:solidFill>
+                  <a:srgbClr val="000000"/>
+                </a:solidFill>
+                <a:effectLst/>
+              </a:rPr>
+              <a:t> ser </a:t>
+            </a:r>
+            <a:r>
+              <a:rPr lang="en-US" sz="2400" b="0" i="0" dirty="0" err="1">
+                <a:solidFill>
+                  <a:srgbClr val="000000"/>
+                </a:solidFill>
+                <a:effectLst/>
+              </a:rPr>
+              <a:t>associado</a:t>
+            </a:r>
+            <a:r>
+              <a:rPr lang="en-US" sz="2400" b="0" i="0" dirty="0">
+                <a:solidFill>
+                  <a:srgbClr val="000000"/>
+                </a:solidFill>
+                <a:effectLst/>
+              </a:rPr>
+              <a:t> a </a:t>
+            </a:r>
+            <a:r>
+              <a:rPr lang="en-US" sz="2400" b="0" i="0" dirty="0" err="1">
+                <a:solidFill>
+                  <a:srgbClr val="000000"/>
+                </a:solidFill>
+                <a:effectLst/>
+              </a:rPr>
+              <a:t>otimismo</a:t>
+            </a:r>
+            <a:r>
+              <a:rPr lang="en-US" sz="2400" b="0" i="0" dirty="0">
+                <a:solidFill>
+                  <a:srgbClr val="000000"/>
+                </a:solidFill>
+                <a:effectLst/>
+              </a:rPr>
+              <a:t> e alegria.</a:t>
+            </a:r>
+          </a:p>
+          <a:p>
+            <a:pPr indent="-228600">
+              <a:lnSpc>
+                <a:spcPct val="90000"/>
+              </a:lnSpc>
+              <a:spcAft>
+                <a:spcPts val="600"/>
+              </a:spcAft>
+              <a:buFont typeface="Arial" panose="020B0604020202020204" pitchFamily="34" charset="0"/>
+              <a:buChar char="•"/>
+            </a:pPr>
+            <a:endParaRPr lang="en-US" sz="2400" dirty="0">
+              <a:solidFill>
+                <a:srgbClr val="000000"/>
+              </a:solidFill>
+            </a:endParaRPr>
+          </a:p>
+          <a:p>
+            <a:pPr indent="-228600">
+              <a:lnSpc>
+                <a:spcPct val="90000"/>
+              </a:lnSpc>
+              <a:spcAft>
+                <a:spcPts val="600"/>
+              </a:spcAft>
+              <a:buFont typeface="Arial" panose="020B0604020202020204" pitchFamily="34" charset="0"/>
+              <a:buChar char="•"/>
+            </a:pPr>
+            <a:r>
+              <a:rPr lang="en-US" sz="2400" b="1" dirty="0"/>
+              <a:t>Preto</a:t>
+            </a:r>
+            <a:r>
+              <a:rPr lang="en-US" sz="2400" dirty="0">
+                <a:solidFill>
+                  <a:srgbClr val="000000"/>
+                </a:solidFill>
+              </a:rPr>
+              <a:t> = </a:t>
+            </a:r>
+            <a:r>
+              <a:rPr lang="en-US" sz="2400" b="0" i="0" dirty="0" err="1">
+                <a:solidFill>
+                  <a:srgbClr val="000000"/>
+                </a:solidFill>
+                <a:effectLst/>
+              </a:rPr>
+              <a:t>Tende</a:t>
+            </a:r>
+            <a:r>
+              <a:rPr lang="en-US" sz="2400" b="0" i="0" dirty="0">
+                <a:solidFill>
+                  <a:srgbClr val="000000"/>
+                </a:solidFill>
+                <a:effectLst/>
+              </a:rPr>
+              <a:t> a ser </a:t>
+            </a:r>
+            <a:r>
+              <a:rPr lang="en-US" sz="2400" b="0" i="0" dirty="0" err="1">
+                <a:solidFill>
+                  <a:srgbClr val="000000"/>
+                </a:solidFill>
+                <a:effectLst/>
+              </a:rPr>
+              <a:t>associada</a:t>
+            </a:r>
+            <a:r>
+              <a:rPr lang="en-US" sz="2400" b="0" i="0" dirty="0">
+                <a:solidFill>
+                  <a:srgbClr val="000000"/>
+                </a:solidFill>
+                <a:effectLst/>
+              </a:rPr>
+              <a:t> à </a:t>
+            </a:r>
+            <a:r>
+              <a:rPr lang="en-US" sz="2400" b="0" i="0" dirty="0" err="1">
+                <a:solidFill>
+                  <a:srgbClr val="000000"/>
+                </a:solidFill>
+                <a:effectLst/>
+              </a:rPr>
+              <a:t>elegância</a:t>
+            </a:r>
+            <a:r>
+              <a:rPr lang="en-US" sz="2400" b="0" i="0" dirty="0">
+                <a:solidFill>
+                  <a:srgbClr val="000000"/>
+                </a:solidFill>
+                <a:effectLst/>
+              </a:rPr>
+              <a:t> e </a:t>
+            </a:r>
+            <a:r>
+              <a:rPr lang="en-US" sz="2400" b="0" i="0" dirty="0" err="1">
+                <a:solidFill>
+                  <a:srgbClr val="000000"/>
+                </a:solidFill>
+                <a:effectLst/>
+              </a:rPr>
+              <a:t>força</a:t>
+            </a:r>
+            <a:r>
+              <a:rPr lang="en-US" sz="2400" b="0" i="0" dirty="0">
+                <a:solidFill>
+                  <a:srgbClr val="000000"/>
+                </a:solidFill>
+                <a:effectLst/>
+              </a:rPr>
+              <a:t>, </a:t>
+            </a:r>
+            <a:r>
+              <a:rPr lang="en-US" sz="2400" b="0" i="0" dirty="0" err="1">
+                <a:solidFill>
+                  <a:srgbClr val="000000"/>
+                </a:solidFill>
+                <a:effectLst/>
+              </a:rPr>
+              <a:t>também</a:t>
+            </a:r>
+            <a:r>
+              <a:rPr lang="en-US" sz="2400" b="0" i="0" dirty="0">
+                <a:solidFill>
+                  <a:srgbClr val="000000"/>
+                </a:solidFill>
+                <a:effectLst/>
+              </a:rPr>
+              <a:t> indica </a:t>
+            </a:r>
+            <a:r>
+              <a:rPr lang="en-US" sz="2400" b="0" i="0" dirty="0" err="1">
+                <a:solidFill>
+                  <a:srgbClr val="000000"/>
+                </a:solidFill>
+                <a:effectLst/>
+              </a:rPr>
+              <a:t>poder</a:t>
+            </a:r>
+            <a:r>
+              <a:rPr lang="en-US" sz="2400" b="0" i="0" dirty="0">
+                <a:solidFill>
+                  <a:srgbClr val="000000"/>
+                </a:solidFill>
+                <a:effectLst/>
+              </a:rPr>
+              <a:t>.</a:t>
+            </a:r>
+          </a:p>
+          <a:p>
+            <a:pPr indent="-228600">
+              <a:lnSpc>
+                <a:spcPct val="90000"/>
+              </a:lnSpc>
+              <a:spcAft>
+                <a:spcPts val="600"/>
+              </a:spcAft>
+              <a:buFont typeface="Arial" panose="020B0604020202020204" pitchFamily="34" charset="0"/>
+              <a:buChar char="•"/>
+            </a:pPr>
+            <a:endParaRPr lang="en-US" sz="2400" dirty="0">
+              <a:solidFill>
+                <a:srgbClr val="000000"/>
+              </a:solidFill>
+            </a:endParaRPr>
+          </a:p>
+          <a:p>
+            <a:pPr indent="-228600">
+              <a:lnSpc>
+                <a:spcPct val="90000"/>
+              </a:lnSpc>
+              <a:spcAft>
+                <a:spcPts val="600"/>
+              </a:spcAft>
+              <a:buFont typeface="Arial" panose="020B0604020202020204" pitchFamily="34" charset="0"/>
+              <a:buChar char="•"/>
+            </a:pPr>
+            <a:r>
+              <a:rPr lang="en-US" sz="2400" b="1" dirty="0" err="1">
+                <a:solidFill>
+                  <a:schemeClr val="bg1">
+                    <a:lumMod val="65000"/>
+                  </a:schemeClr>
+                </a:solidFill>
+              </a:rPr>
+              <a:t>Cinza</a:t>
+            </a:r>
+            <a:r>
+              <a:rPr lang="en-US" sz="2400" dirty="0">
+                <a:solidFill>
+                  <a:srgbClr val="000000"/>
+                </a:solidFill>
+              </a:rPr>
+              <a:t> = O </a:t>
+            </a:r>
+            <a:r>
+              <a:rPr lang="en-US" sz="2400" dirty="0" err="1">
+                <a:solidFill>
+                  <a:srgbClr val="000000"/>
+                </a:solidFill>
+              </a:rPr>
+              <a:t>cinza</a:t>
+            </a:r>
+            <a:r>
+              <a:rPr lang="en-US" sz="2400" dirty="0">
+                <a:solidFill>
+                  <a:srgbClr val="000000"/>
+                </a:solidFill>
+              </a:rPr>
+              <a:t> </a:t>
+            </a:r>
+            <a:r>
+              <a:rPr lang="en-US" sz="2400" dirty="0" err="1">
+                <a:solidFill>
+                  <a:srgbClr val="000000"/>
+                </a:solidFill>
+              </a:rPr>
+              <a:t>representa</a:t>
+            </a:r>
+            <a:r>
+              <a:rPr lang="en-US" sz="2400" dirty="0">
+                <a:solidFill>
+                  <a:srgbClr val="000000"/>
+                </a:solidFill>
+              </a:rPr>
+              <a:t> a </a:t>
+            </a:r>
+            <a:r>
+              <a:rPr lang="en-US" sz="2400" i="0" dirty="0" err="1">
+                <a:solidFill>
+                  <a:srgbClr val="000000"/>
+                </a:solidFill>
+                <a:effectLst/>
+              </a:rPr>
+              <a:t>elegância</a:t>
+            </a:r>
+            <a:r>
+              <a:rPr lang="en-US" sz="2400" dirty="0">
+                <a:solidFill>
+                  <a:srgbClr val="000000"/>
+                </a:solidFill>
+              </a:rPr>
+              <a:t>.</a:t>
+            </a:r>
+          </a:p>
+        </p:txBody>
+      </p:sp>
+    </p:spTree>
+    <p:extLst>
+      <p:ext uri="{BB962C8B-B14F-4D97-AF65-F5344CB8AC3E}">
+        <p14:creationId xmlns:p14="http://schemas.microsoft.com/office/powerpoint/2010/main" val="1241717402"/>
+      </p:ext>
+    </p:extLst>
+  </p:cSld>
+  <p:clrMapOvr>
+    <a:masterClrMapping/>
+  </p:clrMapOvr>
+</p:sld>
+</file>
+
+<file path=ppt/slides/slide5.xml><?xml version="1.0" encoding="utf-8"?>
 <p:sld xmlns:a="http://schemas.openxmlformats.org/drawingml/2006/main" xmlns:r="http://schemas.openxmlformats.org/officeDocument/2006/relationships" xmlns:p="http://schemas.openxmlformats.org/presentationml/2006/main">
   <p:cSld>
     <p:bg>

--- a/projeto-site/public/documentacao/Slides para o Projeto Individual.pptx
+++ b/projeto-site/public/documentacao/Slides para o Projeto Individual.pptx
@@ -5216,6 +5216,15 @@
               <a:t> = </a:t>
             </a:r>
             <a:r>
+              <a:rPr lang="en-US" sz="2400" b="0" i="0" dirty="0">
+                <a:solidFill>
+                  <a:srgbClr val="000000"/>
+                </a:solidFill>
+                <a:effectLst/>
+              </a:rPr>
+              <a:t> </a:t>
+            </a:r>
+            <a:r>
               <a:rPr lang="en-US" sz="2400" b="0" i="0" dirty="0" err="1">
                 <a:solidFill>
                   <a:srgbClr val="000000"/>
@@ -5225,13 +5234,22 @@
               <a:t>Tende</a:t>
             </a:r>
             <a:r>
+              <a:rPr lang="en-US" sz="2400" b="0" i="0">
+                <a:solidFill>
+                  <a:srgbClr val="000000"/>
+                </a:solidFill>
+                <a:effectLst/>
+              </a:rPr>
+              <a:t>-se a </a:t>
+            </a:r>
+            <a:r>
               <a:rPr lang="en-US" sz="2400" b="0" i="0" dirty="0">
                 <a:solidFill>
                   <a:srgbClr val="000000"/>
                 </a:solidFill>
                 <a:effectLst/>
               </a:rPr>
-              <a:t> a ser </a:t>
+              <a:t>ser </a:t>
             </a:r>
             <a:r>
               <a:rPr lang="en-US" sz="2400" b="0" i="0" dirty="0" err="1">

--- a/projeto-site/public/documentacao/Slides para o Projeto Individual.pptx
+++ b/projeto-site/public/documentacao/Slides para o Projeto Individual.pptx
@@ -9,7 +9,8 @@
     <p:sldId id="261" r:id="rId3"/>
     <p:sldId id="262" r:id="rId4"/>
     <p:sldId id="266" r:id="rId5"/>
-    <p:sldId id="265" r:id="rId6"/>
+    <p:sldId id="267" r:id="rId6"/>
+    <p:sldId id="265" r:id="rId7"/>
   </p:sldIdLst>
   <p:sldSz cx="12192000" cy="6858000"/>
   <p:notesSz cx="6858000" cy="9144000"/>
@@ -114,6 +115,2831 @@
     </p:ext>
   </p:extLst>
 </p:presentation>
+</file>
+
+<file path=ppt/diagrams/colors1.xml><?xml version="1.0" encoding="utf-8"?>
+<dgm:colorsDef xmlns:dgm="http://schemas.openxmlformats.org/drawingml/2006/diagram" xmlns:a="http://schemas.openxmlformats.org/drawingml/2006/main" uniqueId="urn:microsoft.com/office/officeart/2005/8/colors/colorful5">
+  <dgm:title val=""/>
+  <dgm:desc val=""/>
+  <dgm:catLst>
+    <dgm:cat type="colorful" pri="10500"/>
+  </dgm:catLst>
+  <dgm:styleLbl name="node0">
+    <dgm:fillClrLst meth="repeat">
+      <a:schemeClr val="accent4"/>
+    </dgm:fillClrLst>
+    <dgm:linClrLst meth="repeat">
+      <a:schemeClr val="lt1"/>
+    </dgm:linClrLst>
+    <dgm:effectClrLst/>
+    <dgm:txLinClrLst/>
+    <dgm:txFillClrLst/>
+    <dgm:txEffectClrLst/>
+  </dgm:styleLbl>
+  <dgm:styleLbl name="node1">
+    <dgm:fillClrLst>
+      <a:schemeClr val="accent5"/>
+      <a:schemeClr val="accent6"/>
+    </dgm:fillClrLst>
+    <dgm:linClrLst meth="repeat">
+      <a:schemeClr val="lt1"/>
+    </dgm:linClrLst>
+    <dgm:effectClrLst/>
+    <dgm:txLinClrLst/>
+    <dgm:txFillClrLst/>
+    <dgm:txEffectClrLst/>
+  </dgm:styleLbl>
+  <dgm:styleLbl name="alignNode1">
+    <dgm:fillClrLst>
+      <a:schemeClr val="accent5"/>
+      <a:schemeClr val="accent6"/>
+    </dgm:fillClrLst>
+    <dgm:linClrLst>
+      <a:schemeClr val="accent5"/>
+      <a:schemeClr val="accent6"/>
+    </dgm:linClrLst>
+    <dgm:effectClrLst/>
+    <dgm:txLinClrLst/>
+    <dgm:txFillClrLst/>
+    <dgm:txEffectClrLst/>
+  </dgm:styleLbl>
+  <dgm:styleLbl name="lnNode1">
+    <dgm:fillClrLst>
+      <a:schemeClr val="accent5"/>
+      <a:schemeClr val="accent6"/>
+    </dgm:fillClrLst>
+    <dgm:linClrLst meth="repeat">
+      <a:schemeClr val="lt1"/>
+    </dgm:linClrLst>
+    <dgm:effectClrLst/>
+    <dgm:txLinClrLst/>
+    <dgm:txFillClrLst/>
+    <dgm:txEffectClrLst/>
+  </dgm:styleLbl>
+  <dgm:styleLbl name="vennNode1">
+    <dgm:fillClrLst>
+      <a:schemeClr val="accent5">
+        <a:alpha val="50000"/>
+      </a:schemeClr>
+      <a:schemeClr val="accent6">
+        <a:alpha val="50000"/>
+      </a:schemeClr>
+    </dgm:fillClrLst>
+    <dgm:linClrLst meth="repeat">
+      <a:schemeClr val="lt1"/>
+    </dgm:linClrLst>
+    <dgm:effectClrLst/>
+    <dgm:txLinClrLst/>
+    <dgm:txFillClrLst/>
+    <dgm:txEffectClrLst/>
+  </dgm:styleLbl>
+  <dgm:styleLbl name="node2">
+    <dgm:fillClrLst>
+      <a:schemeClr val="accent6"/>
+    </dgm:fillClrLst>
+    <dgm:linClrLst meth="repeat">
+      <a:schemeClr val="lt1"/>
+    </dgm:linClrLst>
+    <dgm:effectClrLst/>
+    <dgm:txLinClrLst/>
+    <dgm:txFillClrLst/>
+    <dgm:txEffectClrLst/>
+  </dgm:styleLbl>
+  <dgm:styleLbl name="node3">
+    <dgm:fillClrLst>
+      <a:schemeClr val="accent1"/>
+    </dgm:fillClrLst>
+    <dgm:linClrLst meth="repeat">
+      <a:schemeClr val="lt1"/>
+    </dgm:linClrLst>
+    <dgm:effectClrLst/>
+    <dgm:txLinClrLst/>
+    <dgm:txFillClrLst/>
+    <dgm:txEffectClrLst/>
+  </dgm:styleLbl>
+  <dgm:styleLbl name="node4">
+    <dgm:fillClrLst>
+      <a:schemeClr val="accent2"/>
+    </dgm:fillClrLst>
+    <dgm:linClrLst meth="repeat">
+      <a:schemeClr val="lt1"/>
+    </dgm:linClrLst>
+    <dgm:effectClrLst/>
+    <dgm:txLinClrLst/>
+    <dgm:txFillClrLst/>
+    <dgm:txEffectClrLst/>
+  </dgm:styleLbl>
+  <dgm:styleLbl name="fgImgPlace1">
+    <dgm:fillClrLst>
+      <a:schemeClr val="accent5">
+        <a:tint val="50000"/>
+      </a:schemeClr>
+      <a:schemeClr val="accent6">
+        <a:tint val="50000"/>
+      </a:schemeClr>
+    </dgm:fillClrLst>
+    <dgm:linClrLst meth="repeat">
+      <a:schemeClr val="lt1"/>
+    </dgm:linClrLst>
+    <dgm:effectClrLst/>
+    <dgm:txLinClrLst/>
+    <dgm:txFillClrLst meth="repeat">
+      <a:schemeClr val="lt1"/>
+    </dgm:txFillClrLst>
+    <dgm:txEffectClrLst/>
+  </dgm:styleLbl>
+  <dgm:styleLbl name="alignImgPlace1">
+    <dgm:fillClrLst>
+      <a:schemeClr val="accent5">
+        <a:tint val="50000"/>
+      </a:schemeClr>
+      <a:schemeClr val="accent6">
+        <a:tint val="20000"/>
+      </a:schemeClr>
+    </dgm:fillClrLst>
+    <dgm:linClrLst meth="repeat">
+      <a:schemeClr val="lt1"/>
+    </dgm:linClrLst>
+    <dgm:effectClrLst/>
+    <dgm:txLinClrLst/>
+    <dgm:txFillClrLst meth="repeat">
+      <a:schemeClr val="lt1"/>
+    </dgm:txFillClrLst>
+    <dgm:txEffectClrLst/>
+  </dgm:styleLbl>
+  <dgm:styleLbl name="bgImgPlace1">
+    <dgm:fillClrLst>
+      <a:schemeClr val="accent5">
+        <a:tint val="50000"/>
+      </a:schemeClr>
+      <a:schemeClr val="accent6">
+        <a:tint val="20000"/>
+      </a:schemeClr>
+    </dgm:fillClrLst>
+    <dgm:linClrLst meth="repeat">
+      <a:schemeClr val="lt1"/>
+    </dgm:linClrLst>
+    <dgm:effectClrLst/>
+    <dgm:txLinClrLst/>
+    <dgm:txFillClrLst meth="repeat">
+      <a:schemeClr val="lt1"/>
+    </dgm:txFillClrLst>
+    <dgm:txEffectClrLst/>
+  </dgm:styleLbl>
+  <dgm:styleLbl name="sibTrans2D1">
+    <dgm:fillClrLst>
+      <a:schemeClr val="accent5"/>
+      <a:schemeClr val="accent6"/>
+    </dgm:fillClrLst>
+    <dgm:linClrLst meth="repeat">
+      <a:schemeClr val="lt1"/>
+    </dgm:linClrLst>
+    <dgm:effectClrLst/>
+    <dgm:txLinClrLst/>
+    <dgm:txFillClrLst/>
+    <dgm:txEffectClrLst/>
+  </dgm:styleLbl>
+  <dgm:styleLbl name="fgSibTrans2D1">
+    <dgm:fillClrLst>
+      <a:schemeClr val="accent5"/>
+      <a:schemeClr val="accent6"/>
+    </dgm:fillClrLst>
+    <dgm:linClrLst meth="repeat">
+      <a:schemeClr val="lt1"/>
+    </dgm:linClrLst>
+    <dgm:effectClrLst/>
+    <dgm:txLinClrLst/>
+    <dgm:txFillClrLst meth="repeat">
+      <a:schemeClr val="lt1"/>
+    </dgm:txFillClrLst>
+    <dgm:txEffectClrLst/>
+  </dgm:styleLbl>
+  <dgm:styleLbl name="bgSibTrans2D1">
+    <dgm:fillClrLst>
+      <a:schemeClr val="accent5"/>
+      <a:schemeClr val="accent6"/>
+    </dgm:fillClrLst>
+    <dgm:linClrLst meth="repeat">
+      <a:schemeClr val="lt1"/>
+    </dgm:linClrLst>
+    <dgm:effectClrLst/>
+    <dgm:txLinClrLst/>
+    <dgm:txFillClrLst meth="repeat">
+      <a:schemeClr val="lt1"/>
+    </dgm:txFillClrLst>
+    <dgm:txEffectClrLst/>
+  </dgm:styleLbl>
+  <dgm:styleLbl name="sibTrans1D1">
+    <dgm:fillClrLst/>
+    <dgm:linClrLst>
+      <a:schemeClr val="accent5"/>
+      <a:schemeClr val="accent6"/>
+    </dgm:linClrLst>
+    <dgm:effectClrLst/>
+    <dgm:txLinClrLst/>
+    <dgm:txFillClrLst meth="repeat">
+      <a:schemeClr val="tx1"/>
+    </dgm:txFillClrLst>
+    <dgm:txEffectClrLst/>
+  </dgm:styleLbl>
+  <dgm:styleLbl name="callout">
+    <dgm:fillClrLst meth="repeat">
+      <a:schemeClr val="accent5"/>
+    </dgm:fillClrLst>
+    <dgm:linClrLst meth="repeat">
+      <a:schemeClr val="accent5">
+        <a:tint val="50000"/>
+      </a:schemeClr>
+    </dgm:linClrLst>
+    <dgm:effectClrLst/>
+    <dgm:txLinClrLst/>
+    <dgm:txFillClrLst meth="repeat">
+      <a:schemeClr val="tx1"/>
+    </dgm:txFillClrLst>
+    <dgm:txEffectClrLst/>
+  </dgm:styleLbl>
+  <dgm:styleLbl name="asst0">
+    <dgm:fillClrLst meth="repeat">
+      <a:schemeClr val="accent5"/>
+    </dgm:fillClrLst>
+    <dgm:linClrLst meth="repeat">
+      <a:schemeClr val="lt1">
+        <a:shade val="80000"/>
+      </a:schemeClr>
+    </dgm:linClrLst>
+    <dgm:effectClrLst/>
+    <dgm:txLinClrLst/>
+    <dgm:txFillClrLst/>
+    <dgm:txEffectClrLst/>
+  </dgm:styleLbl>
+  <dgm:styleLbl name="asst1">
+    <dgm:fillClrLst meth="repeat">
+      <a:schemeClr val="accent6"/>
+    </dgm:fillClrLst>
+    <dgm:linClrLst meth="repeat">
+      <a:schemeClr val="lt1">
+        <a:shade val="80000"/>
+      </a:schemeClr>
+    </dgm:linClrLst>
+    <dgm:effectClrLst/>
+    <dgm:txLinClrLst/>
+    <dgm:txFillClrLst/>
+    <dgm:txEffectClrLst/>
+  </dgm:styleLbl>
+  <dgm:styleLbl name="asst2">
+    <dgm:fillClrLst>
+      <a:schemeClr val="accent1"/>
+    </dgm:fillClrLst>
+    <dgm:linClrLst meth="repeat">
+      <a:schemeClr val="lt1"/>
+    </dgm:linClrLst>
+    <dgm:effectClrLst/>
+    <dgm:txLinClrLst/>
+    <dgm:txFillClrLst/>
+    <dgm:txEffectClrLst/>
+  </dgm:styleLbl>
+  <dgm:styleLbl name="asst3">
+    <dgm:fillClrLst>
+      <a:schemeClr val="accent2"/>
+    </dgm:fillClrLst>
+    <dgm:linClrLst meth="repeat">
+      <a:schemeClr val="lt1"/>
+    </dgm:linClrLst>
+    <dgm:effectClrLst/>
+    <dgm:txLinClrLst/>
+    <dgm:txFillClrLst/>
+    <dgm:txEffectClrLst/>
+  </dgm:styleLbl>
+  <dgm:styleLbl name="asst4">
+    <dgm:fillClrLst>
+      <a:schemeClr val="accent3"/>
+    </dgm:fillClrLst>
+    <dgm:linClrLst meth="repeat">
+      <a:schemeClr val="lt1"/>
+    </dgm:linClrLst>
+    <dgm:effectClrLst/>
+    <dgm:txLinClrLst/>
+    <dgm:txFillClrLst/>
+    <dgm:txEffectClrLst/>
+  </dgm:styleLbl>
+  <dgm:styleLbl name="parChTrans2D1">
+    <dgm:fillClrLst meth="repeat">
+      <a:schemeClr val="accent5"/>
+    </dgm:fillClrLst>
+    <dgm:linClrLst meth="repeat">
+      <a:schemeClr val="lt1"/>
+    </dgm:linClrLst>
+    <dgm:effectClrLst/>
+    <dgm:txLinClrLst/>
+    <dgm:txFillClrLst meth="repeat">
+      <a:schemeClr val="lt1"/>
+    </dgm:txFillClrLst>
+    <dgm:txEffectClrLst/>
+  </dgm:styleLbl>
+  <dgm:styleLbl name="parChTrans2D2">
+    <dgm:fillClrLst meth="repeat">
+      <a:schemeClr val="accent6"/>
+    </dgm:fillClrLst>
+    <dgm:linClrLst meth="repeat">
+      <a:schemeClr val="lt1"/>
+    </dgm:linClrLst>
+    <dgm:effectClrLst/>
+    <dgm:txLinClrLst/>
+    <dgm:txFillClrLst/>
+    <dgm:txEffectClrLst/>
+  </dgm:styleLbl>
+  <dgm:styleLbl name="parChTrans2D3">
+    <dgm:fillClrLst meth="repeat">
+      <a:schemeClr val="accent6"/>
+    </dgm:fillClrLst>
+    <dgm:linClrLst meth="repeat">
+      <a:schemeClr val="lt1"/>
+    </dgm:linClrLst>
+    <dgm:effectClrLst/>
+    <dgm:txLinClrLst/>
+    <dgm:txFillClrLst/>
+    <dgm:txEffectClrLst/>
+  </dgm:styleLbl>
+  <dgm:styleLbl name="parChTrans2D4">
+    <dgm:fillClrLst meth="repeat">
+      <a:schemeClr val="accent1"/>
+    </dgm:fillClrLst>
+    <dgm:linClrLst meth="repeat">
+      <a:schemeClr val="lt1"/>
+    </dgm:linClrLst>
+    <dgm:effectClrLst/>
+    <dgm:txLinClrLst/>
+    <dgm:txFillClrLst meth="repeat">
+      <a:schemeClr val="lt1"/>
+    </dgm:txFillClrLst>
+    <dgm:txEffectClrLst/>
+  </dgm:styleLbl>
+  <dgm:styleLbl name="parChTrans1D1">
+    <dgm:fillClrLst meth="repeat">
+      <a:schemeClr val="accent5"/>
+    </dgm:fillClrLst>
+    <dgm:linClrLst meth="repeat">
+      <a:schemeClr val="accent5"/>
+    </dgm:linClrLst>
+    <dgm:effectClrLst/>
+    <dgm:txLinClrLst/>
+    <dgm:txFillClrLst meth="repeat">
+      <a:schemeClr val="tx1"/>
+    </dgm:txFillClrLst>
+    <dgm:txEffectClrLst/>
+  </dgm:styleLbl>
+  <dgm:styleLbl name="parChTrans1D2">
+    <dgm:fillClrLst meth="repeat">
+      <a:schemeClr val="accent6">
+        <a:tint val="90000"/>
+      </a:schemeClr>
+    </dgm:fillClrLst>
+    <dgm:linClrLst meth="repeat">
+      <a:schemeClr val="accent6"/>
+    </dgm:linClrLst>
+    <dgm:effectClrLst/>
+    <dgm:txLinClrLst/>
+    <dgm:txFillClrLst meth="repeat">
+      <a:schemeClr val="tx1"/>
+    </dgm:txFillClrLst>
+    <dgm:txEffectClrLst/>
+  </dgm:styleLbl>
+  <dgm:styleLbl name="parChTrans1D3">
+    <dgm:fillClrLst meth="repeat">
+      <a:schemeClr val="accent6">
+        <a:tint val="70000"/>
+      </a:schemeClr>
+    </dgm:fillClrLst>
+    <dgm:linClrLst meth="repeat">
+      <a:schemeClr val="accent1"/>
+    </dgm:linClrLst>
+    <dgm:effectClrLst/>
+    <dgm:txLinClrLst/>
+    <dgm:txFillClrLst meth="repeat">
+      <a:schemeClr val="tx1"/>
+    </dgm:txFillClrLst>
+    <dgm:txEffectClrLst/>
+  </dgm:styleLbl>
+  <dgm:styleLbl name="parChTrans1D4">
+    <dgm:fillClrLst meth="repeat">
+      <a:schemeClr val="accent6">
+        <a:tint val="50000"/>
+      </a:schemeClr>
+    </dgm:fillClrLst>
+    <dgm:linClrLst meth="repeat">
+      <a:schemeClr val="accent2"/>
+    </dgm:linClrLst>
+    <dgm:effectClrLst/>
+    <dgm:txLinClrLst/>
+    <dgm:txFillClrLst meth="repeat">
+      <a:schemeClr val="tx1"/>
+    </dgm:txFillClrLst>
+    <dgm:txEffectClrLst/>
+  </dgm:styleLbl>
+  <dgm:styleLbl name="fgAcc1">
+    <dgm:fillClrLst meth="repeat">
+      <a:schemeClr val="lt1">
+        <a:alpha val="90000"/>
+      </a:schemeClr>
+    </dgm:fillClrLst>
+    <dgm:linClrLst>
+      <a:schemeClr val="accent5"/>
+      <a:schemeClr val="accent6"/>
+    </dgm:linClrLst>
+    <dgm:effectClrLst/>
+    <dgm:txLinClrLst/>
+    <dgm:txFillClrLst meth="repeat">
+      <a:schemeClr val="dk1"/>
+    </dgm:txFillClrLst>
+    <dgm:txEffectClrLst/>
+  </dgm:styleLbl>
+  <dgm:styleLbl name="conFgAcc1">
+    <dgm:fillClrLst meth="repeat">
+      <a:schemeClr val="lt1">
+        <a:alpha val="90000"/>
+      </a:schemeClr>
+    </dgm:fillClrLst>
+    <dgm:linClrLst>
+      <a:schemeClr val="accent5"/>
+      <a:schemeClr val="accent6"/>
+    </dgm:linClrLst>
+    <dgm:effectClrLst/>
+    <dgm:txLinClrLst/>
+    <dgm:txFillClrLst meth="repeat">
+      <a:schemeClr val="dk1"/>
+    </dgm:txFillClrLst>
+    <dgm:txEffectClrLst/>
+  </dgm:styleLbl>
+  <dgm:styleLbl name="alignAcc1">
+    <dgm:fillClrLst meth="repeat">
+      <a:schemeClr val="lt1">
+        <a:alpha val="90000"/>
+      </a:schemeClr>
+    </dgm:fillClrLst>
+    <dgm:linClrLst>
+      <a:schemeClr val="accent5"/>
+      <a:schemeClr val="accent6"/>
+    </dgm:linClrLst>
+    <dgm:effectClrLst/>
+    <dgm:txLinClrLst/>
+    <dgm:txFillClrLst meth="repeat">
+      <a:schemeClr val="dk1"/>
+    </dgm:txFillClrLst>
+    <dgm:txEffectClrLst/>
+  </dgm:styleLbl>
+  <dgm:styleLbl name="trAlignAcc1">
+    <dgm:fillClrLst meth="repeat">
+      <a:schemeClr val="lt1">
+        <a:alpha val="40000"/>
+      </a:schemeClr>
+    </dgm:fillClrLst>
+    <dgm:linClrLst meth="repeat">
+      <a:schemeClr val="accent5"/>
+    </dgm:linClrLst>
+    <dgm:effectClrLst/>
+    <dgm:txLinClrLst/>
+    <dgm:txFillClrLst meth="repeat">
+      <a:schemeClr val="dk1"/>
+    </dgm:txFillClrLst>
+    <dgm:txEffectClrLst/>
+  </dgm:styleLbl>
+  <dgm:styleLbl name="bgAcc1">
+    <dgm:fillClrLst meth="repeat">
+      <a:schemeClr val="lt1">
+        <a:alpha val="90000"/>
+      </a:schemeClr>
+    </dgm:fillClrLst>
+    <dgm:linClrLst>
+      <a:schemeClr val="accent5"/>
+      <a:schemeClr val="accent6"/>
+    </dgm:linClrLst>
+    <dgm:effectClrLst/>
+    <dgm:txLinClrLst/>
+    <dgm:txFillClrLst meth="repeat">
+      <a:schemeClr val="dk1"/>
+    </dgm:txFillClrLst>
+    <dgm:txEffectClrLst/>
+  </dgm:styleLbl>
+  <dgm:styleLbl name="solidFgAcc1">
+    <dgm:fillClrLst meth="repeat">
+      <a:schemeClr val="lt1"/>
+    </dgm:fillClrLst>
+    <dgm:linClrLst>
+      <a:schemeClr val="accent5"/>
+      <a:schemeClr val="accent6"/>
+    </dgm:linClrLst>
+    <dgm:effectClrLst/>
+    <dgm:txLinClrLst/>
+    <dgm:txFillClrLst meth="repeat">
+      <a:schemeClr val="dk1"/>
+    </dgm:txFillClrLst>
+    <dgm:txEffectClrLst/>
+  </dgm:styleLbl>
+  <dgm:styleLbl name="solidAlignAcc1">
+    <dgm:fillClrLst meth="repeat">
+      <a:schemeClr val="lt1"/>
+    </dgm:fillClrLst>
+    <dgm:linClrLst>
+      <a:schemeClr val="accent5"/>
+      <a:schemeClr val="accent6"/>
+    </dgm:linClrLst>
+    <dgm:effectClrLst/>
+    <dgm:txLinClrLst/>
+    <dgm:txFillClrLst meth="repeat">
+      <a:schemeClr val="dk1"/>
+    </dgm:txFillClrLst>
+    <dgm:txEffectClrLst/>
+  </dgm:styleLbl>
+  <dgm:styleLbl name="solidBgAcc1">
+    <dgm:fillClrLst meth="repeat">
+      <a:schemeClr val="lt1"/>
+    </dgm:fillClrLst>
+    <dgm:linClrLst>
+      <a:schemeClr val="accent5"/>
+      <a:schemeClr val="accent6"/>
+    </dgm:linClrLst>
+    <dgm:effectClrLst/>
+    <dgm:txLinClrLst/>
+    <dgm:txFillClrLst meth="repeat">
+      <a:schemeClr val="dk1"/>
+    </dgm:txFillClrLst>
+    <dgm:txEffectClrLst/>
+  </dgm:styleLbl>
+  <dgm:styleLbl name="fgAccFollowNode1">
+    <dgm:fillClrLst>
+      <a:schemeClr val="accent5">
+        <a:tint val="40000"/>
+        <a:alpha val="90000"/>
+      </a:schemeClr>
+      <a:schemeClr val="accent6">
+        <a:tint val="40000"/>
+        <a:alpha val="90000"/>
+      </a:schemeClr>
+    </dgm:fillClrLst>
+    <dgm:linClrLst>
+      <a:schemeClr val="accent5">
+        <a:tint val="40000"/>
+        <a:alpha val="90000"/>
+      </a:schemeClr>
+      <a:schemeClr val="accent5">
+        <a:tint val="40000"/>
+        <a:alpha val="90000"/>
+      </a:schemeClr>
+    </dgm:linClrLst>
+    <dgm:effectClrLst/>
+    <dgm:txLinClrLst/>
+    <dgm:txFillClrLst meth="repeat">
+      <a:schemeClr val="dk1"/>
+    </dgm:txFillClrLst>
+    <dgm:txEffectClrLst/>
+  </dgm:styleLbl>
+  <dgm:styleLbl name="alignAccFollowNode1">
+    <dgm:fillClrLst>
+      <a:schemeClr val="accent5">
+        <a:tint val="40000"/>
+        <a:alpha val="90000"/>
+      </a:schemeClr>
+      <a:schemeClr val="accent6">
+        <a:tint val="40000"/>
+        <a:alpha val="90000"/>
+      </a:schemeClr>
+    </dgm:fillClrLst>
+    <dgm:linClrLst>
+      <a:schemeClr val="accent5">
+        <a:tint val="40000"/>
+        <a:alpha val="90000"/>
+      </a:schemeClr>
+      <a:schemeClr val="accent6">
+        <a:tint val="40000"/>
+        <a:alpha val="90000"/>
+      </a:schemeClr>
+    </dgm:linClrLst>
+    <dgm:effectClrLst/>
+    <dgm:txLinClrLst/>
+    <dgm:txFillClrLst meth="repeat">
+      <a:schemeClr val="dk1"/>
+    </dgm:txFillClrLst>
+    <dgm:txEffectClrLst/>
+  </dgm:styleLbl>
+  <dgm:styleLbl name="bgAccFollowNode1">
+    <dgm:fillClrLst>
+      <a:schemeClr val="accent5">
+        <a:tint val="40000"/>
+        <a:alpha val="90000"/>
+      </a:schemeClr>
+      <a:schemeClr val="accent6">
+        <a:tint val="40000"/>
+        <a:alpha val="90000"/>
+      </a:schemeClr>
+    </dgm:fillClrLst>
+    <dgm:linClrLst>
+      <a:schemeClr val="accent5">
+        <a:tint val="40000"/>
+        <a:alpha val="90000"/>
+      </a:schemeClr>
+      <a:schemeClr val="accent6">
+        <a:tint val="40000"/>
+        <a:alpha val="90000"/>
+      </a:schemeClr>
+    </dgm:linClrLst>
+    <dgm:effectClrLst/>
+    <dgm:txLinClrLst/>
+    <dgm:txFillClrLst meth="repeat">
+      <a:schemeClr val="dk1"/>
+    </dgm:txFillClrLst>
+    <dgm:txEffectClrLst/>
+  </dgm:styleLbl>
+  <dgm:styleLbl name="fgAcc0">
+    <dgm:fillClrLst meth="repeat">
+      <a:schemeClr val="lt1">
+        <a:alpha val="90000"/>
+      </a:schemeClr>
+    </dgm:fillClrLst>
+    <dgm:linClrLst>
+      <a:schemeClr val="accent4"/>
+    </dgm:linClrLst>
+    <dgm:effectClrLst/>
+    <dgm:txLinClrLst/>
+    <dgm:txFillClrLst meth="repeat">
+      <a:schemeClr val="dk1"/>
+    </dgm:txFillClrLst>
+    <dgm:txEffectClrLst/>
+  </dgm:styleLbl>
+  <dgm:styleLbl name="fgAcc2">
+    <dgm:fillClrLst meth="repeat">
+      <a:schemeClr val="lt1">
+        <a:alpha val="90000"/>
+      </a:schemeClr>
+    </dgm:fillClrLst>
+    <dgm:linClrLst>
+      <a:schemeClr val="accent6"/>
+    </dgm:linClrLst>
+    <dgm:effectClrLst/>
+    <dgm:txLinClrLst/>
+    <dgm:txFillClrLst meth="repeat">
+      <a:schemeClr val="dk1"/>
+    </dgm:txFillClrLst>
+    <dgm:txEffectClrLst/>
+  </dgm:styleLbl>
+  <dgm:styleLbl name="fgAcc3">
+    <dgm:fillClrLst meth="repeat">
+      <a:schemeClr val="lt1">
+        <a:alpha val="90000"/>
+      </a:schemeClr>
+    </dgm:fillClrLst>
+    <dgm:linClrLst>
+      <a:schemeClr val="accent1"/>
+    </dgm:linClrLst>
+    <dgm:effectClrLst/>
+    <dgm:txLinClrLst/>
+    <dgm:txFillClrLst meth="repeat">
+      <a:schemeClr val="dk1"/>
+    </dgm:txFillClrLst>
+    <dgm:txEffectClrLst/>
+  </dgm:styleLbl>
+  <dgm:styleLbl name="fgAcc4">
+    <dgm:fillClrLst meth="repeat">
+      <a:schemeClr val="lt1">
+        <a:alpha val="90000"/>
+      </a:schemeClr>
+    </dgm:fillClrLst>
+    <dgm:linClrLst>
+      <a:schemeClr val="accent2"/>
+    </dgm:linClrLst>
+    <dgm:effectClrLst/>
+    <dgm:txLinClrLst/>
+    <dgm:txFillClrLst meth="repeat">
+      <a:schemeClr val="dk1"/>
+    </dgm:txFillClrLst>
+    <dgm:txEffectClrLst/>
+  </dgm:styleLbl>
+  <dgm:styleLbl name="bgShp">
+    <dgm:fillClrLst meth="repeat">
+      <a:schemeClr val="accent5">
+        <a:tint val="40000"/>
+      </a:schemeClr>
+    </dgm:fillClrLst>
+    <dgm:linClrLst meth="repeat">
+      <a:schemeClr val="dk1"/>
+    </dgm:linClrLst>
+    <dgm:effectClrLst/>
+    <dgm:txLinClrLst/>
+    <dgm:txFillClrLst meth="repeat">
+      <a:schemeClr val="dk1"/>
+    </dgm:txFillClrLst>
+    <dgm:txEffectClrLst/>
+  </dgm:styleLbl>
+  <dgm:styleLbl name="dkBgShp">
+    <dgm:fillClrLst meth="repeat">
+      <a:schemeClr val="accent5">
+        <a:shade val="90000"/>
+      </a:schemeClr>
+    </dgm:fillClrLst>
+    <dgm:linClrLst meth="repeat">
+      <a:schemeClr val="dk1"/>
+    </dgm:linClrLst>
+    <dgm:effectClrLst/>
+    <dgm:txLinClrLst/>
+    <dgm:txFillClrLst meth="repeat">
+      <a:schemeClr val="lt1"/>
+    </dgm:txFillClrLst>
+    <dgm:txEffectClrLst/>
+  </dgm:styleLbl>
+  <dgm:styleLbl name="trBgShp">
+    <dgm:fillClrLst meth="repeat">
+      <a:schemeClr val="accent5">
+        <a:tint val="50000"/>
+        <a:alpha val="40000"/>
+      </a:schemeClr>
+    </dgm:fillClrLst>
+    <dgm:linClrLst meth="repeat">
+      <a:schemeClr val="accent5"/>
+    </dgm:linClrLst>
+    <dgm:effectClrLst/>
+    <dgm:txLinClrLst/>
+    <dgm:txFillClrLst meth="repeat">
+      <a:schemeClr val="lt1"/>
+    </dgm:txFillClrLst>
+    <dgm:txEffectClrLst/>
+  </dgm:styleLbl>
+  <dgm:styleLbl name="fgShp">
+    <dgm:fillClrLst meth="repeat">
+      <a:schemeClr val="accent5">
+        <a:tint val="40000"/>
+      </a:schemeClr>
+    </dgm:fillClrLst>
+    <dgm:linClrLst meth="repeat">
+      <a:schemeClr val="lt1"/>
+    </dgm:linClrLst>
+    <dgm:effectClrLst/>
+    <dgm:txLinClrLst/>
+    <dgm:txFillClrLst meth="repeat">
+      <a:schemeClr val="dk1"/>
+    </dgm:txFillClrLst>
+    <dgm:txEffectClrLst/>
+  </dgm:styleLbl>
+  <dgm:styleLbl name="revTx">
+    <dgm:fillClrLst meth="repeat">
+      <a:schemeClr val="lt1">
+        <a:alpha val="0"/>
+      </a:schemeClr>
+    </dgm:fillClrLst>
+    <dgm:linClrLst meth="repeat">
+      <a:schemeClr val="dk1">
+        <a:alpha val="0"/>
+      </a:schemeClr>
+    </dgm:linClrLst>
+    <dgm:effectClrLst/>
+    <dgm:txLinClrLst/>
+    <dgm:txFillClrLst meth="repeat">
+      <a:schemeClr val="tx1"/>
+    </dgm:txFillClrLst>
+    <dgm:txEffectClrLst/>
+  </dgm:styleLbl>
+</dgm:colorsDef>
+</file>
+
+<file path=ppt/diagrams/data1.xml><?xml version="1.0" encoding="utf-8"?>
+<dgm:dataModel xmlns:dgm="http://schemas.openxmlformats.org/drawingml/2006/diagram" xmlns:a="http://schemas.openxmlformats.org/drawingml/2006/main">
+  <dgm:ptLst>
+    <dgm:pt modelId="{07825673-A459-4A71-863C-7992ED7640CC}" type="doc">
+      <dgm:prSet loTypeId="urn:microsoft.com/office/officeart/2005/8/layout/vList2" loCatId="list" qsTypeId="urn:microsoft.com/office/officeart/2005/8/quickstyle/simple1" qsCatId="simple" csTypeId="urn:microsoft.com/office/officeart/2005/8/colors/colorful5" csCatId="colorful"/>
+      <dgm:spPr/>
+      <dgm:t>
+        <a:bodyPr/>
+        <a:lstStyle/>
+        <a:p>
+          <a:endParaRPr lang="en-US"/>
+        </a:p>
+      </dgm:t>
+    </dgm:pt>
+    <dgm:pt modelId="{DBA11553-C688-4EEE-A386-D520CAFF7B70}">
+      <dgm:prSet/>
+      <dgm:spPr/>
+      <dgm:t>
+        <a:bodyPr/>
+        <a:lstStyle/>
+        <a:p>
+          <a:r>
+            <a:rPr lang="pt-BR"/>
+            <a:t>° EMPÁTIA </a:t>
+          </a:r>
+          <a:endParaRPr lang="en-US"/>
+        </a:p>
+      </dgm:t>
+    </dgm:pt>
+    <dgm:pt modelId="{F50C5A33-4E42-47C9-95E2-CE0BE57F5F0C}" type="parTrans" cxnId="{9F79F95A-A1C7-4079-9980-12F1FF0C1B91}">
+      <dgm:prSet/>
+      <dgm:spPr/>
+      <dgm:t>
+        <a:bodyPr/>
+        <a:lstStyle/>
+        <a:p>
+          <a:endParaRPr lang="en-US"/>
+        </a:p>
+      </dgm:t>
+    </dgm:pt>
+    <dgm:pt modelId="{4253FB77-FA1B-42ED-BB06-CD11DC6FA770}" type="sibTrans" cxnId="{9F79F95A-A1C7-4079-9980-12F1FF0C1B91}">
+      <dgm:prSet/>
+      <dgm:spPr/>
+      <dgm:t>
+        <a:bodyPr/>
+        <a:lstStyle/>
+        <a:p>
+          <a:endParaRPr lang="en-US"/>
+        </a:p>
+      </dgm:t>
+    </dgm:pt>
+    <dgm:pt modelId="{15EA782B-CF97-4D05-9CAE-01AAF4667BE0}">
+      <dgm:prSet/>
+      <dgm:spPr/>
+      <dgm:t>
+        <a:bodyPr/>
+        <a:lstStyle/>
+        <a:p>
+          <a:r>
+            <a:rPr lang="pt-BR"/>
+            <a:t>° ÉTICA</a:t>
+          </a:r>
+          <a:endParaRPr lang="en-US"/>
+        </a:p>
+      </dgm:t>
+    </dgm:pt>
+    <dgm:pt modelId="{4B2747BA-28E9-46F4-9EB5-154DCFFCBAD0}" type="parTrans" cxnId="{81642776-7399-4D55-A850-B0C70718A15F}">
+      <dgm:prSet/>
+      <dgm:spPr/>
+      <dgm:t>
+        <a:bodyPr/>
+        <a:lstStyle/>
+        <a:p>
+          <a:endParaRPr lang="en-US"/>
+        </a:p>
+      </dgm:t>
+    </dgm:pt>
+    <dgm:pt modelId="{593964AE-9EB4-4F55-A5DF-7136F95B5910}" type="sibTrans" cxnId="{81642776-7399-4D55-A850-B0C70718A15F}">
+      <dgm:prSet/>
+      <dgm:spPr/>
+      <dgm:t>
+        <a:bodyPr/>
+        <a:lstStyle/>
+        <a:p>
+          <a:endParaRPr lang="en-US"/>
+        </a:p>
+      </dgm:t>
+    </dgm:pt>
+    <dgm:pt modelId="{9F615AA5-F70E-4190-B6DB-503246FE61E0}">
+      <dgm:prSet/>
+      <dgm:spPr/>
+      <dgm:t>
+        <a:bodyPr/>
+        <a:lstStyle/>
+        <a:p>
+          <a:r>
+            <a:rPr lang="pt-BR"/>
+            <a:t>° ORGANIZAÇÃO</a:t>
+          </a:r>
+          <a:endParaRPr lang="en-US"/>
+        </a:p>
+      </dgm:t>
+    </dgm:pt>
+    <dgm:pt modelId="{1F2ADE2A-FBEB-415F-945A-EE029A57B432}" type="parTrans" cxnId="{9EBFE9C3-3657-4CB1-8A27-1B14EDA87841}">
+      <dgm:prSet/>
+      <dgm:spPr/>
+      <dgm:t>
+        <a:bodyPr/>
+        <a:lstStyle/>
+        <a:p>
+          <a:endParaRPr lang="en-US"/>
+        </a:p>
+      </dgm:t>
+    </dgm:pt>
+    <dgm:pt modelId="{61256DF8-5012-43FA-883C-195C3FF90006}" type="sibTrans" cxnId="{9EBFE9C3-3657-4CB1-8A27-1B14EDA87841}">
+      <dgm:prSet/>
+      <dgm:spPr/>
+      <dgm:t>
+        <a:bodyPr/>
+        <a:lstStyle/>
+        <a:p>
+          <a:endParaRPr lang="en-US"/>
+        </a:p>
+      </dgm:t>
+    </dgm:pt>
+    <dgm:pt modelId="{14883CA2-A8D6-4A1B-9F10-44933AB7268F}">
+      <dgm:prSet/>
+      <dgm:spPr/>
+      <dgm:t>
+        <a:bodyPr/>
+        <a:lstStyle/>
+        <a:p>
+          <a:r>
+            <a:rPr lang="pt-BR"/>
+            <a:t>° DEDICAÇÃO</a:t>
+          </a:r>
+          <a:endParaRPr lang="en-US"/>
+        </a:p>
+      </dgm:t>
+    </dgm:pt>
+    <dgm:pt modelId="{ABDAD182-1ABF-421C-8A94-FD6EA7A501C6}" type="parTrans" cxnId="{AF02133A-5343-4B8D-90A0-68D6EBED3133}">
+      <dgm:prSet/>
+      <dgm:spPr/>
+      <dgm:t>
+        <a:bodyPr/>
+        <a:lstStyle/>
+        <a:p>
+          <a:endParaRPr lang="en-US"/>
+        </a:p>
+      </dgm:t>
+    </dgm:pt>
+    <dgm:pt modelId="{76DD1252-A188-4641-AFB6-D447A673FA38}" type="sibTrans" cxnId="{AF02133A-5343-4B8D-90A0-68D6EBED3133}">
+      <dgm:prSet/>
+      <dgm:spPr/>
+      <dgm:t>
+        <a:bodyPr/>
+        <a:lstStyle/>
+        <a:p>
+          <a:endParaRPr lang="en-US"/>
+        </a:p>
+      </dgm:t>
+    </dgm:pt>
+    <dgm:pt modelId="{F24D6390-AA41-49AE-A081-8D1DB9F91C28}">
+      <dgm:prSet/>
+      <dgm:spPr/>
+      <dgm:t>
+        <a:bodyPr/>
+        <a:lstStyle/>
+        <a:p>
+          <a:r>
+            <a:rPr lang="pt-BR"/>
+            <a:t>° RESPONSÁVEL </a:t>
+          </a:r>
+          <a:endParaRPr lang="en-US"/>
+        </a:p>
+      </dgm:t>
+    </dgm:pt>
+    <dgm:pt modelId="{8C17C5AD-FBBA-4CFD-A843-FBE27432216F}" type="parTrans" cxnId="{456F9CE5-4237-4C04-A165-C558C08A66A2}">
+      <dgm:prSet/>
+      <dgm:spPr/>
+      <dgm:t>
+        <a:bodyPr/>
+        <a:lstStyle/>
+        <a:p>
+          <a:endParaRPr lang="en-US"/>
+        </a:p>
+      </dgm:t>
+    </dgm:pt>
+    <dgm:pt modelId="{7835E4F2-2134-4FCF-9EDA-F46098B9F909}" type="sibTrans" cxnId="{456F9CE5-4237-4C04-A165-C558C08A66A2}">
+      <dgm:prSet/>
+      <dgm:spPr/>
+      <dgm:t>
+        <a:bodyPr/>
+        <a:lstStyle/>
+        <a:p>
+          <a:endParaRPr lang="en-US"/>
+        </a:p>
+      </dgm:t>
+    </dgm:pt>
+    <dgm:pt modelId="{53CA9AD7-064B-449A-B300-D686E8D69437}">
+      <dgm:prSet/>
+      <dgm:spPr/>
+      <dgm:t>
+        <a:bodyPr/>
+        <a:lstStyle/>
+        <a:p>
+          <a:r>
+            <a:rPr lang="pt-BR"/>
+            <a:t>° CONFIANÇA</a:t>
+          </a:r>
+          <a:endParaRPr lang="en-US"/>
+        </a:p>
+      </dgm:t>
+    </dgm:pt>
+    <dgm:pt modelId="{0C81974B-E974-4C38-9E8F-01648E19C59C}" type="parTrans" cxnId="{8F32339E-CF9F-45D6-BE79-AD93593A54D5}">
+      <dgm:prSet/>
+      <dgm:spPr/>
+      <dgm:t>
+        <a:bodyPr/>
+        <a:lstStyle/>
+        <a:p>
+          <a:endParaRPr lang="en-US"/>
+        </a:p>
+      </dgm:t>
+    </dgm:pt>
+    <dgm:pt modelId="{FCC1CC93-EAEB-4C98-B3DC-89910D8BC112}" type="sibTrans" cxnId="{8F32339E-CF9F-45D6-BE79-AD93593A54D5}">
+      <dgm:prSet/>
+      <dgm:spPr/>
+      <dgm:t>
+        <a:bodyPr/>
+        <a:lstStyle/>
+        <a:p>
+          <a:endParaRPr lang="en-US"/>
+        </a:p>
+      </dgm:t>
+    </dgm:pt>
+    <dgm:pt modelId="{BC6C914B-27D4-413C-977C-1B3CC6945730}" type="pres">
+      <dgm:prSet presAssocID="{07825673-A459-4A71-863C-7992ED7640CC}" presName="linear" presStyleCnt="0">
+        <dgm:presLayoutVars>
+          <dgm:animLvl val="lvl"/>
+          <dgm:resizeHandles val="exact"/>
+        </dgm:presLayoutVars>
+      </dgm:prSet>
+      <dgm:spPr/>
+    </dgm:pt>
+    <dgm:pt modelId="{585A8E66-1F44-46F0-B349-6C4E2F8208A2}" type="pres">
+      <dgm:prSet presAssocID="{DBA11553-C688-4EEE-A386-D520CAFF7B70}" presName="parentText" presStyleLbl="node1" presStyleIdx="0" presStyleCnt="6">
+        <dgm:presLayoutVars>
+          <dgm:chMax val="0"/>
+          <dgm:bulletEnabled val="1"/>
+        </dgm:presLayoutVars>
+      </dgm:prSet>
+      <dgm:spPr/>
+    </dgm:pt>
+    <dgm:pt modelId="{6087DD15-A137-42F6-A1D7-8D0C773A5AE6}" type="pres">
+      <dgm:prSet presAssocID="{4253FB77-FA1B-42ED-BB06-CD11DC6FA770}" presName="spacer" presStyleCnt="0"/>
+      <dgm:spPr/>
+    </dgm:pt>
+    <dgm:pt modelId="{A1FA7F81-C2F4-4B45-9E03-DE1CAC81F932}" type="pres">
+      <dgm:prSet presAssocID="{15EA782B-CF97-4D05-9CAE-01AAF4667BE0}" presName="parentText" presStyleLbl="node1" presStyleIdx="1" presStyleCnt="6">
+        <dgm:presLayoutVars>
+          <dgm:chMax val="0"/>
+          <dgm:bulletEnabled val="1"/>
+        </dgm:presLayoutVars>
+      </dgm:prSet>
+      <dgm:spPr/>
+    </dgm:pt>
+    <dgm:pt modelId="{5D8C9AD1-1B09-4B20-AF82-884F8620A65D}" type="pres">
+      <dgm:prSet presAssocID="{593964AE-9EB4-4F55-A5DF-7136F95B5910}" presName="spacer" presStyleCnt="0"/>
+      <dgm:spPr/>
+    </dgm:pt>
+    <dgm:pt modelId="{473B0CAD-EA6C-4A08-A596-7F1ADEC0BC27}" type="pres">
+      <dgm:prSet presAssocID="{9F615AA5-F70E-4190-B6DB-503246FE61E0}" presName="parentText" presStyleLbl="node1" presStyleIdx="2" presStyleCnt="6">
+        <dgm:presLayoutVars>
+          <dgm:chMax val="0"/>
+          <dgm:bulletEnabled val="1"/>
+        </dgm:presLayoutVars>
+      </dgm:prSet>
+      <dgm:spPr/>
+    </dgm:pt>
+    <dgm:pt modelId="{20BB9F22-C2F3-4B47-9D11-A8C28637B907}" type="pres">
+      <dgm:prSet presAssocID="{61256DF8-5012-43FA-883C-195C3FF90006}" presName="spacer" presStyleCnt="0"/>
+      <dgm:spPr/>
+    </dgm:pt>
+    <dgm:pt modelId="{1791ED7D-657D-4A74-BE48-C5ED4C1C9F9D}" type="pres">
+      <dgm:prSet presAssocID="{14883CA2-A8D6-4A1B-9F10-44933AB7268F}" presName="parentText" presStyleLbl="node1" presStyleIdx="3" presStyleCnt="6">
+        <dgm:presLayoutVars>
+          <dgm:chMax val="0"/>
+          <dgm:bulletEnabled val="1"/>
+        </dgm:presLayoutVars>
+      </dgm:prSet>
+      <dgm:spPr/>
+    </dgm:pt>
+    <dgm:pt modelId="{B51C38AD-F91A-48C3-ACF3-3397590355F7}" type="pres">
+      <dgm:prSet presAssocID="{76DD1252-A188-4641-AFB6-D447A673FA38}" presName="spacer" presStyleCnt="0"/>
+      <dgm:spPr/>
+    </dgm:pt>
+    <dgm:pt modelId="{384230F3-8B73-4FEC-814D-9C51633762D8}" type="pres">
+      <dgm:prSet presAssocID="{F24D6390-AA41-49AE-A081-8D1DB9F91C28}" presName="parentText" presStyleLbl="node1" presStyleIdx="4" presStyleCnt="6">
+        <dgm:presLayoutVars>
+          <dgm:chMax val="0"/>
+          <dgm:bulletEnabled val="1"/>
+        </dgm:presLayoutVars>
+      </dgm:prSet>
+      <dgm:spPr/>
+    </dgm:pt>
+    <dgm:pt modelId="{21D17089-EB51-4348-9BC4-F239851625CD}" type="pres">
+      <dgm:prSet presAssocID="{7835E4F2-2134-4FCF-9EDA-F46098B9F909}" presName="spacer" presStyleCnt="0"/>
+      <dgm:spPr/>
+    </dgm:pt>
+    <dgm:pt modelId="{63E3B98C-1FBA-4D01-8893-03B4B18BA73A}" type="pres">
+      <dgm:prSet presAssocID="{53CA9AD7-064B-449A-B300-D686E8D69437}" presName="parentText" presStyleLbl="node1" presStyleIdx="5" presStyleCnt="6">
+        <dgm:presLayoutVars>
+          <dgm:chMax val="0"/>
+          <dgm:bulletEnabled val="1"/>
+        </dgm:presLayoutVars>
+      </dgm:prSet>
+      <dgm:spPr/>
+    </dgm:pt>
+  </dgm:ptLst>
+  <dgm:cxnLst>
+    <dgm:cxn modelId="{044E1F12-5EFE-4985-AFF9-CE75385617BC}" type="presOf" srcId="{9F615AA5-F70E-4190-B6DB-503246FE61E0}" destId="{473B0CAD-EA6C-4A08-A596-7F1ADEC0BC27}" srcOrd="0" destOrd="0" presId="urn:microsoft.com/office/officeart/2005/8/layout/vList2"/>
+    <dgm:cxn modelId="{4659BA2F-D502-494E-BBF7-4B55805D9AE9}" type="presOf" srcId="{F24D6390-AA41-49AE-A081-8D1DB9F91C28}" destId="{384230F3-8B73-4FEC-814D-9C51633762D8}" srcOrd="0" destOrd="0" presId="urn:microsoft.com/office/officeart/2005/8/layout/vList2"/>
+    <dgm:cxn modelId="{681A1338-A812-4875-A6CF-D26F3F9E1A23}" type="presOf" srcId="{14883CA2-A8D6-4A1B-9F10-44933AB7268F}" destId="{1791ED7D-657D-4A74-BE48-C5ED4C1C9F9D}" srcOrd="0" destOrd="0" presId="urn:microsoft.com/office/officeart/2005/8/layout/vList2"/>
+    <dgm:cxn modelId="{AF02133A-5343-4B8D-90A0-68D6EBED3133}" srcId="{07825673-A459-4A71-863C-7992ED7640CC}" destId="{14883CA2-A8D6-4A1B-9F10-44933AB7268F}" srcOrd="3" destOrd="0" parTransId="{ABDAD182-1ABF-421C-8A94-FD6EA7A501C6}" sibTransId="{76DD1252-A188-4641-AFB6-D447A673FA38}"/>
+    <dgm:cxn modelId="{C2AA6645-08E2-4366-85CB-149D0ABC5EF7}" type="presOf" srcId="{DBA11553-C688-4EEE-A386-D520CAFF7B70}" destId="{585A8E66-1F44-46F0-B349-6C4E2F8208A2}" srcOrd="0" destOrd="0" presId="urn:microsoft.com/office/officeart/2005/8/layout/vList2"/>
+    <dgm:cxn modelId="{81642776-7399-4D55-A850-B0C70718A15F}" srcId="{07825673-A459-4A71-863C-7992ED7640CC}" destId="{15EA782B-CF97-4D05-9CAE-01AAF4667BE0}" srcOrd="1" destOrd="0" parTransId="{4B2747BA-28E9-46F4-9EB5-154DCFFCBAD0}" sibTransId="{593964AE-9EB4-4F55-A5DF-7136F95B5910}"/>
+    <dgm:cxn modelId="{9F79F95A-A1C7-4079-9980-12F1FF0C1B91}" srcId="{07825673-A459-4A71-863C-7992ED7640CC}" destId="{DBA11553-C688-4EEE-A386-D520CAFF7B70}" srcOrd="0" destOrd="0" parTransId="{F50C5A33-4E42-47C9-95E2-CE0BE57F5F0C}" sibTransId="{4253FB77-FA1B-42ED-BB06-CD11DC6FA770}"/>
+    <dgm:cxn modelId="{70A6207D-964A-4F99-A43E-4B9D3900BF85}" type="presOf" srcId="{53CA9AD7-064B-449A-B300-D686E8D69437}" destId="{63E3B98C-1FBA-4D01-8893-03B4B18BA73A}" srcOrd="0" destOrd="0" presId="urn:microsoft.com/office/officeart/2005/8/layout/vList2"/>
+    <dgm:cxn modelId="{8F32339E-CF9F-45D6-BE79-AD93593A54D5}" srcId="{07825673-A459-4A71-863C-7992ED7640CC}" destId="{53CA9AD7-064B-449A-B300-D686E8D69437}" srcOrd="5" destOrd="0" parTransId="{0C81974B-E974-4C38-9E8F-01648E19C59C}" sibTransId="{FCC1CC93-EAEB-4C98-B3DC-89910D8BC112}"/>
+    <dgm:cxn modelId="{1FA7F7A6-2892-4874-BC42-FE976A8BF312}" type="presOf" srcId="{07825673-A459-4A71-863C-7992ED7640CC}" destId="{BC6C914B-27D4-413C-977C-1B3CC6945730}" srcOrd="0" destOrd="0" presId="urn:microsoft.com/office/officeart/2005/8/layout/vList2"/>
+    <dgm:cxn modelId="{DB0942AD-9B09-4011-A840-0F92518C065B}" type="presOf" srcId="{15EA782B-CF97-4D05-9CAE-01AAF4667BE0}" destId="{A1FA7F81-C2F4-4B45-9E03-DE1CAC81F932}" srcOrd="0" destOrd="0" presId="urn:microsoft.com/office/officeart/2005/8/layout/vList2"/>
+    <dgm:cxn modelId="{9EBFE9C3-3657-4CB1-8A27-1B14EDA87841}" srcId="{07825673-A459-4A71-863C-7992ED7640CC}" destId="{9F615AA5-F70E-4190-B6DB-503246FE61E0}" srcOrd="2" destOrd="0" parTransId="{1F2ADE2A-FBEB-415F-945A-EE029A57B432}" sibTransId="{61256DF8-5012-43FA-883C-195C3FF90006}"/>
+    <dgm:cxn modelId="{456F9CE5-4237-4C04-A165-C558C08A66A2}" srcId="{07825673-A459-4A71-863C-7992ED7640CC}" destId="{F24D6390-AA41-49AE-A081-8D1DB9F91C28}" srcOrd="4" destOrd="0" parTransId="{8C17C5AD-FBBA-4CFD-A843-FBE27432216F}" sibTransId="{7835E4F2-2134-4FCF-9EDA-F46098B9F909}"/>
+    <dgm:cxn modelId="{1585CD51-25BD-4EC4-A0C2-580BECA8510E}" type="presParOf" srcId="{BC6C914B-27D4-413C-977C-1B3CC6945730}" destId="{585A8E66-1F44-46F0-B349-6C4E2F8208A2}" srcOrd="0" destOrd="0" presId="urn:microsoft.com/office/officeart/2005/8/layout/vList2"/>
+    <dgm:cxn modelId="{A330742F-6000-41BB-99CD-E5D3B67EDA74}" type="presParOf" srcId="{BC6C914B-27D4-413C-977C-1B3CC6945730}" destId="{6087DD15-A137-42F6-A1D7-8D0C773A5AE6}" srcOrd="1" destOrd="0" presId="urn:microsoft.com/office/officeart/2005/8/layout/vList2"/>
+    <dgm:cxn modelId="{F8EBEE84-5E7A-4636-ABBC-668BCE9351F3}" type="presParOf" srcId="{BC6C914B-27D4-413C-977C-1B3CC6945730}" destId="{A1FA7F81-C2F4-4B45-9E03-DE1CAC81F932}" srcOrd="2" destOrd="0" presId="urn:microsoft.com/office/officeart/2005/8/layout/vList2"/>
+    <dgm:cxn modelId="{69839974-4E9A-4831-870E-730BF40C7665}" type="presParOf" srcId="{BC6C914B-27D4-413C-977C-1B3CC6945730}" destId="{5D8C9AD1-1B09-4B20-AF82-884F8620A65D}" srcOrd="3" destOrd="0" presId="urn:microsoft.com/office/officeart/2005/8/layout/vList2"/>
+    <dgm:cxn modelId="{F76A34C1-2404-41F1-BBD3-CFC947230AFC}" type="presParOf" srcId="{BC6C914B-27D4-413C-977C-1B3CC6945730}" destId="{473B0CAD-EA6C-4A08-A596-7F1ADEC0BC27}" srcOrd="4" destOrd="0" presId="urn:microsoft.com/office/officeart/2005/8/layout/vList2"/>
+    <dgm:cxn modelId="{86C504CF-07B3-4752-B037-81D8E0280242}" type="presParOf" srcId="{BC6C914B-27D4-413C-977C-1B3CC6945730}" destId="{20BB9F22-C2F3-4B47-9D11-A8C28637B907}" srcOrd="5" destOrd="0" presId="urn:microsoft.com/office/officeart/2005/8/layout/vList2"/>
+    <dgm:cxn modelId="{AADC441F-3C08-4C46-9B63-351310B5CD07}" type="presParOf" srcId="{BC6C914B-27D4-413C-977C-1B3CC6945730}" destId="{1791ED7D-657D-4A74-BE48-C5ED4C1C9F9D}" srcOrd="6" destOrd="0" presId="urn:microsoft.com/office/officeart/2005/8/layout/vList2"/>
+    <dgm:cxn modelId="{BE302A74-7FB4-4B27-A1B1-9F3DC8159DD0}" type="presParOf" srcId="{BC6C914B-27D4-413C-977C-1B3CC6945730}" destId="{B51C38AD-F91A-48C3-ACF3-3397590355F7}" srcOrd="7" destOrd="0" presId="urn:microsoft.com/office/officeart/2005/8/layout/vList2"/>
+    <dgm:cxn modelId="{2F641BA4-C11A-4E0A-B42C-0D43D57CE623}" type="presParOf" srcId="{BC6C914B-27D4-413C-977C-1B3CC6945730}" destId="{384230F3-8B73-4FEC-814D-9C51633762D8}" srcOrd="8" destOrd="0" presId="urn:microsoft.com/office/officeart/2005/8/layout/vList2"/>
+    <dgm:cxn modelId="{C9636196-F9BD-4242-A21F-77BA44CF9C22}" type="presParOf" srcId="{BC6C914B-27D4-413C-977C-1B3CC6945730}" destId="{21D17089-EB51-4348-9BC4-F239851625CD}" srcOrd="9" destOrd="0" presId="urn:microsoft.com/office/officeart/2005/8/layout/vList2"/>
+    <dgm:cxn modelId="{E3E37501-FE86-4770-9802-FC3584F6EEE7}" type="presParOf" srcId="{BC6C914B-27D4-413C-977C-1B3CC6945730}" destId="{63E3B98C-1FBA-4D01-8893-03B4B18BA73A}" srcOrd="10" destOrd="0" presId="urn:microsoft.com/office/officeart/2005/8/layout/vList2"/>
+  </dgm:cxnLst>
+  <dgm:bg/>
+  <dgm:whole/>
+  <dgm:extLst>
+    <a:ext uri="http://schemas.microsoft.com/office/drawing/2008/diagram">
+      <dsp:dataModelExt xmlns:dsp="http://schemas.microsoft.com/office/drawing/2008/diagram" relId="rId6" minVer="http://schemas.openxmlformats.org/drawingml/2006/diagram"/>
+    </a:ext>
+  </dgm:extLst>
+</dgm:dataModel>
+</file>
+
+<file path=ppt/diagrams/drawing1.xml><?xml version="1.0" encoding="utf-8"?>
+<dsp:drawing xmlns:dgm="http://schemas.openxmlformats.org/drawingml/2006/diagram" xmlns:dsp="http://schemas.microsoft.com/office/drawing/2008/diagram" xmlns:a="http://schemas.openxmlformats.org/drawingml/2006/main">
+  <dsp:spTree>
+    <dsp:nvGrpSpPr>
+      <dsp:cNvPr id="0" name=""/>
+      <dsp:cNvGrpSpPr/>
+    </dsp:nvGrpSpPr>
+    <dsp:grpSpPr/>
+    <dsp:sp modelId="{585A8E66-1F44-46F0-B349-6C4E2F8208A2}">
+      <dsp:nvSpPr>
+        <dsp:cNvPr id="0" name=""/>
+        <dsp:cNvSpPr/>
+      </dsp:nvSpPr>
+      <dsp:spPr>
+        <a:xfrm>
+          <a:off x="0" y="61073"/>
+          <a:ext cx="5257800" cy="815490"/>
+        </a:xfrm>
+        <a:prstGeom prst="roundRect">
+          <a:avLst/>
+        </a:prstGeom>
+        <a:solidFill>
+          <a:schemeClr val="accent5">
+            <a:hueOff val="0"/>
+            <a:satOff val="0"/>
+            <a:lumOff val="0"/>
+            <a:alphaOff val="0"/>
+          </a:schemeClr>
+        </a:solidFill>
+        <a:ln w="12700" cap="flat" cmpd="sng" algn="ctr">
+          <a:solidFill>
+            <a:schemeClr val="lt1">
+              <a:hueOff val="0"/>
+              <a:satOff val="0"/>
+              <a:lumOff val="0"/>
+              <a:alphaOff val="0"/>
+            </a:schemeClr>
+          </a:solidFill>
+          <a:prstDash val="solid"/>
+          <a:miter lim="800000"/>
+        </a:ln>
+        <a:effectLst/>
+      </dsp:spPr>
+      <dsp:style>
+        <a:lnRef idx="2">
+          <a:scrgbClr r="0" g="0" b="0"/>
+        </a:lnRef>
+        <a:fillRef idx="1">
+          <a:scrgbClr r="0" g="0" b="0"/>
+        </a:fillRef>
+        <a:effectRef idx="0">
+          <a:scrgbClr r="0" g="0" b="0"/>
+        </a:effectRef>
+        <a:fontRef idx="minor">
+          <a:schemeClr val="lt1"/>
+        </a:fontRef>
+      </dsp:style>
+      <dsp:txBody>
+        <a:bodyPr spcFirstLastPara="0" vert="horz" wrap="square" lIns="129540" tIns="129540" rIns="129540" bIns="129540" numCol="1" spcCol="1270" anchor="ctr" anchorCtr="0">
+          <a:noAutofit/>
+        </a:bodyPr>
+        <a:lstStyle/>
+        <a:p>
+          <a:pPr marL="0" lvl="0" indent="0" algn="l" defTabSz="1511300">
+            <a:lnSpc>
+              <a:spcPct val="90000"/>
+            </a:lnSpc>
+            <a:spcBef>
+              <a:spcPct val="0"/>
+            </a:spcBef>
+            <a:spcAft>
+              <a:spcPct val="35000"/>
+            </a:spcAft>
+            <a:buNone/>
+          </a:pPr>
+          <a:r>
+            <a:rPr lang="pt-BR" sz="3400" kern="1200"/>
+            <a:t>° EMPÁTIA </a:t>
+          </a:r>
+          <a:endParaRPr lang="en-US" sz="3400" kern="1200"/>
+        </a:p>
+      </dsp:txBody>
+      <dsp:txXfrm>
+        <a:off x="39809" y="100882"/>
+        <a:ext cx="5178182" cy="735872"/>
+      </dsp:txXfrm>
+    </dsp:sp>
+    <dsp:sp modelId="{A1FA7F81-C2F4-4B45-9E03-DE1CAC81F932}">
+      <dsp:nvSpPr>
+        <dsp:cNvPr id="0" name=""/>
+        <dsp:cNvSpPr/>
+      </dsp:nvSpPr>
+      <dsp:spPr>
+        <a:xfrm>
+          <a:off x="0" y="974483"/>
+          <a:ext cx="5257800" cy="815490"/>
+        </a:xfrm>
+        <a:prstGeom prst="roundRect">
+          <a:avLst/>
+        </a:prstGeom>
+        <a:solidFill>
+          <a:schemeClr val="accent5">
+            <a:hueOff val="-1351709"/>
+            <a:satOff val="-3484"/>
+            <a:lumOff val="-2353"/>
+            <a:alphaOff val="0"/>
+          </a:schemeClr>
+        </a:solidFill>
+        <a:ln w="12700" cap="flat" cmpd="sng" algn="ctr">
+          <a:solidFill>
+            <a:schemeClr val="lt1">
+              <a:hueOff val="0"/>
+              <a:satOff val="0"/>
+              <a:lumOff val="0"/>
+              <a:alphaOff val="0"/>
+            </a:schemeClr>
+          </a:solidFill>
+          <a:prstDash val="solid"/>
+          <a:miter lim="800000"/>
+        </a:ln>
+        <a:effectLst/>
+      </dsp:spPr>
+      <dsp:style>
+        <a:lnRef idx="2">
+          <a:scrgbClr r="0" g="0" b="0"/>
+        </a:lnRef>
+        <a:fillRef idx="1">
+          <a:scrgbClr r="0" g="0" b="0"/>
+        </a:fillRef>
+        <a:effectRef idx="0">
+          <a:scrgbClr r="0" g="0" b="0"/>
+        </a:effectRef>
+        <a:fontRef idx="minor">
+          <a:schemeClr val="lt1"/>
+        </a:fontRef>
+      </dsp:style>
+      <dsp:txBody>
+        <a:bodyPr spcFirstLastPara="0" vert="horz" wrap="square" lIns="129540" tIns="129540" rIns="129540" bIns="129540" numCol="1" spcCol="1270" anchor="ctr" anchorCtr="0">
+          <a:noAutofit/>
+        </a:bodyPr>
+        <a:lstStyle/>
+        <a:p>
+          <a:pPr marL="0" lvl="0" indent="0" algn="l" defTabSz="1511300">
+            <a:lnSpc>
+              <a:spcPct val="90000"/>
+            </a:lnSpc>
+            <a:spcBef>
+              <a:spcPct val="0"/>
+            </a:spcBef>
+            <a:spcAft>
+              <a:spcPct val="35000"/>
+            </a:spcAft>
+            <a:buNone/>
+          </a:pPr>
+          <a:r>
+            <a:rPr lang="pt-BR" sz="3400" kern="1200"/>
+            <a:t>° ÉTICA</a:t>
+          </a:r>
+          <a:endParaRPr lang="en-US" sz="3400" kern="1200"/>
+        </a:p>
+      </dsp:txBody>
+      <dsp:txXfrm>
+        <a:off x="39809" y="1014292"/>
+        <a:ext cx="5178182" cy="735872"/>
+      </dsp:txXfrm>
+    </dsp:sp>
+    <dsp:sp modelId="{473B0CAD-EA6C-4A08-A596-7F1ADEC0BC27}">
+      <dsp:nvSpPr>
+        <dsp:cNvPr id="0" name=""/>
+        <dsp:cNvSpPr/>
+      </dsp:nvSpPr>
+      <dsp:spPr>
+        <a:xfrm>
+          <a:off x="0" y="1887893"/>
+          <a:ext cx="5257800" cy="815490"/>
+        </a:xfrm>
+        <a:prstGeom prst="roundRect">
+          <a:avLst/>
+        </a:prstGeom>
+        <a:solidFill>
+          <a:schemeClr val="accent5">
+            <a:hueOff val="-2703417"/>
+            <a:satOff val="-6968"/>
+            <a:lumOff val="-4706"/>
+            <a:alphaOff val="0"/>
+          </a:schemeClr>
+        </a:solidFill>
+        <a:ln w="12700" cap="flat" cmpd="sng" algn="ctr">
+          <a:solidFill>
+            <a:schemeClr val="lt1">
+              <a:hueOff val="0"/>
+              <a:satOff val="0"/>
+              <a:lumOff val="0"/>
+              <a:alphaOff val="0"/>
+            </a:schemeClr>
+          </a:solidFill>
+          <a:prstDash val="solid"/>
+          <a:miter lim="800000"/>
+        </a:ln>
+        <a:effectLst/>
+      </dsp:spPr>
+      <dsp:style>
+        <a:lnRef idx="2">
+          <a:scrgbClr r="0" g="0" b="0"/>
+        </a:lnRef>
+        <a:fillRef idx="1">
+          <a:scrgbClr r="0" g="0" b="0"/>
+        </a:fillRef>
+        <a:effectRef idx="0">
+          <a:scrgbClr r="0" g="0" b="0"/>
+        </a:effectRef>
+        <a:fontRef idx="minor">
+          <a:schemeClr val="lt1"/>
+        </a:fontRef>
+      </dsp:style>
+      <dsp:txBody>
+        <a:bodyPr spcFirstLastPara="0" vert="horz" wrap="square" lIns="129540" tIns="129540" rIns="129540" bIns="129540" numCol="1" spcCol="1270" anchor="ctr" anchorCtr="0">
+          <a:noAutofit/>
+        </a:bodyPr>
+        <a:lstStyle/>
+        <a:p>
+          <a:pPr marL="0" lvl="0" indent="0" algn="l" defTabSz="1511300">
+            <a:lnSpc>
+              <a:spcPct val="90000"/>
+            </a:lnSpc>
+            <a:spcBef>
+              <a:spcPct val="0"/>
+            </a:spcBef>
+            <a:spcAft>
+              <a:spcPct val="35000"/>
+            </a:spcAft>
+            <a:buNone/>
+          </a:pPr>
+          <a:r>
+            <a:rPr lang="pt-BR" sz="3400" kern="1200"/>
+            <a:t>° ORGANIZAÇÃO</a:t>
+          </a:r>
+          <a:endParaRPr lang="en-US" sz="3400" kern="1200"/>
+        </a:p>
+      </dsp:txBody>
+      <dsp:txXfrm>
+        <a:off x="39809" y="1927702"/>
+        <a:ext cx="5178182" cy="735872"/>
+      </dsp:txXfrm>
+    </dsp:sp>
+    <dsp:sp modelId="{1791ED7D-657D-4A74-BE48-C5ED4C1C9F9D}">
+      <dsp:nvSpPr>
+        <dsp:cNvPr id="0" name=""/>
+        <dsp:cNvSpPr/>
+      </dsp:nvSpPr>
+      <dsp:spPr>
+        <a:xfrm>
+          <a:off x="0" y="2801303"/>
+          <a:ext cx="5257800" cy="815490"/>
+        </a:xfrm>
+        <a:prstGeom prst="roundRect">
+          <a:avLst/>
+        </a:prstGeom>
+        <a:solidFill>
+          <a:schemeClr val="accent5">
+            <a:hueOff val="-4055126"/>
+            <a:satOff val="-10451"/>
+            <a:lumOff val="-7059"/>
+            <a:alphaOff val="0"/>
+          </a:schemeClr>
+        </a:solidFill>
+        <a:ln w="12700" cap="flat" cmpd="sng" algn="ctr">
+          <a:solidFill>
+            <a:schemeClr val="lt1">
+              <a:hueOff val="0"/>
+              <a:satOff val="0"/>
+              <a:lumOff val="0"/>
+              <a:alphaOff val="0"/>
+            </a:schemeClr>
+          </a:solidFill>
+          <a:prstDash val="solid"/>
+          <a:miter lim="800000"/>
+        </a:ln>
+        <a:effectLst/>
+      </dsp:spPr>
+      <dsp:style>
+        <a:lnRef idx="2">
+          <a:scrgbClr r="0" g="0" b="0"/>
+        </a:lnRef>
+        <a:fillRef idx="1">
+          <a:scrgbClr r="0" g="0" b="0"/>
+        </a:fillRef>
+        <a:effectRef idx="0">
+          <a:scrgbClr r="0" g="0" b="0"/>
+        </a:effectRef>
+        <a:fontRef idx="minor">
+          <a:schemeClr val="lt1"/>
+        </a:fontRef>
+      </dsp:style>
+      <dsp:txBody>
+        <a:bodyPr spcFirstLastPara="0" vert="horz" wrap="square" lIns="129540" tIns="129540" rIns="129540" bIns="129540" numCol="1" spcCol="1270" anchor="ctr" anchorCtr="0">
+          <a:noAutofit/>
+        </a:bodyPr>
+        <a:lstStyle/>
+        <a:p>
+          <a:pPr marL="0" lvl="0" indent="0" algn="l" defTabSz="1511300">
+            <a:lnSpc>
+              <a:spcPct val="90000"/>
+            </a:lnSpc>
+            <a:spcBef>
+              <a:spcPct val="0"/>
+            </a:spcBef>
+            <a:spcAft>
+              <a:spcPct val="35000"/>
+            </a:spcAft>
+            <a:buNone/>
+          </a:pPr>
+          <a:r>
+            <a:rPr lang="pt-BR" sz="3400" kern="1200"/>
+            <a:t>° DEDICAÇÃO</a:t>
+          </a:r>
+          <a:endParaRPr lang="en-US" sz="3400" kern="1200"/>
+        </a:p>
+      </dsp:txBody>
+      <dsp:txXfrm>
+        <a:off x="39809" y="2841112"/>
+        <a:ext cx="5178182" cy="735872"/>
+      </dsp:txXfrm>
+    </dsp:sp>
+    <dsp:sp modelId="{384230F3-8B73-4FEC-814D-9C51633762D8}">
+      <dsp:nvSpPr>
+        <dsp:cNvPr id="0" name=""/>
+        <dsp:cNvSpPr/>
+      </dsp:nvSpPr>
+      <dsp:spPr>
+        <a:xfrm>
+          <a:off x="0" y="3714714"/>
+          <a:ext cx="5257800" cy="815490"/>
+        </a:xfrm>
+        <a:prstGeom prst="roundRect">
+          <a:avLst/>
+        </a:prstGeom>
+        <a:solidFill>
+          <a:schemeClr val="accent5">
+            <a:hueOff val="-5406834"/>
+            <a:satOff val="-13935"/>
+            <a:lumOff val="-9412"/>
+            <a:alphaOff val="0"/>
+          </a:schemeClr>
+        </a:solidFill>
+        <a:ln w="12700" cap="flat" cmpd="sng" algn="ctr">
+          <a:solidFill>
+            <a:schemeClr val="lt1">
+              <a:hueOff val="0"/>
+              <a:satOff val="0"/>
+              <a:lumOff val="0"/>
+              <a:alphaOff val="0"/>
+            </a:schemeClr>
+          </a:solidFill>
+          <a:prstDash val="solid"/>
+          <a:miter lim="800000"/>
+        </a:ln>
+        <a:effectLst/>
+      </dsp:spPr>
+      <dsp:style>
+        <a:lnRef idx="2">
+          <a:scrgbClr r="0" g="0" b="0"/>
+        </a:lnRef>
+        <a:fillRef idx="1">
+          <a:scrgbClr r="0" g="0" b="0"/>
+        </a:fillRef>
+        <a:effectRef idx="0">
+          <a:scrgbClr r="0" g="0" b="0"/>
+        </a:effectRef>
+        <a:fontRef idx="minor">
+          <a:schemeClr val="lt1"/>
+        </a:fontRef>
+      </dsp:style>
+      <dsp:txBody>
+        <a:bodyPr spcFirstLastPara="0" vert="horz" wrap="square" lIns="129540" tIns="129540" rIns="129540" bIns="129540" numCol="1" spcCol="1270" anchor="ctr" anchorCtr="0">
+          <a:noAutofit/>
+        </a:bodyPr>
+        <a:lstStyle/>
+        <a:p>
+          <a:pPr marL="0" lvl="0" indent="0" algn="l" defTabSz="1511300">
+            <a:lnSpc>
+              <a:spcPct val="90000"/>
+            </a:lnSpc>
+            <a:spcBef>
+              <a:spcPct val="0"/>
+            </a:spcBef>
+            <a:spcAft>
+              <a:spcPct val="35000"/>
+            </a:spcAft>
+            <a:buNone/>
+          </a:pPr>
+          <a:r>
+            <a:rPr lang="pt-BR" sz="3400" kern="1200"/>
+            <a:t>° RESPONSÁVEL </a:t>
+          </a:r>
+          <a:endParaRPr lang="en-US" sz="3400" kern="1200"/>
+        </a:p>
+      </dsp:txBody>
+      <dsp:txXfrm>
+        <a:off x="39809" y="3754523"/>
+        <a:ext cx="5178182" cy="735872"/>
+      </dsp:txXfrm>
+    </dsp:sp>
+    <dsp:sp modelId="{63E3B98C-1FBA-4D01-8893-03B4B18BA73A}">
+      <dsp:nvSpPr>
+        <dsp:cNvPr id="0" name=""/>
+        <dsp:cNvSpPr/>
+      </dsp:nvSpPr>
+      <dsp:spPr>
+        <a:xfrm>
+          <a:off x="0" y="4628124"/>
+          <a:ext cx="5257800" cy="815490"/>
+        </a:xfrm>
+        <a:prstGeom prst="roundRect">
+          <a:avLst/>
+        </a:prstGeom>
+        <a:solidFill>
+          <a:schemeClr val="accent5">
+            <a:hueOff val="-6758543"/>
+            <a:satOff val="-17419"/>
+            <a:lumOff val="-11765"/>
+            <a:alphaOff val="0"/>
+          </a:schemeClr>
+        </a:solidFill>
+        <a:ln w="12700" cap="flat" cmpd="sng" algn="ctr">
+          <a:solidFill>
+            <a:schemeClr val="lt1">
+              <a:hueOff val="0"/>
+              <a:satOff val="0"/>
+              <a:lumOff val="0"/>
+              <a:alphaOff val="0"/>
+            </a:schemeClr>
+          </a:solidFill>
+          <a:prstDash val="solid"/>
+          <a:miter lim="800000"/>
+        </a:ln>
+        <a:effectLst/>
+      </dsp:spPr>
+      <dsp:style>
+        <a:lnRef idx="2">
+          <a:scrgbClr r="0" g="0" b="0"/>
+        </a:lnRef>
+        <a:fillRef idx="1">
+          <a:scrgbClr r="0" g="0" b="0"/>
+        </a:fillRef>
+        <a:effectRef idx="0">
+          <a:scrgbClr r="0" g="0" b="0"/>
+        </a:effectRef>
+        <a:fontRef idx="minor">
+          <a:schemeClr val="lt1"/>
+        </a:fontRef>
+      </dsp:style>
+      <dsp:txBody>
+        <a:bodyPr spcFirstLastPara="0" vert="horz" wrap="square" lIns="129540" tIns="129540" rIns="129540" bIns="129540" numCol="1" spcCol="1270" anchor="ctr" anchorCtr="0">
+          <a:noAutofit/>
+        </a:bodyPr>
+        <a:lstStyle/>
+        <a:p>
+          <a:pPr marL="0" lvl="0" indent="0" algn="l" defTabSz="1511300">
+            <a:lnSpc>
+              <a:spcPct val="90000"/>
+            </a:lnSpc>
+            <a:spcBef>
+              <a:spcPct val="0"/>
+            </a:spcBef>
+            <a:spcAft>
+              <a:spcPct val="35000"/>
+            </a:spcAft>
+            <a:buNone/>
+          </a:pPr>
+          <a:r>
+            <a:rPr lang="pt-BR" sz="3400" kern="1200"/>
+            <a:t>° CONFIANÇA</a:t>
+          </a:r>
+          <a:endParaRPr lang="en-US" sz="3400" kern="1200"/>
+        </a:p>
+      </dsp:txBody>
+      <dsp:txXfrm>
+        <a:off x="39809" y="4667933"/>
+        <a:ext cx="5178182" cy="735872"/>
+      </dsp:txXfrm>
+    </dsp:sp>
+  </dsp:spTree>
+</dsp:drawing>
+</file>
+
+<file path=ppt/diagrams/layout1.xml><?xml version="1.0" encoding="utf-8"?>
+<dgm:layoutDef xmlns:dgm="http://schemas.openxmlformats.org/drawingml/2006/diagram" xmlns:a="http://schemas.openxmlformats.org/drawingml/2006/main" uniqueId="urn:microsoft.com/office/officeart/2005/8/layout/vList2">
+  <dgm:title val=""/>
+  <dgm:desc val=""/>
+  <dgm:catLst>
+    <dgm:cat type="list" pri="3000"/>
+    <dgm:cat type="convert" pri="1000"/>
+  </dgm:catLst>
+  <dgm:sampData>
+    <dgm:dataModel>
+      <dgm:ptLst>
+        <dgm:pt modelId="0" type="doc"/>
+        <dgm:pt modelId="1">
+          <dgm:prSet phldr="1"/>
+        </dgm:pt>
+        <dgm:pt modelId="11">
+          <dgm:prSet phldr="1"/>
+        </dgm:pt>
+        <dgm:pt modelId="2">
+          <dgm:prSet phldr="1"/>
+        </dgm:pt>
+        <dgm:pt modelId="21">
+          <dgm:prSet phldr="1"/>
+        </dgm:pt>
+      </dgm:ptLst>
+      <dgm:cxnLst>
+        <dgm:cxn modelId="4" srcId="0" destId="1" srcOrd="0" destOrd="0"/>
+        <dgm:cxn modelId="5" srcId="0" destId="2" srcOrd="1" destOrd="0"/>
+        <dgm:cxn modelId="12" srcId="1" destId="11" srcOrd="0" destOrd="0"/>
+        <dgm:cxn modelId="23" srcId="2" destId="21" srcOrd="0" destOrd="0"/>
+      </dgm:cxnLst>
+      <dgm:bg/>
+      <dgm:whole/>
+    </dgm:dataModel>
+  </dgm:sampData>
+  <dgm:styleData>
+    <dgm:dataModel>
+      <dgm:ptLst>
+        <dgm:pt modelId="0" type="doc"/>
+        <dgm:pt modelId="1"/>
+        <dgm:pt modelId="2"/>
+      </dgm:ptLst>
+      <dgm:cxnLst>
+        <dgm:cxn modelId="3" srcId="0" destId="1" srcOrd="0" destOrd="0"/>
+        <dgm:cxn modelId="4" srcId="0" destId="2" srcOrd="1" destOrd="0"/>
+      </dgm:cxnLst>
+      <dgm:bg/>
+      <dgm:whole/>
+    </dgm:dataModel>
+  </dgm:styleData>
+  <dgm:clrData>
+    <dgm:dataModel>
+      <dgm:ptLst>
+        <dgm:pt modelId="0" type="doc"/>
+        <dgm:pt modelId="1"/>
+        <dgm:pt modelId="2"/>
+        <dgm:pt modelId="3"/>
+        <dgm:pt modelId="4"/>
+      </dgm:ptLst>
+      <dgm:cxnLst>
+        <dgm:cxn modelId="5" srcId="0" destId="1" srcOrd="0" destOrd="0"/>
+        <dgm:cxn modelId="6" srcId="0" destId="2" srcOrd="1" destOrd="0"/>
+        <dgm:cxn modelId="7" srcId="0" destId="3" srcOrd="2" destOrd="0"/>
+        <dgm:cxn modelId="8" srcId="0" destId="4" srcOrd="3" destOrd="0"/>
+      </dgm:cxnLst>
+      <dgm:bg/>
+      <dgm:whole/>
+    </dgm:dataModel>
+  </dgm:clrData>
+  <dgm:layoutNode name="linear">
+    <dgm:varLst>
+      <dgm:animLvl val="lvl"/>
+      <dgm:resizeHandles val="exact"/>
+    </dgm:varLst>
+    <dgm:alg type="lin">
+      <dgm:param type="linDir" val="fromT"/>
+      <dgm:param type="vertAlign" val="mid"/>
+    </dgm:alg>
+    <dgm:shape xmlns:r="http://schemas.openxmlformats.org/officeDocument/2006/relationships" r:blip="">
+      <dgm:adjLst/>
+    </dgm:shape>
+    <dgm:presOf/>
+    <dgm:constrLst>
+      <dgm:constr type="w" for="ch" forName="parentText" refType="w"/>
+      <dgm:constr type="h" for="ch" forName="parentText" refType="primFontSz" refFor="ch" refForName="parentText" fact="0.52"/>
+      <dgm:constr type="w" for="ch" forName="childText" refType="w"/>
+      <dgm:constr type="h" for="ch" forName="childText" refType="primFontSz" refFor="ch" refForName="parentText" fact="0.46"/>
+      <dgm:constr type="h" for="ch" forName="parentText" op="equ"/>
+      <dgm:constr type="primFontSz" for="ch" forName="parentText" op="equ" val="65"/>
+      <dgm:constr type="primFontSz" for="ch" forName="childText" refType="primFontSz" refFor="ch" refForName="parentText" op="equ"/>
+      <dgm:constr type="h" for="ch" forName="spacer" refType="primFontSz" refFor="ch" refForName="parentText" fact="0.08"/>
+    </dgm:constrLst>
+    <dgm:ruleLst>
+      <dgm:rule type="primFontSz" for="ch" forName="parentText" val="5" fact="NaN" max="NaN"/>
+    </dgm:ruleLst>
+    <dgm:forEach name="Name0" axis="ch" ptType="node">
+      <dgm:layoutNode name="parentText" styleLbl="node1">
+        <dgm:varLst>
+          <dgm:chMax val="0"/>
+          <dgm:bulletEnabled val="1"/>
+        </dgm:varLst>
+        <dgm:alg type="tx">
+          <dgm:param type="parTxLTRAlign" val="l"/>
+          <dgm:param type="parTxRTLAlign" val="r"/>
+        </dgm:alg>
+        <dgm:shape xmlns:r="http://schemas.openxmlformats.org/officeDocument/2006/relationships" type="roundRect" r:blip="">
+          <dgm:adjLst/>
+        </dgm:shape>
+        <dgm:presOf axis="self"/>
+        <dgm:constrLst>
+          <dgm:constr type="tMarg" refType="primFontSz" fact="0.3"/>
+          <dgm:constr type="bMarg" refType="primFontSz" fact="0.3"/>
+          <dgm:constr type="lMarg" refType="primFontSz" fact="0.3"/>
+          <dgm:constr type="rMarg" refType="primFontSz" fact="0.3"/>
+        </dgm:constrLst>
+        <dgm:ruleLst>
+          <dgm:rule type="h" val="INF" fact="NaN" max="NaN"/>
+        </dgm:ruleLst>
+      </dgm:layoutNode>
+      <dgm:choose name="Name1">
+        <dgm:if name="Name2" axis="ch" ptType="node" func="cnt" op="gte" val="1">
+          <dgm:layoutNode name="childText" styleLbl="revTx">
+            <dgm:varLst>
+              <dgm:bulletEnabled val="1"/>
+            </dgm:varLst>
+            <dgm:alg type="tx">
+              <dgm:param type="stBulletLvl" val="1"/>
+              <dgm:param type="lnSpAfChP" val="20"/>
+            </dgm:alg>
+            <dgm:shape xmlns:r="http://schemas.openxmlformats.org/officeDocument/2006/relationships" type="rect" r:blip="">
+              <dgm:adjLst/>
+            </dgm:shape>
+            <dgm:presOf axis="des" ptType="node"/>
+            <dgm:constrLst>
+              <dgm:constr type="tMarg" refType="primFontSz" fact="0.1"/>
+              <dgm:constr type="bMarg" refType="primFontSz" fact="0.1"/>
+              <dgm:constr type="lMarg" refType="w" fact="0.09"/>
+            </dgm:constrLst>
+            <dgm:ruleLst>
+              <dgm:rule type="h" val="INF" fact="NaN" max="NaN"/>
+            </dgm:ruleLst>
+          </dgm:layoutNode>
+        </dgm:if>
+        <dgm:else name="Name3">
+          <dgm:choose name="Name4">
+            <dgm:if name="Name5" axis="par ch" ptType="doc node" func="cnt" op="gte" val="2">
+              <dgm:forEach name="Name6" axis="followSib" ptType="sibTrans" cnt="1">
+                <dgm:layoutNode name="spacer">
+                  <dgm:alg type="sp"/>
+                  <dgm:shape xmlns:r="http://schemas.openxmlformats.org/officeDocument/2006/relationships" r:blip="">
+                    <dgm:adjLst/>
+                  </dgm:shape>
+                  <dgm:presOf/>
+                  <dgm:constrLst/>
+                  <dgm:ruleLst/>
+                </dgm:layoutNode>
+              </dgm:forEach>
+            </dgm:if>
+            <dgm:else name="Name7"/>
+          </dgm:choose>
+        </dgm:else>
+      </dgm:choose>
+    </dgm:forEach>
+  </dgm:layoutNode>
+</dgm:layoutDef>
+</file>
+
+<file path=ppt/diagrams/quickStyle1.xml><?xml version="1.0" encoding="utf-8"?>
+<dgm:styleDef xmlns:dgm="http://schemas.openxmlformats.org/drawingml/2006/diagram" xmlns:a="http://schemas.openxmlformats.org/drawingml/2006/main" uniqueId="urn:microsoft.com/office/officeart/2005/8/quickstyle/simple1">
+  <dgm:title val=""/>
+  <dgm:desc val=""/>
+  <dgm:catLst>
+    <dgm:cat type="simple" pri="10100"/>
+  </dgm:catLst>
+  <dgm:scene3d>
+    <a:camera prst="orthographicFront"/>
+    <a:lightRig rig="threePt" dir="t"/>
+  </dgm:scene3d>
+  <dgm:styleLbl name="node0">
+    <dgm:scene3d>
+      <a:camera prst="orthographicFront"/>
+      <a:lightRig rig="threePt" dir="t"/>
+    </dgm:scene3d>
+    <dgm:sp3d/>
+    <dgm:txPr/>
+    <dgm:style>
+      <a:lnRef idx="2">
+        <a:scrgbClr r="0" g="0" b="0"/>
+      </a:lnRef>
+      <a:fillRef idx="1">
+        <a:scrgbClr r="0" g="0" b="0"/>
+      </a:fillRef>
+      <a:effectRef idx="0">
+        <a:scrgbClr r="0" g="0" b="0"/>
+      </a:effectRef>
+      <a:fontRef idx="minor">
+        <a:schemeClr val="lt1"/>
+      </a:fontRef>
+    </dgm:style>
+  </dgm:styleLbl>
+  <dgm:styleLbl name="lnNode1">
+    <dgm:scene3d>
+      <a:camera prst="orthographicFront"/>
+      <a:lightRig rig="threePt" dir="t"/>
+    </dgm:scene3d>
+    <dgm:sp3d/>
+    <dgm:txPr/>
+    <dgm:style>
+      <a:lnRef idx="2">
+        <a:scrgbClr r="0" g="0" b="0"/>
+      </a:lnRef>
+      <a:fillRef idx="1">
+        <a:scrgbClr r="0" g="0" b="0"/>
+      </a:fillRef>
+      <a:effectRef idx="0">
+        <a:scrgbClr r="0" g="0" b="0"/>
+      </a:effectRef>
+      <a:fontRef idx="minor">
+        <a:schemeClr val="lt1"/>
+      </a:fontRef>
+    </dgm:style>
+  </dgm:styleLbl>
+  <dgm:styleLbl name="vennNode1">
+    <dgm:scene3d>
+      <a:camera prst="orthographicFront"/>
+      <a:lightRig rig="threePt" dir="t"/>
+    </dgm:scene3d>
+    <dgm:sp3d/>
+    <dgm:txPr/>
+    <dgm:style>
+      <a:lnRef idx="2">
+        <a:scrgbClr r="0" g="0" b="0"/>
+      </a:lnRef>
+      <a:fillRef idx="1">
+        <a:scrgbClr r="0" g="0" b="0"/>
+      </a:fillRef>
+      <a:effectRef idx="0">
+        <a:scrgbClr r="0" g="0" b="0"/>
+      </a:effectRef>
+      <a:fontRef idx="minor">
+        <a:schemeClr val="tx1"/>
+      </a:fontRef>
+    </dgm:style>
+  </dgm:styleLbl>
+  <dgm:styleLbl name="alignNode1">
+    <dgm:scene3d>
+      <a:camera prst="orthographicFront"/>
+      <a:lightRig rig="threePt" dir="t"/>
+    </dgm:scene3d>
+    <dgm:sp3d/>
+    <dgm:txPr/>
+    <dgm:style>
+      <a:lnRef idx="2">
+        <a:scrgbClr r="0" g="0" b="0"/>
+      </a:lnRef>
+      <a:fillRef idx="1">
+        <a:scrgbClr r="0" g="0" b="0"/>
+      </a:fillRef>
+      <a:effectRef idx="0">
+        <a:scrgbClr r="0" g="0" b="0"/>
+      </a:effectRef>
+      <a:fontRef idx="minor">
+        <a:schemeClr val="lt1"/>
+      </a:fontRef>
+    </dgm:style>
+  </dgm:styleLbl>
+  <dgm:styleLbl name="node1">
+    <dgm:scene3d>
+      <a:camera prst="orthographicFront"/>
+      <a:lightRig rig="threePt" dir="t"/>
+    </dgm:scene3d>
+    <dgm:sp3d/>
+    <dgm:txPr/>
+    <dgm:style>
+      <a:lnRef idx="2">
+        <a:scrgbClr r="0" g="0" b="0"/>
+      </a:lnRef>
+      <a:fillRef idx="1">
+        <a:scrgbClr r="0" g="0" b="0"/>
+      </a:fillRef>
+      <a:effectRef idx="0">
+        <a:scrgbClr r="0" g="0" b="0"/>
+      </a:effectRef>
+      <a:fontRef idx="minor">
+        <a:schemeClr val="lt1"/>
+      </a:fontRef>
+    </dgm:style>
+  </dgm:styleLbl>
+  <dgm:styleLbl name="node2">
+    <dgm:scene3d>
+      <a:camera prst="orthographicFront"/>
+      <a:lightRig rig="threePt" dir="t"/>
+    </dgm:scene3d>
+    <dgm:sp3d/>
+    <dgm:txPr/>
+    <dgm:style>
+      <a:lnRef idx="2">
+        <a:scrgbClr r="0" g="0" b="0"/>
+      </a:lnRef>
+      <a:fillRef idx="1">
+        <a:scrgbClr r="0" g="0" b="0"/>
+      </a:fillRef>
+      <a:effectRef idx="0">
+        <a:scrgbClr r="0" g="0" b="0"/>
+      </a:effectRef>
+      <a:fontRef idx="minor">
+        <a:schemeClr val="lt1"/>
+      </a:fontRef>
+    </dgm:style>
+  </dgm:styleLbl>
+  <dgm:styleLbl name="node3">
+    <dgm:scene3d>
+      <a:camera prst="orthographicFront"/>
+      <a:lightRig rig="threePt" dir="t"/>
+    </dgm:scene3d>
+    <dgm:sp3d/>
+    <dgm:txPr/>
+    <dgm:style>
+      <a:lnRef idx="2">
+        <a:scrgbClr r="0" g="0" b="0"/>
+      </a:lnRef>
+      <a:fillRef idx="1">
+        <a:scrgbClr r="0" g="0" b="0"/>
+      </a:fillRef>
+      <a:effectRef idx="0">
+        <a:scrgbClr r="0" g="0" b="0"/>
+      </a:effectRef>
+      <a:fontRef idx="minor">
+        <a:schemeClr val="lt1"/>
+      </a:fontRef>
+    </dgm:style>
+  </dgm:styleLbl>
+  <dgm:styleLbl name="node4">
+    <dgm:scene3d>
+      <a:camera prst="orthographicFront"/>
+      <a:lightRig rig="threePt" dir="t"/>
+    </dgm:scene3d>
+    <dgm:sp3d/>
+    <dgm:txPr/>
+    <dgm:style>
+      <a:lnRef idx="2">
+        <a:scrgbClr r="0" g="0" b="0"/>
+      </a:lnRef>
+      <a:fillRef idx="1">
+        <a:scrgbClr r="0" g="0" b="0"/>
+      </a:fillRef>
+      <a:effectRef idx="0">
+        <a:scrgbClr r="0" g="0" b="0"/>
+      </a:effectRef>
+      <a:fontRef idx="minor">
+        <a:schemeClr val="lt1"/>
+      </a:fontRef>
+    </dgm:style>
+  </dgm:styleLbl>
+  <dgm:styleLbl name="fgImgPlace1">
+    <dgm:scene3d>
+      <a:camera prst="orthographicFront"/>
+      <a:lightRig rig="threePt" dir="t"/>
+    </dgm:scene3d>
+    <dgm:sp3d/>
+    <dgm:txPr/>
+    <dgm:style>
+      <a:lnRef idx="2">
+        <a:scrgbClr r="0" g="0" b="0"/>
+      </a:lnRef>
+      <a:fillRef idx="1">
+        <a:scrgbClr r="0" g="0" b="0"/>
+      </a:fillRef>
+      <a:effectRef idx="0">
+        <a:scrgbClr r="0" g="0" b="0"/>
+      </a:effectRef>
+      <a:fontRef idx="minor"/>
+    </dgm:style>
+  </dgm:styleLbl>
+  <dgm:styleLbl name="alignImgPlace1">
+    <dgm:scene3d>
+      <a:camera prst="orthographicFront"/>
+      <a:lightRig rig="threePt" dir="t"/>
+    </dgm:scene3d>
+    <dgm:sp3d/>
+    <dgm:txPr/>
+    <dgm:style>
+      <a:lnRef idx="2">
+        <a:scrgbClr r="0" g="0" b="0"/>
+      </a:lnRef>
+      <a:fillRef idx="1">
+        <a:scrgbClr r="0" g="0" b="0"/>
+      </a:fillRef>
+      <a:effectRef idx="0">
+        <a:scrgbClr r="0" g="0" b="0"/>
+      </a:effectRef>
+      <a:fontRef idx="minor"/>
+    </dgm:style>
+  </dgm:styleLbl>
+  <dgm:styleLbl name="bgImgPlace1">
+    <dgm:scene3d>
+      <a:camera prst="orthographicFront"/>
+      <a:lightRig rig="threePt" dir="t"/>
+    </dgm:scene3d>
+    <dgm:sp3d/>
+    <dgm:txPr/>
+    <dgm:style>
+      <a:lnRef idx="2">
+        <a:scrgbClr r="0" g="0" b="0"/>
+      </a:lnRef>
+      <a:fillRef idx="1">
+        <a:scrgbClr r="0" g="0" b="0"/>
+      </a:fillRef>
+      <a:effectRef idx="0">
+        <a:scrgbClr r="0" g="0" b="0"/>
+      </a:effectRef>
+      <a:fontRef idx="minor"/>
+    </dgm:style>
+  </dgm:styleLbl>
+  <dgm:styleLbl name="sibTrans2D1">
+    <dgm:scene3d>
+      <a:camera prst="orthographicFront"/>
+      <a:lightRig rig="threePt" dir="t"/>
+    </dgm:scene3d>
+    <dgm:sp3d/>
+    <dgm:txPr/>
+    <dgm:style>
+      <a:lnRef idx="0">
+        <a:scrgbClr r="0" g="0" b="0"/>
+      </a:lnRef>
+      <a:fillRef idx="1">
+        <a:scrgbClr r="0" g="0" b="0"/>
+      </a:fillRef>
+      <a:effectRef idx="0">
+        <a:scrgbClr r="0" g="0" b="0"/>
+      </a:effectRef>
+      <a:fontRef idx="minor">
+        <a:schemeClr val="lt1"/>
+      </a:fontRef>
+    </dgm:style>
+  </dgm:styleLbl>
+  <dgm:styleLbl name="fgSibTrans2D1">
+    <dgm:scene3d>
+      <a:camera prst="orthographicFront"/>
+      <a:lightRig rig="threePt" dir="t"/>
+    </dgm:scene3d>
+    <dgm:sp3d/>
+    <dgm:txPr/>
+    <dgm:style>
+      <a:lnRef idx="0">
+        <a:scrgbClr r="0" g="0" b="0"/>
+      </a:lnRef>
+      <a:fillRef idx="1">
+        <a:scrgbClr r="0" g="0" b="0"/>
+      </a:fillRef>
+      <a:effectRef idx="0">
+        <a:scrgbClr r="0" g="0" b="0"/>
+      </a:effectRef>
+      <a:fontRef idx="minor">
+        <a:schemeClr val="lt1"/>
+      </a:fontRef>
+    </dgm:style>
+  </dgm:styleLbl>
+  <dgm:styleLbl name="bgSibTrans2D1">
+    <dgm:scene3d>
+      <a:camera prst="orthographicFront"/>
+      <a:lightRig rig="threePt" dir="t"/>
+    </dgm:scene3d>
+    <dgm:sp3d/>
+    <dgm:txPr/>
+    <dgm:style>
+      <a:lnRef idx="0">
+        <a:scrgbClr r="0" g="0" b="0"/>
+      </a:lnRef>
+      <a:fillRef idx="1">
+        <a:scrgbClr r="0" g="0" b="0"/>
+      </a:fillRef>
+      <a:effectRef idx="0">
+        <a:scrgbClr r="0" g="0" b="0"/>
+      </a:effectRef>
+      <a:fontRef idx="minor">
+        <a:schemeClr val="lt1"/>
+      </a:fontRef>
+    </dgm:style>
+  </dgm:styleLbl>
+  <dgm:styleLbl name="sibTrans1D1">
+    <dgm:scene3d>
+      <a:camera prst="orthographicFront"/>
+      <a:lightRig rig="threePt" dir="t"/>
+    </dgm:scene3d>
+    <dgm:sp3d/>
+    <dgm:txPr/>
+    <dgm:style>
+      <a:lnRef idx="1">
+        <a:scrgbClr r="0" g="0" b="0"/>
+      </a:lnRef>
+      <a:fillRef idx="0">
+        <a:scrgbClr r="0" g="0" b="0"/>
+      </a:fillRef>
+      <a:effectRef idx="0">
+        <a:scrgbClr r="0" g="0" b="0"/>
+      </a:effectRef>
+      <a:fontRef idx="minor"/>
+    </dgm:style>
+  </dgm:styleLbl>
+  <dgm:styleLbl name="callout">
+    <dgm:scene3d>
+      <a:camera prst="orthographicFront"/>
+      <a:lightRig rig="threePt" dir="t"/>
+    </dgm:scene3d>
+    <dgm:sp3d/>
+    <dgm:txPr/>
+    <dgm:style>
+      <a:lnRef idx="2">
+        <a:scrgbClr r="0" g="0" b="0"/>
+      </a:lnRef>
+      <a:fillRef idx="1">
+        <a:scrgbClr r="0" g="0" b="0"/>
+      </a:fillRef>
+      <a:effectRef idx="0">
+        <a:scrgbClr r="0" g="0" b="0"/>
+      </a:effectRef>
+      <a:fontRef idx="minor"/>
+    </dgm:style>
+  </dgm:styleLbl>
+  <dgm:styleLbl name="asst0">
+    <dgm:scene3d>
+      <a:camera prst="orthographicFront"/>
+      <a:lightRig rig="threePt" dir="t"/>
+    </dgm:scene3d>
+    <dgm:sp3d/>
+    <dgm:txPr/>
+    <dgm:style>
+      <a:lnRef idx="2">
+        <a:scrgbClr r="0" g="0" b="0"/>
+      </a:lnRef>
+      <a:fillRef idx="1">
+        <a:scrgbClr r="0" g="0" b="0"/>
+      </a:fillRef>
+      <a:effectRef idx="0">
+        <a:scrgbClr r="0" g="0" b="0"/>
+      </a:effectRef>
+      <a:fontRef idx="minor">
+        <a:schemeClr val="lt1"/>
+      </a:fontRef>
+    </dgm:style>
+  </dgm:styleLbl>
+  <dgm:styleLbl name="asst1">
+    <dgm:scene3d>
+      <a:camera prst="orthographicFront"/>
+      <a:lightRig rig="threePt" dir="t"/>
+    </dgm:scene3d>
+    <dgm:sp3d/>
+    <dgm:txPr/>
+    <dgm:style>
+      <a:lnRef idx="2">
+        <a:scrgbClr r="0" g="0" b="0"/>
+      </a:lnRef>
+      <a:fillRef idx="1">
+        <a:scrgbClr r="0" g="0" b="0"/>
+      </a:fillRef>
+      <a:effectRef idx="0">
+        <a:scrgbClr r="0" g="0" b="0"/>
+      </a:effectRef>
+      <a:fontRef idx="minor">
+        <a:schemeClr val="lt1"/>
+      </a:fontRef>
+    </dgm:style>
+  </dgm:styleLbl>
+  <dgm:styleLbl name="asst2">
+    <dgm:scene3d>
+      <a:camera prst="orthographicFront"/>
+      <a:lightRig rig="threePt" dir="t"/>
+    </dgm:scene3d>
+    <dgm:sp3d/>
+    <dgm:txPr/>
+    <dgm:style>
+      <a:lnRef idx="2">
+        <a:scrgbClr r="0" g="0" b="0"/>
+      </a:lnRef>
+      <a:fillRef idx="1">
+        <a:scrgbClr r="0" g="0" b="0"/>
+      </a:fillRef>
+      <a:effectRef idx="0">
+        <a:scrgbClr r="0" g="0" b="0"/>
+      </a:effectRef>
+      <a:fontRef idx="minor">
+        <a:schemeClr val="lt1"/>
+      </a:fontRef>
+    </dgm:style>
+  </dgm:styleLbl>
+  <dgm:styleLbl name="asst3">
+    <dgm:scene3d>
+      <a:camera prst="orthographicFront"/>
+      <a:lightRig rig="threePt" dir="t"/>
+    </dgm:scene3d>
+    <dgm:sp3d/>
+    <dgm:txPr/>
+    <dgm:style>
+      <a:lnRef idx="2">
+        <a:scrgbClr r="0" g="0" b="0"/>
+      </a:lnRef>
+      <a:fillRef idx="1">
+        <a:scrgbClr r="0" g="0" b="0"/>
+      </a:fillRef>
+      <a:effectRef idx="0">
+        <a:scrgbClr r="0" g="0" b="0"/>
+      </a:effectRef>
+      <a:fontRef idx="minor">
+        <a:schemeClr val="lt1"/>
+      </a:fontRef>
+    </dgm:style>
+  </dgm:styleLbl>
+  <dgm:styleLbl name="asst4">
+    <dgm:scene3d>
+      <a:camera prst="orthographicFront"/>
+      <a:lightRig rig="threePt" dir="t"/>
+    </dgm:scene3d>
+    <dgm:sp3d/>
+    <dgm:txPr/>
+    <dgm:style>
+      <a:lnRef idx="2">
+        <a:scrgbClr r="0" g="0" b="0"/>
+      </a:lnRef>
+      <a:fillRef idx="1">
+        <a:scrgbClr r="0" g="0" b="0"/>
+      </a:fillRef>
+      <a:effectRef idx="0">
+        <a:scrgbClr r="0" g="0" b="0"/>
+      </a:effectRef>
+      <a:fontRef idx="minor">
+        <a:schemeClr val="lt1"/>
+      </a:fontRef>
+    </dgm:style>
+  </dgm:styleLbl>
+  <dgm:styleLbl name="parChTrans2D1">
+    <dgm:scene3d>
+      <a:camera prst="orthographicFront"/>
+      <a:lightRig rig="threePt" dir="t"/>
+    </dgm:scene3d>
+    <dgm:sp3d/>
+    <dgm:txPr/>
+    <dgm:style>
+      <a:lnRef idx="2">
+        <a:scrgbClr r="0" g="0" b="0"/>
+      </a:lnRef>
+      <a:fillRef idx="1">
+        <a:scrgbClr r="0" g="0" b="0"/>
+      </a:fillRef>
+      <a:effectRef idx="0">
+        <a:scrgbClr r="0" g="0" b="0"/>
+      </a:effectRef>
+      <a:fontRef idx="minor">
+        <a:schemeClr val="lt1"/>
+      </a:fontRef>
+    </dgm:style>
+  </dgm:styleLbl>
+  <dgm:styleLbl name="parChTrans2D2">
+    <dgm:scene3d>
+      <a:camera prst="orthographicFront"/>
+      <a:lightRig rig="threePt" dir="t"/>
+    </dgm:scene3d>
+    <dgm:sp3d/>
+    <dgm:txPr/>
+    <dgm:style>
+      <a:lnRef idx="2">
+        <a:scrgbClr r="0" g="0" b="0"/>
+      </a:lnRef>
+      <a:fillRef idx="1">
+        <a:scrgbClr r="0" g="0" b="0"/>
+      </a:fillRef>
+      <a:effectRef idx="0">
+        <a:scrgbClr r="0" g="0" b="0"/>
+      </a:effectRef>
+      <a:fontRef idx="minor">
+        <a:schemeClr val="lt1"/>
+      </a:fontRef>
+    </dgm:style>
+  </dgm:styleLbl>
+  <dgm:styleLbl name="parChTrans2D3">
+    <dgm:scene3d>
+      <a:camera prst="orthographicFront"/>
+      <a:lightRig rig="threePt" dir="t"/>
+    </dgm:scene3d>
+    <dgm:sp3d/>
+    <dgm:txPr/>
+    <dgm:style>
+      <a:lnRef idx="2">
+        <a:scrgbClr r="0" g="0" b="0"/>
+      </a:lnRef>
+      <a:fillRef idx="1">
+        <a:scrgbClr r="0" g="0" b="0"/>
+      </a:fillRef>
+      <a:effectRef idx="0">
+        <a:scrgbClr r="0" g="0" b="0"/>
+      </a:effectRef>
+      <a:fontRef idx="minor">
+        <a:schemeClr val="lt1"/>
+      </a:fontRef>
+    </dgm:style>
+  </dgm:styleLbl>
+  <dgm:styleLbl name="parChTrans2D4">
+    <dgm:scene3d>
+      <a:camera prst="orthographicFront"/>
+      <a:lightRig rig="threePt" dir="t"/>
+    </dgm:scene3d>
+    <dgm:sp3d/>
+    <dgm:txPr/>
+    <dgm:style>
+      <a:lnRef idx="2">
+        <a:scrgbClr r="0" g="0" b="0"/>
+      </a:lnRef>
+      <a:fillRef idx="1">
+        <a:scrgbClr r="0" g="0" b="0"/>
+      </a:fillRef>
+      <a:effectRef idx="0">
+        <a:scrgbClr r="0" g="0" b="0"/>
+      </a:effectRef>
+      <a:fontRef idx="minor">
+        <a:schemeClr val="lt1"/>
+      </a:fontRef>
+    </dgm:style>
+  </dgm:styleLbl>
+  <dgm:styleLbl name="parChTrans1D1">
+    <dgm:scene3d>
+      <a:camera prst="orthographicFront"/>
+      <a:lightRig rig="threePt" dir="t"/>
+    </dgm:scene3d>
+    <dgm:sp3d/>
+    <dgm:txPr/>
+    <dgm:style>
+      <a:lnRef idx="2">
+        <a:scrgbClr r="0" g="0" b="0"/>
+      </a:lnRef>
+      <a:fillRef idx="0">
+        <a:scrgbClr r="0" g="0" b="0"/>
+      </a:fillRef>
+      <a:effectRef idx="0">
+        <a:scrgbClr r="0" g="0" b="0"/>
+      </a:effectRef>
+      <a:fontRef idx="minor"/>
+    </dgm:style>
+  </dgm:styleLbl>
+  <dgm:styleLbl name="parChTrans1D2">
+    <dgm:scene3d>
+      <a:camera prst="orthographicFront"/>
+      <a:lightRig rig="threePt" dir="t"/>
+    </dgm:scene3d>
+    <dgm:sp3d/>
+    <dgm:txPr/>
+    <dgm:style>
+      <a:lnRef idx="2">
+        <a:scrgbClr r="0" g="0" b="0"/>
+      </a:lnRef>
+      <a:fillRef idx="0">
+        <a:scrgbClr r="0" g="0" b="0"/>
+      </a:fillRef>
+      <a:effectRef idx="0">
+        <a:scrgbClr r="0" g="0" b="0"/>
+      </a:effectRef>
+      <a:fontRef idx="minor"/>
+    </dgm:style>
+  </dgm:styleLbl>
+  <dgm:styleLbl name="parChTrans1D3">
+    <dgm:scene3d>
+      <a:camera prst="orthographicFront"/>
+      <a:lightRig rig="threePt" dir="t"/>
+    </dgm:scene3d>
+    <dgm:sp3d/>
+    <dgm:txPr/>
+    <dgm:style>
+      <a:lnRef idx="2">
+        <a:scrgbClr r="0" g="0" b="0"/>
+      </a:lnRef>
+      <a:fillRef idx="0">
+        <a:scrgbClr r="0" g="0" b="0"/>
+      </a:fillRef>
+      <a:effectRef idx="0">
+        <a:scrgbClr r="0" g="0" b="0"/>
+      </a:effectRef>
+      <a:fontRef idx="minor"/>
+    </dgm:style>
+  </dgm:styleLbl>
+  <dgm:styleLbl name="parChTrans1D4">
+    <dgm:scene3d>
+      <a:camera prst="orthographicFront"/>
+      <a:lightRig rig="threePt" dir="t"/>
+    </dgm:scene3d>
+    <dgm:sp3d/>
+    <dgm:txPr/>
+    <dgm:style>
+      <a:lnRef idx="2">
+        <a:scrgbClr r="0" g="0" b="0"/>
+      </a:lnRef>
+      <a:fillRef idx="0">
+        <a:scrgbClr r="0" g="0" b="0"/>
+      </a:fillRef>
+      <a:effectRef idx="0">
+        <a:scrgbClr r="0" g="0" b="0"/>
+      </a:effectRef>
+      <a:fontRef idx="minor"/>
+    </dgm:style>
+  </dgm:styleLbl>
+  <dgm:styleLbl name="fgAcc1">
+    <dgm:scene3d>
+      <a:camera prst="orthographicFront"/>
+      <a:lightRig rig="threePt" dir="t"/>
+    </dgm:scene3d>
+    <dgm:sp3d/>
+    <dgm:txPr/>
+    <dgm:style>
+      <a:lnRef idx="2">
+        <a:scrgbClr r="0" g="0" b="0"/>
+      </a:lnRef>
+      <a:fillRef idx="1">
+        <a:scrgbClr r="0" g="0" b="0"/>
+      </a:fillRef>
+      <a:effectRef idx="0">
+        <a:scrgbClr r="0" g="0" b="0"/>
+      </a:effectRef>
+      <a:fontRef idx="minor"/>
+    </dgm:style>
+  </dgm:styleLbl>
+  <dgm:styleLbl name="conFgAcc1">
+    <dgm:scene3d>
+      <a:camera prst="orthographicFront"/>
+      <a:lightRig rig="threePt" dir="t"/>
+    </dgm:scene3d>
+    <dgm:sp3d/>
+    <dgm:txPr/>
+    <dgm:style>
+      <a:lnRef idx="2">
+        <a:scrgbClr r="0" g="0" b="0"/>
+      </a:lnRef>
+      <a:fillRef idx="1">
+        <a:scrgbClr r="0" g="0" b="0"/>
+      </a:fillRef>
+      <a:effectRef idx="0">
+        <a:scrgbClr r="0" g="0" b="0"/>
+      </a:effectRef>
+      <a:fontRef idx="minor"/>
+    </dgm:style>
+  </dgm:styleLbl>
+  <dgm:styleLbl name="alignAcc1">
+    <dgm:scene3d>
+      <a:camera prst="orthographicFront"/>
+      <a:lightRig rig="threePt" dir="t"/>
+    </dgm:scene3d>
+    <dgm:sp3d/>
+    <dgm:txPr/>
+    <dgm:style>
+      <a:lnRef idx="2">
+        <a:scrgbClr r="0" g="0" b="0"/>
+      </a:lnRef>
+      <a:fillRef idx="1">
+        <a:scrgbClr r="0" g="0" b="0"/>
+      </a:fillRef>
+      <a:effectRef idx="0">
+        <a:scrgbClr r="0" g="0" b="0"/>
+      </a:effectRef>
+      <a:fontRef idx="minor"/>
+    </dgm:style>
+  </dgm:styleLbl>
+  <dgm:styleLbl name="trAlignAcc1">
+    <dgm:scene3d>
+      <a:camera prst="orthographicFront"/>
+      <a:lightRig rig="threePt" dir="t"/>
+    </dgm:scene3d>
+    <dgm:sp3d/>
+    <dgm:txPr/>
+    <dgm:style>
+      <a:lnRef idx="1">
+        <a:scrgbClr r="0" g="0" b="0"/>
+      </a:lnRef>
+      <a:fillRef idx="1">
+        <a:scrgbClr r="0" g="0" b="0"/>
+      </a:fillRef>
+      <a:effectRef idx="0">
+        <a:scrgbClr r="0" g="0" b="0"/>
+      </a:effectRef>
+      <a:fontRef idx="minor"/>
+    </dgm:style>
+  </dgm:styleLbl>
+  <dgm:styleLbl name="bgAcc1">
+    <dgm:scene3d>
+      <a:camera prst="orthographicFront"/>
+      <a:lightRig rig="threePt" dir="t"/>
+    </dgm:scene3d>
+    <dgm:sp3d/>
+    <dgm:txPr/>
+    <dgm:style>
+      <a:lnRef idx="2">
+        <a:scrgbClr r="0" g="0" b="0"/>
+      </a:lnRef>
+      <a:fillRef idx="1">
+        <a:scrgbClr r="0" g="0" b="0"/>
+      </a:fillRef>
+      <a:effectRef idx="0">
+        <a:scrgbClr r="0" g="0" b="0"/>
+      </a:effectRef>
+      <a:fontRef idx="minor"/>
+    </dgm:style>
+  </dgm:styleLbl>
+  <dgm:styleLbl name="solidFgAcc1">
+    <dgm:scene3d>
+      <a:camera prst="orthographicFront"/>
+      <a:lightRig rig="threePt" dir="t"/>
+    </dgm:scene3d>
+    <dgm:sp3d/>
+    <dgm:txPr/>
+    <dgm:style>
+      <a:lnRef idx="2">
+        <a:scrgbClr r="0" g="0" b="0"/>
+      </a:lnRef>
+      <a:fillRef idx="1">
+        <a:scrgbClr r="0" g="0" b="0"/>
+      </a:fillRef>
+      <a:effectRef idx="0">
+        <a:scrgbClr r="0" g="0" b="0"/>
+      </a:effectRef>
+      <a:fontRef idx="minor"/>
+    </dgm:style>
+  </dgm:styleLbl>
+  <dgm:styleLbl name="solidAlignAcc1">
+    <dgm:scene3d>
+      <a:camera prst="orthographicFront"/>
+      <a:lightRig rig="threePt" dir="t"/>
+    </dgm:scene3d>
+    <dgm:sp3d/>
+    <dgm:txPr/>
+    <dgm:style>
+      <a:lnRef idx="2">
+        <a:scrgbClr r="0" g="0" b="0"/>
+      </a:lnRef>
+      <a:fillRef idx="1">
+        <a:scrgbClr r="0" g="0" b="0"/>
+      </a:fillRef>
+      <a:effectRef idx="0">
+        <a:scrgbClr r="0" g="0" b="0"/>
+      </a:effectRef>
+      <a:fontRef idx="minor"/>
+    </dgm:style>
+  </dgm:styleLbl>
+  <dgm:styleLbl name="solidBgAcc1">
+    <dgm:scene3d>
+      <a:camera prst="orthographicFront"/>
+      <a:lightRig rig="threePt" dir="t"/>
+    </dgm:scene3d>
+    <dgm:sp3d/>
+    <dgm:txPr/>
+    <dgm:style>
+      <a:lnRef idx="2">
+        <a:scrgbClr r="0" g="0" b="0"/>
+      </a:lnRef>
+      <a:fillRef idx="1">
+        <a:scrgbClr r="0" g="0" b="0"/>
+      </a:fillRef>
+      <a:effectRef idx="0">
+        <a:scrgbClr r="0" g="0" b="0"/>
+      </a:effectRef>
+      <a:fontRef idx="minor"/>
+    </dgm:style>
+  </dgm:styleLbl>
+  <dgm:styleLbl name="fgAccFollowNode1">
+    <dgm:scene3d>
+      <a:camera prst="orthographicFront"/>
+      <a:lightRig rig="threePt" dir="t"/>
+    </dgm:scene3d>
+    <dgm:sp3d/>
+    <dgm:txPr/>
+    <dgm:style>
+      <a:lnRef idx="2">
+        <a:scrgbClr r="0" g="0" b="0"/>
+      </a:lnRef>
+      <a:fillRef idx="1">
+        <a:scrgbClr r="0" g="0" b="0"/>
+      </a:fillRef>
+      <a:effectRef idx="0">
+        <a:scrgbClr r="0" g="0" b="0"/>
+      </a:effectRef>
+      <a:fontRef idx="minor"/>
+    </dgm:style>
+  </dgm:styleLbl>
+  <dgm:styleLbl name="alignAccFollowNode1">
+    <dgm:scene3d>
+      <a:camera prst="orthographicFront"/>
+      <a:lightRig rig="threePt" dir="t"/>
+    </dgm:scene3d>
+    <dgm:sp3d/>
+    <dgm:txPr/>
+    <dgm:style>
+      <a:lnRef idx="2">
+        <a:scrgbClr r="0" g="0" b="0"/>
+      </a:lnRef>
+      <a:fillRef idx="1">
+        <a:scrgbClr r="0" g="0" b="0"/>
+      </a:fillRef>
+      <a:effectRef idx="0">
+        <a:scrgbClr r="0" g="0" b="0"/>
+      </a:effectRef>
+      <a:fontRef idx="minor"/>
+    </dgm:style>
+  </dgm:styleLbl>
+  <dgm:styleLbl name="bgAccFollowNode1">
+    <dgm:scene3d>
+      <a:camera prst="orthographicFront"/>
+      <a:lightRig rig="threePt" dir="t"/>
+    </dgm:scene3d>
+    <dgm:sp3d/>
+    <dgm:txPr/>
+    <dgm:style>
+      <a:lnRef idx="2">
+        <a:scrgbClr r="0" g="0" b="0"/>
+      </a:lnRef>
+      <a:fillRef idx="1">
+        <a:scrgbClr r="0" g="0" b="0"/>
+      </a:fillRef>
+      <a:effectRef idx="0">
+        <a:scrgbClr r="0" g="0" b="0"/>
+      </a:effectRef>
+      <a:fontRef idx="minor"/>
+    </dgm:style>
+  </dgm:styleLbl>
+  <dgm:styleLbl name="fgAcc0">
+    <dgm:scene3d>
+      <a:camera prst="orthographicFront"/>
+      <a:lightRig rig="threePt" dir="t"/>
+    </dgm:scene3d>
+    <dgm:sp3d/>
+    <dgm:txPr/>
+    <dgm:style>
+      <a:lnRef idx="2">
+        <a:scrgbClr r="0" g="0" b="0"/>
+      </a:lnRef>
+      <a:fillRef idx="1">
+        <a:scrgbClr r="0" g="0" b="0"/>
+      </a:fillRef>
+      <a:effectRef idx="0">
+        <a:scrgbClr r="0" g="0" b="0"/>
+      </a:effectRef>
+      <a:fontRef idx="minor"/>
+    </dgm:style>
+  </dgm:styleLbl>
+  <dgm:styleLbl name="fgAcc2">
+    <dgm:scene3d>
+      <a:camera prst="orthographicFront"/>
+      <a:lightRig rig="threePt" dir="t"/>
+    </dgm:scene3d>
+    <dgm:sp3d/>
+    <dgm:txPr/>
+    <dgm:style>
+      <a:lnRef idx="2">
+        <a:scrgbClr r="0" g="0" b="0"/>
+      </a:lnRef>
+      <a:fillRef idx="1">
+        <a:scrgbClr r="0" g="0" b="0"/>
+      </a:fillRef>
+      <a:effectRef idx="0">
+        <a:scrgbClr r="0" g="0" b="0"/>
+      </a:effectRef>
+      <a:fontRef idx="minor"/>
+    </dgm:style>
+  </dgm:styleLbl>
+  <dgm:styleLbl name="fgAcc3">
+    <dgm:scene3d>
+      <a:camera prst="orthographicFront"/>
+      <a:lightRig rig="threePt" dir="t"/>
+    </dgm:scene3d>
+    <dgm:sp3d/>
+    <dgm:txPr/>
+    <dgm:style>
+      <a:lnRef idx="2">
+        <a:scrgbClr r="0" g="0" b="0"/>
+      </a:lnRef>
+      <a:fillRef idx="1">
+        <a:scrgbClr r="0" g="0" b="0"/>
+      </a:fillRef>
+      <a:effectRef idx="0">
+        <a:scrgbClr r="0" g="0" b="0"/>
+      </a:effectRef>
+      <a:fontRef idx="minor"/>
+    </dgm:style>
+  </dgm:styleLbl>
+  <dgm:styleLbl name="fgAcc4">
+    <dgm:scene3d>
+      <a:camera prst="orthographicFront"/>
+      <a:lightRig rig="threePt" dir="t"/>
+    </dgm:scene3d>
+    <dgm:sp3d/>
+    <dgm:txPr/>
+    <dgm:style>
+      <a:lnRef idx="2">
+        <a:scrgbClr r="0" g="0" b="0"/>
+      </a:lnRef>
+      <a:fillRef idx="1">
+        <a:scrgbClr r="0" g="0" b="0"/>
+      </a:fillRef>
+      <a:effectRef idx="0">
+        <a:scrgbClr r="0" g="0" b="0"/>
+      </a:effectRef>
+      <a:fontRef idx="minor"/>
+    </dgm:style>
+  </dgm:styleLbl>
+  <dgm:styleLbl name="bgShp">
+    <dgm:scene3d>
+      <a:camera prst="orthographicFront"/>
+      <a:lightRig rig="threePt" dir="t"/>
+    </dgm:scene3d>
+    <dgm:sp3d/>
+    <dgm:txPr/>
+    <dgm:style>
+      <a:lnRef idx="0">
+        <a:scrgbClr r="0" g="0" b="0"/>
+      </a:lnRef>
+      <a:fillRef idx="1">
+        <a:scrgbClr r="0" g="0" b="0"/>
+      </a:fillRef>
+      <a:effectRef idx="0">
+        <a:scrgbClr r="0" g="0" b="0"/>
+      </a:effectRef>
+      <a:fontRef idx="minor"/>
+    </dgm:style>
+  </dgm:styleLbl>
+  <dgm:styleLbl name="dkBgShp">
+    <dgm:scene3d>
+      <a:camera prst="orthographicFront"/>
+      <a:lightRig rig="threePt" dir="t"/>
+    </dgm:scene3d>
+    <dgm:sp3d/>
+    <dgm:txPr/>
+    <dgm:style>
+      <a:lnRef idx="0">
+        <a:scrgbClr r="0" g="0" b="0"/>
+      </a:lnRef>
+      <a:fillRef idx="1">
+        <a:scrgbClr r="0" g="0" b="0"/>
+      </a:fillRef>
+      <a:effectRef idx="0">
+        <a:scrgbClr r="0" g="0" b="0"/>
+      </a:effectRef>
+      <a:fontRef idx="minor"/>
+    </dgm:style>
+  </dgm:styleLbl>
+  <dgm:styleLbl name="trBgShp">
+    <dgm:scene3d>
+      <a:camera prst="orthographicFront"/>
+      <a:lightRig rig="threePt" dir="t"/>
+    </dgm:scene3d>
+    <dgm:sp3d/>
+    <dgm:txPr/>
+    <dgm:style>
+      <a:lnRef idx="0">
+        <a:scrgbClr r="0" g="0" b="0"/>
+      </a:lnRef>
+      <a:fillRef idx="1">
+        <a:scrgbClr r="0" g="0" b="0"/>
+      </a:fillRef>
+      <a:effectRef idx="0">
+        <a:scrgbClr r="0" g="0" b="0"/>
+      </a:effectRef>
+      <a:fontRef idx="minor"/>
+    </dgm:style>
+  </dgm:styleLbl>
+  <dgm:styleLbl name="fgShp">
+    <dgm:scene3d>
+      <a:camera prst="orthographicFront"/>
+      <a:lightRig rig="threePt" dir="t"/>
+    </dgm:scene3d>
+    <dgm:sp3d/>
+    <dgm:txPr/>
+    <dgm:style>
+      <a:lnRef idx="2">
+        <a:scrgbClr r="0" g="0" b="0"/>
+      </a:lnRef>
+      <a:fillRef idx="1">
+        <a:scrgbClr r="0" g="0" b="0"/>
+      </a:fillRef>
+      <a:effectRef idx="0">
+        <a:scrgbClr r="0" g="0" b="0"/>
+      </a:effectRef>
+      <a:fontRef idx="minor"/>
+    </dgm:style>
+  </dgm:styleLbl>
+  <dgm:styleLbl name="revTx">
+    <dgm:scene3d>
+      <a:camera prst="orthographicFront"/>
+      <a:lightRig rig="threePt" dir="t"/>
+    </dgm:scene3d>
+    <dgm:sp3d/>
+    <dgm:txPr/>
+    <dgm:style>
+      <a:lnRef idx="0">
+        <a:scrgbClr r="0" g="0" b="0"/>
+      </a:lnRef>
+      <a:fillRef idx="0">
+        <a:scrgbClr r="0" g="0" b="0"/>
+      </a:fillRef>
+      <a:effectRef idx="0">
+        <a:scrgbClr r="0" g="0" b="0"/>
+      </a:effectRef>
+      <a:fontRef idx="minor"/>
+    </dgm:style>
+  </dgm:styleLbl>
+</dgm:styleDef>
 </file>
 
 <file path=ppt/slideLayouts/slideLayout1.xml><?xml version="1.0" encoding="utf-8"?>
@@ -3437,7 +6263,7 @@
           <a:lstStyle/>
           <a:p>
             <a:r>
-              <a:rPr lang="pt-BR" sz="4800" b="1" dirty="0">
+              <a:rPr lang="pt-BR" sz="4800" b="1">
                 <a:solidFill>
                   <a:schemeClr val="bg1"/>
                 </a:solidFill>
@@ -3446,6 +6272,13 @@
               </a:rPr>
               <a:t>GDP</a:t>
             </a:r>
+            <a:endParaRPr lang="pt-BR" sz="4800" b="1" dirty="0">
+              <a:solidFill>
+                <a:schemeClr val="bg1"/>
+              </a:solidFill>
+              <a:latin typeface="Arial" panose="020B0604020202020204" pitchFamily="34" charset="0"/>
+              <a:cs typeface="Arial" panose="020B0604020202020204" pitchFamily="34" charset="0"/>
+            </a:endParaRPr>
           </a:p>
         </p:txBody>
       </p:sp>
@@ -3478,7 +6311,7 @@
           <a:lstStyle/>
           <a:p>
             <a:r>
-              <a:rPr lang="pt-BR" sz="2800" dirty="0">
+              <a:rPr lang="pt-BR" sz="2800">
                 <a:solidFill>
                   <a:schemeClr val="bg1"/>
                 </a:solidFill>
@@ -3487,6 +6320,13 @@
               </a:rPr>
               <a:t>Gestão e Desenvolvimento de Pessoas</a:t>
             </a:r>
+            <a:endParaRPr lang="pt-BR" sz="2800" dirty="0">
+              <a:solidFill>
+                <a:schemeClr val="bg1"/>
+              </a:solidFill>
+              <a:latin typeface="Arial" panose="020B0604020202020204" pitchFamily="34" charset="0"/>
+              <a:cs typeface="Arial" panose="020B0604020202020204" pitchFamily="34" charset="0"/>
+            </a:endParaRPr>
           </a:p>
         </p:txBody>
       </p:sp>
@@ -3645,10 +6485,1472 @@
       </p:grpSpPr>
       <p:sp useBgFill="1">
         <p:nvSpPr>
-          <p:cNvPr id="10" name="Rectangle 9">
+          <p:cNvPr id="29" name="Rectangle 20">
             <a:extLst>
               <a:ext uri="{FF2B5EF4-FFF2-40B4-BE49-F238E27FC236}">
-                <a16:creationId xmlns:a16="http://schemas.microsoft.com/office/drawing/2014/main" id="{0671A8AE-40A1-4631-A6B8-581AFF065482}"/>
+                <a16:creationId xmlns:a16="http://schemas.microsoft.com/office/drawing/2014/main" id="{53F29798-D584-4792-9B62-3F5F5C36D619}"/>
+              </a:ext>
+              <a:ext uri="{C183D7F6-B498-43B3-948B-1728B52AA6E4}">
+                <adec:decorative xmlns:adec="http://schemas.microsoft.com/office/drawing/2017/decorative" val="1"/>
+              </a:ext>
+            </a:extLst>
+          </p:cNvPr>
+          <p:cNvSpPr>
+            <a:spLocks noGrp="1" noRot="1" noChangeAspect="1" noMove="1" noResize="1" noEditPoints="1" noAdjustHandles="1" noChangeArrowheads="1" noChangeShapeType="1" noTextEdit="1"/>
+          </p:cNvSpPr>
+          <p:nvPr>
+            <p:extLst>
+              <p:ext uri="{386F3935-93C4-4BCD-93E2-E3B085C9AB24}">
+                <p16:designElem xmlns:p16="http://schemas.microsoft.com/office/powerpoint/2015/main" val="1"/>
+              </p:ext>
+            </p:extLst>
+          </p:nvPr>
+        </p:nvSpPr>
+        <p:spPr>
+          <a:xfrm>
+            <a:off x="0" y="0"/>
+            <a:ext cx="12188952" cy="6858000"/>
+          </a:xfrm>
+          <a:prstGeom prst="rect">
+            <a:avLst/>
+          </a:prstGeom>
+          <a:ln>
+            <a:noFill/>
+          </a:ln>
+        </p:spPr>
+        <p:style>
+          <a:lnRef idx="2">
+            <a:schemeClr val="accent1">
+              <a:shade val="50000"/>
+            </a:schemeClr>
+          </a:lnRef>
+          <a:fillRef idx="1">
+            <a:schemeClr val="accent1"/>
+          </a:fillRef>
+          <a:effectRef idx="0">
+            <a:schemeClr val="accent1"/>
+          </a:effectRef>
+          <a:fontRef idx="minor">
+            <a:schemeClr val="lt1"/>
+          </a:fontRef>
+        </p:style>
+        <p:txBody>
+          <a:bodyPr rtlCol="0" anchor="ctr"/>
+          <a:lstStyle/>
+          <a:p>
+            <a:pPr algn="ctr"/>
+            <a:endParaRPr lang="en-US"/>
+          </a:p>
+        </p:txBody>
+      </p:sp>
+      <p:sp>
+        <p:nvSpPr>
+          <p:cNvPr id="2" name="Título 1">
+            <a:extLst>
+              <a:ext uri="{FF2B5EF4-FFF2-40B4-BE49-F238E27FC236}">
+                <a16:creationId xmlns:a16="http://schemas.microsoft.com/office/drawing/2014/main" id="{A7CFC074-ECF6-4F02-8507-7976AFF55B46}"/>
+              </a:ext>
+            </a:extLst>
+          </p:cNvPr>
+          <p:cNvSpPr>
+            <a:spLocks noGrp="1"/>
+          </p:cNvSpPr>
+          <p:nvPr>
+            <p:ph type="title"/>
+          </p:nvPr>
+        </p:nvSpPr>
+        <p:spPr>
+          <a:xfrm>
+            <a:off x="838200" y="562271"/>
+            <a:ext cx="10515600" cy="1128417"/>
+          </a:xfrm>
+        </p:spPr>
+        <p:txBody>
+          <a:bodyPr vert="horz" lIns="91440" tIns="45720" rIns="91440" bIns="45720" rtlCol="0" anchor="ctr">
+            <a:normAutofit/>
+          </a:bodyPr>
+          <a:lstStyle/>
+          <a:p>
+            <a:r>
+              <a:rPr lang="en-US" sz="5200" b="1" u="sng" dirty="0" err="1"/>
+              <a:t>Contextualização</a:t>
+            </a:r>
+            <a:endParaRPr lang="en-US" sz="5200" b="1" u="sng" dirty="0"/>
+          </a:p>
+        </p:txBody>
+      </p:sp>
+      <p:pic>
+        <p:nvPicPr>
+          <p:cNvPr id="5" name="Picture 2" descr="Contextualização do Tema TCC: como exemplo, exemplo e significado">
+            <a:extLst>
+              <a:ext uri="{FF2B5EF4-FFF2-40B4-BE49-F238E27FC236}">
+                <a16:creationId xmlns:a16="http://schemas.microsoft.com/office/drawing/2014/main" id="{6D07E63F-A2EF-46AF-BB72-392573B694CC}"/>
+              </a:ext>
+            </a:extLst>
+          </p:cNvPr>
+          <p:cNvPicPr>
+            <a:picLocks noGrp="1" noChangeAspect="1" noChangeArrowheads="1"/>
+          </p:cNvPicPr>
+          <p:nvPr>
+            <p:ph idx="1"/>
+          </p:nvPr>
+        </p:nvPicPr>
+        <p:blipFill rotWithShape="1">
+          <a:blip r:embed="rId2">
+            <a:extLst>
+              <a:ext uri="{28A0092B-C50C-407E-A947-70E740481C1C}">
+                <a14:useLocalDpi xmlns:a14="http://schemas.microsoft.com/office/drawing/2010/main" val="0"/>
+              </a:ext>
+            </a:extLst>
+          </a:blip>
+          <a:srcRect t="5926" r="-1" b="-1"/>
+          <a:stretch/>
+        </p:blipFill>
+        <p:spPr bwMode="auto">
+          <a:xfrm>
+            <a:off x="838200" y="1845426"/>
+            <a:ext cx="10512547" cy="4450303"/>
+          </a:xfrm>
+          <a:prstGeom prst="rect">
+            <a:avLst/>
+          </a:prstGeom>
+          <a:noFill/>
+          <a:extLst>
+            <a:ext uri="{909E8E84-426E-40DD-AFC4-6F175D3DCCD1}">
+              <a14:hiddenFill xmlns:a14="http://schemas.microsoft.com/office/drawing/2010/main">
+                <a:solidFill>
+                  <a:srgbClr val="FFFFFF"/>
+                </a:solidFill>
+              </a14:hiddenFill>
+            </a:ext>
+          </a:extLst>
+        </p:spPr>
+      </p:pic>
+    </p:spTree>
+    <p:extLst>
+      <p:ext uri="{BB962C8B-B14F-4D97-AF65-F5344CB8AC3E}">
+        <p14:creationId xmlns:p14="http://schemas.microsoft.com/office/powerpoint/2010/main" val="3245538460"/>
+      </p:ext>
+    </p:extLst>
+  </p:cSld>
+  <p:clrMapOvr>
+    <a:masterClrMapping/>
+  </p:clrMapOvr>
+</p:sld>
+</file>
+
+<file path=ppt/slides/slide3.xml><?xml version="1.0" encoding="utf-8"?>
+<p:sld xmlns:a="http://schemas.openxmlformats.org/drawingml/2006/main" xmlns:r="http://schemas.openxmlformats.org/officeDocument/2006/relationships" xmlns:p="http://schemas.openxmlformats.org/presentationml/2006/main">
+  <p:cSld>
+    <p:bg>
+      <p:bgPr>
+        <a:solidFill>
+          <a:schemeClr val="bg1"/>
+        </a:solidFill>
+        <a:effectLst/>
+      </p:bgPr>
+    </p:bg>
+    <p:spTree>
+      <p:nvGrpSpPr>
+        <p:cNvPr id="1" name=""/>
+        <p:cNvGrpSpPr/>
+        <p:nvPr/>
+      </p:nvGrpSpPr>
+      <p:grpSpPr>
+        <a:xfrm>
+          <a:off x="0" y="0"/>
+          <a:ext cx="0" cy="0"/>
+          <a:chOff x="0" y="0"/>
+          <a:chExt cx="0" cy="0"/>
+        </a:xfrm>
+      </p:grpSpPr>
+      <p:sp>
+        <p:nvSpPr>
+          <p:cNvPr id="61" name="Rectangle 57">
+            <a:extLst>
+              <a:ext uri="{FF2B5EF4-FFF2-40B4-BE49-F238E27FC236}">
+                <a16:creationId xmlns:a16="http://schemas.microsoft.com/office/drawing/2014/main" id="{74426AB7-D619-4515-962A-BC83909EC015}"/>
+              </a:ext>
+              <a:ext uri="{C183D7F6-B498-43B3-948B-1728B52AA6E4}">
+                <adec:decorative xmlns:adec="http://schemas.microsoft.com/office/drawing/2017/decorative" val="1"/>
+              </a:ext>
+            </a:extLst>
+          </p:cNvPr>
+          <p:cNvSpPr>
+            <a:spLocks noGrp="1" noRot="1" noChangeAspect="1" noMove="1" noResize="1" noEditPoints="1" noAdjustHandles="1" noChangeArrowheads="1" noChangeShapeType="1" noTextEdit="1"/>
+          </p:cNvSpPr>
+          <p:nvPr>
+            <p:extLst>
+              <p:ext uri="{386F3935-93C4-4BCD-93E2-E3B085C9AB24}">
+                <p16:designElem xmlns:p16="http://schemas.microsoft.com/office/powerpoint/2015/main" val="1"/>
+              </p:ext>
+            </p:extLst>
+          </p:nvPr>
+        </p:nvSpPr>
+        <p:spPr>
+          <a:xfrm>
+            <a:off x="0" y="0"/>
+            <a:ext cx="12192000" cy="6858000"/>
+          </a:xfrm>
+          <a:prstGeom prst="rect">
+            <a:avLst/>
+          </a:prstGeom>
+          <a:solidFill>
+            <a:srgbClr val="463C58"/>
+          </a:solidFill>
+          <a:ln>
+            <a:noFill/>
+          </a:ln>
+        </p:spPr>
+        <p:style>
+          <a:lnRef idx="2">
+            <a:schemeClr val="accent1">
+              <a:shade val="50000"/>
+            </a:schemeClr>
+          </a:lnRef>
+          <a:fillRef idx="1">
+            <a:schemeClr val="accent1"/>
+          </a:fillRef>
+          <a:effectRef idx="0">
+            <a:schemeClr val="accent1"/>
+          </a:effectRef>
+          <a:fontRef idx="minor">
+            <a:schemeClr val="lt1"/>
+          </a:fontRef>
+        </p:style>
+        <p:txBody>
+          <a:bodyPr rtlCol="0" anchor="ctr"/>
+          <a:lstStyle/>
+          <a:p>
+            <a:pPr algn="ctr"/>
+            <a:endParaRPr lang="en-US"/>
+          </a:p>
+        </p:txBody>
+      </p:sp>
+      <p:sp>
+        <p:nvSpPr>
+          <p:cNvPr id="60" name="Rectangle 59">
+            <a:extLst>
+              <a:ext uri="{FF2B5EF4-FFF2-40B4-BE49-F238E27FC236}">
+                <a16:creationId xmlns:a16="http://schemas.microsoft.com/office/drawing/2014/main" id="{DE47DF98-723F-4AAC-ABCF-CACBC438F78F}"/>
+              </a:ext>
+              <a:ext uri="{C183D7F6-B498-43B3-948B-1728B52AA6E4}">
+                <adec:decorative xmlns:adec="http://schemas.microsoft.com/office/drawing/2017/decorative" val="1"/>
+              </a:ext>
+            </a:extLst>
+          </p:cNvPr>
+          <p:cNvSpPr>
+            <a:spLocks noGrp="1" noRot="1" noChangeAspect="1" noMove="1" noResize="1" noEditPoints="1" noAdjustHandles="1" noChangeArrowheads="1" noChangeShapeType="1" noTextEdit="1"/>
+          </p:cNvSpPr>
+          <p:nvPr>
+            <p:extLst>
+              <p:ext uri="{386F3935-93C4-4BCD-93E2-E3B085C9AB24}">
+                <p16:designElem xmlns:p16="http://schemas.microsoft.com/office/powerpoint/2015/main" val="1"/>
+              </p:ext>
+            </p:extLst>
+          </p:nvPr>
+        </p:nvSpPr>
+        <p:spPr>
+          <a:xfrm>
+            <a:off x="243840" y="256540"/>
+            <a:ext cx="11704320" cy="6365239"/>
+          </a:xfrm>
+          <a:prstGeom prst="rect">
+            <a:avLst/>
+          </a:prstGeom>
+          <a:solidFill>
+            <a:srgbClr val="FFFFFF"/>
+          </a:solidFill>
+          <a:ln w="12700">
+            <a:noFill/>
+          </a:ln>
+        </p:spPr>
+        <p:style>
+          <a:lnRef idx="2">
+            <a:schemeClr val="accent1">
+              <a:shade val="50000"/>
+            </a:schemeClr>
+          </a:lnRef>
+          <a:fillRef idx="1">
+            <a:schemeClr val="accent1"/>
+          </a:fillRef>
+          <a:effectRef idx="0">
+            <a:schemeClr val="accent1"/>
+          </a:effectRef>
+          <a:fontRef idx="minor">
+            <a:schemeClr val="lt1"/>
+          </a:fontRef>
+        </p:style>
+      </p:sp>
+      <p:cxnSp>
+        <p:nvCxnSpPr>
+          <p:cNvPr id="62" name="Straight Connector 61">
+            <a:extLst>
+              <a:ext uri="{FF2B5EF4-FFF2-40B4-BE49-F238E27FC236}">
+                <a16:creationId xmlns:a16="http://schemas.microsoft.com/office/drawing/2014/main" id="{EA29FC7C-9308-4FDE-8DCA-405668055B0F}"/>
+              </a:ext>
+              <a:ext uri="{C183D7F6-B498-43B3-948B-1728B52AA6E4}">
+                <adec:decorative xmlns:adec="http://schemas.microsoft.com/office/drawing/2017/decorative" val="1"/>
+              </a:ext>
+            </a:extLst>
+          </p:cNvPr>
+          <p:cNvCxnSpPr>
+            <a:cxnSpLocks noGrp="1" noRot="1" noChangeAspect="1" noMove="1" noResize="1" noEditPoints="1" noAdjustHandles="1" noChangeArrowheads="1" noChangeShapeType="1"/>
+          </p:cNvCxnSpPr>
+          <p:nvPr>
+            <p:extLst>
+              <p:ext uri="{386F3935-93C4-4BCD-93E2-E3B085C9AB24}">
+                <p16:designElem xmlns:p16="http://schemas.microsoft.com/office/powerpoint/2015/main" val="1"/>
+              </p:ext>
+            </p:extLst>
+          </p:nvPr>
+        </p:nvCxnSpPr>
+        <p:spPr>
+          <a:xfrm>
+            <a:off x="2895600" y="5768204"/>
+            <a:ext cx="6400800" cy="0"/>
+          </a:xfrm>
+          <a:prstGeom prst="line">
+            <a:avLst/>
+          </a:prstGeom>
+          <a:ln>
+            <a:solidFill>
+              <a:srgbClr val="463C58"/>
+            </a:solidFill>
+          </a:ln>
+        </p:spPr>
+        <p:style>
+          <a:lnRef idx="1">
+            <a:schemeClr val="accent1"/>
+          </a:lnRef>
+          <a:fillRef idx="0">
+            <a:schemeClr val="accent1"/>
+          </a:fillRef>
+          <a:effectRef idx="0">
+            <a:schemeClr val="accent1"/>
+          </a:effectRef>
+          <a:fontRef idx="minor">
+            <a:schemeClr val="tx1"/>
+          </a:fontRef>
+        </p:style>
+      </p:cxnSp>
+      <p:sp>
+        <p:nvSpPr>
+          <p:cNvPr id="2" name="Título 1">
+            <a:extLst>
+              <a:ext uri="{FF2B5EF4-FFF2-40B4-BE49-F238E27FC236}">
+                <a16:creationId xmlns:a16="http://schemas.microsoft.com/office/drawing/2014/main" id="{FD83D65F-C3BC-4D7C-A5F7-6297FD5E33D2}"/>
+              </a:ext>
+            </a:extLst>
+          </p:cNvPr>
+          <p:cNvSpPr>
+            <a:spLocks noGrp="1"/>
+          </p:cNvSpPr>
+          <p:nvPr>
+            <p:ph type="title"/>
+          </p:nvPr>
+        </p:nvSpPr>
+        <p:spPr>
+          <a:xfrm>
+            <a:off x="1109980" y="4277356"/>
+            <a:ext cx="9966960" cy="1560320"/>
+          </a:xfrm>
+        </p:spPr>
+        <p:txBody>
+          <a:bodyPr vert="horz" lIns="91440" tIns="45720" rIns="91440" bIns="45720" rtlCol="0" anchor="b">
+            <a:normAutofit/>
+          </a:bodyPr>
+          <a:lstStyle/>
+          <a:p>
+            <a:pPr algn="ctr"/>
+            <a:r>
+              <a:rPr lang="en-US" sz="5800" u="sng">
+                <a:solidFill>
+                  <a:srgbClr val="463C58"/>
+                </a:solidFill>
+              </a:rPr>
+              <a:t>Objetivo</a:t>
+            </a:r>
+          </a:p>
+        </p:txBody>
+      </p:sp>
+      <p:pic>
+        <p:nvPicPr>
+          <p:cNvPr id="4" name="Imagem 3" descr="Diagrama&#10;&#10;Descrição gerada automaticamente">
+            <a:extLst>
+              <a:ext uri="{FF2B5EF4-FFF2-40B4-BE49-F238E27FC236}">
+                <a16:creationId xmlns:a16="http://schemas.microsoft.com/office/drawing/2014/main" id="{92506A7C-A1D6-4969-A72A-7A504C407A59}"/>
+              </a:ext>
+            </a:extLst>
+          </p:cNvPr>
+          <p:cNvPicPr>
+            <a:picLocks noChangeAspect="1"/>
+          </p:cNvPicPr>
+          <p:nvPr/>
+        </p:nvPicPr>
+        <p:blipFill rotWithShape="1">
+          <a:blip r:embed="rId2"/>
+          <a:srcRect r="1" b="5408"/>
+          <a:stretch/>
+        </p:blipFill>
+        <p:spPr>
+          <a:xfrm>
+            <a:off x="243840" y="256540"/>
+            <a:ext cx="11704320" cy="3764276"/>
+          </a:xfrm>
+          <a:prstGeom prst="rect">
+            <a:avLst/>
+          </a:prstGeom>
+        </p:spPr>
+      </p:pic>
+    </p:spTree>
+    <p:extLst>
+      <p:ext uri="{BB962C8B-B14F-4D97-AF65-F5344CB8AC3E}">
+        <p14:creationId xmlns:p14="http://schemas.microsoft.com/office/powerpoint/2010/main" val="1975109841"/>
+      </p:ext>
+    </p:extLst>
+  </p:cSld>
+  <p:clrMapOvr>
+    <a:masterClrMapping/>
+  </p:clrMapOvr>
+</p:sld>
+</file>
+
+<file path=ppt/slides/slide4.xml><?xml version="1.0" encoding="utf-8"?>
+<p:sld xmlns:a="http://schemas.openxmlformats.org/drawingml/2006/main" xmlns:r="http://schemas.openxmlformats.org/officeDocument/2006/relationships" xmlns:p="http://schemas.openxmlformats.org/presentationml/2006/main">
+  <p:cSld>
+    <p:bg>
+      <p:bgPr>
+        <a:solidFill>
+          <a:schemeClr val="bg1"/>
+        </a:solidFill>
+        <a:effectLst/>
+      </p:bgPr>
+    </p:bg>
+    <p:spTree>
+      <p:nvGrpSpPr>
+        <p:cNvPr id="1" name=""/>
+        <p:cNvGrpSpPr/>
+        <p:nvPr/>
+      </p:nvGrpSpPr>
+      <p:grpSpPr>
+        <a:xfrm>
+          <a:off x="0" y="0"/>
+          <a:ext cx="0" cy="0"/>
+          <a:chOff x="0" y="0"/>
+          <a:chExt cx="0" cy="0"/>
+        </a:xfrm>
+      </p:grpSpPr>
+      <p:sp useBgFill="1">
+        <p:nvSpPr>
+          <p:cNvPr id="45" name="Rectangle 32">
+            <a:extLst>
+              <a:ext uri="{FF2B5EF4-FFF2-40B4-BE49-F238E27FC236}">
+                <a16:creationId xmlns:a16="http://schemas.microsoft.com/office/drawing/2014/main" id="{76EFD3D9-44F0-4267-BCC1-1613E79D8274}"/>
+              </a:ext>
+              <a:ext uri="{C183D7F6-B498-43B3-948B-1728B52AA6E4}">
+                <adec:decorative xmlns:adec="http://schemas.microsoft.com/office/drawing/2017/decorative" val="1"/>
+              </a:ext>
+            </a:extLst>
+          </p:cNvPr>
+          <p:cNvSpPr>
+            <a:spLocks noGrp="1" noRot="1" noChangeAspect="1" noMove="1" noResize="1" noEditPoints="1" noAdjustHandles="1" noChangeArrowheads="1" noChangeShapeType="1" noTextEdit="1"/>
+          </p:cNvSpPr>
+          <p:nvPr>
+            <p:extLst>
+              <p:ext uri="{386F3935-93C4-4BCD-93E2-E3B085C9AB24}">
+                <p16:designElem xmlns:p16="http://schemas.microsoft.com/office/powerpoint/2015/main" val="1"/>
+              </p:ext>
+            </p:extLst>
+          </p:nvPr>
+        </p:nvSpPr>
+        <p:spPr>
+          <a:xfrm>
+            <a:off x="0" y="0"/>
+            <a:ext cx="12188952" cy="6858000"/>
+          </a:xfrm>
+          <a:prstGeom prst="rect">
+            <a:avLst/>
+          </a:prstGeom>
+          <a:ln>
+            <a:noFill/>
+          </a:ln>
+        </p:spPr>
+        <p:style>
+          <a:lnRef idx="2">
+            <a:schemeClr val="accent1">
+              <a:shade val="50000"/>
+            </a:schemeClr>
+          </a:lnRef>
+          <a:fillRef idx="1">
+            <a:schemeClr val="accent1"/>
+          </a:fillRef>
+          <a:effectRef idx="0">
+            <a:schemeClr val="accent1"/>
+          </a:effectRef>
+          <a:fontRef idx="minor">
+            <a:schemeClr val="lt1"/>
+          </a:fontRef>
+        </p:style>
+        <p:txBody>
+          <a:bodyPr rtlCol="0" anchor="ctr"/>
+          <a:lstStyle/>
+          <a:p>
+            <a:pPr algn="ctr"/>
+            <a:endParaRPr lang="en-US"/>
+          </a:p>
+        </p:txBody>
+      </p:sp>
+      <p:sp>
+        <p:nvSpPr>
+          <p:cNvPr id="46" name="Freeform 6">
+            <a:extLst>
+              <a:ext uri="{FF2B5EF4-FFF2-40B4-BE49-F238E27FC236}">
+                <a16:creationId xmlns:a16="http://schemas.microsoft.com/office/drawing/2014/main" id="{A779A851-95D6-41AF-937A-B0E4B7F6FA8D}"/>
+              </a:ext>
+              <a:ext uri="{C183D7F6-B498-43B3-948B-1728B52AA6E4}">
+                <adec:decorative xmlns:adec="http://schemas.microsoft.com/office/drawing/2017/decorative" val="1"/>
+              </a:ext>
+            </a:extLst>
+          </p:cNvPr>
+          <p:cNvSpPr>
+            <a:spLocks noGrp="1" noRot="1" noChangeAspect="1" noMove="1" noResize="1" noEditPoints="1" noAdjustHandles="1" noChangeArrowheads="1" noChangeShapeType="1" noTextEdit="1"/>
+          </p:cNvSpPr>
+          <p:nvPr>
+            <p:extLst>
+              <p:ext uri="{386F3935-93C4-4BCD-93E2-E3B085C9AB24}">
+                <p16:designElem xmlns:p16="http://schemas.microsoft.com/office/powerpoint/2015/main" val="1"/>
+              </p:ext>
+            </p:extLst>
+          </p:nvPr>
+        </p:nvSpPr>
+        <p:spPr bwMode="auto">
+          <a:xfrm>
+            <a:off x="4142164" y="900814"/>
+            <a:ext cx="759618" cy="5710965"/>
+          </a:xfrm>
+          <a:custGeom>
+            <a:avLst/>
+            <a:gdLst>
+              <a:gd name="T0" fmla="*/ 414 w 414"/>
+              <a:gd name="T1" fmla="*/ 2447 h 2447"/>
+              <a:gd name="T2" fmla="*/ 0 w 414"/>
+              <a:gd name="T3" fmla="*/ 2247 h 2447"/>
+              <a:gd name="T4" fmla="*/ 0 w 414"/>
+              <a:gd name="T5" fmla="*/ 0 h 2447"/>
+              <a:gd name="T6" fmla="*/ 414 w 414"/>
+              <a:gd name="T7" fmla="*/ 200 h 2447"/>
+              <a:gd name="T8" fmla="*/ 414 w 414"/>
+              <a:gd name="T9" fmla="*/ 2447 h 2447"/>
+            </a:gdLst>
+            <a:ahLst/>
+            <a:cxnLst>
+              <a:cxn ang="0">
+                <a:pos x="T0" y="T1"/>
+              </a:cxn>
+              <a:cxn ang="0">
+                <a:pos x="T2" y="T3"/>
+              </a:cxn>
+              <a:cxn ang="0">
+                <a:pos x="T4" y="T5"/>
+              </a:cxn>
+              <a:cxn ang="0">
+                <a:pos x="T6" y="T7"/>
+              </a:cxn>
+              <a:cxn ang="0">
+                <a:pos x="T8" y="T9"/>
+              </a:cxn>
+            </a:cxnLst>
+            <a:rect l="0" t="0" r="r" b="b"/>
+            <a:pathLst>
+              <a:path w="414" h="2447">
+                <a:moveTo>
+                  <a:pt x="414" y="2447"/>
+                </a:moveTo>
+                <a:lnTo>
+                  <a:pt x="0" y="2247"/>
+                </a:lnTo>
+                <a:lnTo>
+                  <a:pt x="0" y="0"/>
+                </a:lnTo>
+                <a:lnTo>
+                  <a:pt x="414" y="200"/>
+                </a:lnTo>
+                <a:lnTo>
+                  <a:pt x="414" y="2447"/>
+                </a:lnTo>
+                <a:close/>
+              </a:path>
+            </a:pathLst>
+          </a:custGeom>
+          <a:solidFill>
+            <a:schemeClr val="accent1">
+              <a:lumMod val="75000"/>
+            </a:schemeClr>
+          </a:solidFill>
+          <a:ln>
+            <a:noFill/>
+          </a:ln>
+        </p:spPr>
+        <p:txBody>
+          <a:bodyPr vert="horz" wrap="square" lIns="91440" tIns="45720" rIns="91440" bIns="45720" numCol="1" anchor="t" anchorCtr="0" compatLnSpc="1">
+            <a:prstTxWarp prst="textNoShape">
+              <a:avLst/>
+            </a:prstTxWarp>
+          </a:bodyPr>
+          <a:lstStyle/>
+          <a:p>
+            <a:endParaRPr lang="en-US"/>
+          </a:p>
+        </p:txBody>
+      </p:sp>
+      <p:sp>
+        <p:nvSpPr>
+          <p:cNvPr id="47" name="Freeform 7">
+            <a:extLst>
+              <a:ext uri="{FF2B5EF4-FFF2-40B4-BE49-F238E27FC236}">
+                <a16:creationId xmlns:a16="http://schemas.microsoft.com/office/drawing/2014/main" id="{953FB2E7-B6CB-429C-81EB-D9516D6D5C8D}"/>
+              </a:ext>
+              <a:ext uri="{C183D7F6-B498-43B3-948B-1728B52AA6E4}">
+                <adec:decorative xmlns:adec="http://schemas.microsoft.com/office/drawing/2017/decorative" val="1"/>
+              </a:ext>
+            </a:extLst>
+          </p:cNvPr>
+          <p:cNvSpPr>
+            <a:spLocks noGrp="1" noRot="1" noChangeAspect="1" noMove="1" noResize="1" noEditPoints="1" noAdjustHandles="1" noChangeArrowheads="1" noChangeShapeType="1" noTextEdit="1"/>
+          </p:cNvSpPr>
+          <p:nvPr>
+            <p:extLst>
+              <p:ext uri="{386F3935-93C4-4BCD-93E2-E3B085C9AB24}">
+                <p16:designElem xmlns:p16="http://schemas.microsoft.com/office/powerpoint/2015/main" val="1"/>
+              </p:ext>
+            </p:extLst>
+          </p:nvPr>
+        </p:nvSpPr>
+        <p:spPr bwMode="auto">
+          <a:xfrm>
+            <a:off x="4144437" y="633165"/>
+            <a:ext cx="482654" cy="5521414"/>
+          </a:xfrm>
+          <a:custGeom>
+            <a:avLst/>
+            <a:gdLst>
+              <a:gd name="T0" fmla="*/ 209 w 209"/>
+              <a:gd name="T1" fmla="*/ 2246 h 2358"/>
+              <a:gd name="T2" fmla="*/ 0 w 209"/>
+              <a:gd name="T3" fmla="*/ 2358 h 2358"/>
+              <a:gd name="T4" fmla="*/ 0 w 209"/>
+              <a:gd name="T5" fmla="*/ 111 h 2358"/>
+              <a:gd name="T6" fmla="*/ 209 w 209"/>
+              <a:gd name="T7" fmla="*/ 0 h 2358"/>
+              <a:gd name="T8" fmla="*/ 209 w 209"/>
+              <a:gd name="T9" fmla="*/ 2246 h 2358"/>
+            </a:gdLst>
+            <a:ahLst/>
+            <a:cxnLst>
+              <a:cxn ang="0">
+                <a:pos x="T0" y="T1"/>
+              </a:cxn>
+              <a:cxn ang="0">
+                <a:pos x="T2" y="T3"/>
+              </a:cxn>
+              <a:cxn ang="0">
+                <a:pos x="T4" y="T5"/>
+              </a:cxn>
+              <a:cxn ang="0">
+                <a:pos x="T6" y="T7"/>
+              </a:cxn>
+              <a:cxn ang="0">
+                <a:pos x="T8" y="T9"/>
+              </a:cxn>
+            </a:cxnLst>
+            <a:rect l="0" t="0" r="r" b="b"/>
+            <a:pathLst>
+              <a:path w="209" h="2358">
+                <a:moveTo>
+                  <a:pt x="209" y="2246"/>
+                </a:moveTo>
+                <a:lnTo>
+                  <a:pt x="0" y="2358"/>
+                </a:lnTo>
+                <a:lnTo>
+                  <a:pt x="0" y="111"/>
+                </a:lnTo>
+                <a:lnTo>
+                  <a:pt x="209" y="0"/>
+                </a:lnTo>
+                <a:lnTo>
+                  <a:pt x="209" y="2246"/>
+                </a:lnTo>
+                <a:close/>
+              </a:path>
+            </a:pathLst>
+          </a:custGeom>
+          <a:solidFill>
+            <a:schemeClr val="accent1">
+              <a:lumMod val="50000"/>
+            </a:schemeClr>
+          </a:solidFill>
+          <a:ln>
+            <a:noFill/>
+          </a:ln>
+        </p:spPr>
+        <p:txBody>
+          <a:bodyPr vert="horz" wrap="square" lIns="91440" tIns="45720" rIns="91440" bIns="45720" numCol="1" anchor="t" anchorCtr="0" compatLnSpc="1">
+            <a:prstTxWarp prst="textNoShape">
+              <a:avLst/>
+            </a:prstTxWarp>
+          </a:bodyPr>
+          <a:lstStyle/>
+          <a:p>
+            <a:endParaRPr lang="en-US"/>
+          </a:p>
+        </p:txBody>
+      </p:sp>
+      <p:sp>
+        <p:nvSpPr>
+          <p:cNvPr id="48" name="Freeform: Shape 38">
+            <a:extLst>
+              <a:ext uri="{FF2B5EF4-FFF2-40B4-BE49-F238E27FC236}">
+                <a16:creationId xmlns:a16="http://schemas.microsoft.com/office/drawing/2014/main" id="{2EC40DB1-B719-4A13-9A4D-0966B4B27866}"/>
+              </a:ext>
+              <a:ext uri="{C183D7F6-B498-43B3-948B-1728B52AA6E4}">
+                <adec:decorative xmlns:adec="http://schemas.microsoft.com/office/drawing/2017/decorative" val="1"/>
+              </a:ext>
+            </a:extLst>
+          </p:cNvPr>
+          <p:cNvSpPr>
+            <a:spLocks noGrp="1" noRot="1" noChangeAspect="1" noMove="1" noResize="1" noEditPoints="1" noAdjustHandles="1" noChangeArrowheads="1" noChangeShapeType="1" noTextEdit="1"/>
+          </p:cNvSpPr>
+          <p:nvPr>
+            <p:extLst>
+              <p:ext uri="{386F3935-93C4-4BCD-93E2-E3B085C9AB24}">
+                <p16:designElem xmlns:p16="http://schemas.microsoft.com/office/powerpoint/2015/main" val="1"/>
+              </p:ext>
+            </p:extLst>
+          </p:nvPr>
+        </p:nvSpPr>
+        <p:spPr>
+          <a:xfrm>
+            <a:off x="634621" y="636723"/>
+            <a:ext cx="4000062" cy="5257799"/>
+          </a:xfrm>
+          <a:custGeom>
+            <a:avLst/>
+            <a:gdLst>
+              <a:gd name="connsiteX0" fmla="*/ 0 w 4634682"/>
+              <a:gd name="connsiteY0" fmla="*/ 0 h 5257799"/>
+              <a:gd name="connsiteX1" fmla="*/ 4634682 w 4634682"/>
+              <a:gd name="connsiteY1" fmla="*/ 0 h 5257799"/>
+              <a:gd name="connsiteX2" fmla="*/ 4634682 w 4634682"/>
+              <a:gd name="connsiteY2" fmla="*/ 5257799 h 5257799"/>
+              <a:gd name="connsiteX3" fmla="*/ 0 w 4634682"/>
+              <a:gd name="connsiteY3" fmla="*/ 5257799 h 5257799"/>
+            </a:gdLst>
+            <a:ahLst/>
+            <a:cxnLst>
+              <a:cxn ang="0">
+                <a:pos x="connsiteX0" y="connsiteY0"/>
+              </a:cxn>
+              <a:cxn ang="0">
+                <a:pos x="connsiteX1" y="connsiteY1"/>
+              </a:cxn>
+              <a:cxn ang="0">
+                <a:pos x="connsiteX2" y="connsiteY2"/>
+              </a:cxn>
+              <a:cxn ang="0">
+                <a:pos x="connsiteX3" y="connsiteY3"/>
+              </a:cxn>
+            </a:cxnLst>
+            <a:rect l="l" t="t" r="r" b="b"/>
+            <a:pathLst>
+              <a:path w="4634682" h="5257799">
+                <a:moveTo>
+                  <a:pt x="0" y="0"/>
+                </a:moveTo>
+                <a:lnTo>
+                  <a:pt x="4634682" y="0"/>
+                </a:lnTo>
+                <a:lnTo>
+                  <a:pt x="4634682" y="5257799"/>
+                </a:lnTo>
+                <a:lnTo>
+                  <a:pt x="0" y="5257799"/>
+                </a:lnTo>
+                <a:close/>
+              </a:path>
+            </a:pathLst>
+          </a:custGeom>
+          <a:solidFill>
+            <a:schemeClr val="accent1">
+              <a:lumMod val="50000"/>
+            </a:schemeClr>
+          </a:solidFill>
+          <a:ln>
+            <a:noFill/>
+          </a:ln>
+        </p:spPr>
+        <p:style>
+          <a:lnRef idx="2">
+            <a:schemeClr val="accent1">
+              <a:shade val="50000"/>
+            </a:schemeClr>
+          </a:lnRef>
+          <a:fillRef idx="1">
+            <a:schemeClr val="accent1"/>
+          </a:fillRef>
+          <a:effectRef idx="0">
+            <a:schemeClr val="accent1"/>
+          </a:effectRef>
+          <a:fontRef idx="minor">
+            <a:schemeClr val="lt1"/>
+          </a:fontRef>
+        </p:style>
+        <p:txBody>
+          <a:bodyPr wrap="square" rtlCol="0" anchor="ctr">
+            <a:noAutofit/>
+          </a:bodyPr>
+          <a:lstStyle/>
+          <a:p>
+            <a:pPr algn="ctr"/>
+            <a:endParaRPr lang="en-US"/>
+          </a:p>
+        </p:txBody>
+      </p:sp>
+      <p:sp>
+        <p:nvSpPr>
+          <p:cNvPr id="2" name="Título 1">
+            <a:extLst>
+              <a:ext uri="{FF2B5EF4-FFF2-40B4-BE49-F238E27FC236}">
+                <a16:creationId xmlns:a16="http://schemas.microsoft.com/office/drawing/2014/main" id="{9FE7D163-B215-438D-BF30-5A0CA673C058}"/>
+              </a:ext>
+            </a:extLst>
+          </p:cNvPr>
+          <p:cNvSpPr>
+            <a:spLocks noGrp="1"/>
+          </p:cNvSpPr>
+          <p:nvPr>
+            <p:ph type="title"/>
+          </p:nvPr>
+        </p:nvSpPr>
+        <p:spPr>
+          <a:xfrm>
+            <a:off x="934872" y="982272"/>
+            <a:ext cx="3388419" cy="4560970"/>
+          </a:xfrm>
+        </p:spPr>
+        <p:txBody>
+          <a:bodyPr vert="horz" lIns="91440" tIns="45720" rIns="91440" bIns="45720" rtlCol="0" anchor="ctr">
+            <a:normAutofit/>
+          </a:bodyPr>
+          <a:lstStyle/>
+          <a:p>
+            <a:r>
+              <a:rPr lang="en-US" sz="4000" kern="1200">
+                <a:solidFill>
+                  <a:srgbClr val="FFFFFF"/>
+                </a:solidFill>
+                <a:latin typeface="+mj-lt"/>
+                <a:ea typeface="+mj-ea"/>
+                <a:cs typeface="+mj-cs"/>
+              </a:rPr>
+              <a:t>Significado das Cores</a:t>
+            </a:r>
+          </a:p>
+        </p:txBody>
+      </p:sp>
+      <p:sp>
+        <p:nvSpPr>
+          <p:cNvPr id="49" name="Rectangle 8">
+            <a:extLst>
+              <a:ext uri="{FF2B5EF4-FFF2-40B4-BE49-F238E27FC236}">
+                <a16:creationId xmlns:a16="http://schemas.microsoft.com/office/drawing/2014/main" id="{82211336-CFF3-412D-868A-6679C1004C45}"/>
+              </a:ext>
+              <a:ext uri="{C183D7F6-B498-43B3-948B-1728B52AA6E4}">
+                <adec:decorative xmlns:adec="http://schemas.microsoft.com/office/drawing/2017/decorative" val="1"/>
+              </a:ext>
+            </a:extLst>
+          </p:cNvPr>
+          <p:cNvSpPr>
+            <a:spLocks noGrp="1" noRot="1" noChangeAspect="1" noMove="1" noResize="1" noEditPoints="1" noAdjustHandles="1" noChangeArrowheads="1" noChangeShapeType="1" noTextEdit="1"/>
+          </p:cNvSpPr>
+          <p:nvPr>
+            <p:extLst>
+              <p:ext uri="{386F3935-93C4-4BCD-93E2-E3B085C9AB24}">
+                <p16:designElem xmlns:p16="http://schemas.microsoft.com/office/powerpoint/2015/main" val="1"/>
+              </p:ext>
+            </p:extLst>
+          </p:nvPr>
+        </p:nvSpPr>
+        <p:spPr bwMode="auto">
+          <a:xfrm>
+            <a:off x="4901782" y="1352302"/>
+            <a:ext cx="6655597" cy="5251646"/>
+          </a:xfrm>
+          <a:prstGeom prst="rect">
+            <a:avLst/>
+          </a:prstGeom>
+          <a:solidFill>
+            <a:schemeClr val="accent1"/>
+          </a:solidFill>
+          <a:ln>
+            <a:noFill/>
+          </a:ln>
+        </p:spPr>
+        <p:txBody>
+          <a:bodyPr vert="horz" wrap="square" lIns="91440" tIns="45720" rIns="91440" bIns="45720" numCol="1" anchor="t" anchorCtr="0" compatLnSpc="1">
+            <a:prstTxWarp prst="textNoShape">
+              <a:avLst/>
+            </a:prstTxWarp>
+          </a:bodyPr>
+          <a:lstStyle/>
+          <a:p>
+            <a:endParaRPr lang="en-US"/>
+          </a:p>
+        </p:txBody>
+      </p:sp>
+      <p:sp>
+        <p:nvSpPr>
+          <p:cNvPr id="4" name="CaixaDeTexto 3">
+            <a:extLst>
+              <a:ext uri="{FF2B5EF4-FFF2-40B4-BE49-F238E27FC236}">
+                <a16:creationId xmlns:a16="http://schemas.microsoft.com/office/drawing/2014/main" id="{27BF06EF-7E0D-48B9-B29A-CD11691958E3}"/>
+              </a:ext>
+            </a:extLst>
+          </p:cNvPr>
+          <p:cNvSpPr txBox="1"/>
+          <p:nvPr/>
+        </p:nvSpPr>
+        <p:spPr>
+          <a:xfrm>
+            <a:off x="5221862" y="1719618"/>
+            <a:ext cx="5948831" cy="4334629"/>
+          </a:xfrm>
+          <a:prstGeom prst="rect">
+            <a:avLst/>
+          </a:prstGeom>
+        </p:spPr>
+        <p:txBody>
+          <a:bodyPr vert="horz" lIns="91440" tIns="45720" rIns="91440" bIns="45720" rtlCol="0" anchor="ctr">
+            <a:normAutofit/>
+          </a:bodyPr>
+          <a:lstStyle/>
+          <a:p>
+            <a:pPr indent="-228600">
+              <a:lnSpc>
+                <a:spcPct val="90000"/>
+              </a:lnSpc>
+              <a:spcAft>
+                <a:spcPts val="600"/>
+              </a:spcAft>
+              <a:buFont typeface="Arial" panose="020B0604020202020204" pitchFamily="34" charset="0"/>
+              <a:buChar char="•"/>
+            </a:pPr>
+            <a:r>
+              <a:rPr lang="en-US" sz="2200">
+                <a:solidFill>
+                  <a:srgbClr val="FEFFFF"/>
+                </a:solidFill>
+              </a:rPr>
+              <a:t> </a:t>
+            </a:r>
+            <a:r>
+              <a:rPr lang="en-US" sz="2200" b="1">
+                <a:solidFill>
+                  <a:srgbClr val="FEFFFF"/>
+                </a:solidFill>
+              </a:rPr>
+              <a:t>Roxo</a:t>
+            </a:r>
+            <a:r>
+              <a:rPr lang="en-US" sz="2200">
+                <a:solidFill>
+                  <a:srgbClr val="FEFFFF"/>
+                </a:solidFill>
+              </a:rPr>
+              <a:t> = </a:t>
+            </a:r>
+            <a:r>
+              <a:rPr lang="en-US" sz="2200" b="0" i="0">
+                <a:solidFill>
+                  <a:srgbClr val="FEFFFF"/>
+                </a:solidFill>
+                <a:effectLst/>
+              </a:rPr>
+              <a:t>conhecido como </a:t>
+            </a:r>
+            <a:r>
+              <a:rPr lang="en-US" sz="2200" b="1">
+                <a:solidFill>
+                  <a:srgbClr val="FEFFFF"/>
+                </a:solidFill>
+              </a:rPr>
+              <a:t>cor </a:t>
+            </a:r>
+            <a:r>
+              <a:rPr lang="en-US" sz="2200" b="0" i="0">
+                <a:solidFill>
+                  <a:srgbClr val="FEFFFF"/>
+                </a:solidFill>
+                <a:effectLst/>
+              </a:rPr>
+              <a:t>da realeza e nobreza, também pode ser associado a  respeito e sabedoria.</a:t>
+            </a:r>
+          </a:p>
+          <a:p>
+            <a:pPr indent="-228600">
+              <a:lnSpc>
+                <a:spcPct val="90000"/>
+              </a:lnSpc>
+              <a:spcAft>
+                <a:spcPts val="600"/>
+              </a:spcAft>
+              <a:buFont typeface="Arial" panose="020B0604020202020204" pitchFamily="34" charset="0"/>
+              <a:buChar char="•"/>
+            </a:pPr>
+            <a:endParaRPr lang="en-US" sz="2200">
+              <a:solidFill>
+                <a:srgbClr val="FEFFFF"/>
+              </a:solidFill>
+            </a:endParaRPr>
+          </a:p>
+          <a:p>
+            <a:pPr indent="-228600">
+              <a:lnSpc>
+                <a:spcPct val="90000"/>
+              </a:lnSpc>
+              <a:spcAft>
+                <a:spcPts val="600"/>
+              </a:spcAft>
+              <a:buFont typeface="Arial" panose="020B0604020202020204" pitchFamily="34" charset="0"/>
+              <a:buChar char="•"/>
+            </a:pPr>
+            <a:r>
+              <a:rPr lang="en-US" sz="2200" b="1">
+                <a:solidFill>
+                  <a:srgbClr val="FEFFFF"/>
+                </a:solidFill>
+              </a:rPr>
+              <a:t>Amarelo</a:t>
+            </a:r>
+            <a:r>
+              <a:rPr lang="en-US" sz="2200">
+                <a:solidFill>
+                  <a:srgbClr val="FEFFFF"/>
+                </a:solidFill>
+              </a:rPr>
+              <a:t> = </a:t>
+            </a:r>
+            <a:r>
+              <a:rPr lang="en-US" sz="2200" b="0" i="0">
+                <a:solidFill>
+                  <a:srgbClr val="FEFFFF"/>
+                </a:solidFill>
+                <a:effectLst/>
+              </a:rPr>
+              <a:t>O </a:t>
+            </a:r>
+            <a:r>
+              <a:rPr lang="en-US" sz="2200" b="1" i="0">
+                <a:solidFill>
+                  <a:srgbClr val="FEFFFF"/>
+                </a:solidFill>
+                <a:effectLst/>
+              </a:rPr>
+              <a:t>amarelo</a:t>
+            </a:r>
+            <a:r>
+              <a:rPr lang="en-US" sz="2200" b="0" i="0">
+                <a:solidFill>
+                  <a:srgbClr val="FEFFFF"/>
+                </a:solidFill>
+                <a:effectLst/>
+              </a:rPr>
+              <a:t> simboliza o sol, o verão, a prosperidade e a felicidade, também pode ser associado á otimismo e alegria.</a:t>
+            </a:r>
+          </a:p>
+          <a:p>
+            <a:pPr indent="-228600">
+              <a:lnSpc>
+                <a:spcPct val="90000"/>
+              </a:lnSpc>
+              <a:spcAft>
+                <a:spcPts val="600"/>
+              </a:spcAft>
+              <a:buFont typeface="Arial" panose="020B0604020202020204" pitchFamily="34" charset="0"/>
+              <a:buChar char="•"/>
+            </a:pPr>
+            <a:endParaRPr lang="en-US" sz="2200">
+              <a:solidFill>
+                <a:srgbClr val="FEFFFF"/>
+              </a:solidFill>
+            </a:endParaRPr>
+          </a:p>
+          <a:p>
+            <a:pPr indent="-228600">
+              <a:lnSpc>
+                <a:spcPct val="90000"/>
+              </a:lnSpc>
+              <a:spcAft>
+                <a:spcPts val="600"/>
+              </a:spcAft>
+              <a:buFont typeface="Arial" panose="020B0604020202020204" pitchFamily="34" charset="0"/>
+              <a:buChar char="•"/>
+            </a:pPr>
+            <a:r>
+              <a:rPr lang="en-US" sz="2200" b="1">
+                <a:solidFill>
+                  <a:srgbClr val="FEFFFF"/>
+                </a:solidFill>
+              </a:rPr>
+              <a:t>Preto</a:t>
+            </a:r>
+            <a:r>
+              <a:rPr lang="en-US" sz="2200">
+                <a:solidFill>
+                  <a:srgbClr val="FEFFFF"/>
+                </a:solidFill>
+              </a:rPr>
+              <a:t> = </a:t>
+            </a:r>
+            <a:r>
+              <a:rPr lang="en-US" sz="2200" b="0" i="0">
+                <a:solidFill>
+                  <a:srgbClr val="FEFFFF"/>
+                </a:solidFill>
+                <a:effectLst/>
+              </a:rPr>
+              <a:t> Tende-se a ser associada à elegância e força, também indica poder.</a:t>
+            </a:r>
+          </a:p>
+          <a:p>
+            <a:pPr indent="-228600">
+              <a:lnSpc>
+                <a:spcPct val="90000"/>
+              </a:lnSpc>
+              <a:spcAft>
+                <a:spcPts val="600"/>
+              </a:spcAft>
+              <a:buFont typeface="Arial" panose="020B0604020202020204" pitchFamily="34" charset="0"/>
+              <a:buChar char="•"/>
+            </a:pPr>
+            <a:endParaRPr lang="en-US" sz="2200">
+              <a:solidFill>
+                <a:srgbClr val="FEFFFF"/>
+              </a:solidFill>
+            </a:endParaRPr>
+          </a:p>
+          <a:p>
+            <a:pPr indent="-228600">
+              <a:lnSpc>
+                <a:spcPct val="90000"/>
+              </a:lnSpc>
+              <a:spcAft>
+                <a:spcPts val="600"/>
+              </a:spcAft>
+              <a:buFont typeface="Arial" panose="020B0604020202020204" pitchFamily="34" charset="0"/>
+              <a:buChar char="•"/>
+            </a:pPr>
+            <a:r>
+              <a:rPr lang="en-US" sz="2200" b="1">
+                <a:solidFill>
+                  <a:srgbClr val="FEFFFF"/>
+                </a:solidFill>
+              </a:rPr>
+              <a:t>Cinza</a:t>
+            </a:r>
+            <a:r>
+              <a:rPr lang="en-US" sz="2200">
+                <a:solidFill>
+                  <a:srgbClr val="FEFFFF"/>
+                </a:solidFill>
+              </a:rPr>
+              <a:t> = O cinza representa a </a:t>
+            </a:r>
+            <a:r>
+              <a:rPr lang="en-US" sz="2200" i="0">
+                <a:solidFill>
+                  <a:srgbClr val="FEFFFF"/>
+                </a:solidFill>
+                <a:effectLst/>
+              </a:rPr>
+              <a:t>elegância</a:t>
+            </a:r>
+            <a:r>
+              <a:rPr lang="en-US" sz="2200">
+                <a:solidFill>
+                  <a:srgbClr val="FEFFFF"/>
+                </a:solidFill>
+              </a:rPr>
+              <a:t>.</a:t>
+            </a:r>
+          </a:p>
+        </p:txBody>
+      </p:sp>
+    </p:spTree>
+    <p:extLst>
+      <p:ext uri="{BB962C8B-B14F-4D97-AF65-F5344CB8AC3E}">
+        <p14:creationId xmlns:p14="http://schemas.microsoft.com/office/powerpoint/2010/main" val="1241717402"/>
+      </p:ext>
+    </p:extLst>
+  </p:cSld>
+  <p:clrMapOvr>
+    <a:masterClrMapping/>
+  </p:clrMapOvr>
+</p:sld>
+</file>
+
+<file path=ppt/slides/slide5.xml><?xml version="1.0" encoding="utf-8"?>
+<p:sld xmlns:a="http://schemas.openxmlformats.org/drawingml/2006/main" xmlns:r="http://schemas.openxmlformats.org/officeDocument/2006/relationships" xmlns:p="http://schemas.openxmlformats.org/presentationml/2006/main">
+  <p:cSld>
+    <p:bg>
+      <p:bgPr>
+        <a:solidFill>
+          <a:schemeClr val="bg1"/>
+        </a:solidFill>
+        <a:effectLst/>
+      </p:bgPr>
+    </p:bg>
+    <p:spTree>
+      <p:nvGrpSpPr>
+        <p:cNvPr id="1" name=""/>
+        <p:cNvGrpSpPr/>
+        <p:nvPr/>
+      </p:nvGrpSpPr>
+      <p:grpSpPr>
+        <a:xfrm>
+          <a:off x="0" y="0"/>
+          <a:ext cx="0" cy="0"/>
+          <a:chOff x="0" y="0"/>
+          <a:chExt cx="0" cy="0"/>
+        </a:xfrm>
+      </p:grpSpPr>
+      <p:sp>
+        <p:nvSpPr>
+          <p:cNvPr id="2" name="Título 1">
+            <a:extLst>
+              <a:ext uri="{FF2B5EF4-FFF2-40B4-BE49-F238E27FC236}">
+                <a16:creationId xmlns:a16="http://schemas.microsoft.com/office/drawing/2014/main" id="{9C8C93C8-4ADF-4D78-9374-58D4CE391B64}"/>
+              </a:ext>
+            </a:extLst>
+          </p:cNvPr>
+          <p:cNvSpPr>
+            <a:spLocks noGrp="1"/>
+          </p:cNvSpPr>
+          <p:nvPr>
+            <p:ph type="title"/>
+          </p:nvPr>
+        </p:nvSpPr>
+        <p:spPr>
+          <a:xfrm>
+            <a:off x="519545" y="621792"/>
+            <a:ext cx="5181503" cy="5504688"/>
+          </a:xfrm>
+        </p:spPr>
+        <p:txBody>
+          <a:bodyPr vert="horz" lIns="91440" tIns="45720" rIns="91440" bIns="45720" rtlCol="0" anchor="ctr">
+            <a:normAutofit/>
+          </a:bodyPr>
+          <a:lstStyle/>
+          <a:p>
+            <a:r>
+              <a:rPr lang="en-US" sz="4800" b="1" i="1" u="sng" kern="1200" dirty="0" err="1">
+                <a:solidFill>
+                  <a:schemeClr val="tx1"/>
+                </a:solidFill>
+                <a:latin typeface="+mj-lt"/>
+                <a:ea typeface="+mj-ea"/>
+                <a:cs typeface="+mj-cs"/>
+              </a:rPr>
+              <a:t>Valores</a:t>
+            </a:r>
+            <a:r>
+              <a:rPr lang="en-US" sz="4800" b="1" i="1" u="sng" kern="1200" dirty="0">
+                <a:solidFill>
+                  <a:schemeClr val="tx1"/>
+                </a:solidFill>
+                <a:latin typeface="+mj-lt"/>
+                <a:ea typeface="+mj-ea"/>
+                <a:cs typeface="+mj-cs"/>
+              </a:rPr>
+              <a:t> </a:t>
+            </a:r>
+            <a:r>
+              <a:rPr lang="en-US" sz="4800" b="1" i="1" u="sng" kern="1200" dirty="0" err="1">
+                <a:solidFill>
+                  <a:schemeClr val="tx1"/>
+                </a:solidFill>
+                <a:latin typeface="+mj-lt"/>
+                <a:ea typeface="+mj-ea"/>
+                <a:cs typeface="+mj-cs"/>
+              </a:rPr>
+              <a:t>Agregados</a:t>
+            </a:r>
+            <a:r>
+              <a:rPr lang="en-US" sz="4800" b="1" i="1" u="sng" kern="1200" dirty="0">
+                <a:solidFill>
+                  <a:schemeClr val="tx1"/>
+                </a:solidFill>
+                <a:latin typeface="+mj-lt"/>
+                <a:ea typeface="+mj-ea"/>
+                <a:cs typeface="+mj-cs"/>
+              </a:rPr>
+              <a:t> </a:t>
+            </a:r>
+          </a:p>
+        </p:txBody>
+      </p:sp>
+      <p:sp>
+        <p:nvSpPr>
+          <p:cNvPr id="12" name="Rectangle 11">
+            <a:extLst>
+              <a:ext uri="{FF2B5EF4-FFF2-40B4-BE49-F238E27FC236}">
+                <a16:creationId xmlns:a16="http://schemas.microsoft.com/office/drawing/2014/main" id="{2F56F8EA-3356-4455-9899-320874F6E465}"/>
+              </a:ext>
+              <a:ext uri="{C183D7F6-B498-43B3-948B-1728B52AA6E4}">
+                <adec:decorative xmlns:adec="http://schemas.microsoft.com/office/drawing/2017/decorative" val="1"/>
+              </a:ext>
+            </a:extLst>
+          </p:cNvPr>
+          <p:cNvSpPr>
+            <a:spLocks noGrp="1" noRot="1" noChangeAspect="1" noMove="1" noResize="1" noEditPoints="1" noAdjustHandles="1" noChangeArrowheads="1" noChangeShapeType="1" noTextEdit="1"/>
+          </p:cNvSpPr>
+          <p:nvPr>
+            <p:extLst>
+              <p:ext uri="{386F3935-93C4-4BCD-93E2-E3B085C9AB24}">
+                <p16:designElem xmlns:p16="http://schemas.microsoft.com/office/powerpoint/2015/main" val="1"/>
+              </p:ext>
+            </p:extLst>
+          </p:nvPr>
+        </p:nvSpPr>
+        <p:spPr>
+          <a:xfrm>
+            <a:off x="0" y="0"/>
+            <a:ext cx="126124" cy="6858000"/>
+          </a:xfrm>
+          <a:prstGeom prst="rect">
+            <a:avLst/>
+          </a:prstGeom>
+          <a:solidFill>
+            <a:srgbClr val="4472C4"/>
+          </a:solidFill>
+          <a:ln w="12700" cap="flat" cmpd="sng" algn="ctr">
+            <a:noFill/>
+            <a:prstDash val="solid"/>
+            <a:miter lim="800000"/>
+          </a:ln>
+          <a:effectLst/>
+        </p:spPr>
+        <p:txBody>
+          <a:bodyPr rtlCol="0" anchor="ctr"/>
+          <a:lstStyle/>
+          <a:p>
+            <a:pPr marL="0" marR="0" lvl="0" indent="0" algn="ctr" defTabSz="914400" eaLnBrk="1" fontAlgn="auto" latinLnBrk="0" hangingPunct="1">
+              <a:lnSpc>
+                <a:spcPct val="100000"/>
+              </a:lnSpc>
+              <a:spcBef>
+                <a:spcPts val="0"/>
+              </a:spcBef>
+              <a:spcAft>
+                <a:spcPts val="0"/>
+              </a:spcAft>
+              <a:buClrTx/>
+              <a:buSzTx/>
+              <a:buFontTx/>
+              <a:buNone/>
+              <a:tabLst/>
+              <a:defRPr/>
+            </a:pPr>
+            <a:endParaRPr kumimoji="0" lang="en-US" sz="1800" b="1" i="0" u="none" strike="noStrike" kern="0" cap="none" spc="0" normalizeH="0" baseline="0" noProof="0" dirty="0">
+              <a:ln>
+                <a:noFill/>
+              </a:ln>
+              <a:solidFill>
+                <a:prstClr val="white"/>
+              </a:solidFill>
+              <a:effectLst/>
+              <a:uLnTx/>
+              <a:uFillTx/>
+              <a:latin typeface="Calibri" panose="020F0502020204030204"/>
+              <a:ea typeface="+mn-ea"/>
+              <a:cs typeface="+mn-cs"/>
+            </a:endParaRPr>
+          </a:p>
+        </p:txBody>
+      </p:sp>
+      <p:graphicFrame>
+        <p:nvGraphicFramePr>
+          <p:cNvPr id="8" name="CaixaDeTexto 5">
+            <a:extLst>
+              <a:ext uri="{FF2B5EF4-FFF2-40B4-BE49-F238E27FC236}">
+                <a16:creationId xmlns:a16="http://schemas.microsoft.com/office/drawing/2014/main" id="{F2B6D105-B4BE-4464-BD60-A784DADC71B3}"/>
+              </a:ext>
+            </a:extLst>
+          </p:cNvPr>
+          <p:cNvGraphicFramePr/>
+          <p:nvPr>
+            <p:extLst>
+              <p:ext uri="{D42A27DB-BD31-4B8C-83A1-F6EECF244321}">
+                <p14:modId xmlns:p14="http://schemas.microsoft.com/office/powerpoint/2010/main" val="1872240750"/>
+              </p:ext>
+            </p:extLst>
+          </p:nvPr>
+        </p:nvGraphicFramePr>
+        <p:xfrm>
+          <a:off x="6099048" y="621792"/>
+          <a:ext cx="5257800" cy="5504688"/>
+        </p:xfrm>
+        <a:graphic>
+          <a:graphicData uri="http://schemas.openxmlformats.org/drawingml/2006/diagram">
+            <dgm:relIds xmlns:dgm="http://schemas.openxmlformats.org/drawingml/2006/diagram" xmlns:r="http://schemas.openxmlformats.org/officeDocument/2006/relationships" r:dm="rId2" r:lo="rId3" r:qs="rId4" r:cs="rId5"/>
+          </a:graphicData>
+        </a:graphic>
+      </p:graphicFrame>
+    </p:spTree>
+    <p:extLst>
+      <p:ext uri="{BB962C8B-B14F-4D97-AF65-F5344CB8AC3E}">
+        <p14:creationId xmlns:p14="http://schemas.microsoft.com/office/powerpoint/2010/main" val="3317101909"/>
+      </p:ext>
+    </p:extLst>
+  </p:cSld>
+  <p:clrMapOvr>
+    <a:masterClrMapping/>
+  </p:clrMapOvr>
+</p:sld>
+</file>
+
+<file path=ppt/slides/slide6.xml><?xml version="1.0" encoding="utf-8"?>
+<p:sld xmlns:a="http://schemas.openxmlformats.org/drawingml/2006/main" xmlns:r="http://schemas.openxmlformats.org/officeDocument/2006/relationships" xmlns:p="http://schemas.openxmlformats.org/presentationml/2006/main">
+  <p:cSld>
+    <p:bg>
+      <p:bgPr>
+        <a:solidFill>
+          <a:schemeClr val="bg1"/>
+        </a:solidFill>
+        <a:effectLst/>
+      </p:bgPr>
+    </p:bg>
+    <p:spTree>
+      <p:nvGrpSpPr>
+        <p:cNvPr id="1" name=""/>
+        <p:cNvGrpSpPr/>
+        <p:nvPr/>
+      </p:nvGrpSpPr>
+      <p:grpSpPr>
+        <a:xfrm>
+          <a:off x="0" y="0"/>
+          <a:ext cx="0" cy="0"/>
+          <a:chOff x="0" y="0"/>
+          <a:chExt cx="0" cy="0"/>
+        </a:xfrm>
+      </p:grpSpPr>
+      <p:sp useBgFill="1">
+        <p:nvSpPr>
+          <p:cNvPr id="32" name="Rectangle 20">
+            <a:extLst>
+              <a:ext uri="{FF2B5EF4-FFF2-40B4-BE49-F238E27FC236}">
+                <a16:creationId xmlns:a16="http://schemas.microsoft.com/office/drawing/2014/main" id="{C475749F-F487-4EFB-ABC7-C1359590EB76}"/>
               </a:ext>
               <a:ext uri="{C183D7F6-B498-43B3-948B-1728B52AA6E4}">
                 <adec:decorative xmlns:adec="http://schemas.microsoft.com/office/drawing/2017/decorative" val="1"/>
@@ -3703,59 +8005,205 @@
           </a:p>
         </p:txBody>
       </p:sp>
-      <p:pic>
-        <p:nvPicPr>
-          <p:cNvPr id="5" name="Picture 2" descr="Contextualização do Tema TCC: como exemplo, exemplo e significado">
+      <p:sp>
+        <p:nvSpPr>
+          <p:cNvPr id="33" name="Freeform 5">
             <a:extLst>
               <a:ext uri="{FF2B5EF4-FFF2-40B4-BE49-F238E27FC236}">
-                <a16:creationId xmlns:a16="http://schemas.microsoft.com/office/drawing/2014/main" id="{6D07E63F-A2EF-46AF-BB72-392573B694CC}"/>
+                <a16:creationId xmlns:a16="http://schemas.microsoft.com/office/drawing/2014/main" id="{F6285A5F-6712-47A0-8A11-F0DFF60D0D20}"/>
+              </a:ext>
+              <a:ext uri="{C183D7F6-B498-43B3-948B-1728B52AA6E4}">
+                <adec:decorative xmlns:adec="http://schemas.microsoft.com/office/drawing/2017/decorative" val="1"/>
               </a:ext>
             </a:extLst>
           </p:cNvPr>
-          <p:cNvPicPr>
-            <a:picLocks noGrp="1" noChangeAspect="1" noChangeArrowheads="1"/>
-          </p:cNvPicPr>
+          <p:cNvSpPr>
+            <a:spLocks noGrp="1" noRot="1" noChangeAspect="1" noMove="1" noResize="1" noEditPoints="1" noAdjustHandles="1" noChangeArrowheads="1" noChangeShapeType="1" noTextEdit="1"/>
+          </p:cNvSpPr>
           <p:nvPr>
-            <p:ph idx="1"/>
+            <p:extLst>
+              <p:ext uri="{386F3935-93C4-4BCD-93E2-E3B085C9AB24}">
+                <p16:designElem xmlns:p16="http://schemas.microsoft.com/office/powerpoint/2015/main" val="1"/>
+              </p:ext>
+            </p:extLst>
           </p:nvPr>
-        </p:nvPicPr>
-        <p:blipFill rotWithShape="1">
-          <a:blip r:embed="rId2">
-            <a:extLst>
-              <a:ext uri="{28A0092B-C50C-407E-A947-70E740481C1C}">
-                <a14:useLocalDpi xmlns:a14="http://schemas.microsoft.com/office/drawing/2010/main" val="0"/>
-              </a:ext>
-            </a:extLst>
-          </a:blip>
-          <a:srcRect l="15593" t="9091" r="32698"/>
-          <a:stretch/>
-        </p:blipFill>
+        </p:nvSpPr>
         <p:spPr bwMode="auto">
           <a:xfrm>
-            <a:off x="3523488" y="10"/>
-            <a:ext cx="8668512" cy="6857990"/>
+            <a:off x="7276856" y="1645695"/>
+            <a:ext cx="4418320" cy="3877280"/>
           </a:xfrm>
-          <a:prstGeom prst="rect">
+          <a:custGeom>
             <a:avLst/>
-          </a:prstGeom>
+            <a:gdLst>
+              <a:gd name="T0" fmla="*/ 781 w 1099"/>
+              <a:gd name="T1" fmla="*/ 0 h 968"/>
+              <a:gd name="T2" fmla="*/ 318 w 1099"/>
+              <a:gd name="T3" fmla="*/ 0 h 968"/>
+              <a:gd name="T4" fmla="*/ 246 w 1099"/>
+              <a:gd name="T5" fmla="*/ 42 h 968"/>
+              <a:gd name="T6" fmla="*/ 15 w 1099"/>
+              <a:gd name="T7" fmla="*/ 443 h 968"/>
+              <a:gd name="T8" fmla="*/ 15 w 1099"/>
+              <a:gd name="T9" fmla="*/ 525 h 968"/>
+              <a:gd name="T10" fmla="*/ 246 w 1099"/>
+              <a:gd name="T11" fmla="*/ 926 h 968"/>
+              <a:gd name="T12" fmla="*/ 318 w 1099"/>
+              <a:gd name="T13" fmla="*/ 968 h 968"/>
+              <a:gd name="T14" fmla="*/ 781 w 1099"/>
+              <a:gd name="T15" fmla="*/ 968 h 968"/>
+              <a:gd name="T16" fmla="*/ 852 w 1099"/>
+              <a:gd name="T17" fmla="*/ 926 h 968"/>
+              <a:gd name="T18" fmla="*/ 1084 w 1099"/>
+              <a:gd name="T19" fmla="*/ 525 h 968"/>
+              <a:gd name="T20" fmla="*/ 1084 w 1099"/>
+              <a:gd name="T21" fmla="*/ 443 h 968"/>
+              <a:gd name="T22" fmla="*/ 852 w 1099"/>
+              <a:gd name="T23" fmla="*/ 42 h 968"/>
+              <a:gd name="T24" fmla="*/ 781 w 1099"/>
+              <a:gd name="T25" fmla="*/ 0 h 968"/>
+            </a:gdLst>
+            <a:ahLst/>
+            <a:cxnLst>
+              <a:cxn ang="0">
+                <a:pos x="T0" y="T1"/>
+              </a:cxn>
+              <a:cxn ang="0">
+                <a:pos x="T2" y="T3"/>
+              </a:cxn>
+              <a:cxn ang="0">
+                <a:pos x="T4" y="T5"/>
+              </a:cxn>
+              <a:cxn ang="0">
+                <a:pos x="T6" y="T7"/>
+              </a:cxn>
+              <a:cxn ang="0">
+                <a:pos x="T8" y="T9"/>
+              </a:cxn>
+              <a:cxn ang="0">
+                <a:pos x="T10" y="T11"/>
+              </a:cxn>
+              <a:cxn ang="0">
+                <a:pos x="T12" y="T13"/>
+              </a:cxn>
+              <a:cxn ang="0">
+                <a:pos x="T14" y="T15"/>
+              </a:cxn>
+              <a:cxn ang="0">
+                <a:pos x="T16" y="T17"/>
+              </a:cxn>
+              <a:cxn ang="0">
+                <a:pos x="T18" y="T19"/>
+              </a:cxn>
+              <a:cxn ang="0">
+                <a:pos x="T20" y="T21"/>
+              </a:cxn>
+              <a:cxn ang="0">
+                <a:pos x="T22" y="T23"/>
+              </a:cxn>
+              <a:cxn ang="0">
+                <a:pos x="T24" y="T25"/>
+              </a:cxn>
+            </a:cxnLst>
+            <a:rect l="0" t="0" r="r" b="b"/>
+            <a:pathLst>
+              <a:path w="1099" h="968">
+                <a:moveTo>
+                  <a:pt x="781" y="0"/>
+                </a:moveTo>
+                <a:cubicBezTo>
+                  <a:pt x="318" y="0"/>
+                  <a:pt x="318" y="0"/>
+                  <a:pt x="318" y="0"/>
+                </a:cubicBezTo>
+                <a:cubicBezTo>
+                  <a:pt x="288" y="0"/>
+                  <a:pt x="261" y="16"/>
+                  <a:pt x="246" y="42"/>
+                </a:cubicBezTo>
+                <a:cubicBezTo>
+                  <a:pt x="15" y="443"/>
+                  <a:pt x="15" y="443"/>
+                  <a:pt x="15" y="443"/>
+                </a:cubicBezTo>
+                <a:cubicBezTo>
+                  <a:pt x="0" y="468"/>
+                  <a:pt x="0" y="500"/>
+                  <a:pt x="15" y="525"/>
+                </a:cubicBezTo>
+                <a:cubicBezTo>
+                  <a:pt x="246" y="926"/>
+                  <a:pt x="246" y="926"/>
+                  <a:pt x="246" y="926"/>
+                </a:cubicBezTo>
+                <a:cubicBezTo>
+                  <a:pt x="261" y="952"/>
+                  <a:pt x="288" y="968"/>
+                  <a:pt x="318" y="968"/>
+                </a:cubicBezTo>
+                <a:cubicBezTo>
+                  <a:pt x="781" y="968"/>
+                  <a:pt x="781" y="968"/>
+                  <a:pt x="781" y="968"/>
+                </a:cubicBezTo>
+                <a:cubicBezTo>
+                  <a:pt x="810" y="968"/>
+                  <a:pt x="838" y="952"/>
+                  <a:pt x="852" y="926"/>
+                </a:cubicBezTo>
+                <a:cubicBezTo>
+                  <a:pt x="1084" y="525"/>
+                  <a:pt x="1084" y="525"/>
+                  <a:pt x="1084" y="525"/>
+                </a:cubicBezTo>
+                <a:cubicBezTo>
+                  <a:pt x="1099" y="500"/>
+                  <a:pt x="1099" y="468"/>
+                  <a:pt x="1084" y="443"/>
+                </a:cubicBezTo>
+                <a:cubicBezTo>
+                  <a:pt x="852" y="42"/>
+                  <a:pt x="852" y="42"/>
+                  <a:pt x="852" y="42"/>
+                </a:cubicBezTo>
+                <a:cubicBezTo>
+                  <a:pt x="838" y="16"/>
+                  <a:pt x="810" y="0"/>
+                  <a:pt x="781" y="0"/>
+                </a:cubicBezTo>
+                <a:close/>
+              </a:path>
+            </a:pathLst>
+          </a:custGeom>
           <a:noFill/>
-          <a:extLst>
-            <a:ext uri="{909E8E84-426E-40DD-AFC4-6F175D3DCCD1}">
-              <a14:hiddenFill xmlns:a14="http://schemas.microsoft.com/office/drawing/2010/main">
-                <a:solidFill>
-                  <a:srgbClr val="FFFFFF"/>
-                </a:solidFill>
-              </a14:hiddenFill>
-            </a:ext>
-          </a:extLst>
+          <a:ln w="50800" cap="flat">
+            <a:solidFill>
+              <a:schemeClr val="tx1"/>
+            </a:solidFill>
+            <a:prstDash val="solid"/>
+            <a:miter lim="800000"/>
+            <a:headEnd/>
+            <a:tailEnd/>
+          </a:ln>
         </p:spPr>
-      </p:pic>
+        <p:txBody>
+          <a:bodyPr vert="horz" wrap="square" lIns="91440" tIns="45720" rIns="91440" bIns="45720" numCol="1" anchor="t" anchorCtr="0" compatLnSpc="1">
+            <a:prstTxWarp prst="textNoShape">
+              <a:avLst/>
+            </a:prstTxWarp>
+          </a:bodyPr>
+          <a:lstStyle/>
+          <a:p>
+            <a:endParaRPr lang="en-US" dirty="0"/>
+          </a:p>
+        </p:txBody>
+      </p:sp>
       <p:sp>
         <p:nvSpPr>
-          <p:cNvPr id="12" name="Rectangle 11">
+          <p:cNvPr id="34" name="Freeform: Shape 24">
             <a:extLst>
               <a:ext uri="{FF2B5EF4-FFF2-40B4-BE49-F238E27FC236}">
-                <a16:creationId xmlns:a16="http://schemas.microsoft.com/office/drawing/2014/main" id="{AB58EF07-17C2-48CF-ABB0-EEF1F17CB8F0}"/>
+                <a16:creationId xmlns:a16="http://schemas.microsoft.com/office/drawing/2014/main" id="{FA6F8ABB-6C5D-4349-9E1B-198D1ABFA804}"/>
               </a:ext>
               <a:ext uri="{C183D7F6-B498-43B3-948B-1728B52AA6E4}">
                 <adec:decorative xmlns:adec="http://schemas.microsoft.com/office/drawing/2017/decorative" val="1"/>
@@ -3775,34 +8223,153 @@
         </p:nvSpPr>
         <p:spPr>
           <a:xfrm>
-            <a:off x="3" y="0"/>
-            <a:ext cx="9339206" cy="6858000"/>
+            <a:off x="5952343" y="643383"/>
+            <a:ext cx="2926988" cy="2594434"/>
           </a:xfrm>
-          <a:prstGeom prst="rect">
+          <a:custGeom>
             <a:avLst/>
-          </a:prstGeom>
-          <a:gradFill>
-            <a:gsLst>
-              <a:gs pos="58000">
-                <a:schemeClr val="bg1"/>
-              </a:gs>
-              <a:gs pos="33000">
-                <a:schemeClr val="bg1">
-                  <a:alpha val="64000"/>
-                </a:schemeClr>
-              </a:gs>
-              <a:gs pos="0">
-                <a:schemeClr val="bg1">
-                  <a:alpha val="0"/>
-                </a:schemeClr>
-              </a:gs>
-              <a:gs pos="100000">
-                <a:schemeClr val="bg1"/>
-              </a:gs>
-            </a:gsLst>
-            <a:lin ang="10800000" scaled="0"/>
-          </a:gradFill>
-          <a:ln>
+            <a:gdLst>
+              <a:gd name="connsiteX0" fmla="*/ 853538 w 2991693"/>
+              <a:gd name="connsiteY0" fmla="*/ 0 h 2651787"/>
+              <a:gd name="connsiteX1" fmla="*/ 2141030 w 2991693"/>
+              <a:gd name="connsiteY1" fmla="*/ 0 h 2651787"/>
+              <a:gd name="connsiteX2" fmla="*/ 2324957 w 2991693"/>
+              <a:gd name="connsiteY2" fmla="*/ 103466 h 2651787"/>
+              <a:gd name="connsiteX3" fmla="*/ 2968702 w 2991693"/>
+              <a:gd name="connsiteY3" fmla="*/ 1218596 h 2651787"/>
+              <a:gd name="connsiteX4" fmla="*/ 2968702 w 2991693"/>
+              <a:gd name="connsiteY4" fmla="*/ 1433192 h 2651787"/>
+              <a:gd name="connsiteX5" fmla="*/ 2324957 w 2991693"/>
+              <a:gd name="connsiteY5" fmla="*/ 2548321 h 2651787"/>
+              <a:gd name="connsiteX6" fmla="*/ 2141030 w 2991693"/>
+              <a:gd name="connsiteY6" fmla="*/ 2651787 h 2651787"/>
+              <a:gd name="connsiteX7" fmla="*/ 853538 w 2991693"/>
+              <a:gd name="connsiteY7" fmla="*/ 2651787 h 2651787"/>
+              <a:gd name="connsiteX8" fmla="*/ 669612 w 2991693"/>
+              <a:gd name="connsiteY8" fmla="*/ 2548321 h 2651787"/>
+              <a:gd name="connsiteX9" fmla="*/ 25866 w 2991693"/>
+              <a:gd name="connsiteY9" fmla="*/ 1433192 h 2651787"/>
+              <a:gd name="connsiteX10" fmla="*/ 25866 w 2991693"/>
+              <a:gd name="connsiteY10" fmla="*/ 1218596 h 2651787"/>
+              <a:gd name="connsiteX11" fmla="*/ 669612 w 2991693"/>
+              <a:gd name="connsiteY11" fmla="*/ 103466 h 2651787"/>
+              <a:gd name="connsiteX12" fmla="*/ 853538 w 2991693"/>
+              <a:gd name="connsiteY12" fmla="*/ 0 h 2651787"/>
+            </a:gdLst>
+            <a:ahLst/>
+            <a:cxnLst>
+              <a:cxn ang="0">
+                <a:pos x="connsiteX0" y="connsiteY0"/>
+              </a:cxn>
+              <a:cxn ang="0">
+                <a:pos x="connsiteX1" y="connsiteY1"/>
+              </a:cxn>
+              <a:cxn ang="0">
+                <a:pos x="connsiteX2" y="connsiteY2"/>
+              </a:cxn>
+              <a:cxn ang="0">
+                <a:pos x="connsiteX3" y="connsiteY3"/>
+              </a:cxn>
+              <a:cxn ang="0">
+                <a:pos x="connsiteX4" y="connsiteY4"/>
+              </a:cxn>
+              <a:cxn ang="0">
+                <a:pos x="connsiteX5" y="connsiteY5"/>
+              </a:cxn>
+              <a:cxn ang="0">
+                <a:pos x="connsiteX6" y="connsiteY6"/>
+              </a:cxn>
+              <a:cxn ang="0">
+                <a:pos x="connsiteX7" y="connsiteY7"/>
+              </a:cxn>
+              <a:cxn ang="0">
+                <a:pos x="connsiteX8" y="connsiteY8"/>
+              </a:cxn>
+              <a:cxn ang="0">
+                <a:pos x="connsiteX9" y="connsiteY9"/>
+              </a:cxn>
+              <a:cxn ang="0">
+                <a:pos x="connsiteX10" y="connsiteY10"/>
+              </a:cxn>
+              <a:cxn ang="0">
+                <a:pos x="connsiteX11" y="connsiteY11"/>
+              </a:cxn>
+              <a:cxn ang="0">
+                <a:pos x="connsiteX12" y="connsiteY12"/>
+              </a:cxn>
+            </a:cxnLst>
+            <a:rect l="l" t="t" r="r" b="b"/>
+            <a:pathLst>
+              <a:path w="2991693" h="2651787">
+                <a:moveTo>
+                  <a:pt x="853538" y="0"/>
+                </a:moveTo>
+                <a:cubicBezTo>
+                  <a:pt x="2141030" y="0"/>
+                  <a:pt x="2141030" y="0"/>
+                  <a:pt x="2141030" y="0"/>
+                </a:cubicBezTo>
+                <a:cubicBezTo>
+                  <a:pt x="2206170" y="0"/>
+                  <a:pt x="2290471" y="45985"/>
+                  <a:pt x="2324957" y="103466"/>
+                </a:cubicBezTo>
+                <a:cubicBezTo>
+                  <a:pt x="2968702" y="1218596"/>
+                  <a:pt x="2968702" y="1218596"/>
+                  <a:pt x="2968702" y="1218596"/>
+                </a:cubicBezTo>
+                <a:cubicBezTo>
+                  <a:pt x="2999357" y="1279909"/>
+                  <a:pt x="2999357" y="1371878"/>
+                  <a:pt x="2968702" y="1433192"/>
+                </a:cubicBezTo>
+                <a:cubicBezTo>
+                  <a:pt x="2324957" y="2548321"/>
+                  <a:pt x="2324957" y="2548321"/>
+                  <a:pt x="2324957" y="2548321"/>
+                </a:cubicBezTo>
+                <a:cubicBezTo>
+                  <a:pt x="2290471" y="2605803"/>
+                  <a:pt x="2206170" y="2651787"/>
+                  <a:pt x="2141030" y="2651787"/>
+                </a:cubicBezTo>
+                <a:lnTo>
+                  <a:pt x="853538" y="2651787"/>
+                </a:lnTo>
+                <a:cubicBezTo>
+                  <a:pt x="784566" y="2651787"/>
+                  <a:pt x="700266" y="2605803"/>
+                  <a:pt x="669612" y="2548321"/>
+                </a:cubicBezTo>
+                <a:cubicBezTo>
+                  <a:pt x="25866" y="1433192"/>
+                  <a:pt x="25866" y="1433192"/>
+                  <a:pt x="25866" y="1433192"/>
+                </a:cubicBezTo>
+                <a:cubicBezTo>
+                  <a:pt x="-8621" y="1371878"/>
+                  <a:pt x="-8621" y="1279909"/>
+                  <a:pt x="25866" y="1218596"/>
+                </a:cubicBezTo>
+                <a:cubicBezTo>
+                  <a:pt x="669612" y="103466"/>
+                  <a:pt x="669612" y="103466"/>
+                  <a:pt x="669612" y="103466"/>
+                </a:cubicBezTo>
+                <a:cubicBezTo>
+                  <a:pt x="700266" y="45985"/>
+                  <a:pt x="784566" y="0"/>
+                  <a:pt x="853538" y="0"/>
+                </a:cubicBezTo>
+                <a:close/>
+              </a:path>
+            </a:pathLst>
+          </a:custGeom>
+          <a:solidFill>
+            <a:schemeClr val="tx1"/>
+          </a:solidFill>
+          <a:ln w="50800">
             <a:noFill/>
           </a:ln>
         </p:spPr>
@@ -3823,7 +8390,9 @@
           </a:fontRef>
         </p:style>
         <p:txBody>
-          <a:bodyPr rtlCol="0" anchor="ctr"/>
+          <a:bodyPr wrap="square" rtlCol="0" anchor="ctr">
+            <a:noAutofit/>
+          </a:bodyPr>
           <a:lstStyle/>
           <a:p>
             <a:pPr algn="ctr"/>
@@ -3833,114 +8402,10 @@
       </p:sp>
       <p:sp>
         <p:nvSpPr>
-          <p:cNvPr id="2" name="Título 1">
+          <p:cNvPr id="35" name="Freeform: Shape 26">
             <a:extLst>
               <a:ext uri="{FF2B5EF4-FFF2-40B4-BE49-F238E27FC236}">
-                <a16:creationId xmlns:a16="http://schemas.microsoft.com/office/drawing/2014/main" id="{A7CFC074-ECF6-4F02-8507-7976AFF55B46}"/>
-              </a:ext>
-            </a:extLst>
-          </p:cNvPr>
-          <p:cNvSpPr>
-            <a:spLocks noGrp="1"/>
-          </p:cNvSpPr>
-          <p:nvPr>
-            <p:ph type="title"/>
-          </p:nvPr>
-        </p:nvSpPr>
-        <p:spPr>
-          <a:xfrm>
-            <a:off x="477981" y="1122363"/>
-            <a:ext cx="4023360" cy="3204134"/>
-          </a:xfrm>
-        </p:spPr>
-        <p:txBody>
-          <a:bodyPr vert="horz" lIns="91440" tIns="45720" rIns="91440" bIns="45720" rtlCol="0" anchor="b">
-            <a:normAutofit/>
-          </a:bodyPr>
-          <a:lstStyle/>
-          <a:p>
-            <a:r>
-              <a:rPr lang="en-US" dirty="0" err="1"/>
-              <a:t>Contextualização</a:t>
-            </a:r>
-            <a:endParaRPr lang="en-US" dirty="0"/>
-          </a:p>
-        </p:txBody>
-      </p:sp>
-      <p:sp>
-        <p:nvSpPr>
-          <p:cNvPr id="14" name="Rectangle 13">
-            <a:extLst>
-              <a:ext uri="{FF2B5EF4-FFF2-40B4-BE49-F238E27FC236}">
-                <a16:creationId xmlns:a16="http://schemas.microsoft.com/office/drawing/2014/main" id="{AF2F604E-43BE-4DC3-B983-E071523364F8}"/>
-              </a:ext>
-              <a:ext uri="{C183D7F6-B498-43B3-948B-1728B52AA6E4}">
-                <adec:decorative xmlns:adec="http://schemas.microsoft.com/office/drawing/2017/decorative" val="1"/>
-              </a:ext>
-            </a:extLst>
-          </p:cNvPr>
-          <p:cNvSpPr>
-            <a:spLocks noGrp="1" noRot="1" noChangeAspect="1" noMove="1" noResize="1" noEditPoints="1" noAdjustHandles="1" noChangeArrowheads="1" noChangeShapeType="1" noTextEdit="1"/>
-          </p:cNvSpPr>
-          <p:nvPr>
-            <p:extLst>
-              <p:ext uri="{386F3935-93C4-4BCD-93E2-E3B085C9AB24}">
-                <p16:designElem xmlns:p16="http://schemas.microsoft.com/office/powerpoint/2015/main" val="1"/>
-              </p:ext>
-            </p:extLst>
-          </p:nvPr>
-        </p:nvSpPr>
-        <p:spPr>
-          <a:xfrm rot="5400000">
-            <a:off x="759921" y="346791"/>
-            <a:ext cx="146304" cy="704088"/>
-          </a:xfrm>
-          <a:prstGeom prst="rect">
-            <a:avLst/>
-          </a:prstGeom>
-          <a:solidFill>
-            <a:schemeClr val="accent2"/>
-          </a:solidFill>
-          <a:ln>
-            <a:noFill/>
-          </a:ln>
-        </p:spPr>
-        <p:style>
-          <a:lnRef idx="2">
-            <a:schemeClr val="accent1">
-              <a:shade val="50000"/>
-            </a:schemeClr>
-          </a:lnRef>
-          <a:fillRef idx="1">
-            <a:schemeClr val="accent1"/>
-          </a:fillRef>
-          <a:effectRef idx="0">
-            <a:schemeClr val="accent1"/>
-          </a:effectRef>
-          <a:fontRef idx="minor">
-            <a:schemeClr val="lt1"/>
-          </a:fontRef>
-        </p:style>
-        <p:txBody>
-          <a:bodyPr rtlCol="0" anchor="ctr"/>
-          <a:lstStyle/>
-          <a:p>
-            <a:pPr algn="ctr"/>
-            <a:endParaRPr lang="en-US">
-              <a:solidFill>
-                <a:prstClr val="white"/>
-              </a:solidFill>
-              <a:latin typeface="Calibri" panose="020F0502020204030204"/>
-            </a:endParaRPr>
-          </a:p>
-        </p:txBody>
-      </p:sp>
-      <p:sp>
-        <p:nvSpPr>
-          <p:cNvPr id="16" name="Rectangle 15">
-            <a:extLst>
-              <a:ext uri="{FF2B5EF4-FFF2-40B4-BE49-F238E27FC236}">
-                <a16:creationId xmlns:a16="http://schemas.microsoft.com/office/drawing/2014/main" id="{08C9B587-E65E-4B52-B37C-ABEBB6E87928}"/>
+                <a16:creationId xmlns:a16="http://schemas.microsoft.com/office/drawing/2014/main" id="{B971ABA8-4CDB-4EEE-8C48-AA4FDB650782}"/>
               </a:ext>
               <a:ext uri="{C183D7F6-B498-43B3-948B-1728B52AA6E4}">
                 <adec:decorative xmlns:adec="http://schemas.microsoft.com/office/drawing/2017/decorative" val="1"/>
@@ -3960,1559 +8425,163 @@
         </p:nvSpPr>
         <p:spPr>
           <a:xfrm>
-            <a:off x="481029" y="4546920"/>
-            <a:ext cx="3977640" cy="18288"/>
+            <a:off x="3" y="2071858"/>
+            <a:ext cx="8109718" cy="4786143"/>
           </a:xfrm>
-          <a:prstGeom prst="rect">
+          <a:custGeom>
             <a:avLst/>
-          </a:prstGeom>
-          <a:solidFill>
-            <a:schemeClr val="tx1"/>
-          </a:solidFill>
-          <a:ln w="3175">
-            <a:noFill/>
-          </a:ln>
-          <a:effectLst/>
-        </p:spPr>
-        <p:style>
-          <a:lnRef idx="2">
-            <a:schemeClr val="accent1">
-              <a:shade val="50000"/>
-            </a:schemeClr>
-          </a:lnRef>
-          <a:fillRef idx="1">
-            <a:schemeClr val="accent1"/>
-          </a:fillRef>
-          <a:effectRef idx="0">
-            <a:schemeClr val="accent1"/>
-          </a:effectRef>
-          <a:fontRef idx="minor">
-            <a:schemeClr val="lt1"/>
-          </a:fontRef>
-        </p:style>
-        <p:txBody>
-          <a:bodyPr rtlCol="0" anchor="ctr"/>
-          <a:lstStyle/>
-          <a:p>
-            <a:pPr marL="0" marR="0" lvl="0" indent="0" algn="ctr" defTabSz="914400" rtl="0" eaLnBrk="1" fontAlgn="auto" latinLnBrk="0" hangingPunct="1">
-              <a:lnSpc>
-                <a:spcPct val="100000"/>
-              </a:lnSpc>
-              <a:spcBef>
-                <a:spcPts val="0"/>
-              </a:spcBef>
-              <a:spcAft>
-                <a:spcPts val="0"/>
-              </a:spcAft>
-              <a:buClrTx/>
-              <a:buSzTx/>
-              <a:buFontTx/>
-              <a:buNone/>
-              <a:tabLst/>
-              <a:defRPr/>
-            </a:pPr>
-            <a:endParaRPr kumimoji="0" lang="en-US" sz="1800" b="0" i="0" u="none" strike="noStrike" kern="1200" cap="none" spc="0" normalizeH="0" baseline="0" noProof="0">
-              <a:ln>
-                <a:noFill/>
-              </a:ln>
-              <a:solidFill>
-                <a:prstClr val="white"/>
-              </a:solidFill>
-              <a:effectLst/>
-              <a:uLnTx/>
-              <a:uFillTx/>
-              <a:latin typeface="Calibri" panose="020F0502020204030204"/>
-              <a:ea typeface="+mn-ea"/>
-              <a:cs typeface="+mn-cs"/>
-            </a:endParaRPr>
-          </a:p>
-        </p:txBody>
-      </p:sp>
-    </p:spTree>
-    <p:extLst>
-      <p:ext uri="{BB962C8B-B14F-4D97-AF65-F5344CB8AC3E}">
-        <p14:creationId xmlns:p14="http://schemas.microsoft.com/office/powerpoint/2010/main" val="3245538460"/>
-      </p:ext>
-    </p:extLst>
-  </p:cSld>
-  <p:clrMapOvr>
-    <a:overrideClrMapping bg1="dk1" tx1="lt1" bg2="dk2" tx2="lt2" accent1="accent1" accent2="accent2" accent3="accent3" accent4="accent4" accent5="accent5" accent6="accent6" hlink="hlink" folHlink="folHlink"/>
-  </p:clrMapOvr>
-</p:sld>
-</file>
-
-<file path=ppt/slides/slide3.xml><?xml version="1.0" encoding="utf-8"?>
-<p:sld xmlns:a="http://schemas.openxmlformats.org/drawingml/2006/main" xmlns:r="http://schemas.openxmlformats.org/officeDocument/2006/relationships" xmlns:p="http://schemas.openxmlformats.org/presentationml/2006/main">
-  <p:cSld>
-    <p:bg>
-      <p:bgPr>
-        <a:solidFill>
-          <a:schemeClr val="bg1"/>
-        </a:solidFill>
-        <a:effectLst/>
-      </p:bgPr>
-    </p:bg>
-    <p:spTree>
-      <p:nvGrpSpPr>
-        <p:cNvPr id="1" name=""/>
-        <p:cNvGrpSpPr/>
-        <p:nvPr/>
-      </p:nvGrpSpPr>
-      <p:grpSpPr>
-        <a:xfrm>
-          <a:off x="0" y="0"/>
-          <a:ext cx="0" cy="0"/>
-          <a:chOff x="0" y="0"/>
-          <a:chExt cx="0" cy="0"/>
-        </a:xfrm>
-      </p:grpSpPr>
-      <p:sp useBgFill="1">
-        <p:nvSpPr>
-          <p:cNvPr id="43" name="Rectangle 42">
-            <a:extLst>
-              <a:ext uri="{FF2B5EF4-FFF2-40B4-BE49-F238E27FC236}">
-                <a16:creationId xmlns:a16="http://schemas.microsoft.com/office/drawing/2014/main" id="{0671A8AE-40A1-4631-A6B8-581AFF065482}"/>
-              </a:ext>
-              <a:ext uri="{C183D7F6-B498-43B3-948B-1728B52AA6E4}">
-                <adec:decorative xmlns:adec="http://schemas.microsoft.com/office/drawing/2017/decorative" val="1"/>
-              </a:ext>
-            </a:extLst>
-          </p:cNvPr>
-          <p:cNvSpPr>
-            <a:spLocks noGrp="1" noRot="1" noChangeAspect="1" noMove="1" noResize="1" noEditPoints="1" noAdjustHandles="1" noChangeArrowheads="1" noChangeShapeType="1" noTextEdit="1"/>
-          </p:cNvSpPr>
-          <p:nvPr>
-            <p:extLst>
-              <p:ext uri="{386F3935-93C4-4BCD-93E2-E3B085C9AB24}">
-                <p16:designElem xmlns:p16="http://schemas.microsoft.com/office/powerpoint/2015/main" val="1"/>
-              </p:ext>
-            </p:extLst>
-          </p:nvPr>
-        </p:nvSpPr>
-        <p:spPr>
-          <a:xfrm>
-            <a:off x="0" y="0"/>
-            <a:ext cx="12192000" cy="6858000"/>
-          </a:xfrm>
-          <a:prstGeom prst="rect">
-            <a:avLst/>
-          </a:prstGeom>
-          <a:ln>
-            <a:noFill/>
-          </a:ln>
-        </p:spPr>
-        <p:style>
-          <a:lnRef idx="2">
-            <a:schemeClr val="accent1">
-              <a:shade val="50000"/>
-            </a:schemeClr>
-          </a:lnRef>
-          <a:fillRef idx="1">
-            <a:schemeClr val="accent1"/>
-          </a:fillRef>
-          <a:effectRef idx="0">
-            <a:schemeClr val="accent1"/>
-          </a:effectRef>
-          <a:fontRef idx="minor">
-            <a:schemeClr val="lt1"/>
-          </a:fontRef>
-        </p:style>
-        <p:txBody>
-          <a:bodyPr rtlCol="0" anchor="ctr"/>
-          <a:lstStyle/>
-          <a:p>
-            <a:pPr algn="ctr"/>
-            <a:endParaRPr lang="en-US"/>
-          </a:p>
-        </p:txBody>
-      </p:sp>
-      <p:pic>
-        <p:nvPicPr>
-          <p:cNvPr id="4" name="Imagem 3" descr="Diagrama&#10;&#10;Descrição gerada automaticamente">
-            <a:extLst>
-              <a:ext uri="{FF2B5EF4-FFF2-40B4-BE49-F238E27FC236}">
-                <a16:creationId xmlns:a16="http://schemas.microsoft.com/office/drawing/2014/main" id="{92506A7C-A1D6-4969-A72A-7A504C407A59}"/>
-              </a:ext>
-            </a:extLst>
-          </p:cNvPr>
-          <p:cNvPicPr>
-            <a:picLocks noChangeAspect="1"/>
-          </p:cNvPicPr>
-          <p:nvPr/>
-        </p:nvPicPr>
-        <p:blipFill rotWithShape="1">
-          <a:blip r:embed="rId2"/>
-          <a:srcRect l="11863" r="45160" b="-1"/>
-          <a:stretch/>
-        </p:blipFill>
-        <p:spPr>
-          <a:xfrm>
-            <a:off x="3523488" y="10"/>
-            <a:ext cx="8668512" cy="6857990"/>
-          </a:xfrm>
-          <a:prstGeom prst="rect">
-            <a:avLst/>
-          </a:prstGeom>
-        </p:spPr>
-      </p:pic>
-      <p:sp>
-        <p:nvSpPr>
-          <p:cNvPr id="45" name="Rectangle 44">
-            <a:extLst>
-              <a:ext uri="{FF2B5EF4-FFF2-40B4-BE49-F238E27FC236}">
-                <a16:creationId xmlns:a16="http://schemas.microsoft.com/office/drawing/2014/main" id="{AB58EF07-17C2-48CF-ABB0-EEF1F17CB8F0}"/>
-              </a:ext>
-              <a:ext uri="{C183D7F6-B498-43B3-948B-1728B52AA6E4}">
-                <adec:decorative xmlns:adec="http://schemas.microsoft.com/office/drawing/2017/decorative" val="1"/>
-              </a:ext>
-            </a:extLst>
-          </p:cNvPr>
-          <p:cNvSpPr>
-            <a:spLocks noGrp="1" noRot="1" noChangeAspect="1" noMove="1" noResize="1" noEditPoints="1" noAdjustHandles="1" noChangeArrowheads="1" noChangeShapeType="1" noTextEdit="1"/>
-          </p:cNvSpPr>
-          <p:nvPr>
-            <p:extLst>
-              <p:ext uri="{386F3935-93C4-4BCD-93E2-E3B085C9AB24}">
-                <p16:designElem xmlns:p16="http://schemas.microsoft.com/office/powerpoint/2015/main" val="1"/>
-              </p:ext>
-            </p:extLst>
-          </p:nvPr>
-        </p:nvSpPr>
-        <p:spPr>
-          <a:xfrm>
-            <a:off x="3" y="0"/>
-            <a:ext cx="9339206" cy="6858000"/>
-          </a:xfrm>
-          <a:prstGeom prst="rect">
-            <a:avLst/>
-          </a:prstGeom>
-          <a:gradFill>
-            <a:gsLst>
-              <a:gs pos="58000">
-                <a:schemeClr val="bg1"/>
-              </a:gs>
-              <a:gs pos="33000">
-                <a:schemeClr val="bg1">
-                  <a:alpha val="64000"/>
-                </a:schemeClr>
-              </a:gs>
-              <a:gs pos="0">
-                <a:schemeClr val="bg1">
-                  <a:alpha val="0"/>
-                </a:schemeClr>
-              </a:gs>
-              <a:gs pos="100000">
-                <a:schemeClr val="bg1"/>
-              </a:gs>
-            </a:gsLst>
-            <a:lin ang="10800000" scaled="0"/>
-          </a:gradFill>
-          <a:ln>
-            <a:noFill/>
-          </a:ln>
-        </p:spPr>
-        <p:style>
-          <a:lnRef idx="2">
-            <a:schemeClr val="accent1">
-              <a:shade val="50000"/>
-            </a:schemeClr>
-          </a:lnRef>
-          <a:fillRef idx="1">
-            <a:schemeClr val="accent1"/>
-          </a:fillRef>
-          <a:effectRef idx="0">
-            <a:schemeClr val="accent1"/>
-          </a:effectRef>
-          <a:fontRef idx="minor">
-            <a:schemeClr val="lt1"/>
-          </a:fontRef>
-        </p:style>
-        <p:txBody>
-          <a:bodyPr rtlCol="0" anchor="ctr"/>
-          <a:lstStyle/>
-          <a:p>
-            <a:pPr algn="ctr"/>
-            <a:endParaRPr lang="en-US" dirty="0"/>
-          </a:p>
-        </p:txBody>
-      </p:sp>
-      <p:sp>
-        <p:nvSpPr>
-          <p:cNvPr id="2" name="Título 1">
-            <a:extLst>
-              <a:ext uri="{FF2B5EF4-FFF2-40B4-BE49-F238E27FC236}">
-                <a16:creationId xmlns:a16="http://schemas.microsoft.com/office/drawing/2014/main" id="{FD83D65F-C3BC-4D7C-A5F7-6297FD5E33D2}"/>
-              </a:ext>
-            </a:extLst>
-          </p:cNvPr>
-          <p:cNvSpPr>
-            <a:spLocks noGrp="1"/>
-          </p:cNvSpPr>
-          <p:nvPr>
-            <p:ph type="title"/>
-          </p:nvPr>
-        </p:nvSpPr>
-        <p:spPr>
-          <a:xfrm>
-            <a:off x="477981" y="1122363"/>
-            <a:ext cx="4023360" cy="3204134"/>
-          </a:xfrm>
-        </p:spPr>
-        <p:txBody>
-          <a:bodyPr vert="horz" lIns="91440" tIns="45720" rIns="91440" bIns="45720" rtlCol="0" anchor="b">
-            <a:normAutofit/>
-          </a:bodyPr>
-          <a:lstStyle/>
-          <a:p>
-            <a:r>
-              <a:rPr lang="en-US" sz="4800" u="sng"/>
-              <a:t>Objetivo</a:t>
-            </a:r>
-          </a:p>
-        </p:txBody>
-      </p:sp>
-      <p:sp>
-        <p:nvSpPr>
-          <p:cNvPr id="47" name="Rectangle 46">
-            <a:extLst>
-              <a:ext uri="{FF2B5EF4-FFF2-40B4-BE49-F238E27FC236}">
-                <a16:creationId xmlns:a16="http://schemas.microsoft.com/office/drawing/2014/main" id="{AF2F604E-43BE-4DC3-B983-E071523364F8}"/>
-              </a:ext>
-              <a:ext uri="{C183D7F6-B498-43B3-948B-1728B52AA6E4}">
-                <adec:decorative xmlns:adec="http://schemas.microsoft.com/office/drawing/2017/decorative" val="1"/>
-              </a:ext>
-            </a:extLst>
-          </p:cNvPr>
-          <p:cNvSpPr>
-            <a:spLocks noGrp="1" noRot="1" noChangeAspect="1" noMove="1" noResize="1" noEditPoints="1" noAdjustHandles="1" noChangeArrowheads="1" noChangeShapeType="1" noTextEdit="1"/>
-          </p:cNvSpPr>
-          <p:nvPr>
-            <p:extLst>
-              <p:ext uri="{386F3935-93C4-4BCD-93E2-E3B085C9AB24}">
-                <p16:designElem xmlns:p16="http://schemas.microsoft.com/office/powerpoint/2015/main" val="1"/>
-              </p:ext>
-            </p:extLst>
-          </p:nvPr>
-        </p:nvSpPr>
-        <p:spPr>
-          <a:xfrm rot="5400000">
-            <a:off x="759921" y="346791"/>
-            <a:ext cx="146304" cy="704088"/>
-          </a:xfrm>
-          <a:prstGeom prst="rect">
-            <a:avLst/>
-          </a:prstGeom>
-          <a:solidFill>
-            <a:schemeClr val="accent2"/>
-          </a:solidFill>
-          <a:ln>
-            <a:noFill/>
-          </a:ln>
-        </p:spPr>
-        <p:style>
-          <a:lnRef idx="2">
-            <a:schemeClr val="accent1">
-              <a:shade val="50000"/>
-            </a:schemeClr>
-          </a:lnRef>
-          <a:fillRef idx="1">
-            <a:schemeClr val="accent1"/>
-          </a:fillRef>
-          <a:effectRef idx="0">
-            <a:schemeClr val="accent1"/>
-          </a:effectRef>
-          <a:fontRef idx="minor">
-            <a:schemeClr val="lt1"/>
-          </a:fontRef>
-        </p:style>
-        <p:txBody>
-          <a:bodyPr rtlCol="0" anchor="ctr"/>
-          <a:lstStyle/>
-          <a:p>
-            <a:pPr algn="ctr"/>
-            <a:endParaRPr lang="en-US">
-              <a:solidFill>
-                <a:prstClr val="white"/>
-              </a:solidFill>
-              <a:latin typeface="Calibri" panose="020F0502020204030204"/>
-            </a:endParaRPr>
-          </a:p>
-        </p:txBody>
-      </p:sp>
-      <p:sp>
-        <p:nvSpPr>
-          <p:cNvPr id="53" name="Rectangle 48">
-            <a:extLst>
-              <a:ext uri="{FF2B5EF4-FFF2-40B4-BE49-F238E27FC236}">
-                <a16:creationId xmlns:a16="http://schemas.microsoft.com/office/drawing/2014/main" id="{08C9B587-E65E-4B52-B37C-ABEBB6E87928}"/>
-              </a:ext>
-              <a:ext uri="{C183D7F6-B498-43B3-948B-1728B52AA6E4}">
-                <adec:decorative xmlns:adec="http://schemas.microsoft.com/office/drawing/2017/decorative" val="1"/>
-              </a:ext>
-            </a:extLst>
-          </p:cNvPr>
-          <p:cNvSpPr>
-            <a:spLocks noGrp="1" noRot="1" noChangeAspect="1" noMove="1" noResize="1" noEditPoints="1" noAdjustHandles="1" noChangeArrowheads="1" noChangeShapeType="1" noTextEdit="1"/>
-          </p:cNvSpPr>
-          <p:nvPr>
-            <p:extLst>
-              <p:ext uri="{386F3935-93C4-4BCD-93E2-E3B085C9AB24}">
-                <p16:designElem xmlns:p16="http://schemas.microsoft.com/office/powerpoint/2015/main" val="1"/>
-              </p:ext>
-            </p:extLst>
-          </p:nvPr>
-        </p:nvSpPr>
-        <p:spPr>
-          <a:xfrm>
-            <a:off x="481029" y="4546920"/>
-            <a:ext cx="3977640" cy="18288"/>
-          </a:xfrm>
-          <a:prstGeom prst="rect">
-            <a:avLst/>
-          </a:prstGeom>
-          <a:solidFill>
-            <a:schemeClr val="tx1"/>
-          </a:solidFill>
-          <a:ln w="3175">
-            <a:noFill/>
-          </a:ln>
-          <a:effectLst/>
-        </p:spPr>
-        <p:style>
-          <a:lnRef idx="2">
-            <a:schemeClr val="accent1">
-              <a:shade val="50000"/>
-            </a:schemeClr>
-          </a:lnRef>
-          <a:fillRef idx="1">
-            <a:schemeClr val="accent1"/>
-          </a:fillRef>
-          <a:effectRef idx="0">
-            <a:schemeClr val="accent1"/>
-          </a:effectRef>
-          <a:fontRef idx="minor">
-            <a:schemeClr val="lt1"/>
-          </a:fontRef>
-        </p:style>
-        <p:txBody>
-          <a:bodyPr rtlCol="0" anchor="ctr"/>
-          <a:lstStyle/>
-          <a:p>
-            <a:pPr marL="0" marR="0" lvl="0" indent="0" algn="ctr" defTabSz="914400" rtl="0" eaLnBrk="1" fontAlgn="auto" latinLnBrk="0" hangingPunct="1">
-              <a:lnSpc>
-                <a:spcPct val="100000"/>
-              </a:lnSpc>
-              <a:spcBef>
-                <a:spcPts val="0"/>
-              </a:spcBef>
-              <a:spcAft>
-                <a:spcPts val="0"/>
-              </a:spcAft>
-              <a:buClrTx/>
-              <a:buSzTx/>
-              <a:buFontTx/>
-              <a:buNone/>
-              <a:tabLst/>
-              <a:defRPr/>
-            </a:pPr>
-            <a:endParaRPr kumimoji="0" lang="en-US" sz="1800" b="0" i="0" u="none" strike="noStrike" kern="1200" cap="none" spc="0" normalizeH="0" baseline="0" noProof="0">
-              <a:ln>
-                <a:noFill/>
-              </a:ln>
-              <a:solidFill>
-                <a:prstClr val="white"/>
-              </a:solidFill>
-              <a:effectLst/>
-              <a:uLnTx/>
-              <a:uFillTx/>
-              <a:latin typeface="Calibri" panose="020F0502020204030204"/>
-              <a:ea typeface="+mn-ea"/>
-              <a:cs typeface="+mn-cs"/>
-            </a:endParaRPr>
-          </a:p>
-        </p:txBody>
-      </p:sp>
-    </p:spTree>
-    <p:extLst>
-      <p:ext uri="{BB962C8B-B14F-4D97-AF65-F5344CB8AC3E}">
-        <p14:creationId xmlns:p14="http://schemas.microsoft.com/office/powerpoint/2010/main" val="1975109841"/>
-      </p:ext>
-    </p:extLst>
-  </p:cSld>
-  <p:clrMapOvr>
-    <a:overrideClrMapping bg1="dk1" tx1="lt1" bg2="dk2" tx2="lt2" accent1="accent1" accent2="accent2" accent3="accent3" accent4="accent4" accent5="accent5" accent6="accent6" hlink="hlink" folHlink="folHlink"/>
-  </p:clrMapOvr>
-</p:sld>
-</file>
-
-<file path=ppt/slides/slide4.xml><?xml version="1.0" encoding="utf-8"?>
-<p:sld xmlns:a="http://schemas.openxmlformats.org/drawingml/2006/main" xmlns:r="http://schemas.openxmlformats.org/officeDocument/2006/relationships" xmlns:p="http://schemas.openxmlformats.org/presentationml/2006/main">
-  <p:cSld>
-    <p:bg>
-      <p:bgPr>
-        <a:solidFill>
-          <a:schemeClr val="bg1"/>
-        </a:solidFill>
-        <a:effectLst/>
-      </p:bgPr>
-    </p:bg>
-    <p:spTree>
-      <p:nvGrpSpPr>
-        <p:cNvPr id="1" name=""/>
-        <p:cNvGrpSpPr/>
-        <p:nvPr/>
-      </p:nvGrpSpPr>
-      <p:grpSpPr>
-        <a:xfrm>
-          <a:off x="0" y="0"/>
-          <a:ext cx="0" cy="0"/>
-          <a:chOff x="0" y="0"/>
-          <a:chExt cx="0" cy="0"/>
-        </a:xfrm>
-      </p:grpSpPr>
-      <p:sp useBgFill="1">
-        <p:nvSpPr>
-          <p:cNvPr id="9" name="Rectangle 8">
-            <a:extLst>
-              <a:ext uri="{FF2B5EF4-FFF2-40B4-BE49-F238E27FC236}">
-                <a16:creationId xmlns:a16="http://schemas.microsoft.com/office/drawing/2014/main" id="{3B854194-185D-494D-905C-7C7CB2E30F6E}"/>
-              </a:ext>
-              <a:ext uri="{C183D7F6-B498-43B3-948B-1728B52AA6E4}">
-                <adec:decorative xmlns:adec="http://schemas.microsoft.com/office/drawing/2017/decorative" val="1"/>
-              </a:ext>
-            </a:extLst>
-          </p:cNvPr>
-          <p:cNvSpPr>
-            <a:spLocks noGrp="1" noRot="1" noChangeAspect="1" noMove="1" noResize="1" noEditPoints="1" noAdjustHandles="1" noChangeArrowheads="1" noChangeShapeType="1" noTextEdit="1"/>
-          </p:cNvSpPr>
-          <p:nvPr>
-            <p:extLst>
-              <p:ext uri="{386F3935-93C4-4BCD-93E2-E3B085C9AB24}">
-                <p16:designElem xmlns:p16="http://schemas.microsoft.com/office/powerpoint/2015/main" val="1"/>
-              </p:ext>
-            </p:extLst>
-          </p:nvPr>
-        </p:nvSpPr>
-        <p:spPr>
-          <a:xfrm>
-            <a:off x="1" y="0"/>
-            <a:ext cx="6082110" cy="6858000"/>
-          </a:xfrm>
-          <a:prstGeom prst="rect">
-            <a:avLst/>
-          </a:prstGeom>
-          <a:ln>
-            <a:noFill/>
-          </a:ln>
-        </p:spPr>
-        <p:style>
-          <a:lnRef idx="2">
-            <a:schemeClr val="accent1">
-              <a:shade val="50000"/>
-            </a:schemeClr>
-          </a:lnRef>
-          <a:fillRef idx="1">
-            <a:schemeClr val="accent1"/>
-          </a:fillRef>
-          <a:effectRef idx="0">
-            <a:schemeClr val="accent1"/>
-          </a:effectRef>
-          <a:fontRef idx="minor">
-            <a:schemeClr val="lt1"/>
-          </a:fontRef>
-        </p:style>
-        <p:txBody>
-          <a:bodyPr rtlCol="0" anchor="ctr"/>
-          <a:lstStyle/>
-          <a:p>
-            <a:pPr algn="ctr"/>
-            <a:endParaRPr lang="en-US"/>
-          </a:p>
-        </p:txBody>
-      </p:sp>
-      <p:sp>
-        <p:nvSpPr>
-          <p:cNvPr id="11" name="Rectangle 10">
-            <a:extLst>
-              <a:ext uri="{FF2B5EF4-FFF2-40B4-BE49-F238E27FC236}">
-                <a16:creationId xmlns:a16="http://schemas.microsoft.com/office/drawing/2014/main" id="{B4F5FA0D-0104-4987-8241-EFF7C85B88DE}"/>
-              </a:ext>
-              <a:ext uri="{C183D7F6-B498-43B3-948B-1728B52AA6E4}">
-                <adec:decorative xmlns:adec="http://schemas.microsoft.com/office/drawing/2017/decorative" val="1"/>
-              </a:ext>
-            </a:extLst>
-          </p:cNvPr>
-          <p:cNvSpPr>
-            <a:spLocks noGrp="1" noRot="1" noChangeAspect="1" noMove="1" noResize="1" noEditPoints="1" noAdjustHandles="1" noChangeArrowheads="1" noChangeShapeType="1" noTextEdit="1"/>
-          </p:cNvSpPr>
-          <p:nvPr>
-            <p:extLst>
-              <p:ext uri="{386F3935-93C4-4BCD-93E2-E3B085C9AB24}">
-                <p16:designElem xmlns:p16="http://schemas.microsoft.com/office/powerpoint/2015/main" val="1"/>
-              </p:ext>
-            </p:extLst>
-          </p:nvPr>
-        </p:nvSpPr>
-        <p:spPr>
-          <a:xfrm>
-            <a:off x="1" y="0"/>
-            <a:ext cx="12191998" cy="6858000"/>
-          </a:xfrm>
-          <a:prstGeom prst="rect">
-            <a:avLst/>
-          </a:prstGeom>
-          <a:gradFill>
-            <a:gsLst>
-              <a:gs pos="0">
-                <a:schemeClr val="accent1">
-                  <a:lumMod val="90000"/>
-                </a:schemeClr>
-              </a:gs>
-              <a:gs pos="25000">
-                <a:schemeClr val="accent1">
-                  <a:lumMod val="90000"/>
-                </a:schemeClr>
-              </a:gs>
-              <a:gs pos="94000">
-                <a:schemeClr val="bg2">
-                  <a:lumMod val="25000"/>
-                </a:schemeClr>
-              </a:gs>
-              <a:gs pos="100000">
-                <a:schemeClr val="bg2">
-                  <a:lumMod val="25000"/>
-                </a:schemeClr>
-              </a:gs>
-            </a:gsLst>
-            <a:lin ang="4200000" scaled="0"/>
-          </a:gradFill>
-          <a:ln>
-            <a:noFill/>
-          </a:ln>
-        </p:spPr>
-        <p:style>
-          <a:lnRef idx="2">
-            <a:schemeClr val="accent1">
-              <a:shade val="50000"/>
-            </a:schemeClr>
-          </a:lnRef>
-          <a:fillRef idx="1">
-            <a:schemeClr val="accent1"/>
-          </a:fillRef>
-          <a:effectRef idx="0">
-            <a:schemeClr val="accent1"/>
-          </a:effectRef>
-          <a:fontRef idx="minor">
-            <a:schemeClr val="lt1"/>
-          </a:fontRef>
-        </p:style>
-        <p:txBody>
-          <a:bodyPr rtlCol="0" anchor="ctr"/>
-          <a:lstStyle/>
-          <a:p>
-            <a:pPr algn="ctr"/>
-            <a:endParaRPr lang="en-US"/>
-          </a:p>
-        </p:txBody>
-      </p:sp>
-      <p:pic>
-        <p:nvPicPr>
-          <p:cNvPr id="13" name="Picture 12">
-            <a:extLst>
-              <a:ext uri="{FF2B5EF4-FFF2-40B4-BE49-F238E27FC236}">
-                <a16:creationId xmlns:a16="http://schemas.microsoft.com/office/drawing/2014/main" id="{2897127E-6CEF-446C-BE87-93B7C46E49D1}"/>
-              </a:ext>
-              <a:ext uri="{C183D7F6-B498-43B3-948B-1728B52AA6E4}">
-                <adec:decorative xmlns:adec="http://schemas.microsoft.com/office/drawing/2017/decorative" val="1"/>
-              </a:ext>
-            </a:extLst>
-          </p:cNvPr>
-          <p:cNvPicPr>
-            <a:picLocks noGrp="1" noRot="1" noChangeAspect="1" noMove="1" noResize="1" noEditPoints="1" noAdjustHandles="1" noChangeArrowheads="1" noChangeShapeType="1" noCrop="1"/>
-          </p:cNvPicPr>
-          <p:nvPr>
-            <p:extLst>
-              <p:ext uri="{386F3935-93C4-4BCD-93E2-E3B085C9AB24}">
-                <p16:designElem xmlns:p16="http://schemas.microsoft.com/office/powerpoint/2015/main" val="1"/>
-              </p:ext>
-            </p:extLst>
-          </p:nvPr>
-        </p:nvPicPr>
-        <p:blipFill>
-          <a:blip r:embed="rId2">
-            <a:extLst>
-              <a:ext uri="{28A0092B-C50C-407E-A947-70E740481C1C}">
-                <a14:useLocalDpi xmlns:a14="http://schemas.microsoft.com/office/drawing/2010/main" val="0"/>
-              </a:ext>
-            </a:extLst>
-          </a:blip>
-          <a:stretch>
-            <a:fillRect/>
-          </a:stretch>
-        </p:blipFill>
-        <p:spPr>
-          <a:xfrm>
-            <a:off x="0" y="0"/>
-            <a:ext cx="12192000" cy="6858000"/>
-          </a:xfrm>
-          <a:prstGeom prst="rect">
-            <a:avLst/>
-          </a:prstGeom>
-        </p:spPr>
-      </p:pic>
-      <p:sp>
-        <p:nvSpPr>
-          <p:cNvPr id="2" name="Título 1">
-            <a:extLst>
-              <a:ext uri="{FF2B5EF4-FFF2-40B4-BE49-F238E27FC236}">
-                <a16:creationId xmlns:a16="http://schemas.microsoft.com/office/drawing/2014/main" id="{9FE7D163-B215-438D-BF30-5A0CA673C058}"/>
-              </a:ext>
-            </a:extLst>
-          </p:cNvPr>
-          <p:cNvSpPr>
-            <a:spLocks noGrp="1"/>
-          </p:cNvSpPr>
-          <p:nvPr>
-            <p:ph type="title"/>
-          </p:nvPr>
-        </p:nvSpPr>
-        <p:spPr>
-          <a:xfrm>
-            <a:off x="640079" y="2053641"/>
-            <a:ext cx="3669161" cy="2760098"/>
-          </a:xfrm>
-        </p:spPr>
-        <p:txBody>
-          <a:bodyPr vert="horz" lIns="91440" tIns="45720" rIns="91440" bIns="45720" rtlCol="0" anchor="ctr">
-            <a:normAutofit/>
-          </a:bodyPr>
-          <a:lstStyle/>
-          <a:p>
-            <a:r>
-              <a:rPr lang="en-US" kern="1200">
-                <a:solidFill>
-                  <a:srgbClr val="FFFFFF"/>
-                </a:solidFill>
-                <a:latin typeface="+mj-lt"/>
-                <a:ea typeface="+mj-ea"/>
-                <a:cs typeface="+mj-cs"/>
-              </a:rPr>
-              <a:t>Significado das Cores</a:t>
-            </a:r>
-          </a:p>
-        </p:txBody>
-      </p:sp>
-      <p:sp>
-        <p:nvSpPr>
-          <p:cNvPr id="4" name="CaixaDeTexto 3">
-            <a:extLst>
-              <a:ext uri="{FF2B5EF4-FFF2-40B4-BE49-F238E27FC236}">
-                <a16:creationId xmlns:a16="http://schemas.microsoft.com/office/drawing/2014/main" id="{27BF06EF-7E0D-48B9-B29A-CD11691958E3}"/>
-              </a:ext>
-            </a:extLst>
-          </p:cNvPr>
-          <p:cNvSpPr txBox="1"/>
-          <p:nvPr/>
-        </p:nvSpPr>
-        <p:spPr>
-          <a:xfrm>
-            <a:off x="6090574" y="801866"/>
-            <a:ext cx="5306084" cy="5230634"/>
-          </a:xfrm>
-          <a:prstGeom prst="rect">
-            <a:avLst/>
-          </a:prstGeom>
-        </p:spPr>
-        <p:txBody>
-          <a:bodyPr vert="horz" lIns="91440" tIns="45720" rIns="91440" bIns="45720" rtlCol="0" anchor="ctr">
-            <a:normAutofit/>
-          </a:bodyPr>
-          <a:lstStyle/>
-          <a:p>
-            <a:pPr indent="-228600">
-              <a:lnSpc>
-                <a:spcPct val="90000"/>
-              </a:lnSpc>
-              <a:spcAft>
-                <a:spcPts val="600"/>
-              </a:spcAft>
-              <a:buFont typeface="Arial" panose="020B0604020202020204" pitchFamily="34" charset="0"/>
-              <a:buChar char="•"/>
-            </a:pPr>
-            <a:r>
-              <a:rPr lang="en-US" sz="2400" dirty="0">
-                <a:solidFill>
-                  <a:srgbClr val="7030A0"/>
-                </a:solidFill>
-              </a:rPr>
-              <a:t> </a:t>
-            </a:r>
-            <a:r>
-              <a:rPr lang="en-US" sz="2400" b="1" dirty="0" err="1">
-                <a:solidFill>
-                  <a:srgbClr val="7030A0"/>
-                </a:solidFill>
-              </a:rPr>
-              <a:t>Roxo</a:t>
-            </a:r>
-            <a:r>
-              <a:rPr lang="en-US" sz="2400" dirty="0">
-                <a:solidFill>
-                  <a:srgbClr val="7030A0"/>
-                </a:solidFill>
-              </a:rPr>
-              <a:t> </a:t>
-            </a:r>
-            <a:r>
-              <a:rPr lang="en-US" sz="2400" dirty="0">
-                <a:solidFill>
-                  <a:srgbClr val="000000"/>
-                </a:solidFill>
-              </a:rPr>
-              <a:t>= </a:t>
-            </a:r>
-            <a:r>
-              <a:rPr lang="en-US" sz="2400" b="0" i="0" dirty="0" err="1">
-                <a:solidFill>
-                  <a:srgbClr val="000000"/>
-                </a:solidFill>
-                <a:effectLst/>
-              </a:rPr>
-              <a:t>conhecido</a:t>
-            </a:r>
-            <a:r>
-              <a:rPr lang="en-US" sz="2400" b="0" i="0" dirty="0">
-                <a:solidFill>
-                  <a:srgbClr val="000000"/>
-                </a:solidFill>
-                <a:effectLst/>
-              </a:rPr>
-              <a:t> </a:t>
-            </a:r>
-            <a:r>
-              <a:rPr lang="en-US" sz="2400" b="0" i="0" dirty="0" err="1">
-                <a:solidFill>
-                  <a:srgbClr val="000000"/>
-                </a:solidFill>
-                <a:effectLst/>
-              </a:rPr>
-              <a:t>como</a:t>
-            </a:r>
-            <a:r>
-              <a:rPr lang="en-US" sz="2400" b="0" i="0" dirty="0">
-                <a:solidFill>
-                  <a:srgbClr val="000000"/>
-                </a:solidFill>
-                <a:effectLst/>
-              </a:rPr>
-              <a:t> </a:t>
-            </a:r>
-            <a:r>
-              <a:rPr lang="en-US" sz="2400" b="1" dirty="0" err="1">
-                <a:solidFill>
-                  <a:srgbClr val="000000"/>
-                </a:solidFill>
-              </a:rPr>
-              <a:t>cor</a:t>
-            </a:r>
-            <a:r>
-              <a:rPr lang="en-US" sz="2400" b="1" dirty="0">
-                <a:solidFill>
-                  <a:srgbClr val="000000"/>
-                </a:solidFill>
-              </a:rPr>
-              <a:t> </a:t>
-            </a:r>
-            <a:r>
-              <a:rPr lang="en-US" sz="2400" b="0" i="0" dirty="0">
-                <a:solidFill>
-                  <a:srgbClr val="000000"/>
-                </a:solidFill>
-                <a:effectLst/>
-              </a:rPr>
-              <a:t>da </a:t>
-            </a:r>
-            <a:r>
-              <a:rPr lang="en-US" sz="2400" b="0" i="0" dirty="0" err="1">
-                <a:solidFill>
-                  <a:srgbClr val="000000"/>
-                </a:solidFill>
-                <a:effectLst/>
-              </a:rPr>
-              <a:t>realeza</a:t>
-            </a:r>
-            <a:r>
-              <a:rPr lang="en-US" sz="2400" b="0" i="0" dirty="0">
-                <a:solidFill>
-                  <a:srgbClr val="000000"/>
-                </a:solidFill>
-                <a:effectLst/>
-              </a:rPr>
-              <a:t> e </a:t>
-            </a:r>
-            <a:r>
-              <a:rPr lang="en-US" sz="2400" b="0" i="0" dirty="0" err="1">
-                <a:solidFill>
-                  <a:srgbClr val="000000"/>
-                </a:solidFill>
-                <a:effectLst/>
-              </a:rPr>
-              <a:t>nobreza</a:t>
-            </a:r>
-            <a:r>
-              <a:rPr lang="en-US" sz="2400" b="0" i="0" dirty="0">
-                <a:solidFill>
-                  <a:srgbClr val="000000"/>
-                </a:solidFill>
-                <a:effectLst/>
-              </a:rPr>
-              <a:t>, </a:t>
-            </a:r>
-            <a:r>
-              <a:rPr lang="en-US" sz="2400" b="0" i="0" dirty="0" err="1">
-                <a:solidFill>
-                  <a:srgbClr val="000000"/>
-                </a:solidFill>
-                <a:effectLst/>
-              </a:rPr>
-              <a:t>também</a:t>
-            </a:r>
-            <a:r>
-              <a:rPr lang="en-US" sz="2400" b="0" i="0" dirty="0">
-                <a:solidFill>
-                  <a:srgbClr val="000000"/>
-                </a:solidFill>
-                <a:effectLst/>
-              </a:rPr>
-              <a:t> </a:t>
-            </a:r>
-            <a:r>
-              <a:rPr lang="en-US" sz="2400" b="0" i="0" dirty="0" err="1">
-                <a:solidFill>
-                  <a:srgbClr val="000000"/>
-                </a:solidFill>
-                <a:effectLst/>
-              </a:rPr>
-              <a:t>pode</a:t>
-            </a:r>
-            <a:r>
-              <a:rPr lang="en-US" sz="2400" b="0" i="0" dirty="0">
-                <a:solidFill>
-                  <a:srgbClr val="000000"/>
-                </a:solidFill>
-                <a:effectLst/>
-              </a:rPr>
-              <a:t> ser </a:t>
-            </a:r>
-            <a:r>
-              <a:rPr lang="en-US" sz="2400" b="0" i="0" dirty="0" err="1">
-                <a:solidFill>
-                  <a:srgbClr val="000000"/>
-                </a:solidFill>
-                <a:effectLst/>
-              </a:rPr>
-              <a:t>associado</a:t>
-            </a:r>
-            <a:r>
-              <a:rPr lang="en-US" sz="2400" b="0" i="0" dirty="0">
-                <a:solidFill>
-                  <a:srgbClr val="000000"/>
-                </a:solidFill>
-                <a:effectLst/>
-              </a:rPr>
-              <a:t> a  </a:t>
-            </a:r>
-            <a:r>
-              <a:rPr lang="en-US" sz="2400" b="0" i="0" dirty="0" err="1">
-                <a:solidFill>
-                  <a:srgbClr val="000000"/>
-                </a:solidFill>
-                <a:effectLst/>
-              </a:rPr>
-              <a:t>respeito</a:t>
-            </a:r>
-            <a:r>
-              <a:rPr lang="en-US" sz="2400" b="0" i="0" dirty="0">
-                <a:solidFill>
-                  <a:srgbClr val="000000"/>
-                </a:solidFill>
-                <a:effectLst/>
-              </a:rPr>
-              <a:t> e </a:t>
-            </a:r>
-            <a:r>
-              <a:rPr lang="en-US" sz="2400" b="0" i="0" dirty="0" err="1">
-                <a:solidFill>
-                  <a:srgbClr val="000000"/>
-                </a:solidFill>
-                <a:effectLst/>
-              </a:rPr>
-              <a:t>sabedoria</a:t>
-            </a:r>
-            <a:r>
-              <a:rPr lang="en-US" sz="2400" b="0" i="0" dirty="0">
-                <a:solidFill>
-                  <a:srgbClr val="000000"/>
-                </a:solidFill>
-                <a:effectLst/>
-              </a:rPr>
-              <a:t>.</a:t>
-            </a:r>
-          </a:p>
-          <a:p>
-            <a:pPr indent="-228600">
-              <a:lnSpc>
-                <a:spcPct val="90000"/>
-              </a:lnSpc>
-              <a:spcAft>
-                <a:spcPts val="600"/>
-              </a:spcAft>
-              <a:buFont typeface="Arial" panose="020B0604020202020204" pitchFamily="34" charset="0"/>
-              <a:buChar char="•"/>
-            </a:pPr>
-            <a:endParaRPr lang="en-US" sz="2400" dirty="0">
-              <a:solidFill>
-                <a:srgbClr val="000000"/>
-              </a:solidFill>
-            </a:endParaRPr>
-          </a:p>
-          <a:p>
-            <a:pPr indent="-228600">
-              <a:lnSpc>
-                <a:spcPct val="90000"/>
-              </a:lnSpc>
-              <a:spcAft>
-                <a:spcPts val="600"/>
-              </a:spcAft>
-              <a:buFont typeface="Arial" panose="020B0604020202020204" pitchFamily="34" charset="0"/>
-              <a:buChar char="•"/>
-            </a:pPr>
-            <a:r>
-              <a:rPr lang="en-US" sz="2400" b="1" dirty="0" err="1">
-                <a:solidFill>
-                  <a:srgbClr val="FFFF00"/>
-                </a:solidFill>
-              </a:rPr>
-              <a:t>Amarelo</a:t>
-            </a:r>
-            <a:r>
-              <a:rPr lang="en-US" sz="2400" dirty="0">
-                <a:solidFill>
-                  <a:srgbClr val="000000"/>
-                </a:solidFill>
-              </a:rPr>
-              <a:t> = </a:t>
-            </a:r>
-            <a:r>
-              <a:rPr lang="en-US" sz="2400" b="0" i="0" dirty="0">
-                <a:solidFill>
-                  <a:srgbClr val="000000"/>
-                </a:solidFill>
-                <a:effectLst/>
-              </a:rPr>
-              <a:t>O </a:t>
-            </a:r>
-            <a:r>
-              <a:rPr lang="en-US" sz="2400" b="1" i="0" dirty="0" err="1">
-                <a:solidFill>
-                  <a:srgbClr val="000000"/>
-                </a:solidFill>
-                <a:effectLst/>
-              </a:rPr>
-              <a:t>amarelo</a:t>
-            </a:r>
-            <a:r>
-              <a:rPr lang="en-US" sz="2400" b="0" i="0" dirty="0">
-                <a:solidFill>
-                  <a:srgbClr val="000000"/>
-                </a:solidFill>
-                <a:effectLst/>
-              </a:rPr>
-              <a:t> </a:t>
-            </a:r>
-            <a:r>
-              <a:rPr lang="en-US" sz="2400" b="0" i="0" dirty="0" err="1">
-                <a:solidFill>
-                  <a:srgbClr val="000000"/>
-                </a:solidFill>
-                <a:effectLst/>
-              </a:rPr>
-              <a:t>simboliza</a:t>
-            </a:r>
-            <a:r>
-              <a:rPr lang="en-US" sz="2400" b="0" i="0" dirty="0">
-                <a:solidFill>
-                  <a:srgbClr val="000000"/>
-                </a:solidFill>
-                <a:effectLst/>
-              </a:rPr>
-              <a:t> o sol, o </a:t>
-            </a:r>
-            <a:r>
-              <a:rPr lang="en-US" sz="2400" b="0" i="0" dirty="0" err="1">
-                <a:solidFill>
-                  <a:srgbClr val="000000"/>
-                </a:solidFill>
-                <a:effectLst/>
-              </a:rPr>
-              <a:t>verão</a:t>
-            </a:r>
-            <a:r>
-              <a:rPr lang="en-US" sz="2400" b="0" i="0" dirty="0">
-                <a:solidFill>
-                  <a:srgbClr val="000000"/>
-                </a:solidFill>
-                <a:effectLst/>
-              </a:rPr>
-              <a:t>, a </a:t>
-            </a:r>
-            <a:r>
-              <a:rPr lang="en-US" sz="2400" b="0" i="0" dirty="0" err="1">
-                <a:solidFill>
-                  <a:srgbClr val="000000"/>
-                </a:solidFill>
-                <a:effectLst/>
-              </a:rPr>
-              <a:t>prosperidade</a:t>
-            </a:r>
-            <a:r>
-              <a:rPr lang="en-US" sz="2400" b="0" i="0" dirty="0">
-                <a:solidFill>
-                  <a:srgbClr val="000000"/>
-                </a:solidFill>
-                <a:effectLst/>
-              </a:rPr>
-              <a:t> e a </a:t>
-            </a:r>
-            <a:r>
-              <a:rPr lang="en-US" sz="2400" b="0" i="0" dirty="0" err="1">
-                <a:solidFill>
-                  <a:srgbClr val="000000"/>
-                </a:solidFill>
-                <a:effectLst/>
-              </a:rPr>
-              <a:t>felicidade</a:t>
-            </a:r>
-            <a:r>
-              <a:rPr lang="en-US" sz="2400" b="0" i="0" dirty="0">
-                <a:solidFill>
-                  <a:srgbClr val="000000"/>
-                </a:solidFill>
-                <a:effectLst/>
-              </a:rPr>
-              <a:t>, </a:t>
-            </a:r>
-            <a:r>
-              <a:rPr lang="en-US" sz="2400" b="0" i="0" dirty="0" err="1">
-                <a:solidFill>
-                  <a:srgbClr val="000000"/>
-                </a:solidFill>
-                <a:effectLst/>
-              </a:rPr>
-              <a:t>também</a:t>
-            </a:r>
-            <a:r>
-              <a:rPr lang="en-US" sz="2400" b="0" i="0" dirty="0">
-                <a:solidFill>
-                  <a:srgbClr val="000000"/>
-                </a:solidFill>
-                <a:effectLst/>
-              </a:rPr>
-              <a:t> </a:t>
-            </a:r>
-            <a:r>
-              <a:rPr lang="en-US" sz="2400" b="0" i="0" dirty="0" err="1">
-                <a:solidFill>
-                  <a:srgbClr val="000000"/>
-                </a:solidFill>
-                <a:effectLst/>
-              </a:rPr>
-              <a:t>pode</a:t>
-            </a:r>
-            <a:r>
-              <a:rPr lang="en-US" sz="2400" b="0" i="0" dirty="0">
-                <a:solidFill>
-                  <a:srgbClr val="000000"/>
-                </a:solidFill>
-                <a:effectLst/>
-              </a:rPr>
-              <a:t> ser </a:t>
-            </a:r>
-            <a:r>
-              <a:rPr lang="en-US" sz="2400" b="0" i="0" dirty="0" err="1">
-                <a:solidFill>
-                  <a:srgbClr val="000000"/>
-                </a:solidFill>
-                <a:effectLst/>
-              </a:rPr>
-              <a:t>associado</a:t>
-            </a:r>
-            <a:r>
-              <a:rPr lang="en-US" sz="2400" b="0" i="0" dirty="0">
-                <a:solidFill>
-                  <a:srgbClr val="000000"/>
-                </a:solidFill>
-                <a:effectLst/>
-              </a:rPr>
-              <a:t> a </a:t>
-            </a:r>
-            <a:r>
-              <a:rPr lang="en-US" sz="2400" b="0" i="0" dirty="0" err="1">
-                <a:solidFill>
-                  <a:srgbClr val="000000"/>
-                </a:solidFill>
-                <a:effectLst/>
-              </a:rPr>
-              <a:t>otimismo</a:t>
-            </a:r>
-            <a:r>
-              <a:rPr lang="en-US" sz="2400" b="0" i="0" dirty="0">
-                <a:solidFill>
-                  <a:srgbClr val="000000"/>
-                </a:solidFill>
-                <a:effectLst/>
-              </a:rPr>
-              <a:t> e alegria.</a:t>
-            </a:r>
-          </a:p>
-          <a:p>
-            <a:pPr indent="-228600">
-              <a:lnSpc>
-                <a:spcPct val="90000"/>
-              </a:lnSpc>
-              <a:spcAft>
-                <a:spcPts val="600"/>
-              </a:spcAft>
-              <a:buFont typeface="Arial" panose="020B0604020202020204" pitchFamily="34" charset="0"/>
-              <a:buChar char="•"/>
-            </a:pPr>
-            <a:endParaRPr lang="en-US" sz="2400" dirty="0">
-              <a:solidFill>
-                <a:srgbClr val="000000"/>
-              </a:solidFill>
-            </a:endParaRPr>
-          </a:p>
-          <a:p>
-            <a:pPr indent="-228600">
-              <a:lnSpc>
-                <a:spcPct val="90000"/>
-              </a:lnSpc>
-              <a:spcAft>
-                <a:spcPts val="600"/>
-              </a:spcAft>
-              <a:buFont typeface="Arial" panose="020B0604020202020204" pitchFamily="34" charset="0"/>
-              <a:buChar char="•"/>
-            </a:pPr>
-            <a:r>
-              <a:rPr lang="en-US" sz="2400" b="1" dirty="0"/>
-              <a:t>Preto</a:t>
-            </a:r>
-            <a:r>
-              <a:rPr lang="en-US" sz="2400" dirty="0">
-                <a:solidFill>
-                  <a:srgbClr val="000000"/>
-                </a:solidFill>
-              </a:rPr>
-              <a:t> = </a:t>
-            </a:r>
-            <a:r>
-              <a:rPr lang="en-US" sz="2400" b="0" i="0" dirty="0">
-                <a:solidFill>
-                  <a:srgbClr val="000000"/>
-                </a:solidFill>
-                <a:effectLst/>
-              </a:rPr>
-              <a:t> </a:t>
-            </a:r>
-            <a:r>
-              <a:rPr lang="en-US" sz="2400" b="0" i="0" dirty="0" err="1">
-                <a:solidFill>
-                  <a:srgbClr val="000000"/>
-                </a:solidFill>
-                <a:effectLst/>
-              </a:rPr>
-              <a:t>Tende</a:t>
-            </a:r>
-            <a:r>
-              <a:rPr lang="en-US" sz="2400" b="0" i="0">
-                <a:solidFill>
-                  <a:srgbClr val="000000"/>
-                </a:solidFill>
-                <a:effectLst/>
-              </a:rPr>
-              <a:t>-se a </a:t>
-            </a:r>
-            <a:r>
-              <a:rPr lang="en-US" sz="2400" b="0" i="0" dirty="0">
-                <a:solidFill>
-                  <a:srgbClr val="000000"/>
-                </a:solidFill>
-                <a:effectLst/>
-              </a:rPr>
-              <a:t>ser </a:t>
-            </a:r>
-            <a:r>
-              <a:rPr lang="en-US" sz="2400" b="0" i="0" dirty="0" err="1">
-                <a:solidFill>
-                  <a:srgbClr val="000000"/>
-                </a:solidFill>
-                <a:effectLst/>
-              </a:rPr>
-              <a:t>associada</a:t>
-            </a:r>
-            <a:r>
-              <a:rPr lang="en-US" sz="2400" b="0" i="0" dirty="0">
-                <a:solidFill>
-                  <a:srgbClr val="000000"/>
-                </a:solidFill>
-                <a:effectLst/>
-              </a:rPr>
-              <a:t> à </a:t>
-            </a:r>
-            <a:r>
-              <a:rPr lang="en-US" sz="2400" b="0" i="0" dirty="0" err="1">
-                <a:solidFill>
-                  <a:srgbClr val="000000"/>
-                </a:solidFill>
-                <a:effectLst/>
-              </a:rPr>
-              <a:t>elegância</a:t>
-            </a:r>
-            <a:r>
-              <a:rPr lang="en-US" sz="2400" b="0" i="0" dirty="0">
-                <a:solidFill>
-                  <a:srgbClr val="000000"/>
-                </a:solidFill>
-                <a:effectLst/>
-              </a:rPr>
-              <a:t> e </a:t>
-            </a:r>
-            <a:r>
-              <a:rPr lang="en-US" sz="2400" b="0" i="0" dirty="0" err="1">
-                <a:solidFill>
-                  <a:srgbClr val="000000"/>
-                </a:solidFill>
-                <a:effectLst/>
-              </a:rPr>
-              <a:t>força</a:t>
-            </a:r>
-            <a:r>
-              <a:rPr lang="en-US" sz="2400" b="0" i="0" dirty="0">
-                <a:solidFill>
-                  <a:srgbClr val="000000"/>
-                </a:solidFill>
-                <a:effectLst/>
-              </a:rPr>
-              <a:t>, </a:t>
-            </a:r>
-            <a:r>
-              <a:rPr lang="en-US" sz="2400" b="0" i="0" dirty="0" err="1">
-                <a:solidFill>
-                  <a:srgbClr val="000000"/>
-                </a:solidFill>
-                <a:effectLst/>
-              </a:rPr>
-              <a:t>também</a:t>
-            </a:r>
-            <a:r>
-              <a:rPr lang="en-US" sz="2400" b="0" i="0" dirty="0">
-                <a:solidFill>
-                  <a:srgbClr val="000000"/>
-                </a:solidFill>
-                <a:effectLst/>
-              </a:rPr>
-              <a:t> indica </a:t>
-            </a:r>
-            <a:r>
-              <a:rPr lang="en-US" sz="2400" b="0" i="0" dirty="0" err="1">
-                <a:solidFill>
-                  <a:srgbClr val="000000"/>
-                </a:solidFill>
-                <a:effectLst/>
-              </a:rPr>
-              <a:t>poder</a:t>
-            </a:r>
-            <a:r>
-              <a:rPr lang="en-US" sz="2400" b="0" i="0" dirty="0">
-                <a:solidFill>
-                  <a:srgbClr val="000000"/>
-                </a:solidFill>
-                <a:effectLst/>
-              </a:rPr>
-              <a:t>.</a:t>
-            </a:r>
-          </a:p>
-          <a:p>
-            <a:pPr indent="-228600">
-              <a:lnSpc>
-                <a:spcPct val="90000"/>
-              </a:lnSpc>
-              <a:spcAft>
-                <a:spcPts val="600"/>
-              </a:spcAft>
-              <a:buFont typeface="Arial" panose="020B0604020202020204" pitchFamily="34" charset="0"/>
-              <a:buChar char="•"/>
-            </a:pPr>
-            <a:endParaRPr lang="en-US" sz="2400" dirty="0">
-              <a:solidFill>
-                <a:srgbClr val="000000"/>
-              </a:solidFill>
-            </a:endParaRPr>
-          </a:p>
-          <a:p>
-            <a:pPr indent="-228600">
-              <a:lnSpc>
-                <a:spcPct val="90000"/>
-              </a:lnSpc>
-              <a:spcAft>
-                <a:spcPts val="600"/>
-              </a:spcAft>
-              <a:buFont typeface="Arial" panose="020B0604020202020204" pitchFamily="34" charset="0"/>
-              <a:buChar char="•"/>
-            </a:pPr>
-            <a:r>
-              <a:rPr lang="en-US" sz="2400" b="1" dirty="0" err="1">
-                <a:solidFill>
-                  <a:schemeClr val="bg1">
-                    <a:lumMod val="65000"/>
-                  </a:schemeClr>
-                </a:solidFill>
-              </a:rPr>
-              <a:t>Cinza</a:t>
-            </a:r>
-            <a:r>
-              <a:rPr lang="en-US" sz="2400" dirty="0">
-                <a:solidFill>
-                  <a:srgbClr val="000000"/>
-                </a:solidFill>
-              </a:rPr>
-              <a:t> = O </a:t>
-            </a:r>
-            <a:r>
-              <a:rPr lang="en-US" sz="2400" dirty="0" err="1">
-                <a:solidFill>
-                  <a:srgbClr val="000000"/>
-                </a:solidFill>
-              </a:rPr>
-              <a:t>cinza</a:t>
-            </a:r>
-            <a:r>
-              <a:rPr lang="en-US" sz="2400" dirty="0">
-                <a:solidFill>
-                  <a:srgbClr val="000000"/>
-                </a:solidFill>
-              </a:rPr>
-              <a:t> </a:t>
-            </a:r>
-            <a:r>
-              <a:rPr lang="en-US" sz="2400" dirty="0" err="1">
-                <a:solidFill>
-                  <a:srgbClr val="000000"/>
-                </a:solidFill>
-              </a:rPr>
-              <a:t>representa</a:t>
-            </a:r>
-            <a:r>
-              <a:rPr lang="en-US" sz="2400" dirty="0">
-                <a:solidFill>
-                  <a:srgbClr val="000000"/>
-                </a:solidFill>
-              </a:rPr>
-              <a:t> a </a:t>
-            </a:r>
-            <a:r>
-              <a:rPr lang="en-US" sz="2400" i="0" dirty="0" err="1">
-                <a:solidFill>
-                  <a:srgbClr val="000000"/>
-                </a:solidFill>
-                <a:effectLst/>
-              </a:rPr>
-              <a:t>elegância</a:t>
-            </a:r>
-            <a:r>
-              <a:rPr lang="en-US" sz="2400" dirty="0">
-                <a:solidFill>
-                  <a:srgbClr val="000000"/>
-                </a:solidFill>
-              </a:rPr>
-              <a:t>.</a:t>
-            </a:r>
-          </a:p>
-        </p:txBody>
-      </p:sp>
-    </p:spTree>
-    <p:extLst>
-      <p:ext uri="{BB962C8B-B14F-4D97-AF65-F5344CB8AC3E}">
-        <p14:creationId xmlns:p14="http://schemas.microsoft.com/office/powerpoint/2010/main" val="1241717402"/>
-      </p:ext>
-    </p:extLst>
-  </p:cSld>
-  <p:clrMapOvr>
-    <a:masterClrMapping/>
-  </p:clrMapOvr>
-</p:sld>
-</file>
-
-<file path=ppt/slides/slide5.xml><?xml version="1.0" encoding="utf-8"?>
-<p:sld xmlns:a="http://schemas.openxmlformats.org/drawingml/2006/main" xmlns:r="http://schemas.openxmlformats.org/officeDocument/2006/relationships" xmlns:p="http://schemas.openxmlformats.org/presentationml/2006/main">
-  <p:cSld>
-    <p:bg>
-      <p:bgPr>
-        <a:solidFill>
-          <a:schemeClr val="bg1"/>
-        </a:solidFill>
-        <a:effectLst/>
-      </p:bgPr>
-    </p:bg>
-    <p:spTree>
-      <p:nvGrpSpPr>
-        <p:cNvPr id="1" name=""/>
-        <p:cNvGrpSpPr/>
-        <p:nvPr/>
-      </p:nvGrpSpPr>
-      <p:grpSpPr>
-        <a:xfrm>
-          <a:off x="0" y="0"/>
-          <a:ext cx="0" cy="0"/>
-          <a:chOff x="0" y="0"/>
-          <a:chExt cx="0" cy="0"/>
-        </a:xfrm>
-      </p:grpSpPr>
-      <p:sp>
-        <p:nvSpPr>
-          <p:cNvPr id="12" name="Rectangle 11">
-            <a:extLst>
-              <a:ext uri="{FF2B5EF4-FFF2-40B4-BE49-F238E27FC236}">
-                <a16:creationId xmlns:a16="http://schemas.microsoft.com/office/drawing/2014/main" id="{5F18414D-1626-4996-AACB-23D3DE45B03B}"/>
-              </a:ext>
-              <a:ext uri="{C183D7F6-B498-43B3-948B-1728B52AA6E4}">
-                <adec:decorative xmlns:adec="http://schemas.microsoft.com/office/drawing/2017/decorative" val="1"/>
-              </a:ext>
-            </a:extLst>
-          </p:cNvPr>
-          <p:cNvSpPr>
-            <a:spLocks noGrp="1" noRot="1" noChangeAspect="1" noMove="1" noResize="1" noEditPoints="1" noAdjustHandles="1" noChangeArrowheads="1" noChangeShapeType="1" noTextEdit="1"/>
-          </p:cNvSpPr>
-          <p:nvPr>
-            <p:extLst>
-              <p:ext uri="{386F3935-93C4-4BCD-93E2-E3B085C9AB24}">
-                <p16:designElem xmlns:p16="http://schemas.microsoft.com/office/powerpoint/2015/main" val="1"/>
-              </p:ext>
-            </p:extLst>
-          </p:nvPr>
-        </p:nvSpPr>
-        <p:spPr>
-          <a:xfrm>
-            <a:off x="0" y="0"/>
-            <a:ext cx="12192000" cy="6858000"/>
-          </a:xfrm>
-          <a:prstGeom prst="rect">
-            <a:avLst/>
-          </a:prstGeom>
+            <a:gdLst>
+              <a:gd name="connsiteX0" fmla="*/ 7381313 w 8109718"/>
+              <a:gd name="connsiteY0" fmla="*/ 1839459 h 4786143"/>
+              <a:gd name="connsiteX1" fmla="*/ 7381313 w 8109718"/>
+              <a:gd name="connsiteY1" fmla="*/ 1853646 h 4786143"/>
+              <a:gd name="connsiteX2" fmla="*/ 7379359 w 8109718"/>
+              <a:gd name="connsiteY2" fmla="*/ 1846552 h 4786143"/>
+              <a:gd name="connsiteX3" fmla="*/ 1321854 w 8109718"/>
+              <a:gd name="connsiteY3" fmla="*/ 0 h 4786143"/>
+              <a:gd name="connsiteX4" fmla="*/ 5365317 w 8109718"/>
+              <a:gd name="connsiteY4" fmla="*/ 0 h 4786143"/>
+              <a:gd name="connsiteX5" fmla="*/ 5985373 w 8109718"/>
+              <a:gd name="connsiteY5" fmla="*/ 365439 h 4786143"/>
+              <a:gd name="connsiteX6" fmla="*/ 8011470 w 8109718"/>
+              <a:gd name="connsiteY6" fmla="*/ 3854515 h 4786143"/>
+              <a:gd name="connsiteX7" fmla="*/ 8011470 w 8109718"/>
+              <a:gd name="connsiteY7" fmla="*/ 4567993 h 4786143"/>
+              <a:gd name="connsiteX8" fmla="*/ 7904625 w 8109718"/>
+              <a:gd name="connsiteY8" fmla="*/ 4751987 h 4786143"/>
+              <a:gd name="connsiteX9" fmla="*/ 7884791 w 8109718"/>
+              <a:gd name="connsiteY9" fmla="*/ 4786143 h 4786143"/>
+              <a:gd name="connsiteX10" fmla="*/ 0 w 8109718"/>
+              <a:gd name="connsiteY10" fmla="*/ 4786143 h 4786143"/>
+              <a:gd name="connsiteX11" fmla="*/ 0 w 8109718"/>
+              <a:gd name="connsiteY11" fmla="*/ 1564110 h 4786143"/>
+              <a:gd name="connsiteX12" fmla="*/ 27177 w 8109718"/>
+              <a:gd name="connsiteY12" fmla="*/ 1517107 h 4786143"/>
+              <a:gd name="connsiteX13" fmla="*/ 693065 w 8109718"/>
+              <a:gd name="connsiteY13" fmla="*/ 365439 h 4786143"/>
+              <a:gd name="connsiteX14" fmla="*/ 1321854 w 8109718"/>
+              <a:gd name="connsiteY14" fmla="*/ 0 h 4786143"/>
+            </a:gdLst>
+            <a:ahLst/>
+            <a:cxnLst>
+              <a:cxn ang="0">
+                <a:pos x="connsiteX0" y="connsiteY0"/>
+              </a:cxn>
+              <a:cxn ang="0">
+                <a:pos x="connsiteX1" y="connsiteY1"/>
+              </a:cxn>
+              <a:cxn ang="0">
+                <a:pos x="connsiteX2" y="connsiteY2"/>
+              </a:cxn>
+              <a:cxn ang="0">
+                <a:pos x="connsiteX3" y="connsiteY3"/>
+              </a:cxn>
+              <a:cxn ang="0">
+                <a:pos x="connsiteX4" y="connsiteY4"/>
+              </a:cxn>
+              <a:cxn ang="0">
+                <a:pos x="connsiteX5" y="connsiteY5"/>
+              </a:cxn>
+              <a:cxn ang="0">
+                <a:pos x="connsiteX6" y="connsiteY6"/>
+              </a:cxn>
+              <a:cxn ang="0">
+                <a:pos x="connsiteX7" y="connsiteY7"/>
+              </a:cxn>
+              <a:cxn ang="0">
+                <a:pos x="connsiteX8" y="connsiteY8"/>
+              </a:cxn>
+              <a:cxn ang="0">
+                <a:pos x="connsiteX9" y="connsiteY9"/>
+              </a:cxn>
+              <a:cxn ang="0">
+                <a:pos x="connsiteX10" y="connsiteY10"/>
+              </a:cxn>
+              <a:cxn ang="0">
+                <a:pos x="connsiteX11" y="connsiteY11"/>
+              </a:cxn>
+              <a:cxn ang="0">
+                <a:pos x="connsiteX12" y="connsiteY12"/>
+              </a:cxn>
+              <a:cxn ang="0">
+                <a:pos x="connsiteX13" y="connsiteY13"/>
+              </a:cxn>
+              <a:cxn ang="0">
+                <a:pos x="connsiteX14" y="connsiteY14"/>
+              </a:cxn>
+            </a:cxnLst>
+            <a:rect l="l" t="t" r="r" b="b"/>
+            <a:pathLst>
+              <a:path w="8109718" h="4786143">
+                <a:moveTo>
+                  <a:pt x="7381313" y="1839459"/>
+                </a:moveTo>
+                <a:lnTo>
+                  <a:pt x="7381313" y="1853646"/>
+                </a:lnTo>
+                <a:lnTo>
+                  <a:pt x="7379359" y="1846552"/>
+                </a:lnTo>
+                <a:close/>
+                <a:moveTo>
+                  <a:pt x="1321854" y="0"/>
+                </a:moveTo>
+                <a:cubicBezTo>
+                  <a:pt x="1321854" y="0"/>
+                  <a:pt x="1321854" y="0"/>
+                  <a:pt x="5365317" y="0"/>
+                </a:cubicBezTo>
+                <a:cubicBezTo>
+                  <a:pt x="5618580" y="0"/>
+                  <a:pt x="5863108" y="139215"/>
+                  <a:pt x="5985373" y="365439"/>
+                </a:cubicBezTo>
+                <a:cubicBezTo>
+                  <a:pt x="5985373" y="365439"/>
+                  <a:pt x="5985373" y="365439"/>
+                  <a:pt x="8011470" y="3854515"/>
+                </a:cubicBezTo>
+                <a:cubicBezTo>
+                  <a:pt x="8142468" y="4072039"/>
+                  <a:pt x="8142468" y="4350470"/>
+                  <a:pt x="8011470" y="4567993"/>
+                </a:cubicBezTo>
+                <a:cubicBezTo>
+                  <a:pt x="8011470" y="4567993"/>
+                  <a:pt x="8011470" y="4567993"/>
+                  <a:pt x="7904625" y="4751987"/>
+                </a:cubicBezTo>
+                <a:lnTo>
+                  <a:pt x="7884791" y="4786143"/>
+                </a:lnTo>
+                <a:lnTo>
+                  <a:pt x="0" y="4786143"/>
+                </a:lnTo>
+                <a:lnTo>
+                  <a:pt x="0" y="1564110"/>
+                </a:lnTo>
+                <a:lnTo>
+                  <a:pt x="27177" y="1517107"/>
+                </a:lnTo>
+                <a:cubicBezTo>
+                  <a:pt x="220245" y="1183191"/>
+                  <a:pt x="440895" y="801574"/>
+                  <a:pt x="693065" y="365439"/>
+                </a:cubicBezTo>
+                <a:cubicBezTo>
+                  <a:pt x="824063" y="139215"/>
+                  <a:pt x="1059859" y="0"/>
+                  <a:pt x="1321854" y="0"/>
+                </a:cubicBezTo>
+                <a:close/>
+              </a:path>
+            </a:pathLst>
+          </a:custGeom>
           <a:solidFill>
             <a:schemeClr val="tx1">
-              <a:lumMod val="95000"/>
-              <a:lumOff val="5000"/>
+              <a:lumMod val="85000"/>
+              <a:lumOff val="15000"/>
+              <a:alpha val="99000"/>
             </a:schemeClr>
           </a:solidFill>
           <a:ln>
@@ -5536,15 +8605,13 @@
           </a:fontRef>
         </p:style>
         <p:txBody>
-          <a:bodyPr rtlCol="0" anchor="ctr"/>
+          <a:bodyPr wrap="square" rtlCol="0" anchor="ctr">
+            <a:noAutofit/>
+          </a:bodyPr>
           <a:lstStyle/>
           <a:p>
             <a:pPr algn="ctr"/>
-            <a:endParaRPr lang="en-US" dirty="0">
-              <a:solidFill>
-                <a:schemeClr val="tx1"/>
-              </a:solidFill>
-            </a:endParaRPr>
+            <a:endParaRPr lang="en-US"/>
           </a:p>
         </p:txBody>
       </p:sp>
@@ -5564,15 +8631,15 @@
         </p:nvSpPr>
         <p:spPr>
           <a:xfrm>
-            <a:off x="126205" y="1041400"/>
-            <a:ext cx="11939589" cy="2387600"/>
+            <a:off x="880281" y="2961564"/>
+            <a:ext cx="5124734" cy="3268639"/>
           </a:xfrm>
           <a:prstGeom prst="rect">
             <a:avLst/>
           </a:prstGeom>
         </p:spPr>
         <p:txBody>
-          <a:bodyPr vert="horz" lIns="91440" tIns="45720" rIns="91440" bIns="45720" rtlCol="0" anchor="b">
+          <a:bodyPr vert="horz" lIns="91440" tIns="45720" rIns="91440" bIns="45720" rtlCol="0" anchor="ctr">
             <a:normAutofit/>
           </a:bodyPr>
           <a:lstStyle>
@@ -5595,23 +8662,24 @@
             </a:lvl1pPr>
           </a:lstStyle>
           <a:p>
-            <a:pPr>
+            <a:pPr algn="l">
               <a:spcAft>
                 <a:spcPts val="600"/>
               </a:spcAft>
             </a:pPr>
             <a:r>
-              <a:rPr lang="en-US" sz="4800" b="1" kern="1200" dirty="0" err="1">
+              <a:rPr lang="en-US" sz="7200" b="1" kern="1200">
                 <a:solidFill>
                   <a:schemeClr val="bg1"/>
                 </a:solidFill>
-                <a:latin typeface="Arial" panose="020B0604020202020204" pitchFamily="34" charset="0"/>
-                <a:cs typeface="Arial" panose="020B0604020202020204" pitchFamily="34" charset="0"/>
+                <a:latin typeface="+mj-lt"/>
+                <a:ea typeface="+mj-ea"/>
+                <a:cs typeface="+mj-cs"/>
               </a:rPr>
               <a:t>Conclusão</a:t>
             </a:r>
             <a:br>
-              <a:rPr lang="en-US" sz="4800" kern="1200" dirty="0">
+              <a:rPr lang="en-US" sz="7200" kern="1200">
                 <a:solidFill>
                   <a:schemeClr val="bg1"/>
                 </a:solidFill>
@@ -5620,7 +8688,7 @@
                 <a:cs typeface="+mj-cs"/>
               </a:rPr>
             </a:br>
-            <a:endParaRPr lang="en-US" sz="4800" kern="1200" dirty="0">
+            <a:endParaRPr lang="en-US" sz="7200" kern="1200">
               <a:solidFill>
                 <a:schemeClr val="bg1"/>
               </a:solidFill>
@@ -5631,21 +8699,21 @@
           </a:p>
         </p:txBody>
       </p:sp>
-      <p:sp>
-        <p:nvSpPr>
-          <p:cNvPr id="14" name="Rectangle 13">
+      <p:grpSp>
+        <p:nvGrpSpPr>
+          <p:cNvPr id="36" name="Group 28">
             <a:extLst>
               <a:ext uri="{FF2B5EF4-FFF2-40B4-BE49-F238E27FC236}">
-                <a16:creationId xmlns:a16="http://schemas.microsoft.com/office/drawing/2014/main" id="{D84C2E9E-0B5D-4B5F-9A1F-70EBDCE39034}"/>
+                <a16:creationId xmlns:a16="http://schemas.microsoft.com/office/drawing/2014/main" id="{DAD463E1-6621-44B4-A995-C70A4631D388}"/>
               </a:ext>
               <a:ext uri="{C183D7F6-B498-43B3-948B-1728B52AA6E4}">
                 <adec:decorative xmlns:adec="http://schemas.microsoft.com/office/drawing/2017/decorative" val="1"/>
               </a:ext>
             </a:extLst>
           </p:cNvPr>
-          <p:cNvSpPr>
-            <a:spLocks noGrp="1" noRot="1" noChangeAspect="1" noMove="1" noResize="1" noEditPoints="1" noAdjustHandles="1" noChangeArrowheads="1" noChangeShapeType="1" noTextEdit="1"/>
-          </p:cNvSpPr>
+          <p:cNvGrpSpPr>
+            <a:grpSpLocks noGrp="1" noUngrp="1" noRot="1" noChangeAspect="1" noMove="1" noResize="1"/>
+          </p:cNvGrpSpPr>
           <p:nvPr>
             <p:extLst>
               <p:ext uri="{386F3935-93C4-4BCD-93E2-E3B085C9AB24}">
@@ -5653,99 +8721,390 @@
               </p:ext>
             </p:extLst>
           </p:nvPr>
-        </p:nvSpPr>
-        <p:spPr>
+        </p:nvGrpSpPr>
+        <p:grpSpPr>
           <a:xfrm>
-            <a:off x="126206" y="115193"/>
-            <a:ext cx="11939588" cy="6627614"/>
+            <a:off x="5307830" y="385730"/>
+            <a:ext cx="1128382" cy="847206"/>
+            <a:chOff x="5307830" y="325570"/>
+            <a:chExt cx="1128382" cy="847206"/>
           </a:xfrm>
-          <a:prstGeom prst="rect">
-            <a:avLst/>
-          </a:prstGeom>
-          <a:noFill/>
-          <a:ln w="12700">
-            <a:solidFill>
-              <a:schemeClr val="accent2"/>
-            </a:solidFill>
-          </a:ln>
-        </p:spPr>
-        <p:style>
-          <a:lnRef idx="2">
-            <a:schemeClr val="accent1">
-              <a:shade val="50000"/>
-            </a:schemeClr>
-          </a:lnRef>
-          <a:fillRef idx="1">
-            <a:schemeClr val="accent1"/>
-          </a:fillRef>
-          <a:effectRef idx="0">
-            <a:schemeClr val="accent1"/>
-          </a:effectRef>
-          <a:fontRef idx="minor">
-            <a:schemeClr val="lt1"/>
-          </a:fontRef>
-        </p:style>
-        <p:txBody>
-          <a:bodyPr rtlCol="0" anchor="ctr"/>
-          <a:lstStyle/>
-          <a:p>
-            <a:pPr algn="ctr"/>
-            <a:endParaRPr lang="en-US" dirty="0"/>
-          </a:p>
-        </p:txBody>
-      </p:sp>
-      <p:cxnSp>
-        <p:nvCxnSpPr>
-          <p:cNvPr id="16" name="Straight Connector 15">
-            <a:extLst>
-              <a:ext uri="{FF2B5EF4-FFF2-40B4-BE49-F238E27FC236}">
-                <a16:creationId xmlns:a16="http://schemas.microsoft.com/office/drawing/2014/main" id="{07A9243D-8FC3-4B36-874B-55906B03F484}"/>
-              </a:ext>
-              <a:ext uri="{C183D7F6-B498-43B3-948B-1728B52AA6E4}">
-                <adec:decorative xmlns:adec="http://schemas.microsoft.com/office/drawing/2017/decorative" val="1"/>
-              </a:ext>
-            </a:extLst>
-          </p:cNvPr>
-          <p:cNvCxnSpPr>
-            <a:cxnSpLocks noGrp="1" noRot="1" noChangeAspect="1" noMove="1" noResize="1" noEditPoints="1" noAdjustHandles="1" noChangeArrowheads="1" noChangeShapeType="1"/>
-          </p:cNvCxnSpPr>
-          <p:nvPr>
-            <p:extLst>
-              <p:ext uri="{386F3935-93C4-4BCD-93E2-E3B085C9AB24}">
-                <p16:designElem xmlns:p16="http://schemas.microsoft.com/office/powerpoint/2015/main" val="1"/>
-              </p:ext>
-            </p:extLst>
-          </p:nvPr>
-        </p:nvCxnSpPr>
-        <p:spPr>
-          <a:xfrm flipH="1">
-            <a:off x="1929284" y="3209925"/>
-            <a:ext cx="10262717" cy="0"/>
-          </a:xfrm>
-          <a:prstGeom prst="line">
-            <a:avLst/>
-          </a:prstGeom>
-          <a:ln w="12700">
-            <a:solidFill>
-              <a:schemeClr val="accent2"/>
-            </a:solidFill>
-          </a:ln>
-        </p:spPr>
-        <p:style>
-          <a:lnRef idx="1">
-            <a:schemeClr val="accent1"/>
-          </a:lnRef>
-          <a:fillRef idx="0">
-            <a:schemeClr val="accent1"/>
-          </a:fillRef>
-          <a:effectRef idx="0">
-            <a:schemeClr val="accent1"/>
-          </a:effectRef>
-          <a:fontRef idx="minor">
-            <a:schemeClr val="tx1"/>
-          </a:fontRef>
-        </p:style>
-      </p:cxnSp>
+        </p:grpSpPr>
+        <p:sp>
+          <p:nvSpPr>
+            <p:cNvPr id="30" name="Freeform 5">
+              <a:extLst>
+                <a:ext uri="{FF2B5EF4-FFF2-40B4-BE49-F238E27FC236}">
+                  <a16:creationId xmlns:a16="http://schemas.microsoft.com/office/drawing/2014/main" id="{A152F29E-C625-4313-96BF-5675B357C03A}"/>
+                </a:ext>
+                <a:ext uri="{C183D7F6-B498-43B3-948B-1728B52AA6E4}">
+                  <adec:decorative xmlns:adec="http://schemas.microsoft.com/office/drawing/2017/decorative" val="1"/>
+                </a:ext>
+              </a:extLst>
+            </p:cNvPr>
+            <p:cNvSpPr>
+              <a:spLocks/>
+            </p:cNvSpPr>
+            <p:nvPr>
+              <p:extLst>
+                <p:ext uri="{386F3935-93C4-4BCD-93E2-E3B085C9AB24}">
+                  <p16:designElem xmlns:p16="http://schemas.microsoft.com/office/powerpoint/2015/main" val="1"/>
+                </p:ext>
+              </p:extLst>
+            </p:nvPr>
+          </p:nvSpPr>
+          <p:spPr bwMode="auto">
+            <a:xfrm>
+              <a:off x="5307830" y="577396"/>
+              <a:ext cx="675351" cy="595380"/>
+            </a:xfrm>
+            <a:custGeom>
+              <a:avLst/>
+              <a:gdLst>
+                <a:gd name="T0" fmla="*/ 225 w 785"/>
+                <a:gd name="T1" fmla="*/ 692 h 692"/>
+                <a:gd name="T2" fmla="*/ 177 w 785"/>
+                <a:gd name="T3" fmla="*/ 665 h 692"/>
+                <a:gd name="T4" fmla="*/ 9 w 785"/>
+                <a:gd name="T5" fmla="*/ 374 h 692"/>
+                <a:gd name="T6" fmla="*/ 9 w 785"/>
+                <a:gd name="T7" fmla="*/ 318 h 692"/>
+                <a:gd name="T8" fmla="*/ 177 w 785"/>
+                <a:gd name="T9" fmla="*/ 27 h 692"/>
+                <a:gd name="T10" fmla="*/ 225 w 785"/>
+                <a:gd name="T11" fmla="*/ 0 h 692"/>
+                <a:gd name="T12" fmla="*/ 561 w 785"/>
+                <a:gd name="T13" fmla="*/ 0 h 692"/>
+                <a:gd name="T14" fmla="*/ 609 w 785"/>
+                <a:gd name="T15" fmla="*/ 27 h 692"/>
+                <a:gd name="T16" fmla="*/ 777 w 785"/>
+                <a:gd name="T17" fmla="*/ 318 h 692"/>
+                <a:gd name="T18" fmla="*/ 777 w 785"/>
+                <a:gd name="T19" fmla="*/ 374 h 692"/>
+                <a:gd name="T20" fmla="*/ 609 w 785"/>
+                <a:gd name="T21" fmla="*/ 665 h 692"/>
+                <a:gd name="T22" fmla="*/ 561 w 785"/>
+                <a:gd name="T23" fmla="*/ 692 h 692"/>
+                <a:gd name="T24" fmla="*/ 225 w 785"/>
+                <a:gd name="T25" fmla="*/ 692 h 692"/>
+              </a:gdLst>
+              <a:ahLst/>
+              <a:cxnLst>
+                <a:cxn ang="0">
+                  <a:pos x="T0" y="T1"/>
+                </a:cxn>
+                <a:cxn ang="0">
+                  <a:pos x="T2" y="T3"/>
+                </a:cxn>
+                <a:cxn ang="0">
+                  <a:pos x="T4" y="T5"/>
+                </a:cxn>
+                <a:cxn ang="0">
+                  <a:pos x="T6" y="T7"/>
+                </a:cxn>
+                <a:cxn ang="0">
+                  <a:pos x="T8" y="T9"/>
+                </a:cxn>
+                <a:cxn ang="0">
+                  <a:pos x="T10" y="T11"/>
+                </a:cxn>
+                <a:cxn ang="0">
+                  <a:pos x="T12" y="T13"/>
+                </a:cxn>
+                <a:cxn ang="0">
+                  <a:pos x="T14" y="T15"/>
+                </a:cxn>
+                <a:cxn ang="0">
+                  <a:pos x="T16" y="T17"/>
+                </a:cxn>
+                <a:cxn ang="0">
+                  <a:pos x="T18" y="T19"/>
+                </a:cxn>
+                <a:cxn ang="0">
+                  <a:pos x="T20" y="T21"/>
+                </a:cxn>
+                <a:cxn ang="0">
+                  <a:pos x="T22" y="T23"/>
+                </a:cxn>
+                <a:cxn ang="0">
+                  <a:pos x="T24" y="T25"/>
+                </a:cxn>
+              </a:cxnLst>
+              <a:rect l="0" t="0" r="r" b="b"/>
+              <a:pathLst>
+                <a:path w="785" h="692">
+                  <a:moveTo>
+                    <a:pt x="225" y="692"/>
+                  </a:moveTo>
+                  <a:cubicBezTo>
+                    <a:pt x="207" y="692"/>
+                    <a:pt x="185" y="680"/>
+                    <a:pt x="177" y="665"/>
+                  </a:cubicBezTo>
+                  <a:cubicBezTo>
+                    <a:pt x="9" y="374"/>
+                    <a:pt x="9" y="374"/>
+                    <a:pt x="9" y="374"/>
+                  </a:cubicBezTo>
+                  <a:cubicBezTo>
+                    <a:pt x="0" y="358"/>
+                    <a:pt x="0" y="334"/>
+                    <a:pt x="9" y="318"/>
+                  </a:cubicBezTo>
+                  <a:cubicBezTo>
+                    <a:pt x="177" y="27"/>
+                    <a:pt x="177" y="27"/>
+                    <a:pt x="177" y="27"/>
+                  </a:cubicBezTo>
+                  <a:cubicBezTo>
+                    <a:pt x="185" y="12"/>
+                    <a:pt x="207" y="0"/>
+                    <a:pt x="225" y="0"/>
+                  </a:cubicBezTo>
+                  <a:cubicBezTo>
+                    <a:pt x="561" y="0"/>
+                    <a:pt x="561" y="0"/>
+                    <a:pt x="561" y="0"/>
+                  </a:cubicBezTo>
+                  <a:cubicBezTo>
+                    <a:pt x="578" y="0"/>
+                    <a:pt x="600" y="12"/>
+                    <a:pt x="609" y="27"/>
+                  </a:cubicBezTo>
+                  <a:cubicBezTo>
+                    <a:pt x="777" y="318"/>
+                    <a:pt x="777" y="318"/>
+                    <a:pt x="777" y="318"/>
+                  </a:cubicBezTo>
+                  <a:cubicBezTo>
+                    <a:pt x="785" y="334"/>
+                    <a:pt x="785" y="358"/>
+                    <a:pt x="777" y="374"/>
+                  </a:cubicBezTo>
+                  <a:cubicBezTo>
+                    <a:pt x="609" y="665"/>
+                    <a:pt x="609" y="665"/>
+                    <a:pt x="609" y="665"/>
+                  </a:cubicBezTo>
+                  <a:cubicBezTo>
+                    <a:pt x="600" y="680"/>
+                    <a:pt x="578" y="692"/>
+                    <a:pt x="561" y="692"/>
+                  </a:cubicBezTo>
+                  <a:lnTo>
+                    <a:pt x="225" y="692"/>
+                  </a:lnTo>
+                  <a:close/>
+                </a:path>
+              </a:pathLst>
+            </a:custGeom>
+            <a:noFill/>
+            <a:ln w="28575" cmpd="sng">
+              <a:solidFill>
+                <a:schemeClr val="tx1"/>
+              </a:solidFill>
+            </a:ln>
+          </p:spPr>
+          <p:txBody>
+            <a:bodyPr vert="horz" wrap="square" lIns="91440" tIns="45720" rIns="91440" bIns="45720" numCol="1" anchor="t" anchorCtr="0" compatLnSpc="1">
+              <a:prstTxWarp prst="textNoShape">
+                <a:avLst/>
+              </a:prstTxWarp>
+            </a:bodyPr>
+            <a:lstStyle/>
+            <a:p>
+              <a:endParaRPr lang="en-US"/>
+            </a:p>
+          </p:txBody>
+        </p:sp>
+        <p:sp>
+          <p:nvSpPr>
+            <p:cNvPr id="31" name="Freeform 5">
+              <a:extLst>
+                <a:ext uri="{FF2B5EF4-FFF2-40B4-BE49-F238E27FC236}">
+                  <a16:creationId xmlns:a16="http://schemas.microsoft.com/office/drawing/2014/main" id="{C2A5CB78-6497-4151-83B6-568BD27EC573}"/>
+                </a:ext>
+                <a:ext uri="{C183D7F6-B498-43B3-948B-1728B52AA6E4}">
+                  <adec:decorative xmlns:adec="http://schemas.microsoft.com/office/drawing/2017/decorative" val="1"/>
+                </a:ext>
+              </a:extLst>
+            </p:cNvPr>
+            <p:cNvSpPr>
+              <a:spLocks/>
+            </p:cNvSpPr>
+            <p:nvPr>
+              <p:extLst>
+                <p:ext uri="{386F3935-93C4-4BCD-93E2-E3B085C9AB24}">
+                  <p16:designElem xmlns:p16="http://schemas.microsoft.com/office/powerpoint/2015/main" val="1"/>
+                </p:ext>
+              </p:extLst>
+            </p:nvPr>
+          </p:nvSpPr>
+          <p:spPr bwMode="auto">
+            <a:xfrm>
+              <a:off x="5885720" y="325570"/>
+              <a:ext cx="550492" cy="485306"/>
+            </a:xfrm>
+            <a:custGeom>
+              <a:avLst/>
+              <a:gdLst>
+                <a:gd name="T0" fmla="*/ 225 w 785"/>
+                <a:gd name="T1" fmla="*/ 692 h 692"/>
+                <a:gd name="T2" fmla="*/ 177 w 785"/>
+                <a:gd name="T3" fmla="*/ 665 h 692"/>
+                <a:gd name="T4" fmla="*/ 9 w 785"/>
+                <a:gd name="T5" fmla="*/ 374 h 692"/>
+                <a:gd name="T6" fmla="*/ 9 w 785"/>
+                <a:gd name="T7" fmla="*/ 318 h 692"/>
+                <a:gd name="T8" fmla="*/ 177 w 785"/>
+                <a:gd name="T9" fmla="*/ 27 h 692"/>
+                <a:gd name="T10" fmla="*/ 225 w 785"/>
+                <a:gd name="T11" fmla="*/ 0 h 692"/>
+                <a:gd name="T12" fmla="*/ 561 w 785"/>
+                <a:gd name="T13" fmla="*/ 0 h 692"/>
+                <a:gd name="T14" fmla="*/ 609 w 785"/>
+                <a:gd name="T15" fmla="*/ 27 h 692"/>
+                <a:gd name="T16" fmla="*/ 777 w 785"/>
+                <a:gd name="T17" fmla="*/ 318 h 692"/>
+                <a:gd name="T18" fmla="*/ 777 w 785"/>
+                <a:gd name="T19" fmla="*/ 374 h 692"/>
+                <a:gd name="T20" fmla="*/ 609 w 785"/>
+                <a:gd name="T21" fmla="*/ 665 h 692"/>
+                <a:gd name="T22" fmla="*/ 561 w 785"/>
+                <a:gd name="T23" fmla="*/ 692 h 692"/>
+                <a:gd name="T24" fmla="*/ 225 w 785"/>
+                <a:gd name="T25" fmla="*/ 692 h 692"/>
+              </a:gdLst>
+              <a:ahLst/>
+              <a:cxnLst>
+                <a:cxn ang="0">
+                  <a:pos x="T0" y="T1"/>
+                </a:cxn>
+                <a:cxn ang="0">
+                  <a:pos x="T2" y="T3"/>
+                </a:cxn>
+                <a:cxn ang="0">
+                  <a:pos x="T4" y="T5"/>
+                </a:cxn>
+                <a:cxn ang="0">
+                  <a:pos x="T6" y="T7"/>
+                </a:cxn>
+                <a:cxn ang="0">
+                  <a:pos x="T8" y="T9"/>
+                </a:cxn>
+                <a:cxn ang="0">
+                  <a:pos x="T10" y="T11"/>
+                </a:cxn>
+                <a:cxn ang="0">
+                  <a:pos x="T12" y="T13"/>
+                </a:cxn>
+                <a:cxn ang="0">
+                  <a:pos x="T14" y="T15"/>
+                </a:cxn>
+                <a:cxn ang="0">
+                  <a:pos x="T16" y="T17"/>
+                </a:cxn>
+                <a:cxn ang="0">
+                  <a:pos x="T18" y="T19"/>
+                </a:cxn>
+                <a:cxn ang="0">
+                  <a:pos x="T20" y="T21"/>
+                </a:cxn>
+                <a:cxn ang="0">
+                  <a:pos x="T22" y="T23"/>
+                </a:cxn>
+                <a:cxn ang="0">
+                  <a:pos x="T24" y="T25"/>
+                </a:cxn>
+              </a:cxnLst>
+              <a:rect l="0" t="0" r="r" b="b"/>
+              <a:pathLst>
+                <a:path w="785" h="692">
+                  <a:moveTo>
+                    <a:pt x="225" y="692"/>
+                  </a:moveTo>
+                  <a:cubicBezTo>
+                    <a:pt x="207" y="692"/>
+                    <a:pt x="185" y="680"/>
+                    <a:pt x="177" y="665"/>
+                  </a:cubicBezTo>
+                  <a:cubicBezTo>
+                    <a:pt x="9" y="374"/>
+                    <a:pt x="9" y="374"/>
+                    <a:pt x="9" y="374"/>
+                  </a:cubicBezTo>
+                  <a:cubicBezTo>
+                    <a:pt x="0" y="358"/>
+                    <a:pt x="0" y="334"/>
+                    <a:pt x="9" y="318"/>
+                  </a:cubicBezTo>
+                  <a:cubicBezTo>
+                    <a:pt x="177" y="27"/>
+                    <a:pt x="177" y="27"/>
+                    <a:pt x="177" y="27"/>
+                  </a:cubicBezTo>
+                  <a:cubicBezTo>
+                    <a:pt x="185" y="12"/>
+                    <a:pt x="207" y="0"/>
+                    <a:pt x="225" y="0"/>
+                  </a:cubicBezTo>
+                  <a:cubicBezTo>
+                    <a:pt x="561" y="0"/>
+                    <a:pt x="561" y="0"/>
+                    <a:pt x="561" y="0"/>
+                  </a:cubicBezTo>
+                  <a:cubicBezTo>
+                    <a:pt x="578" y="0"/>
+                    <a:pt x="600" y="12"/>
+                    <a:pt x="609" y="27"/>
+                  </a:cubicBezTo>
+                  <a:cubicBezTo>
+                    <a:pt x="777" y="318"/>
+                    <a:pt x="777" y="318"/>
+                    <a:pt x="777" y="318"/>
+                  </a:cubicBezTo>
+                  <a:cubicBezTo>
+                    <a:pt x="785" y="334"/>
+                    <a:pt x="785" y="358"/>
+                    <a:pt x="777" y="374"/>
+                  </a:cubicBezTo>
+                  <a:cubicBezTo>
+                    <a:pt x="609" y="665"/>
+                    <a:pt x="609" y="665"/>
+                    <a:pt x="609" y="665"/>
+                  </a:cubicBezTo>
+                  <a:cubicBezTo>
+                    <a:pt x="600" y="680"/>
+                    <a:pt x="578" y="692"/>
+                    <a:pt x="561" y="692"/>
+                  </a:cubicBezTo>
+                  <a:lnTo>
+                    <a:pt x="225" y="692"/>
+                  </a:lnTo>
+                  <a:close/>
+                </a:path>
+              </a:pathLst>
+            </a:custGeom>
+            <a:noFill/>
+            <a:ln w="28575" cmpd="sng">
+              <a:solidFill>
+                <a:schemeClr val="tx1"/>
+              </a:solidFill>
+            </a:ln>
+          </p:spPr>
+          <p:txBody>
+            <a:bodyPr vert="horz" wrap="square" lIns="91440" tIns="45720" rIns="91440" bIns="45720" numCol="1" anchor="t" anchorCtr="0" compatLnSpc="1">
+              <a:prstTxWarp prst="textNoShape">
+                <a:avLst/>
+              </a:prstTxWarp>
+            </a:bodyPr>
+            <a:lstStyle/>
+            <a:p>
+              <a:endParaRPr lang="en-US"/>
+            </a:p>
+          </p:txBody>
+        </p:sp>
+      </p:grpSp>
     </p:spTree>
     <p:extLst>
       <p:ext uri="{BB962C8B-B14F-4D97-AF65-F5344CB8AC3E}">

--- a/projeto-site/public/documentacao/Slides para o Projeto Individual.pptx
+++ b/projeto-site/public/documentacao/Slides para o Projeto Individual.pptx
@@ -903,7 +903,7 @@
 <dgm:dataModel xmlns:dgm="http://schemas.openxmlformats.org/drawingml/2006/diagram" xmlns:a="http://schemas.openxmlformats.org/drawingml/2006/main">
   <dgm:ptLst>
     <dgm:pt modelId="{07825673-A459-4A71-863C-7992ED7640CC}" type="doc">
-      <dgm:prSet loTypeId="urn:microsoft.com/office/officeart/2005/8/layout/vList2" loCatId="list" qsTypeId="urn:microsoft.com/office/officeart/2005/8/quickstyle/simple1" qsCatId="simple" csTypeId="urn:microsoft.com/office/officeart/2005/8/colors/colorful5" csCatId="colorful"/>
+      <dgm:prSet loTypeId="urn:microsoft.com/office/officeart/2005/8/layout/vList2" loCatId="list" qsTypeId="urn:microsoft.com/office/officeart/2005/8/quickstyle/simple1" qsCatId="simple" csTypeId="urn:microsoft.com/office/officeart/2005/8/colors/colorful5" csCatId="colorful" phldr="1"/>
       <dgm:spPr/>
       <dgm:t>
         <a:bodyPr/>
@@ -921,10 +921,10 @@
         <a:lstStyle/>
         <a:p>
           <a:r>
-            <a:rPr lang="pt-BR"/>
-            <a:t>° EMPÁTIA </a:t>
+            <a:rPr lang="pt-BR" dirty="0"/>
+            <a:t>° EMPATIA </a:t>
           </a:r>
-          <a:endParaRPr lang="en-US"/>
+          <a:endParaRPr lang="en-US" dirty="0"/>
         </a:p>
       </dgm:t>
     </dgm:pt>
@@ -1331,10 +1331,10 @@
             <a:buNone/>
           </a:pPr>
           <a:r>
-            <a:rPr lang="pt-BR" sz="3400" kern="1200"/>
-            <a:t>° EMPÁTIA </a:t>
+            <a:rPr lang="pt-BR" sz="3400" kern="1200" dirty="0"/>
+            <a:t>° EMPATIA </a:t>
           </a:r>
-          <a:endParaRPr lang="en-US" sz="3400" kern="1200"/>
+          <a:endParaRPr lang="en-US" sz="3400" kern="1200" dirty="0"/>
         </a:p>
       </dsp:txBody>
       <dsp:txXfrm>
@@ -3089,7 +3089,7 @@
           <a:p>
             <a:fld id="{A4E102EF-FCCB-4613-B5B2-EF89372FE605}" type="datetimeFigureOut">
               <a:rPr lang="pt-BR" smtClean="0"/>
-              <a:t>30/11/2020</a:t>
+              <a:t>01/12/2020</a:t>
             </a:fld>
             <a:endParaRPr lang="pt-BR"/>
           </a:p>
@@ -3287,7 +3287,7 @@
           <a:p>
             <a:fld id="{A4E102EF-FCCB-4613-B5B2-EF89372FE605}" type="datetimeFigureOut">
               <a:rPr lang="pt-BR" smtClean="0"/>
-              <a:t>30/11/2020</a:t>
+              <a:t>01/12/2020</a:t>
             </a:fld>
             <a:endParaRPr lang="pt-BR"/>
           </a:p>
@@ -3495,7 +3495,7 @@
           <a:p>
             <a:fld id="{A4E102EF-FCCB-4613-B5B2-EF89372FE605}" type="datetimeFigureOut">
               <a:rPr lang="pt-BR" smtClean="0"/>
-              <a:t>30/11/2020</a:t>
+              <a:t>01/12/2020</a:t>
             </a:fld>
             <a:endParaRPr lang="pt-BR"/>
           </a:p>
@@ -3693,7 +3693,7 @@
           <a:p>
             <a:fld id="{A4E102EF-FCCB-4613-B5B2-EF89372FE605}" type="datetimeFigureOut">
               <a:rPr lang="pt-BR" smtClean="0"/>
-              <a:t>30/11/2020</a:t>
+              <a:t>01/12/2020</a:t>
             </a:fld>
             <a:endParaRPr lang="pt-BR"/>
           </a:p>
@@ -3968,7 +3968,7 @@
           <a:p>
             <a:fld id="{A4E102EF-FCCB-4613-B5B2-EF89372FE605}" type="datetimeFigureOut">
               <a:rPr lang="pt-BR" smtClean="0"/>
-              <a:t>30/11/2020</a:t>
+              <a:t>01/12/2020</a:t>
             </a:fld>
             <a:endParaRPr lang="pt-BR"/>
           </a:p>
@@ -4233,7 +4233,7 @@
           <a:p>
             <a:fld id="{A4E102EF-FCCB-4613-B5B2-EF89372FE605}" type="datetimeFigureOut">
               <a:rPr lang="pt-BR" smtClean="0"/>
-              <a:t>30/11/2020</a:t>
+              <a:t>01/12/2020</a:t>
             </a:fld>
             <a:endParaRPr lang="pt-BR"/>
           </a:p>
@@ -4645,7 +4645,7 @@
           <a:p>
             <a:fld id="{A4E102EF-FCCB-4613-B5B2-EF89372FE605}" type="datetimeFigureOut">
               <a:rPr lang="pt-BR" smtClean="0"/>
-              <a:t>30/11/2020</a:t>
+              <a:t>01/12/2020</a:t>
             </a:fld>
             <a:endParaRPr lang="pt-BR"/>
           </a:p>
@@ -4786,7 +4786,7 @@
           <a:p>
             <a:fld id="{A4E102EF-FCCB-4613-B5B2-EF89372FE605}" type="datetimeFigureOut">
               <a:rPr lang="pt-BR" smtClean="0"/>
-              <a:t>30/11/2020</a:t>
+              <a:t>01/12/2020</a:t>
             </a:fld>
             <a:endParaRPr lang="pt-BR"/>
           </a:p>
@@ -4899,7 +4899,7 @@
           <a:p>
             <a:fld id="{A4E102EF-FCCB-4613-B5B2-EF89372FE605}" type="datetimeFigureOut">
               <a:rPr lang="pt-BR" smtClean="0"/>
-              <a:t>30/11/2020</a:t>
+              <a:t>01/12/2020</a:t>
             </a:fld>
             <a:endParaRPr lang="pt-BR"/>
           </a:p>
@@ -5210,7 +5210,7 @@
           <a:p>
             <a:fld id="{A4E102EF-FCCB-4613-B5B2-EF89372FE605}" type="datetimeFigureOut">
               <a:rPr lang="pt-BR" smtClean="0"/>
-              <a:t>30/11/2020</a:t>
+              <a:t>01/12/2020</a:t>
             </a:fld>
             <a:endParaRPr lang="pt-BR"/>
           </a:p>
@@ -5498,7 +5498,7 @@
           <a:p>
             <a:fld id="{A4E102EF-FCCB-4613-B5B2-EF89372FE605}" type="datetimeFigureOut">
               <a:rPr lang="pt-BR" smtClean="0"/>
-              <a:t>30/11/2020</a:t>
+              <a:t>01/12/2020</a:t>
             </a:fld>
             <a:endParaRPr lang="pt-BR"/>
           </a:p>
@@ -5739,7 +5739,7 @@
           <a:p>
             <a:fld id="{A4E102EF-FCCB-4613-B5B2-EF89372FE605}" type="datetimeFigureOut">
               <a:rPr lang="pt-BR" smtClean="0"/>
-              <a:t>30/11/2020</a:t>
+              <a:t>01/12/2020</a:t>
             </a:fld>
             <a:endParaRPr lang="pt-BR"/>
           </a:p>
@@ -7892,7 +7892,7 @@
           <p:nvPr>
             <p:extLst>
               <p:ext uri="{D42A27DB-BD31-4B8C-83A1-F6EECF244321}">
-                <p14:modId xmlns:p14="http://schemas.microsoft.com/office/powerpoint/2010/main" val="1872240750"/>
+                <p14:modId xmlns:p14="http://schemas.microsoft.com/office/powerpoint/2010/main" val="3075510544"/>
               </p:ext>
             </p:extLst>
           </p:nvPr>

--- a/projeto-site/public/documentacao/Slides para o Projeto Individual.pptx
+++ b/projeto-site/public/documentacao/Slides para o Projeto Individual.pptx
@@ -10,7 +10,8 @@
     <p:sldId id="262" r:id="rId4"/>
     <p:sldId id="266" r:id="rId5"/>
     <p:sldId id="267" r:id="rId6"/>
-    <p:sldId id="265" r:id="rId7"/>
+    <p:sldId id="268" r:id="rId7"/>
+    <p:sldId id="265" r:id="rId8"/>
   </p:sldIdLst>
   <p:sldSz cx="12192000" cy="6858000"/>
   <p:notesSz cx="6858000" cy="9144000"/>
@@ -3089,7 +3090,7 @@
           <a:p>
             <a:fld id="{A4E102EF-FCCB-4613-B5B2-EF89372FE605}" type="datetimeFigureOut">
               <a:rPr lang="pt-BR" smtClean="0"/>
-              <a:t>01/12/2020</a:t>
+              <a:t>02/12/2020</a:t>
             </a:fld>
             <a:endParaRPr lang="pt-BR"/>
           </a:p>
@@ -3287,7 +3288,7 @@
           <a:p>
             <a:fld id="{A4E102EF-FCCB-4613-B5B2-EF89372FE605}" type="datetimeFigureOut">
               <a:rPr lang="pt-BR" smtClean="0"/>
-              <a:t>01/12/2020</a:t>
+              <a:t>02/12/2020</a:t>
             </a:fld>
             <a:endParaRPr lang="pt-BR"/>
           </a:p>
@@ -3495,7 +3496,7 @@
           <a:p>
             <a:fld id="{A4E102EF-FCCB-4613-B5B2-EF89372FE605}" type="datetimeFigureOut">
               <a:rPr lang="pt-BR" smtClean="0"/>
-              <a:t>01/12/2020</a:t>
+              <a:t>02/12/2020</a:t>
             </a:fld>
             <a:endParaRPr lang="pt-BR"/>
           </a:p>
@@ -3693,7 +3694,7 @@
           <a:p>
             <a:fld id="{A4E102EF-FCCB-4613-B5B2-EF89372FE605}" type="datetimeFigureOut">
               <a:rPr lang="pt-BR" smtClean="0"/>
-              <a:t>01/12/2020</a:t>
+              <a:t>02/12/2020</a:t>
             </a:fld>
             <a:endParaRPr lang="pt-BR"/>
           </a:p>
@@ -3968,7 +3969,7 @@
           <a:p>
             <a:fld id="{A4E102EF-FCCB-4613-B5B2-EF89372FE605}" type="datetimeFigureOut">
               <a:rPr lang="pt-BR" smtClean="0"/>
-              <a:t>01/12/2020</a:t>
+              <a:t>02/12/2020</a:t>
             </a:fld>
             <a:endParaRPr lang="pt-BR"/>
           </a:p>
@@ -4233,7 +4234,7 @@
           <a:p>
             <a:fld id="{A4E102EF-FCCB-4613-B5B2-EF89372FE605}" type="datetimeFigureOut">
               <a:rPr lang="pt-BR" smtClean="0"/>
-              <a:t>01/12/2020</a:t>
+              <a:t>02/12/2020</a:t>
             </a:fld>
             <a:endParaRPr lang="pt-BR"/>
           </a:p>
@@ -4645,7 +4646,7 @@
           <a:p>
             <a:fld id="{A4E102EF-FCCB-4613-B5B2-EF89372FE605}" type="datetimeFigureOut">
               <a:rPr lang="pt-BR" smtClean="0"/>
-              <a:t>01/12/2020</a:t>
+              <a:t>02/12/2020</a:t>
             </a:fld>
             <a:endParaRPr lang="pt-BR"/>
           </a:p>
@@ -4786,7 +4787,7 @@
           <a:p>
             <a:fld id="{A4E102EF-FCCB-4613-B5B2-EF89372FE605}" type="datetimeFigureOut">
               <a:rPr lang="pt-BR" smtClean="0"/>
-              <a:t>01/12/2020</a:t>
+              <a:t>02/12/2020</a:t>
             </a:fld>
             <a:endParaRPr lang="pt-BR"/>
           </a:p>
@@ -4899,7 +4900,7 @@
           <a:p>
             <a:fld id="{A4E102EF-FCCB-4613-B5B2-EF89372FE605}" type="datetimeFigureOut">
               <a:rPr lang="pt-BR" smtClean="0"/>
-              <a:t>01/12/2020</a:t>
+              <a:t>02/12/2020</a:t>
             </a:fld>
             <a:endParaRPr lang="pt-BR"/>
           </a:p>
@@ -5210,7 +5211,7 @@
           <a:p>
             <a:fld id="{A4E102EF-FCCB-4613-B5B2-EF89372FE605}" type="datetimeFigureOut">
               <a:rPr lang="pt-BR" smtClean="0"/>
-              <a:t>01/12/2020</a:t>
+              <a:t>02/12/2020</a:t>
             </a:fld>
             <a:endParaRPr lang="pt-BR"/>
           </a:p>
@@ -5498,7 +5499,7 @@
           <a:p>
             <a:fld id="{A4E102EF-FCCB-4613-B5B2-EF89372FE605}" type="datetimeFigureOut">
               <a:rPr lang="pt-BR" smtClean="0"/>
-              <a:t>01/12/2020</a:t>
+              <a:t>02/12/2020</a:t>
             </a:fld>
             <a:endParaRPr lang="pt-BR"/>
           </a:p>
@@ -5739,7 +5740,7 @@
           <a:p>
             <a:fld id="{A4E102EF-FCCB-4613-B5B2-EF89372FE605}" type="datetimeFigureOut">
               <a:rPr lang="pt-BR" smtClean="0"/>
-              <a:t>01/12/2020</a:t>
+              <a:t>02/12/2020</a:t>
             </a:fld>
             <a:endParaRPr lang="pt-BR"/>
           </a:p>
@@ -7921,6 +7922,652 @@
 </file>
 
 <file path=ppt/slides/slide6.xml><?xml version="1.0" encoding="utf-8"?>
+<p:sld xmlns:a="http://schemas.openxmlformats.org/drawingml/2006/main" xmlns:r="http://schemas.openxmlformats.org/officeDocument/2006/relationships" xmlns:p="http://schemas.openxmlformats.org/presentationml/2006/main">
+  <p:cSld>
+    <p:spTree>
+      <p:nvGrpSpPr>
+        <p:cNvPr id="1" name=""/>
+        <p:cNvGrpSpPr/>
+        <p:nvPr/>
+      </p:nvGrpSpPr>
+      <p:grpSpPr>
+        <a:xfrm>
+          <a:off x="0" y="0"/>
+          <a:ext cx="0" cy="0"/>
+          <a:chOff x="0" y="0"/>
+          <a:chExt cx="0" cy="0"/>
+        </a:xfrm>
+      </p:grpSpPr>
+      <p:sp>
+        <p:nvSpPr>
+          <p:cNvPr id="2" name="Título 1">
+            <a:extLst>
+              <a:ext uri="{FF2B5EF4-FFF2-40B4-BE49-F238E27FC236}">
+                <a16:creationId xmlns:a16="http://schemas.microsoft.com/office/drawing/2014/main" id="{BB9F5C48-74F6-42C7-8789-53D6CC833006}"/>
+              </a:ext>
+            </a:extLst>
+          </p:cNvPr>
+          <p:cNvSpPr>
+            <a:spLocks noGrp="1"/>
+          </p:cNvSpPr>
+          <p:nvPr>
+            <p:ph type="title"/>
+          </p:nvPr>
+        </p:nvSpPr>
+        <p:spPr>
+          <a:xfrm>
+            <a:off x="2693568" y="232384"/>
+            <a:ext cx="6773679" cy="1219756"/>
+          </a:xfrm>
+        </p:spPr>
+        <p:txBody>
+          <a:bodyPr>
+            <a:normAutofit/>
+          </a:bodyPr>
+          <a:lstStyle/>
+          <a:p>
+            <a:pPr algn="ctr"/>
+            <a:r>
+              <a:rPr lang="pt-BR" sz="3600" b="1" dirty="0">
+                <a:latin typeface="Arial" panose="020B0604020202020204" pitchFamily="34" charset="0"/>
+                <a:cs typeface="Arial" panose="020B0604020202020204" pitchFamily="34" charset="0"/>
+              </a:rPr>
+              <a:t>Ferramentas Utilizadas </a:t>
+            </a:r>
+          </a:p>
+        </p:txBody>
+      </p:sp>
+      <p:pic>
+        <p:nvPicPr>
+          <p:cNvPr id="4" name="Imagem 3">
+            <a:extLst>
+              <a:ext uri="{FF2B5EF4-FFF2-40B4-BE49-F238E27FC236}">
+                <a16:creationId xmlns:a16="http://schemas.microsoft.com/office/drawing/2014/main" id="{5CD19F99-AC41-46F7-AB6F-04F87730D0BD}"/>
+              </a:ext>
+            </a:extLst>
+          </p:cNvPr>
+          <p:cNvPicPr>
+            <a:picLocks noChangeAspect="1"/>
+          </p:cNvPicPr>
+          <p:nvPr/>
+        </p:nvPicPr>
+        <p:blipFill>
+          <a:blip r:embed="rId2"/>
+          <a:stretch>
+            <a:fillRect/>
+          </a:stretch>
+        </p:blipFill>
+        <p:spPr>
+          <a:xfrm>
+            <a:off x="7000239" y="1452140"/>
+            <a:ext cx="861372" cy="1118340"/>
+          </a:xfrm>
+          <a:prstGeom prst="rect">
+            <a:avLst/>
+          </a:prstGeom>
+        </p:spPr>
+      </p:pic>
+      <p:sp>
+        <p:nvSpPr>
+          <p:cNvPr id="5" name="CaixaDeTexto 4">
+            <a:extLst>
+              <a:ext uri="{FF2B5EF4-FFF2-40B4-BE49-F238E27FC236}">
+                <a16:creationId xmlns:a16="http://schemas.microsoft.com/office/drawing/2014/main" id="{470A6EBA-2393-4ECB-9D96-05174931060E}"/>
+              </a:ext>
+            </a:extLst>
+          </p:cNvPr>
+          <p:cNvSpPr txBox="1"/>
+          <p:nvPr/>
+        </p:nvSpPr>
+        <p:spPr>
+          <a:xfrm>
+            <a:off x="1487508" y="2684781"/>
+            <a:ext cx="800100" cy="369332"/>
+          </a:xfrm>
+          <a:prstGeom prst="rect">
+            <a:avLst/>
+          </a:prstGeom>
+          <a:noFill/>
+        </p:spPr>
+        <p:txBody>
+          <a:bodyPr wrap="square" rtlCol="0">
+            <a:spAutoFit/>
+          </a:bodyPr>
+          <a:lstStyle/>
+          <a:p>
+            <a:r>
+              <a:rPr lang="pt-BR" dirty="0"/>
+              <a:t>HTML</a:t>
+            </a:r>
+          </a:p>
+        </p:txBody>
+      </p:sp>
+      <p:pic>
+        <p:nvPicPr>
+          <p:cNvPr id="6" name="Imagem 5">
+            <a:extLst>
+              <a:ext uri="{FF2B5EF4-FFF2-40B4-BE49-F238E27FC236}">
+                <a16:creationId xmlns:a16="http://schemas.microsoft.com/office/drawing/2014/main" id="{441E0788-1DD8-46D0-A007-D1F978588D47}"/>
+              </a:ext>
+            </a:extLst>
+          </p:cNvPr>
+          <p:cNvPicPr>
+            <a:picLocks noChangeAspect="1"/>
+          </p:cNvPicPr>
+          <p:nvPr/>
+        </p:nvPicPr>
+        <p:blipFill>
+          <a:blip r:embed="rId3"/>
+          <a:stretch>
+            <a:fillRect/>
+          </a:stretch>
+        </p:blipFill>
+        <p:spPr>
+          <a:xfrm>
+            <a:off x="1461525" y="1452140"/>
+            <a:ext cx="973282" cy="1118340"/>
+          </a:xfrm>
+          <a:prstGeom prst="rect">
+            <a:avLst/>
+          </a:prstGeom>
+        </p:spPr>
+      </p:pic>
+      <p:sp>
+        <p:nvSpPr>
+          <p:cNvPr id="8" name="CaixaDeTexto 7">
+            <a:extLst>
+              <a:ext uri="{FF2B5EF4-FFF2-40B4-BE49-F238E27FC236}">
+                <a16:creationId xmlns:a16="http://schemas.microsoft.com/office/drawing/2014/main" id="{47498322-37BA-4368-84A1-AB99E4012E0D}"/>
+              </a:ext>
+            </a:extLst>
+          </p:cNvPr>
+          <p:cNvSpPr txBox="1"/>
+          <p:nvPr/>
+        </p:nvSpPr>
+        <p:spPr>
+          <a:xfrm>
+            <a:off x="6858117" y="2684781"/>
+            <a:ext cx="1136073" cy="369332"/>
+          </a:xfrm>
+          <a:prstGeom prst="rect">
+            <a:avLst/>
+          </a:prstGeom>
+          <a:noFill/>
+        </p:spPr>
+        <p:txBody>
+          <a:bodyPr wrap="square" rtlCol="0">
+            <a:spAutoFit/>
+          </a:bodyPr>
+          <a:lstStyle/>
+          <a:p>
+            <a:r>
+              <a:rPr lang="pt-BR" dirty="0" err="1"/>
+              <a:t>JavaScript</a:t>
+            </a:r>
+            <a:endParaRPr lang="pt-BR" dirty="0"/>
+          </a:p>
+        </p:txBody>
+      </p:sp>
+      <p:pic>
+        <p:nvPicPr>
+          <p:cNvPr id="7" name="Imagem 6">
+            <a:extLst>
+              <a:ext uri="{FF2B5EF4-FFF2-40B4-BE49-F238E27FC236}">
+                <a16:creationId xmlns:a16="http://schemas.microsoft.com/office/drawing/2014/main" id="{DB322813-BB46-48D2-8B20-E0113A3752C5}"/>
+              </a:ext>
+            </a:extLst>
+          </p:cNvPr>
+          <p:cNvPicPr>
+            <a:picLocks noChangeAspect="1"/>
+          </p:cNvPicPr>
+          <p:nvPr/>
+        </p:nvPicPr>
+        <p:blipFill>
+          <a:blip r:embed="rId4"/>
+          <a:stretch>
+            <a:fillRect/>
+          </a:stretch>
+        </p:blipFill>
+        <p:spPr>
+          <a:xfrm>
+            <a:off x="3980699" y="1285745"/>
+            <a:ext cx="1279606" cy="1372815"/>
+          </a:xfrm>
+          <a:prstGeom prst="rect">
+            <a:avLst/>
+          </a:prstGeom>
+        </p:spPr>
+      </p:pic>
+      <p:sp>
+        <p:nvSpPr>
+          <p:cNvPr id="9" name="CaixaDeTexto 8">
+            <a:extLst>
+              <a:ext uri="{FF2B5EF4-FFF2-40B4-BE49-F238E27FC236}">
+                <a16:creationId xmlns:a16="http://schemas.microsoft.com/office/drawing/2014/main" id="{E0B569BE-BCBC-4990-8AB6-89129AAB9DCF}"/>
+              </a:ext>
+            </a:extLst>
+          </p:cNvPr>
+          <p:cNvSpPr txBox="1"/>
+          <p:nvPr/>
+        </p:nvSpPr>
+        <p:spPr>
+          <a:xfrm>
+            <a:off x="4368268" y="2684781"/>
+            <a:ext cx="563603" cy="369332"/>
+          </a:xfrm>
+          <a:prstGeom prst="rect">
+            <a:avLst/>
+          </a:prstGeom>
+          <a:noFill/>
+        </p:spPr>
+        <p:txBody>
+          <a:bodyPr wrap="square" rtlCol="0">
+            <a:spAutoFit/>
+          </a:bodyPr>
+          <a:lstStyle/>
+          <a:p>
+            <a:r>
+              <a:rPr lang="pt-BR" dirty="0"/>
+              <a:t>CSS</a:t>
+            </a:r>
+          </a:p>
+        </p:txBody>
+      </p:sp>
+      <p:pic>
+        <p:nvPicPr>
+          <p:cNvPr id="10" name="Imagem 9">
+            <a:extLst>
+              <a:ext uri="{FF2B5EF4-FFF2-40B4-BE49-F238E27FC236}">
+                <a16:creationId xmlns:a16="http://schemas.microsoft.com/office/drawing/2014/main" id="{1CE54153-F366-4702-9907-79C61F08BE11}"/>
+              </a:ext>
+            </a:extLst>
+          </p:cNvPr>
+          <p:cNvPicPr>
+            <a:picLocks noChangeAspect="1"/>
+          </p:cNvPicPr>
+          <p:nvPr/>
+        </p:nvPicPr>
+        <p:blipFill>
+          <a:blip r:embed="rId5"/>
+          <a:stretch>
+            <a:fillRect/>
+          </a:stretch>
+        </p:blipFill>
+        <p:spPr>
+          <a:xfrm>
+            <a:off x="3784044" y="3293774"/>
+            <a:ext cx="1732047" cy="1058101"/>
+          </a:xfrm>
+          <a:prstGeom prst="rect">
+            <a:avLst/>
+          </a:prstGeom>
+        </p:spPr>
+      </p:pic>
+      <p:pic>
+        <p:nvPicPr>
+          <p:cNvPr id="11" name="Imagem 10">
+            <a:extLst>
+              <a:ext uri="{FF2B5EF4-FFF2-40B4-BE49-F238E27FC236}">
+                <a16:creationId xmlns:a16="http://schemas.microsoft.com/office/drawing/2014/main" id="{876DD2B0-819B-4803-A1F7-FE66D9434B9C}"/>
+              </a:ext>
+            </a:extLst>
+          </p:cNvPr>
+          <p:cNvPicPr>
+            <a:picLocks noChangeAspect="1"/>
+          </p:cNvPicPr>
+          <p:nvPr/>
+        </p:nvPicPr>
+        <p:blipFill>
+          <a:blip r:embed="rId6"/>
+          <a:stretch>
+            <a:fillRect/>
+          </a:stretch>
+        </p:blipFill>
+        <p:spPr>
+          <a:xfrm>
+            <a:off x="6560767" y="3300056"/>
+            <a:ext cx="1952488" cy="924791"/>
+          </a:xfrm>
+          <a:prstGeom prst="rect">
+            <a:avLst/>
+          </a:prstGeom>
+        </p:spPr>
+      </p:pic>
+      <p:pic>
+        <p:nvPicPr>
+          <p:cNvPr id="12" name="Imagem 11">
+            <a:extLst>
+              <a:ext uri="{FF2B5EF4-FFF2-40B4-BE49-F238E27FC236}">
+                <a16:creationId xmlns:a16="http://schemas.microsoft.com/office/drawing/2014/main" id="{C063906D-472F-4833-926A-F3AC9709D17D}"/>
+              </a:ext>
+            </a:extLst>
+          </p:cNvPr>
+          <p:cNvPicPr>
+            <a:picLocks noChangeAspect="1"/>
+          </p:cNvPicPr>
+          <p:nvPr/>
+        </p:nvPicPr>
+        <p:blipFill>
+          <a:blip r:embed="rId7"/>
+          <a:stretch>
+            <a:fillRect/>
+          </a:stretch>
+        </p:blipFill>
+        <p:spPr>
+          <a:xfrm>
+            <a:off x="8198412" y="5000976"/>
+            <a:ext cx="997575" cy="986887"/>
+          </a:xfrm>
+          <a:prstGeom prst="rect">
+            <a:avLst/>
+          </a:prstGeom>
+        </p:spPr>
+      </p:pic>
+      <p:pic>
+        <p:nvPicPr>
+          <p:cNvPr id="13" name="Imagem 12">
+            <a:extLst>
+              <a:ext uri="{FF2B5EF4-FFF2-40B4-BE49-F238E27FC236}">
+                <a16:creationId xmlns:a16="http://schemas.microsoft.com/office/drawing/2014/main" id="{A8DB50D4-F274-41C2-95ED-85EE4258595F}"/>
+              </a:ext>
+            </a:extLst>
+          </p:cNvPr>
+          <p:cNvPicPr>
+            <a:picLocks noChangeAspect="1"/>
+          </p:cNvPicPr>
+          <p:nvPr/>
+        </p:nvPicPr>
+        <p:blipFill>
+          <a:blip r:embed="rId8"/>
+          <a:stretch>
+            <a:fillRect/>
+          </a:stretch>
+        </p:blipFill>
+        <p:spPr>
+          <a:xfrm>
+            <a:off x="9467247" y="1313386"/>
+            <a:ext cx="1046414" cy="1115774"/>
+          </a:xfrm>
+          <a:prstGeom prst="rect">
+            <a:avLst/>
+          </a:prstGeom>
+        </p:spPr>
+      </p:pic>
+      <p:pic>
+        <p:nvPicPr>
+          <p:cNvPr id="14" name="Imagem 13">
+            <a:extLst>
+              <a:ext uri="{FF2B5EF4-FFF2-40B4-BE49-F238E27FC236}">
+                <a16:creationId xmlns:a16="http://schemas.microsoft.com/office/drawing/2014/main" id="{7917ED32-0E72-48D8-B9CC-41B7E1A348C5}"/>
+              </a:ext>
+            </a:extLst>
+          </p:cNvPr>
+          <p:cNvPicPr>
+            <a:picLocks noChangeAspect="1"/>
+          </p:cNvPicPr>
+          <p:nvPr/>
+        </p:nvPicPr>
+        <p:blipFill>
+          <a:blip r:embed="rId9"/>
+          <a:stretch>
+            <a:fillRect/>
+          </a:stretch>
+        </p:blipFill>
+        <p:spPr>
+          <a:xfrm>
+            <a:off x="9232614" y="3293774"/>
+            <a:ext cx="1957032" cy="1193312"/>
+          </a:xfrm>
+          <a:prstGeom prst="rect">
+            <a:avLst/>
+          </a:prstGeom>
+        </p:spPr>
+      </p:pic>
+      <p:pic>
+        <p:nvPicPr>
+          <p:cNvPr id="1030" name="Picture 6" descr="Git for Windows">
+            <a:extLst>
+              <a:ext uri="{FF2B5EF4-FFF2-40B4-BE49-F238E27FC236}">
+                <a16:creationId xmlns:a16="http://schemas.microsoft.com/office/drawing/2014/main" id="{D0D07706-0F22-44EA-AC02-FF680E2EA2DA}"/>
+              </a:ext>
+            </a:extLst>
+          </p:cNvPr>
+          <p:cNvPicPr>
+            <a:picLocks noChangeAspect="1" noChangeArrowheads="1"/>
+          </p:cNvPicPr>
+          <p:nvPr/>
+        </p:nvPicPr>
+        <p:blipFill>
+          <a:blip r:embed="rId10">
+            <a:extLst>
+              <a:ext uri="{28A0092B-C50C-407E-A947-70E740481C1C}">
+                <a14:useLocalDpi xmlns:a14="http://schemas.microsoft.com/office/drawing/2010/main" val="0"/>
+              </a:ext>
+            </a:extLst>
+          </a:blip>
+          <a:srcRect/>
+          <a:stretch>
+            <a:fillRect/>
+          </a:stretch>
+        </p:blipFill>
+        <p:spPr bwMode="auto">
+          <a:xfrm>
+            <a:off x="1399719" y="3429000"/>
+            <a:ext cx="975677" cy="975677"/>
+          </a:xfrm>
+          <a:prstGeom prst="rect">
+            <a:avLst/>
+          </a:prstGeom>
+          <a:noFill/>
+          <a:extLst>
+            <a:ext uri="{909E8E84-426E-40DD-AFC4-6F175D3DCCD1}">
+              <a14:hiddenFill xmlns:a14="http://schemas.microsoft.com/office/drawing/2010/main">
+                <a:solidFill>
+                  <a:srgbClr val="FFFFFF"/>
+                </a:solidFill>
+              </a14:hiddenFill>
+            </a:ext>
+          </a:extLst>
+        </p:spPr>
+      </p:pic>
+      <p:pic>
+        <p:nvPicPr>
+          <p:cNvPr id="15" name="Imagem 14">
+            <a:extLst>
+              <a:ext uri="{FF2B5EF4-FFF2-40B4-BE49-F238E27FC236}">
+                <a16:creationId xmlns:a16="http://schemas.microsoft.com/office/drawing/2014/main" id="{351E6D65-45BA-418D-8AF2-B48A28A736C6}"/>
+              </a:ext>
+            </a:extLst>
+          </p:cNvPr>
+          <p:cNvPicPr>
+            <a:picLocks noChangeAspect="1"/>
+          </p:cNvPicPr>
+          <p:nvPr/>
+        </p:nvPicPr>
+        <p:blipFill>
+          <a:blip r:embed="rId11"/>
+          <a:stretch>
+            <a:fillRect/>
+          </a:stretch>
+        </p:blipFill>
+        <p:spPr>
+          <a:xfrm>
+            <a:off x="2937510" y="5000976"/>
+            <a:ext cx="975677" cy="975677"/>
+          </a:xfrm>
+          <a:prstGeom prst="rect">
+            <a:avLst/>
+          </a:prstGeom>
+        </p:spPr>
+      </p:pic>
+      <p:sp>
+        <p:nvSpPr>
+          <p:cNvPr id="17" name="CaixaDeTexto 16">
+            <a:extLst>
+              <a:ext uri="{FF2B5EF4-FFF2-40B4-BE49-F238E27FC236}">
+                <a16:creationId xmlns:a16="http://schemas.microsoft.com/office/drawing/2014/main" id="{3182933D-7B4E-4F1E-978E-0D4B90F2455D}"/>
+              </a:ext>
+            </a:extLst>
+          </p:cNvPr>
+          <p:cNvSpPr txBox="1"/>
+          <p:nvPr/>
+        </p:nvSpPr>
+        <p:spPr>
+          <a:xfrm>
+            <a:off x="3206591" y="6077269"/>
+            <a:ext cx="706596" cy="369332"/>
+          </a:xfrm>
+          <a:prstGeom prst="rect">
+            <a:avLst/>
+          </a:prstGeom>
+          <a:noFill/>
+        </p:spPr>
+        <p:txBody>
+          <a:bodyPr wrap="square" rtlCol="0">
+            <a:spAutoFit/>
+          </a:bodyPr>
+          <a:lstStyle/>
+          <a:p>
+            <a:r>
+              <a:rPr lang="pt-BR" dirty="0"/>
+              <a:t>Word</a:t>
+            </a:r>
+          </a:p>
+        </p:txBody>
+      </p:sp>
+      <p:sp>
+        <p:nvSpPr>
+          <p:cNvPr id="18" name="CaixaDeTexto 17">
+            <a:extLst>
+              <a:ext uri="{FF2B5EF4-FFF2-40B4-BE49-F238E27FC236}">
+                <a16:creationId xmlns:a16="http://schemas.microsoft.com/office/drawing/2014/main" id="{20E90ADF-B19F-4695-A550-7DC51AF6E771}"/>
+              </a:ext>
+            </a:extLst>
+          </p:cNvPr>
+          <p:cNvSpPr txBox="1"/>
+          <p:nvPr/>
+        </p:nvSpPr>
+        <p:spPr>
+          <a:xfrm>
+            <a:off x="8120560" y="6072763"/>
+            <a:ext cx="1346687" cy="369332"/>
+          </a:xfrm>
+          <a:prstGeom prst="rect">
+            <a:avLst/>
+          </a:prstGeom>
+          <a:noFill/>
+        </p:spPr>
+        <p:txBody>
+          <a:bodyPr wrap="square" rtlCol="0">
+            <a:spAutoFit/>
+          </a:bodyPr>
+          <a:lstStyle/>
+          <a:p>
+            <a:r>
+              <a:rPr lang="pt-BR" dirty="0"/>
+              <a:t>Power Point</a:t>
+            </a:r>
+          </a:p>
+        </p:txBody>
+      </p:sp>
+      <p:sp>
+        <p:nvSpPr>
+          <p:cNvPr id="19" name="CaixaDeTexto 18">
+            <a:extLst>
+              <a:ext uri="{FF2B5EF4-FFF2-40B4-BE49-F238E27FC236}">
+                <a16:creationId xmlns:a16="http://schemas.microsoft.com/office/drawing/2014/main" id="{95BA2350-664F-4198-829D-C661F239E6F5}"/>
+              </a:ext>
+            </a:extLst>
+          </p:cNvPr>
+          <p:cNvSpPr txBox="1"/>
+          <p:nvPr/>
+        </p:nvSpPr>
+        <p:spPr>
+          <a:xfrm>
+            <a:off x="1399719" y="4487086"/>
+            <a:ext cx="1035444" cy="369332"/>
+          </a:xfrm>
+          <a:prstGeom prst="rect">
+            <a:avLst/>
+          </a:prstGeom>
+          <a:noFill/>
+        </p:spPr>
+        <p:txBody>
+          <a:bodyPr wrap="square" rtlCol="0">
+            <a:spAutoFit/>
+          </a:bodyPr>
+          <a:lstStyle/>
+          <a:p>
+            <a:r>
+              <a:rPr lang="pt-BR" dirty="0" err="1"/>
+              <a:t>Git</a:t>
+            </a:r>
+            <a:r>
+              <a:rPr lang="pt-BR" dirty="0"/>
+              <a:t> </a:t>
+            </a:r>
+            <a:r>
+              <a:rPr lang="pt-BR" dirty="0" err="1"/>
+              <a:t>Bash</a:t>
+            </a:r>
+            <a:endParaRPr lang="pt-BR" dirty="0"/>
+          </a:p>
+        </p:txBody>
+      </p:sp>
+      <p:sp>
+        <p:nvSpPr>
+          <p:cNvPr id="20" name="CaixaDeTexto 19">
+            <a:extLst>
+              <a:ext uri="{FF2B5EF4-FFF2-40B4-BE49-F238E27FC236}">
+                <a16:creationId xmlns:a16="http://schemas.microsoft.com/office/drawing/2014/main" id="{00352D15-AA87-4AE7-98AA-7551532CE6C8}"/>
+              </a:ext>
+            </a:extLst>
+          </p:cNvPr>
+          <p:cNvSpPr txBox="1"/>
+          <p:nvPr/>
+        </p:nvSpPr>
+        <p:spPr>
+          <a:xfrm>
+            <a:off x="9251673" y="2684781"/>
+            <a:ext cx="1957032" cy="369332"/>
+          </a:xfrm>
+          <a:prstGeom prst="rect">
+            <a:avLst/>
+          </a:prstGeom>
+          <a:noFill/>
+        </p:spPr>
+        <p:txBody>
+          <a:bodyPr wrap="square" rtlCol="0">
+            <a:spAutoFit/>
+          </a:bodyPr>
+          <a:lstStyle/>
+          <a:p>
+            <a:r>
+              <a:rPr lang="pt-BR" dirty="0"/>
+              <a:t>Visual Studio </a:t>
+            </a:r>
+            <a:r>
+              <a:rPr lang="pt-BR" dirty="0" err="1"/>
+              <a:t>Code</a:t>
+            </a:r>
+            <a:endParaRPr lang="pt-BR" dirty="0"/>
+          </a:p>
+        </p:txBody>
+      </p:sp>
+    </p:spTree>
+    <p:extLst>
+      <p:ext uri="{BB962C8B-B14F-4D97-AF65-F5344CB8AC3E}">
+        <p14:creationId xmlns:p14="http://schemas.microsoft.com/office/powerpoint/2010/main" val="1800184708"/>
+      </p:ext>
+    </p:extLst>
+  </p:cSld>
+  <p:clrMapOvr>
+    <a:masterClrMapping/>
+  </p:clrMapOvr>
+</p:sld>
+</file>
+
+<file path=ppt/slides/slide7.xml><?xml version="1.0" encoding="utf-8"?>
 <p:sld xmlns:a="http://schemas.openxmlformats.org/drawingml/2006/main" xmlns:r="http://schemas.openxmlformats.org/officeDocument/2006/relationships" xmlns:p="http://schemas.openxmlformats.org/presentationml/2006/main">
   <p:cSld>
     <p:bg>

--- a/projeto-site/public/documentacao/Slides para o Projeto Individual.pptx
+++ b/projeto-site/public/documentacao/Slides para o Projeto Individual.pptx
@@ -7924,6 +7924,14 @@
 <file path=ppt/slides/slide6.xml><?xml version="1.0" encoding="utf-8"?>
 <p:sld xmlns:a="http://schemas.openxmlformats.org/drawingml/2006/main" xmlns:r="http://schemas.openxmlformats.org/officeDocument/2006/relationships" xmlns:p="http://schemas.openxmlformats.org/presentationml/2006/main">
   <p:cSld>
+    <p:bg>
+      <p:bgPr>
+        <a:solidFill>
+          <a:schemeClr val="bg1"/>
+        </a:solidFill>
+        <a:effectLst/>
+      </p:bgPr>
+    </p:bg>
     <p:spTree>
       <p:nvGrpSpPr>
         <p:cNvPr id="1" name=""/>
@@ -7938,51 +7946,12 @@
           <a:chExt cx="0" cy="0"/>
         </a:xfrm>
       </p:grpSpPr>
-      <p:sp>
-        <p:nvSpPr>
-          <p:cNvPr id="2" name="Título 1">
-            <a:extLst>
-              <a:ext uri="{FF2B5EF4-FFF2-40B4-BE49-F238E27FC236}">
-                <a16:creationId xmlns:a16="http://schemas.microsoft.com/office/drawing/2014/main" id="{BB9F5C48-74F6-42C7-8789-53D6CC833006}"/>
-              </a:ext>
-            </a:extLst>
-          </p:cNvPr>
-          <p:cNvSpPr>
-            <a:spLocks noGrp="1"/>
-          </p:cNvSpPr>
-          <p:nvPr>
-            <p:ph type="title"/>
-          </p:nvPr>
-        </p:nvSpPr>
-        <p:spPr>
-          <a:xfrm>
-            <a:off x="2693568" y="232384"/>
-            <a:ext cx="6773679" cy="1219756"/>
-          </a:xfrm>
-        </p:spPr>
-        <p:txBody>
-          <a:bodyPr>
-            <a:normAutofit/>
-          </a:bodyPr>
-          <a:lstStyle/>
-          <a:p>
-            <a:pPr algn="ctr"/>
-            <a:r>
-              <a:rPr lang="pt-BR" sz="3600" b="1" dirty="0">
-                <a:latin typeface="Arial" panose="020B0604020202020204" pitchFamily="34" charset="0"/>
-                <a:cs typeface="Arial" panose="020B0604020202020204" pitchFamily="34" charset="0"/>
-              </a:rPr>
-              <a:t>Ferramentas Utilizadas </a:t>
-            </a:r>
-          </a:p>
-        </p:txBody>
-      </p:sp>
       <p:pic>
         <p:nvPicPr>
-          <p:cNvPr id="4" name="Imagem 3">
-            <a:extLst>
-              <a:ext uri="{FF2B5EF4-FFF2-40B4-BE49-F238E27FC236}">
-                <a16:creationId xmlns:a16="http://schemas.microsoft.com/office/drawing/2014/main" id="{5CD19F99-AC41-46F7-AB6F-04F87730D0BD}"/>
+          <p:cNvPr id="7" name="Imagem 6">
+            <a:extLst>
+              <a:ext uri="{FF2B5EF4-FFF2-40B4-BE49-F238E27FC236}">
+                <a16:creationId xmlns:a16="http://schemas.microsoft.com/office/drawing/2014/main" id="{DB322813-BB46-48D2-8B20-E0113A3752C5}"/>
               </a:ext>
             </a:extLst>
           </p:cNvPr>
@@ -7999,55 +7968,20 @@
         </p:blipFill>
         <p:spPr>
           <a:xfrm>
-            <a:off x="7000239" y="1452140"/>
-            <a:ext cx="861372" cy="1118340"/>
+            <a:off x="5301526" y="278768"/>
+            <a:ext cx="1588946" cy="1588946"/>
           </a:xfrm>
           <a:prstGeom prst="rect">
             <a:avLst/>
           </a:prstGeom>
         </p:spPr>
       </p:pic>
-      <p:sp>
-        <p:nvSpPr>
-          <p:cNvPr id="5" name="CaixaDeTexto 4">
-            <a:extLst>
-              <a:ext uri="{FF2B5EF4-FFF2-40B4-BE49-F238E27FC236}">
-                <a16:creationId xmlns:a16="http://schemas.microsoft.com/office/drawing/2014/main" id="{470A6EBA-2393-4ECB-9D96-05174931060E}"/>
-              </a:ext>
-            </a:extLst>
-          </p:cNvPr>
-          <p:cNvSpPr txBox="1"/>
-          <p:nvPr/>
-        </p:nvSpPr>
-        <p:spPr>
-          <a:xfrm>
-            <a:off x="1487508" y="2684781"/>
-            <a:ext cx="800100" cy="369332"/>
-          </a:xfrm>
-          <a:prstGeom prst="rect">
-            <a:avLst/>
-          </a:prstGeom>
-          <a:noFill/>
-        </p:spPr>
-        <p:txBody>
-          <a:bodyPr wrap="square" rtlCol="0">
-            <a:spAutoFit/>
-          </a:bodyPr>
-          <a:lstStyle/>
-          <a:p>
-            <a:r>
-              <a:rPr lang="pt-BR" dirty="0"/>
-              <a:t>HTML</a:t>
-            </a:r>
-          </a:p>
-        </p:txBody>
-      </p:sp>
       <p:pic>
         <p:nvPicPr>
-          <p:cNvPr id="6" name="Imagem 5">
-            <a:extLst>
-              <a:ext uri="{FF2B5EF4-FFF2-40B4-BE49-F238E27FC236}">
-                <a16:creationId xmlns:a16="http://schemas.microsoft.com/office/drawing/2014/main" id="{441E0788-1DD8-46D0-A007-D1F978588D47}"/>
+          <p:cNvPr id="11" name="Imagem 10">
+            <a:extLst>
+              <a:ext uri="{FF2B5EF4-FFF2-40B4-BE49-F238E27FC236}">
+                <a16:creationId xmlns:a16="http://schemas.microsoft.com/office/drawing/2014/main" id="{876DD2B0-819B-4803-A1F7-FE66D9434B9C}"/>
               </a:ext>
             </a:extLst>
           </p:cNvPr>
@@ -8064,56 +7998,20 @@
         </p:blipFill>
         <p:spPr>
           <a:xfrm>
-            <a:off x="1461525" y="1452140"/>
-            <a:ext cx="973282" cy="1118340"/>
+            <a:off x="323781" y="606586"/>
+            <a:ext cx="3251032" cy="933310"/>
           </a:xfrm>
           <a:prstGeom prst="rect">
             <a:avLst/>
           </a:prstGeom>
         </p:spPr>
       </p:pic>
-      <p:sp>
-        <p:nvSpPr>
-          <p:cNvPr id="8" name="CaixaDeTexto 7">
-            <a:extLst>
-              <a:ext uri="{FF2B5EF4-FFF2-40B4-BE49-F238E27FC236}">
-                <a16:creationId xmlns:a16="http://schemas.microsoft.com/office/drawing/2014/main" id="{47498322-37BA-4368-84A1-AB99E4012E0D}"/>
-              </a:ext>
-            </a:extLst>
-          </p:cNvPr>
-          <p:cNvSpPr txBox="1"/>
-          <p:nvPr/>
-        </p:nvSpPr>
-        <p:spPr>
-          <a:xfrm>
-            <a:off x="6858117" y="2684781"/>
-            <a:ext cx="1136073" cy="369332"/>
-          </a:xfrm>
-          <a:prstGeom prst="rect">
-            <a:avLst/>
-          </a:prstGeom>
-          <a:noFill/>
-        </p:spPr>
-        <p:txBody>
-          <a:bodyPr wrap="square" rtlCol="0">
-            <a:spAutoFit/>
-          </a:bodyPr>
-          <a:lstStyle/>
-          <a:p>
-            <a:r>
-              <a:rPr lang="pt-BR" dirty="0" err="1"/>
-              <a:t>JavaScript</a:t>
-            </a:r>
-            <a:endParaRPr lang="pt-BR" dirty="0"/>
-          </a:p>
-        </p:txBody>
-      </p:sp>
       <p:pic>
         <p:nvPicPr>
-          <p:cNvPr id="7" name="Imagem 6">
-            <a:extLst>
-              <a:ext uri="{FF2B5EF4-FFF2-40B4-BE49-F238E27FC236}">
-                <a16:creationId xmlns:a16="http://schemas.microsoft.com/office/drawing/2014/main" id="{DB322813-BB46-48D2-8B20-E0113A3752C5}"/>
+          <p:cNvPr id="14" name="Imagem 13">
+            <a:extLst>
+              <a:ext uri="{FF2B5EF4-FFF2-40B4-BE49-F238E27FC236}">
+                <a16:creationId xmlns:a16="http://schemas.microsoft.com/office/drawing/2014/main" id="{7917ED32-0E72-48D8-B9CC-41B7E1A348C5}"/>
               </a:ext>
             </a:extLst>
           </p:cNvPr>
@@ -8130,49 +8028,14 @@
         </p:blipFill>
         <p:spPr>
           <a:xfrm>
-            <a:off x="3980699" y="1285745"/>
-            <a:ext cx="1279606" cy="1372815"/>
+            <a:off x="729230" y="2639045"/>
+            <a:ext cx="2605851" cy="1588934"/>
           </a:xfrm>
           <a:prstGeom prst="rect">
             <a:avLst/>
           </a:prstGeom>
         </p:spPr>
       </p:pic>
-      <p:sp>
-        <p:nvSpPr>
-          <p:cNvPr id="9" name="CaixaDeTexto 8">
-            <a:extLst>
-              <a:ext uri="{FF2B5EF4-FFF2-40B4-BE49-F238E27FC236}">
-                <a16:creationId xmlns:a16="http://schemas.microsoft.com/office/drawing/2014/main" id="{E0B569BE-BCBC-4990-8AB6-89129AAB9DCF}"/>
-              </a:ext>
-            </a:extLst>
-          </p:cNvPr>
-          <p:cNvSpPr txBox="1"/>
-          <p:nvPr/>
-        </p:nvSpPr>
-        <p:spPr>
-          <a:xfrm>
-            <a:off x="4368268" y="2684781"/>
-            <a:ext cx="563603" cy="369332"/>
-          </a:xfrm>
-          <a:prstGeom prst="rect">
-            <a:avLst/>
-          </a:prstGeom>
-          <a:noFill/>
-        </p:spPr>
-        <p:txBody>
-          <a:bodyPr wrap="square" rtlCol="0">
-            <a:spAutoFit/>
-          </a:bodyPr>
-          <a:lstStyle/>
-          <a:p>
-            <a:r>
-              <a:rPr lang="pt-BR" dirty="0"/>
-              <a:t>CSS</a:t>
-            </a:r>
-          </a:p>
-        </p:txBody>
-      </p:sp>
       <p:pic>
         <p:nvPicPr>
           <p:cNvPr id="10" name="Imagem 9">
@@ -8195,8 +8058,8 @@
         </p:blipFill>
         <p:spPr>
           <a:xfrm>
-            <a:off x="3784044" y="3293774"/>
-            <a:ext cx="1732047" cy="1058101"/>
+            <a:off x="599542" y="4930536"/>
+            <a:ext cx="2862063" cy="1582664"/>
           </a:xfrm>
           <a:prstGeom prst="rect">
             <a:avLst/>
@@ -8205,10 +8068,10 @@
       </p:pic>
       <p:pic>
         <p:nvPicPr>
-          <p:cNvPr id="11" name="Imagem 10">
-            <a:extLst>
-              <a:ext uri="{FF2B5EF4-FFF2-40B4-BE49-F238E27FC236}">
-                <a16:creationId xmlns:a16="http://schemas.microsoft.com/office/drawing/2014/main" id="{876DD2B0-819B-4803-A1F7-FE66D9434B9C}"/>
+          <p:cNvPr id="6" name="Imagem 5">
+            <a:extLst>
+              <a:ext uri="{FF2B5EF4-FFF2-40B4-BE49-F238E27FC236}">
+                <a16:creationId xmlns:a16="http://schemas.microsoft.com/office/drawing/2014/main" id="{441E0788-1DD8-46D0-A007-D1F978588D47}"/>
               </a:ext>
             </a:extLst>
           </p:cNvPr>
@@ -8225,20 +8088,362 @@
         </p:blipFill>
         <p:spPr>
           <a:xfrm>
-            <a:off x="6560767" y="3300056"/>
-            <a:ext cx="1952488" cy="924791"/>
+            <a:off x="5338049" y="4896348"/>
+            <a:ext cx="1581298" cy="1581298"/>
           </a:xfrm>
           <a:prstGeom prst="rect">
             <a:avLst/>
           </a:prstGeom>
         </p:spPr>
       </p:pic>
+      <p:sp>
+        <p:nvSpPr>
+          <p:cNvPr id="16" name="Rectangle 18">
+            <a:extLst>
+              <a:ext uri="{FF2B5EF4-FFF2-40B4-BE49-F238E27FC236}">
+                <a16:creationId xmlns:a16="http://schemas.microsoft.com/office/drawing/2014/main" id="{A5A17FC0-D416-4C8B-A9E6-5924D352B986}"/>
+              </a:ext>
+              <a:ext uri="{C183D7F6-B498-43B3-948B-1728B52AA6E4}">
+                <adec:decorative xmlns:adec="http://schemas.microsoft.com/office/drawing/2017/decorative" val="1"/>
+              </a:ext>
+            </a:extLst>
+          </p:cNvPr>
+          <p:cNvSpPr>
+            <a:spLocks noGrp="1" noRot="1" noChangeAspect="1" noMove="1" noResize="1" noEditPoints="1" noAdjustHandles="1" noChangeArrowheads="1" noChangeShapeType="1" noTextEdit="1"/>
+          </p:cNvSpPr>
+          <p:nvPr>
+            <p:extLst>
+              <p:ext uri="{386F3935-93C4-4BCD-93E2-E3B085C9AB24}">
+                <p16:designElem xmlns:p16="http://schemas.microsoft.com/office/powerpoint/2015/main" val="1"/>
+              </p:ext>
+            </p:extLst>
+          </p:nvPr>
+        </p:nvSpPr>
+        <p:spPr>
+          <a:xfrm>
+            <a:off x="7955127" y="-680"/>
+            <a:ext cx="4236873" cy="6858681"/>
+          </a:xfrm>
+          <a:prstGeom prst="rect">
+            <a:avLst/>
+          </a:prstGeom>
+          <a:solidFill>
+            <a:srgbClr val="404040"/>
+          </a:solidFill>
+          <a:ln>
+            <a:noFill/>
+          </a:ln>
+        </p:spPr>
+        <p:style>
+          <a:lnRef idx="2">
+            <a:schemeClr val="accent1">
+              <a:shade val="50000"/>
+            </a:schemeClr>
+          </a:lnRef>
+          <a:fillRef idx="1">
+            <a:schemeClr val="accent1"/>
+          </a:fillRef>
+          <a:effectRef idx="0">
+            <a:schemeClr val="accent1"/>
+          </a:effectRef>
+          <a:fontRef idx="minor">
+            <a:schemeClr val="lt1"/>
+          </a:fontRef>
+        </p:style>
+        <p:txBody>
+          <a:bodyPr rtlCol="0" anchor="ctr"/>
+          <a:lstStyle/>
+          <a:p>
+            <a:pPr marL="0" marR="0" lvl="0" indent="0" algn="ctr" defTabSz="914400" rtl="0" eaLnBrk="1" fontAlgn="auto" latinLnBrk="0" hangingPunct="1">
+              <a:lnSpc>
+                <a:spcPct val="100000"/>
+              </a:lnSpc>
+              <a:spcBef>
+                <a:spcPts val="0"/>
+              </a:spcBef>
+              <a:spcAft>
+                <a:spcPts val="0"/>
+              </a:spcAft>
+              <a:buClrTx/>
+              <a:buSzTx/>
+              <a:buFontTx/>
+              <a:buNone/>
+              <a:tabLst/>
+              <a:defRPr/>
+            </a:pPr>
+            <a:endParaRPr kumimoji="0" lang="en-US" sz="1800" b="0" i="0" u="none" strike="noStrike" kern="1200" cap="none" spc="0" normalizeH="0" baseline="0" noProof="0">
+              <a:ln>
+                <a:noFill/>
+              </a:ln>
+              <a:solidFill>
+                <a:prstClr val="white"/>
+              </a:solidFill>
+              <a:effectLst/>
+              <a:uLnTx/>
+              <a:uFillTx/>
+              <a:latin typeface="Calibri" panose="020F0502020204030204"/>
+              <a:ea typeface="+mn-ea"/>
+              <a:cs typeface="+mn-cs"/>
+            </a:endParaRPr>
+          </a:p>
+        </p:txBody>
+      </p:sp>
+      <p:sp>
+        <p:nvSpPr>
+          <p:cNvPr id="2" name="Título 1">
+            <a:extLst>
+              <a:ext uri="{FF2B5EF4-FFF2-40B4-BE49-F238E27FC236}">
+                <a16:creationId xmlns:a16="http://schemas.microsoft.com/office/drawing/2014/main" id="{BB9F5C48-74F6-42C7-8789-53D6CC833006}"/>
+              </a:ext>
+            </a:extLst>
+          </p:cNvPr>
+          <p:cNvSpPr>
+            <a:spLocks noGrp="1"/>
+          </p:cNvSpPr>
+          <p:nvPr>
+            <p:ph type="title"/>
+          </p:nvPr>
+        </p:nvSpPr>
+        <p:spPr>
+          <a:xfrm>
+            <a:off x="8282152" y="1010485"/>
+            <a:ext cx="2840391" cy="3353959"/>
+          </a:xfrm>
+        </p:spPr>
+        <p:txBody>
+          <a:bodyPr vert="horz" lIns="91440" tIns="45720" rIns="91440" bIns="45720" rtlCol="0" anchor="b">
+            <a:normAutofit/>
+          </a:bodyPr>
+          <a:lstStyle/>
+          <a:p>
+            <a:r>
+              <a:rPr lang="en-US" sz="4800" b="1" kern="1200">
+                <a:solidFill>
+                  <a:srgbClr val="FFFFFF"/>
+                </a:solidFill>
+                <a:latin typeface="+mj-lt"/>
+                <a:ea typeface="+mj-ea"/>
+                <a:cs typeface="+mj-cs"/>
+              </a:rPr>
+              <a:t>Desafios</a:t>
+            </a:r>
+          </a:p>
+        </p:txBody>
+      </p:sp>
+      <p:cxnSp>
+        <p:nvCxnSpPr>
+          <p:cNvPr id="21" name="Straight Connector 20">
+            <a:extLst>
+              <a:ext uri="{FF2B5EF4-FFF2-40B4-BE49-F238E27FC236}">
+                <a16:creationId xmlns:a16="http://schemas.microsoft.com/office/drawing/2014/main" id="{982DC870-E8E5-4050-B10C-CC24FC67E50A}"/>
+              </a:ext>
+              <a:ext uri="{C183D7F6-B498-43B3-948B-1728B52AA6E4}">
+                <adec:decorative xmlns:adec="http://schemas.microsoft.com/office/drawing/2017/decorative" val="1"/>
+              </a:ext>
+            </a:extLst>
+          </p:cNvPr>
+          <p:cNvCxnSpPr>
+            <a:cxnSpLocks noGrp="1" noRot="1" noChangeAspect="1" noMove="1" noResize="1" noEditPoints="1" noAdjustHandles="1" noChangeArrowheads="1" noChangeShapeType="1"/>
+          </p:cNvCxnSpPr>
+          <p:nvPr>
+            <p:extLst>
+              <p:ext uri="{386F3935-93C4-4BCD-93E2-E3B085C9AB24}">
+                <p16:designElem xmlns:p16="http://schemas.microsoft.com/office/powerpoint/2015/main" val="1"/>
+              </p:ext>
+            </p:extLst>
+          </p:nvPr>
+        </p:nvCxnSpPr>
+        <p:spPr>
+          <a:xfrm flipH="1">
+            <a:off x="0" y="2285774"/>
+            <a:ext cx="8020742" cy="0"/>
+          </a:xfrm>
+          <a:prstGeom prst="line">
+            <a:avLst/>
+          </a:prstGeom>
+          <a:ln w="101600">
+            <a:solidFill>
+              <a:srgbClr val="404040"/>
+            </a:solidFill>
+          </a:ln>
+        </p:spPr>
+        <p:style>
+          <a:lnRef idx="1">
+            <a:schemeClr val="accent1"/>
+          </a:lnRef>
+          <a:fillRef idx="0">
+            <a:schemeClr val="accent1"/>
+          </a:fillRef>
+          <a:effectRef idx="0">
+            <a:schemeClr val="accent1"/>
+          </a:effectRef>
+          <a:fontRef idx="minor">
+            <a:schemeClr val="tx1"/>
+          </a:fontRef>
+        </p:style>
+      </p:cxnSp>
+      <p:cxnSp>
+        <p:nvCxnSpPr>
+          <p:cNvPr id="23" name="Straight Connector 22">
+            <a:extLst>
+              <a:ext uri="{FF2B5EF4-FFF2-40B4-BE49-F238E27FC236}">
+                <a16:creationId xmlns:a16="http://schemas.microsoft.com/office/drawing/2014/main" id="{FF76A74F-C283-4DED-BD4D-086753B7CB00}"/>
+              </a:ext>
+              <a:ext uri="{C183D7F6-B498-43B3-948B-1728B52AA6E4}">
+                <adec:decorative xmlns:adec="http://schemas.microsoft.com/office/drawing/2017/decorative" val="1"/>
+              </a:ext>
+            </a:extLst>
+          </p:cNvPr>
+          <p:cNvCxnSpPr>
+            <a:cxnSpLocks noGrp="1" noRot="1" noChangeAspect="1" noMove="1" noResize="1" noEditPoints="1" noAdjustHandles="1" noChangeArrowheads="1" noChangeShapeType="1"/>
+          </p:cNvCxnSpPr>
+          <p:nvPr>
+            <p:extLst>
+              <p:ext uri="{386F3935-93C4-4BCD-93E2-E3B085C9AB24}">
+                <p16:designElem xmlns:p16="http://schemas.microsoft.com/office/powerpoint/2015/main" val="1"/>
+              </p:ext>
+            </p:extLst>
+          </p:nvPr>
+        </p:nvCxnSpPr>
+        <p:spPr>
+          <a:xfrm flipH="1">
+            <a:off x="1" y="4571549"/>
+            <a:ext cx="8113985" cy="0"/>
+          </a:xfrm>
+          <a:prstGeom prst="line">
+            <a:avLst/>
+          </a:prstGeom>
+          <a:ln w="101600">
+            <a:solidFill>
+              <a:srgbClr val="404040"/>
+            </a:solidFill>
+          </a:ln>
+        </p:spPr>
+        <p:style>
+          <a:lnRef idx="1">
+            <a:schemeClr val="accent1"/>
+          </a:lnRef>
+          <a:fillRef idx="0">
+            <a:schemeClr val="accent1"/>
+          </a:fillRef>
+          <a:effectRef idx="0">
+            <a:schemeClr val="accent1"/>
+          </a:effectRef>
+          <a:fontRef idx="minor">
+            <a:schemeClr val="tx1"/>
+          </a:fontRef>
+        </p:style>
+      </p:cxnSp>
+      <p:cxnSp>
+        <p:nvCxnSpPr>
+          <p:cNvPr id="25" name="Straight Connector 24">
+            <a:extLst>
+              <a:ext uri="{FF2B5EF4-FFF2-40B4-BE49-F238E27FC236}">
+                <a16:creationId xmlns:a16="http://schemas.microsoft.com/office/drawing/2014/main" id="{3B2791FB-B2F7-4BBE-B8D8-74C37FF9E85C}"/>
+              </a:ext>
+              <a:ext uri="{C183D7F6-B498-43B3-948B-1728B52AA6E4}">
+                <adec:decorative xmlns:adec="http://schemas.microsoft.com/office/drawing/2017/decorative" val="1"/>
+              </a:ext>
+            </a:extLst>
+          </p:cNvPr>
+          <p:cNvCxnSpPr>
+            <a:cxnSpLocks noGrp="1" noRot="1" noChangeAspect="1" noMove="1" noResize="1" noEditPoints="1" noAdjustHandles="1" noChangeArrowheads="1" noChangeShapeType="1"/>
+          </p:cNvCxnSpPr>
+          <p:nvPr>
+            <p:extLst>
+              <p:ext uri="{386F3935-93C4-4BCD-93E2-E3B085C9AB24}">
+                <p16:designElem xmlns:p16="http://schemas.microsoft.com/office/powerpoint/2015/main" val="1"/>
+              </p:ext>
+            </p:extLst>
+          </p:nvPr>
+        </p:nvCxnSpPr>
+        <p:spPr>
+          <a:xfrm>
+            <a:off x="4064319" y="-680"/>
+            <a:ext cx="0" cy="6858003"/>
+          </a:xfrm>
+          <a:prstGeom prst="line">
+            <a:avLst/>
+          </a:prstGeom>
+          <a:ln w="101600">
+            <a:solidFill>
+              <a:srgbClr val="404040"/>
+            </a:solidFill>
+          </a:ln>
+        </p:spPr>
+        <p:style>
+          <a:lnRef idx="1">
+            <a:schemeClr val="accent1"/>
+          </a:lnRef>
+          <a:fillRef idx="0">
+            <a:schemeClr val="accent1"/>
+          </a:fillRef>
+          <a:effectRef idx="0">
+            <a:schemeClr val="accent1"/>
+          </a:effectRef>
+          <a:fontRef idx="minor">
+            <a:schemeClr val="tx1"/>
+          </a:fontRef>
+        </p:style>
+      </p:cxnSp>
+      <p:cxnSp>
+        <p:nvCxnSpPr>
+          <p:cNvPr id="27" name="Straight Connector 26">
+            <a:extLst>
+              <a:ext uri="{FF2B5EF4-FFF2-40B4-BE49-F238E27FC236}">
+                <a16:creationId xmlns:a16="http://schemas.microsoft.com/office/drawing/2014/main" id="{9891B5DE-6811-4844-BB18-472A3F360EE5}"/>
+              </a:ext>
+              <a:ext uri="{C183D7F6-B498-43B3-948B-1728B52AA6E4}">
+                <adec:decorative xmlns:adec="http://schemas.microsoft.com/office/drawing/2017/decorative" val="1"/>
+              </a:ext>
+            </a:extLst>
+          </p:cNvPr>
+          <p:cNvCxnSpPr>
+            <a:cxnSpLocks noGrp="1" noRot="1" noChangeAspect="1" noMove="1" noResize="1" noEditPoints="1" noAdjustHandles="1" noChangeArrowheads="1" noChangeShapeType="1"/>
+          </p:cNvCxnSpPr>
+          <p:nvPr>
+            <p:extLst>
+              <p:ext uri="{386F3935-93C4-4BCD-93E2-E3B085C9AB24}">
+                <p16:designElem xmlns:p16="http://schemas.microsoft.com/office/powerpoint/2015/main" val="1"/>
+              </p:ext>
+            </p:extLst>
+          </p:nvPr>
+        </p:nvCxnSpPr>
+        <p:spPr>
+          <a:xfrm>
+            <a:off x="8020742" y="-680"/>
+            <a:ext cx="0" cy="2240280"/>
+          </a:xfrm>
+          <a:prstGeom prst="line">
+            <a:avLst/>
+          </a:prstGeom>
+          <a:ln w="101600">
+            <a:solidFill>
+              <a:srgbClr val="404040"/>
+            </a:solidFill>
+          </a:ln>
+        </p:spPr>
+        <p:style>
+          <a:lnRef idx="1">
+            <a:schemeClr val="accent1"/>
+          </a:lnRef>
+          <a:fillRef idx="0">
+            <a:schemeClr val="accent1"/>
+          </a:fillRef>
+          <a:effectRef idx="0">
+            <a:schemeClr val="accent1"/>
+          </a:effectRef>
+          <a:fontRef idx="minor">
+            <a:schemeClr val="tx1"/>
+          </a:fontRef>
+        </p:style>
+      </p:cxnSp>
       <p:pic>
         <p:nvPicPr>
-          <p:cNvPr id="12" name="Imagem 11">
-            <a:extLst>
-              <a:ext uri="{FF2B5EF4-FFF2-40B4-BE49-F238E27FC236}">
-                <a16:creationId xmlns:a16="http://schemas.microsoft.com/office/drawing/2014/main" id="{C063906D-472F-4833-926A-F3AC9709D17D}"/>
+          <p:cNvPr id="4" name="Imagem 3">
+            <a:extLst>
+              <a:ext uri="{FF2B5EF4-FFF2-40B4-BE49-F238E27FC236}">
+                <a16:creationId xmlns:a16="http://schemas.microsoft.com/office/drawing/2014/main" id="{5CD19F99-AC41-46F7-AB6F-04F87730D0BD}"/>
               </a:ext>
             </a:extLst>
           </p:cNvPr>
@@ -8255,157 +8460,74 @@
         </p:blipFill>
         <p:spPr>
           <a:xfrm>
-            <a:off x="8198412" y="5000976"/>
-            <a:ext cx="997575" cy="986887"/>
+            <a:off x="5371726" y="2490861"/>
+            <a:ext cx="1513944" cy="1714847"/>
           </a:xfrm>
           <a:prstGeom prst="rect">
             <a:avLst/>
           </a:prstGeom>
         </p:spPr>
       </p:pic>
-      <p:pic>
-        <p:nvPicPr>
-          <p:cNvPr id="13" name="Imagem 12">
-            <a:extLst>
-              <a:ext uri="{FF2B5EF4-FFF2-40B4-BE49-F238E27FC236}">
-                <a16:creationId xmlns:a16="http://schemas.microsoft.com/office/drawing/2014/main" id="{A8DB50D4-F274-41C2-95ED-85EE4258595F}"/>
-              </a:ext>
-            </a:extLst>
-          </p:cNvPr>
-          <p:cNvPicPr>
-            <a:picLocks noChangeAspect="1"/>
-          </p:cNvPicPr>
-          <p:nvPr/>
-        </p:nvPicPr>
-        <p:blipFill>
-          <a:blip r:embed="rId8"/>
-          <a:stretch>
-            <a:fillRect/>
-          </a:stretch>
-        </p:blipFill>
+      <p:cxnSp>
+        <p:nvCxnSpPr>
+          <p:cNvPr id="29" name="Straight Connector 28">
+            <a:extLst>
+              <a:ext uri="{FF2B5EF4-FFF2-40B4-BE49-F238E27FC236}">
+                <a16:creationId xmlns:a16="http://schemas.microsoft.com/office/drawing/2014/main" id="{77A9CA3A-7216-41E0-B3CD-058077FD396D}"/>
+              </a:ext>
+              <a:ext uri="{C183D7F6-B498-43B3-948B-1728B52AA6E4}">
+                <adec:decorative xmlns:adec="http://schemas.microsoft.com/office/drawing/2017/decorative" val="1"/>
+              </a:ext>
+            </a:extLst>
+          </p:cNvPr>
+          <p:cNvCxnSpPr>
+            <a:cxnSpLocks noGrp="1" noRot="1" noChangeAspect="1" noMove="1" noResize="1" noEditPoints="1" noAdjustHandles="1" noChangeArrowheads="1" noChangeShapeType="1"/>
+          </p:cNvCxnSpPr>
+          <p:nvPr>
+            <p:extLst>
+              <p:ext uri="{386F3935-93C4-4BCD-93E2-E3B085C9AB24}">
+                <p16:designElem xmlns:p16="http://schemas.microsoft.com/office/powerpoint/2015/main" val="1"/>
+              </p:ext>
+            </p:extLst>
+          </p:nvPr>
+        </p:nvCxnSpPr>
         <p:spPr>
           <a:xfrm>
-            <a:off x="9467247" y="1313386"/>
-            <a:ext cx="1046414" cy="1115774"/>
+            <a:off x="8340636" y="4571549"/>
+            <a:ext cx="1892695" cy="0"/>
           </a:xfrm>
-          <a:prstGeom prst="rect">
+          <a:prstGeom prst="line">
             <a:avLst/>
           </a:prstGeom>
+          <a:ln w="15875">
+            <a:solidFill>
+              <a:srgbClr val="FFFFFF">
+                <a:alpha val="75000"/>
+              </a:srgbClr>
+            </a:solidFill>
+          </a:ln>
         </p:spPr>
-      </p:pic>
-      <p:pic>
-        <p:nvPicPr>
-          <p:cNvPr id="14" name="Imagem 13">
-            <a:extLst>
-              <a:ext uri="{FF2B5EF4-FFF2-40B4-BE49-F238E27FC236}">
-                <a16:creationId xmlns:a16="http://schemas.microsoft.com/office/drawing/2014/main" id="{7917ED32-0E72-48D8-B9CC-41B7E1A348C5}"/>
-              </a:ext>
-            </a:extLst>
-          </p:cNvPr>
-          <p:cNvPicPr>
-            <a:picLocks noChangeAspect="1"/>
-          </p:cNvPicPr>
-          <p:nvPr/>
-        </p:nvPicPr>
-        <p:blipFill>
-          <a:blip r:embed="rId9"/>
-          <a:stretch>
-            <a:fillRect/>
-          </a:stretch>
-        </p:blipFill>
-        <p:spPr>
-          <a:xfrm>
-            <a:off x="9232614" y="3293774"/>
-            <a:ext cx="1957032" cy="1193312"/>
-          </a:xfrm>
-          <a:prstGeom prst="rect">
-            <a:avLst/>
-          </a:prstGeom>
-        </p:spPr>
-      </p:pic>
-      <p:pic>
-        <p:nvPicPr>
-          <p:cNvPr id="1030" name="Picture 6" descr="Git for Windows">
-            <a:extLst>
-              <a:ext uri="{FF2B5EF4-FFF2-40B4-BE49-F238E27FC236}">
-                <a16:creationId xmlns:a16="http://schemas.microsoft.com/office/drawing/2014/main" id="{D0D07706-0F22-44EA-AC02-FF680E2EA2DA}"/>
-              </a:ext>
-            </a:extLst>
-          </p:cNvPr>
-          <p:cNvPicPr>
-            <a:picLocks noChangeAspect="1" noChangeArrowheads="1"/>
-          </p:cNvPicPr>
-          <p:nvPr/>
-        </p:nvPicPr>
-        <p:blipFill>
-          <a:blip r:embed="rId10">
-            <a:extLst>
-              <a:ext uri="{28A0092B-C50C-407E-A947-70E740481C1C}">
-                <a14:useLocalDpi xmlns:a14="http://schemas.microsoft.com/office/drawing/2010/main" val="0"/>
-              </a:ext>
-            </a:extLst>
-          </a:blip>
-          <a:srcRect/>
-          <a:stretch>
-            <a:fillRect/>
-          </a:stretch>
-        </p:blipFill>
-        <p:spPr bwMode="auto">
-          <a:xfrm>
-            <a:off x="1399719" y="3429000"/>
-            <a:ext cx="975677" cy="975677"/>
-          </a:xfrm>
-          <a:prstGeom prst="rect">
-            <a:avLst/>
-          </a:prstGeom>
-          <a:noFill/>
-          <a:extLst>
-            <a:ext uri="{909E8E84-426E-40DD-AFC4-6F175D3DCCD1}">
-              <a14:hiddenFill xmlns:a14="http://schemas.microsoft.com/office/drawing/2010/main">
-                <a:solidFill>
-                  <a:srgbClr val="FFFFFF"/>
-                </a:solidFill>
-              </a14:hiddenFill>
-            </a:ext>
-          </a:extLst>
-        </p:spPr>
-      </p:pic>
-      <p:pic>
-        <p:nvPicPr>
-          <p:cNvPr id="15" name="Imagem 14">
-            <a:extLst>
-              <a:ext uri="{FF2B5EF4-FFF2-40B4-BE49-F238E27FC236}">
-                <a16:creationId xmlns:a16="http://schemas.microsoft.com/office/drawing/2014/main" id="{351E6D65-45BA-418D-8AF2-B48A28A736C6}"/>
-              </a:ext>
-            </a:extLst>
-          </p:cNvPr>
-          <p:cNvPicPr>
-            <a:picLocks noChangeAspect="1"/>
-          </p:cNvPicPr>
-          <p:nvPr/>
-        </p:nvPicPr>
-        <p:blipFill>
-          <a:blip r:embed="rId11"/>
-          <a:stretch>
-            <a:fillRect/>
-          </a:stretch>
-        </p:blipFill>
-        <p:spPr>
-          <a:xfrm>
-            <a:off x="2937510" y="5000976"/>
-            <a:ext cx="975677" cy="975677"/>
-          </a:xfrm>
-          <a:prstGeom prst="rect">
-            <a:avLst/>
-          </a:prstGeom>
-        </p:spPr>
-      </p:pic>
+        <p:style>
+          <a:lnRef idx="1">
+            <a:schemeClr val="accent1"/>
+          </a:lnRef>
+          <a:fillRef idx="0">
+            <a:schemeClr val="accent1"/>
+          </a:fillRef>
+          <a:effectRef idx="0">
+            <a:schemeClr val="accent1"/>
+          </a:effectRef>
+          <a:fontRef idx="minor">
+            <a:schemeClr val="tx1"/>
+          </a:fontRef>
+        </p:style>
+      </p:cxnSp>
       <p:sp>
         <p:nvSpPr>
-          <p:cNvPr id="17" name="CaixaDeTexto 16">
-            <a:extLst>
-              <a:ext uri="{FF2B5EF4-FFF2-40B4-BE49-F238E27FC236}">
-                <a16:creationId xmlns:a16="http://schemas.microsoft.com/office/drawing/2014/main" id="{3182933D-7B4E-4F1E-978E-0D4B90F2455D}"/>
+          <p:cNvPr id="5" name="CaixaDeTexto 4">
+            <a:extLst>
+              <a:ext uri="{FF2B5EF4-FFF2-40B4-BE49-F238E27FC236}">
+                <a16:creationId xmlns:a16="http://schemas.microsoft.com/office/drawing/2014/main" id="{470A6EBA-2393-4ECB-9D96-05174931060E}"/>
               </a:ext>
             </a:extLst>
           </p:cNvPr>
@@ -8414,8 +8536,8 @@
         </p:nvSpPr>
         <p:spPr>
           <a:xfrm>
-            <a:off x="3206591" y="6077269"/>
-            <a:ext cx="706596" cy="369332"/>
+            <a:off x="5728648" y="6502537"/>
+            <a:ext cx="800100" cy="369332"/>
           </a:xfrm>
           <a:prstGeom prst="rect">
             <a:avLst/>
@@ -8428,19 +8550,24 @@
           </a:bodyPr>
           <a:lstStyle/>
           <a:p>
+            <a:pPr>
+              <a:spcAft>
+                <a:spcPts val="600"/>
+              </a:spcAft>
+            </a:pPr>
             <a:r>
               <a:rPr lang="pt-BR" dirty="0"/>
-              <a:t>Word</a:t>
+              <a:t>HTML</a:t>
             </a:r>
           </a:p>
         </p:txBody>
       </p:sp>
       <p:sp>
         <p:nvSpPr>
-          <p:cNvPr id="18" name="CaixaDeTexto 17">
-            <a:extLst>
-              <a:ext uri="{FF2B5EF4-FFF2-40B4-BE49-F238E27FC236}">
-                <a16:creationId xmlns:a16="http://schemas.microsoft.com/office/drawing/2014/main" id="{20E90ADF-B19F-4695-A550-7DC51AF6E771}"/>
+          <p:cNvPr id="8" name="CaixaDeTexto 7">
+            <a:extLst>
+              <a:ext uri="{FF2B5EF4-FFF2-40B4-BE49-F238E27FC236}">
+                <a16:creationId xmlns:a16="http://schemas.microsoft.com/office/drawing/2014/main" id="{47498322-37BA-4368-84A1-AB99E4012E0D}"/>
               </a:ext>
             </a:extLst>
           </p:cNvPr>
@@ -8449,8 +8576,8 @@
         </p:nvSpPr>
         <p:spPr>
           <a:xfrm>
-            <a:off x="8120560" y="6072763"/>
-            <a:ext cx="1346687" cy="369332"/>
+            <a:off x="5527963" y="4197045"/>
+            <a:ext cx="1136073" cy="369332"/>
           </a:xfrm>
           <a:prstGeom prst="rect">
             <a:avLst/>
@@ -8463,19 +8590,25 @@
           </a:bodyPr>
           <a:lstStyle/>
           <a:p>
+            <a:pPr>
+              <a:spcAft>
+                <a:spcPts val="600"/>
+              </a:spcAft>
+            </a:pPr>
             <a:r>
-              <a:rPr lang="pt-BR" dirty="0"/>
-              <a:t>Power Point</a:t>
+              <a:rPr lang="pt-BR" dirty="0" err="1"/>
+              <a:t>JavaScript</a:t>
             </a:r>
+            <a:endParaRPr lang="pt-BR" dirty="0"/>
           </a:p>
         </p:txBody>
       </p:sp>
       <p:sp>
         <p:nvSpPr>
-          <p:cNvPr id="19" name="CaixaDeTexto 18">
-            <a:extLst>
-              <a:ext uri="{FF2B5EF4-FFF2-40B4-BE49-F238E27FC236}">
-                <a16:creationId xmlns:a16="http://schemas.microsoft.com/office/drawing/2014/main" id="{95BA2350-664F-4198-829D-C661F239E6F5}"/>
+          <p:cNvPr id="9" name="CaixaDeTexto 8">
+            <a:extLst>
+              <a:ext uri="{FF2B5EF4-FFF2-40B4-BE49-F238E27FC236}">
+                <a16:creationId xmlns:a16="http://schemas.microsoft.com/office/drawing/2014/main" id="{E0B569BE-BCBC-4990-8AB6-89129AAB9DCF}"/>
               </a:ext>
             </a:extLst>
           </p:cNvPr>
@@ -8484,8 +8617,8 @@
         </p:nvSpPr>
         <p:spPr>
           <a:xfrm>
-            <a:off x="1399719" y="4487086"/>
-            <a:ext cx="1035444" cy="369332"/>
+            <a:off x="5830365" y="1836066"/>
+            <a:ext cx="563603" cy="369332"/>
           </a:xfrm>
           <a:prstGeom prst="rect">
             <a:avLst/>
@@ -8498,59 +8631,15 @@
           </a:bodyPr>
           <a:lstStyle/>
           <a:p>
-            <a:r>
-              <a:rPr lang="pt-BR" dirty="0" err="1"/>
-              <a:t>Git</a:t>
-            </a:r>
+            <a:pPr>
+              <a:spcAft>
+                <a:spcPts val="600"/>
+              </a:spcAft>
+            </a:pPr>
             <a:r>
               <a:rPr lang="pt-BR" dirty="0"/>
-              <a:t> </a:t>
+              <a:t>CSS</a:t>
             </a:r>
-            <a:r>
-              <a:rPr lang="pt-BR" dirty="0" err="1"/>
-              <a:t>Bash</a:t>
-            </a:r>
-            <a:endParaRPr lang="pt-BR" dirty="0"/>
-          </a:p>
-        </p:txBody>
-      </p:sp>
-      <p:sp>
-        <p:nvSpPr>
-          <p:cNvPr id="20" name="CaixaDeTexto 19">
-            <a:extLst>
-              <a:ext uri="{FF2B5EF4-FFF2-40B4-BE49-F238E27FC236}">
-                <a16:creationId xmlns:a16="http://schemas.microsoft.com/office/drawing/2014/main" id="{00352D15-AA87-4AE7-98AA-7551532CE6C8}"/>
-              </a:ext>
-            </a:extLst>
-          </p:cNvPr>
-          <p:cNvSpPr txBox="1"/>
-          <p:nvPr/>
-        </p:nvSpPr>
-        <p:spPr>
-          <a:xfrm>
-            <a:off x="9251673" y="2684781"/>
-            <a:ext cx="1957032" cy="369332"/>
-          </a:xfrm>
-          <a:prstGeom prst="rect">
-            <a:avLst/>
-          </a:prstGeom>
-          <a:noFill/>
-        </p:spPr>
-        <p:txBody>
-          <a:bodyPr wrap="square" rtlCol="0">
-            <a:spAutoFit/>
-          </a:bodyPr>
-          <a:lstStyle/>
-          <a:p>
-            <a:r>
-              <a:rPr lang="pt-BR" dirty="0"/>
-              <a:t>Visual Studio </a:t>
-            </a:r>
-            <a:r>
-              <a:rPr lang="pt-BR" dirty="0" err="1"/>
-              <a:t>Code</a:t>
-            </a:r>
-            <a:endParaRPr lang="pt-BR" dirty="0"/>
           </a:p>
         </p:txBody>
       </p:sp>
